--- a/Session01/Session1_Slides.pptx
+++ b/Session01/Session1_Slides.pptx
@@ -5,10 +5,10 @@
     <p:sldMasterId id="2147483648" r:id="rId1"/>
   </p:sldMasterIdLst>
   <p:notesMasterIdLst>
-    <p:notesMasterId r:id="rId72"/>
+    <p:notesMasterId r:id="rId71"/>
   </p:notesMasterIdLst>
   <p:handoutMasterIdLst>
-    <p:handoutMasterId r:id="rId73"/>
+    <p:handoutMasterId r:id="rId72"/>
   </p:handoutMasterIdLst>
   <p:sldIdLst>
     <p:sldId id="256" r:id="rId2"/>
@@ -80,7 +80,6 @@
     <p:sldId id="344" r:id="rId68"/>
     <p:sldId id="345" r:id="rId69"/>
     <p:sldId id="346" r:id="rId70"/>
-    <p:sldId id="347" r:id="rId71"/>
   </p:sldIdLst>
   <p:sldSz cx="13004800" cy="9753600"/>
   <p:notesSz cx="6858000" cy="9144000"/>
@@ -933,7 +932,7 @@
           <a:p>
             <a:fld id="{5B849520-1930-4CF7-AFD0-1B7449654BAD}" type="datetimeFigureOut">
               <a:rPr lang="en-US" smtClean="0"/>
-              <a:t>9/15/2020</a:t>
+              <a:t>6/25/23</a:t>
             </a:fld>
             <a:endParaRPr lang="en-US"/>
           </a:p>
@@ -1212,12 +1211,12 @@
 </file>
 
 <file path=ppt/slideLayouts/slideLayout1.xml><?xml version="1.0" encoding="utf-8"?>
-<p:sldLayout xmlns:a="http://schemas.openxmlformats.org/drawingml/2006/main" xmlns:r="http://schemas.openxmlformats.org/officeDocument/2006/relationships" xmlns:p="http://schemas.openxmlformats.org/presentationml/2006/main" userDrawn="1">
-  <p:cSld name="Title &amp; Subtitle">
+<p:sldLayout xmlns:a="http://schemas.openxmlformats.org/drawingml/2006/main" xmlns:r="http://schemas.openxmlformats.org/officeDocument/2006/relationships" xmlns:p="http://schemas.openxmlformats.org/presentationml/2006/main" type="tx">
+  <p:cSld name="Title &amp; Subtitle Alt">
     <p:bg>
       <p:bgPr>
         <a:solidFill>
-          <a:srgbClr val="222222"/>
+          <a:srgbClr val="FFFFFF"/>
         </a:solidFill>
         <a:effectLst/>
       </p:bgPr>
@@ -1238,7 +1237,7 @@
       </p:grpSpPr>
       <p:sp>
         <p:nvSpPr>
-          <p:cNvPr id="11" name="Shape 11"/>
+          <p:cNvPr id="32" name="Shape 32"/>
           <p:cNvSpPr/>
           <p:nvPr/>
         </p:nvSpPr>
@@ -1274,12 +1273,56 @@
       </p:sp>
       <p:sp>
         <p:nvSpPr>
-          <p:cNvPr id="13" name="Shape 13"/>
+          <p:cNvPr id="33" name="Shape 33"/>
           <p:cNvSpPr>
             <a:spLocks noGrp="1"/>
           </p:cNvSpPr>
           <p:nvPr>
-            <p:ph type="body" sz="quarter" idx="1" hasCustomPrompt="1"/>
+            <p:ph type="title"/>
+          </p:nvPr>
+        </p:nvSpPr>
+        <p:spPr>
+          <a:xfrm>
+            <a:off x="406400" y="6426200"/>
+            <a:ext cx="12192000" cy="2705100"/>
+          </a:xfrm>
+          <a:prstGeom prst="rect">
+            <a:avLst/>
+          </a:prstGeom>
+        </p:spPr>
+        <p:txBody>
+          <a:bodyPr lIns="50800" tIns="50800" rIns="50800" bIns="50800" anchor="t"/>
+          <a:lstStyle>
+            <a:lvl1pPr algn="l" defTabSz="584200">
+              <a:lnSpc>
+                <a:spcPct val="80000"/>
+              </a:lnSpc>
+              <a:defRPr sz="17000" cap="all">
+                <a:solidFill>
+                  <a:schemeClr val="accent1"/>
+                </a:solidFill>
+                <a:latin typeface="DIN Condensed"/>
+                <a:ea typeface="DIN Condensed"/>
+                <a:cs typeface="DIN Condensed"/>
+                <a:sym typeface="DIN Condensed"/>
+              </a:defRPr>
+            </a:lvl1pPr>
+          </a:lstStyle>
+          <a:p>
+            <a:r>
+              <a:t>Title Text</a:t>
+            </a:r>
+          </a:p>
+        </p:txBody>
+      </p:sp>
+      <p:sp>
+        <p:nvSpPr>
+          <p:cNvPr id="34" name="Shape 34"/>
+          <p:cNvSpPr>
+            <a:spLocks noGrp="1"/>
+          </p:cNvSpPr>
+          <p:nvPr>
+            <p:ph type="body" sz="quarter" idx="1"/>
           </p:nvPr>
         </p:nvSpPr>
         <p:spPr>
@@ -1292,9 +1335,7 @@
           </a:prstGeom>
         </p:spPr>
         <p:txBody>
-          <a:bodyPr lIns="50800" tIns="50800" rIns="50800" bIns="50800" anchor="b">
-            <a:normAutofit/>
-          </a:bodyPr>
+          <a:bodyPr lIns="50800" tIns="50800" rIns="50800" bIns="50800" anchor="b"/>
           <a:lstStyle>
             <a:lvl1pPr marL="0" indent="0" defTabSz="584200">
               <a:lnSpc>
@@ -1399,35 +1440,30 @@
           </a:lstStyle>
           <a:p>
             <a:r>
-              <a:rPr dirty="0"/>
               <a:t>Body Level One</a:t>
             </a:r>
           </a:p>
           <a:p>
             <a:pPr lvl="1"/>
             <a:r>
-              <a:rPr dirty="0"/>
               <a:t>Body Level Two</a:t>
             </a:r>
           </a:p>
           <a:p>
             <a:pPr lvl="2"/>
             <a:r>
-              <a:rPr dirty="0"/>
               <a:t>Body Level Three</a:t>
             </a:r>
           </a:p>
           <a:p>
             <a:pPr lvl="3"/>
             <a:r>
-              <a:rPr dirty="0"/>
               <a:t>Body Level Four</a:t>
             </a:r>
           </a:p>
           <a:p>
             <a:pPr lvl="4"/>
             <a:r>
-              <a:rPr dirty="0"/>
               <a:t>Body Level Five</a:t>
             </a:r>
           </a:p>
@@ -1435,7 +1471,7 @@
       </p:sp>
       <p:sp>
         <p:nvSpPr>
-          <p:cNvPr id="14" name="Shape 14"/>
+          <p:cNvPr id="35" name="Shape 35"/>
           <p:cNvSpPr>
             <a:spLocks noGrp="1"/>
           </p:cNvSpPr>
@@ -1445,7 +1481,7 @@
         </p:nvSpPr>
         <p:spPr>
           <a:xfrm>
-            <a:off x="12194441" y="431800"/>
+            <a:off x="12161860" y="419100"/>
             <a:ext cx="406897" cy="457200"/>
           </a:xfrm>
           <a:prstGeom prst="rect">
@@ -1474,52 +1510,7 @@
             <a:fld id="{86CB4B4D-7CA3-9044-876B-883B54F8677D}" type="slidenum">
               <a:t>‹#›</a:t>
             </a:fld>
-            <a:endParaRPr dirty="0"/>
-          </a:p>
-        </p:txBody>
-      </p:sp>
-      <p:sp>
-        <p:nvSpPr>
-          <p:cNvPr id="3" name="Text Placeholder 2">
-            <a:extLst>
-              <a:ext uri="{FF2B5EF4-FFF2-40B4-BE49-F238E27FC236}">
-                <a16:creationId xmlns:a16="http://schemas.microsoft.com/office/drawing/2014/main" id="{C04EF4C7-DCD8-4996-8B1C-9B32FC5EA788}"/>
-              </a:ext>
-            </a:extLst>
-          </p:cNvPr>
-          <p:cNvSpPr>
-            <a:spLocks noGrp="1"/>
-          </p:cNvSpPr>
-          <p:nvPr>
-            <p:ph type="body" sz="quarter" idx="10" hasCustomPrompt="1"/>
-          </p:nvPr>
-        </p:nvSpPr>
-        <p:spPr>
-          <a:xfrm>
-            <a:off x="406400" y="6446629"/>
-            <a:ext cx="12192000" cy="2875171"/>
-          </a:xfrm>
-        </p:spPr>
-        <p:txBody>
-          <a:bodyPr>
-            <a:normAutofit/>
-          </a:bodyPr>
-          <a:lstStyle>
-            <a:lvl1pPr marL="0" indent="0">
-              <a:buNone/>
-              <a:defRPr sz="17000" cap="all" baseline="0">
-                <a:solidFill>
-                  <a:schemeClr val="accent1"/>
-                </a:solidFill>
-              </a:defRPr>
-            </a:lvl1pPr>
-          </a:lstStyle>
-          <a:p>
-            <a:pPr lvl="0"/>
-            <a:r>
-              <a:rPr lang="en-US" dirty="0"/>
-              <a:t>Title Text</a:t>
-            </a:r>
+            <a:endParaRPr/>
           </a:p>
         </p:txBody>
       </p:sp>
@@ -1533,172 +1524,6 @@
 </file>
 
 <file path=ppt/slideLayouts/slideLayout10.xml><?xml version="1.0" encoding="utf-8"?>
-<p:sldLayout xmlns:a="http://schemas.openxmlformats.org/drawingml/2006/main" xmlns:r="http://schemas.openxmlformats.org/officeDocument/2006/relationships" xmlns:p="http://schemas.openxmlformats.org/presentationml/2006/main" type="tx">
-  <p:cSld name="Photo - 3 Up">
-    <p:bg>
-      <p:bgPr>
-        <a:solidFill>
-          <a:srgbClr val="222222"/>
-        </a:solidFill>
-        <a:effectLst/>
-      </p:bgPr>
-    </p:bg>
-    <p:spTree>
-      <p:nvGrpSpPr>
-        <p:cNvPr id="1" name=""/>
-        <p:cNvGrpSpPr/>
-        <p:nvPr/>
-      </p:nvGrpSpPr>
-      <p:grpSpPr>
-        <a:xfrm>
-          <a:off x="0" y="0"/>
-          <a:ext cx="0" cy="0"/>
-          <a:chOff x="0" y="0"/>
-          <a:chExt cx="0" cy="0"/>
-        </a:xfrm>
-      </p:grpSpPr>
-      <p:sp>
-        <p:nvSpPr>
-          <p:cNvPr id="115" name="Shape 115"/>
-          <p:cNvSpPr>
-            <a:spLocks noGrp="1"/>
-          </p:cNvSpPr>
-          <p:nvPr>
-            <p:ph type="pic" sz="half" idx="13"/>
-          </p:nvPr>
-        </p:nvSpPr>
-        <p:spPr>
-          <a:xfrm>
-            <a:off x="6503154" y="0"/>
-            <a:ext cx="6502401" cy="4864100"/>
-          </a:xfrm>
-          <a:prstGeom prst="rect">
-            <a:avLst/>
-          </a:prstGeom>
-        </p:spPr>
-        <p:txBody>
-          <a:bodyPr lIns="91439" tIns="45719" rIns="91439" bIns="45719">
-            <a:noAutofit/>
-          </a:bodyPr>
-          <a:lstStyle/>
-          <a:p>
-            <a:endParaRPr/>
-          </a:p>
-        </p:txBody>
-      </p:sp>
-      <p:sp>
-        <p:nvSpPr>
-          <p:cNvPr id="116" name="Shape 116"/>
-          <p:cNvSpPr>
-            <a:spLocks noGrp="1"/>
-          </p:cNvSpPr>
-          <p:nvPr>
-            <p:ph type="pic" sz="half" idx="14"/>
-          </p:nvPr>
-        </p:nvSpPr>
-        <p:spPr>
-          <a:xfrm>
-            <a:off x="6502400" y="4902200"/>
-            <a:ext cx="6502400" cy="4864100"/>
-          </a:xfrm>
-          <a:prstGeom prst="rect">
-            <a:avLst/>
-          </a:prstGeom>
-        </p:spPr>
-        <p:txBody>
-          <a:bodyPr lIns="91439" tIns="45719" rIns="91439" bIns="45719">
-            <a:noAutofit/>
-          </a:bodyPr>
-          <a:lstStyle/>
-          <a:p>
-            <a:endParaRPr/>
-          </a:p>
-        </p:txBody>
-      </p:sp>
-      <p:sp>
-        <p:nvSpPr>
-          <p:cNvPr id="117" name="Shape 117"/>
-          <p:cNvSpPr>
-            <a:spLocks noGrp="1"/>
-          </p:cNvSpPr>
-          <p:nvPr>
-            <p:ph type="pic" idx="15"/>
-          </p:nvPr>
-        </p:nvSpPr>
-        <p:spPr>
-          <a:xfrm>
-            <a:off x="0" y="0"/>
-            <a:ext cx="6468534" cy="9753600"/>
-          </a:xfrm>
-          <a:prstGeom prst="rect">
-            <a:avLst/>
-          </a:prstGeom>
-        </p:spPr>
-        <p:txBody>
-          <a:bodyPr lIns="91439" tIns="45719" rIns="91439" bIns="45719">
-            <a:noAutofit/>
-          </a:bodyPr>
-          <a:lstStyle/>
-          <a:p>
-            <a:endParaRPr/>
-          </a:p>
-        </p:txBody>
-      </p:sp>
-      <p:sp>
-        <p:nvSpPr>
-          <p:cNvPr id="118" name="Shape 118"/>
-          <p:cNvSpPr>
-            <a:spLocks noGrp="1"/>
-          </p:cNvSpPr>
-          <p:nvPr>
-            <p:ph type="sldNum" sz="quarter" idx="2"/>
-          </p:nvPr>
-        </p:nvSpPr>
-        <p:spPr>
-          <a:xfrm>
-            <a:off x="12186622" y="431800"/>
-            <a:ext cx="406897" cy="457200"/>
-          </a:xfrm>
-          <a:prstGeom prst="rect">
-            <a:avLst/>
-          </a:prstGeom>
-        </p:spPr>
-        <p:txBody>
-          <a:bodyPr lIns="50800" tIns="50800" rIns="50800" bIns="50800" anchor="t"/>
-          <a:lstStyle>
-            <a:lvl1pPr defTabSz="584200">
-              <a:lnSpc>
-                <a:spcPct val="80000"/>
-              </a:lnSpc>
-              <a:defRPr sz="2400">
-                <a:solidFill>
-                  <a:srgbClr val="838787"/>
-                </a:solidFill>
-                <a:latin typeface="DIN Alternate"/>
-                <a:ea typeface="DIN Alternate"/>
-                <a:cs typeface="DIN Alternate"/>
-                <a:sym typeface="DIN Alternate"/>
-              </a:defRPr>
-            </a:lvl1pPr>
-          </a:lstStyle>
-          <a:p>
-            <a:fld id="{86CB4B4D-7CA3-9044-876B-883B54F8677D}" type="slidenum">
-              <a:t>‹#›</a:t>
-            </a:fld>
-            <a:endParaRPr/>
-          </a:p>
-        </p:txBody>
-      </p:sp>
-    </p:spTree>
-  </p:cSld>
-  <p:clrMapOvr>
-    <a:masterClrMapping/>
-  </p:clrMapOvr>
-  <p:transition spd="med"/>
-</p:sldLayout>
-</file>
-
-<file path=ppt/slideLayouts/slideLayout11.xml><?xml version="1.0" encoding="utf-8"?>
 <p:sldLayout xmlns:a="http://schemas.openxmlformats.org/drawingml/2006/main" xmlns:r="http://schemas.openxmlformats.org/officeDocument/2006/relationships" xmlns:p="http://schemas.openxmlformats.org/presentationml/2006/main" type="tx">
   <p:cSld name="Quote">
     <p:bg>
@@ -2169,7 +1994,7 @@
 </p:sldLayout>
 </file>
 
-<file path=ppt/slideLayouts/slideLayout12.xml><?xml version="1.0" encoding="utf-8"?>
+<file path=ppt/slideLayouts/slideLayout11.xml><?xml version="1.0" encoding="utf-8"?>
 <p:sldLayout xmlns:a="http://schemas.openxmlformats.org/drawingml/2006/main" xmlns:r="http://schemas.openxmlformats.org/officeDocument/2006/relationships" xmlns:p="http://schemas.openxmlformats.org/presentationml/2006/main" type="tx">
   <p:cSld name="Quote Alt">
     <p:bg>
@@ -2475,7 +2300,7 @@
 </p:sldLayout>
 </file>
 
-<file path=ppt/slideLayouts/slideLayout13.xml><?xml version="1.0" encoding="utf-8"?>
+<file path=ppt/slideLayouts/slideLayout12.xml><?xml version="1.0" encoding="utf-8"?>
 <p:sldLayout xmlns:a="http://schemas.openxmlformats.org/drawingml/2006/main" xmlns:r="http://schemas.openxmlformats.org/officeDocument/2006/relationships" xmlns:p="http://schemas.openxmlformats.org/presentationml/2006/main" type="tx">
   <p:cSld name="Photo">
     <p:bg>
@@ -2583,7 +2408,7 @@
 </p:sldLayout>
 </file>
 
-<file path=ppt/slideLayouts/slideLayout14.xml><?xml version="1.0" encoding="utf-8"?>
+<file path=ppt/slideLayouts/slideLayout13.xml><?xml version="1.0" encoding="utf-8"?>
 <p:sldLayout xmlns:a="http://schemas.openxmlformats.org/drawingml/2006/main" xmlns:r="http://schemas.openxmlformats.org/officeDocument/2006/relationships" xmlns:p="http://schemas.openxmlformats.org/presentationml/2006/main" type="tx">
   <p:cSld name="Blank">
     <p:bg>
@@ -2662,7 +2487,7 @@
 </p:sldLayout>
 </file>
 
-<file path=ppt/slideLayouts/slideLayout15.xml><?xml version="1.0" encoding="utf-8"?>
+<file path=ppt/slideLayouts/slideLayout14.xml><?xml version="1.0" encoding="utf-8"?>
 <p:sldLayout xmlns:a="http://schemas.openxmlformats.org/drawingml/2006/main" xmlns:r="http://schemas.openxmlformats.org/officeDocument/2006/relationships" xmlns:p="http://schemas.openxmlformats.org/presentationml/2006/main" type="tx">
   <p:cSld name="Blank Alt">
     <p:bg>
@@ -2741,7 +2566,7 @@
 </p:sldLayout>
 </file>
 
-<file path=ppt/slideLayouts/slideLayout16.xml><?xml version="1.0" encoding="utf-8"?>
+<file path=ppt/slideLayouts/slideLayout15.xml><?xml version="1.0" encoding="utf-8"?>
 <p:sldLayout xmlns:a="http://schemas.openxmlformats.org/drawingml/2006/main" xmlns:r="http://schemas.openxmlformats.org/officeDocument/2006/relationships" xmlns:p="http://schemas.openxmlformats.org/presentationml/2006/main" type="tx">
   <p:cSld name="Title and Content">
     <p:spTree>
@@ -2867,7 +2692,7 @@
 </p:sldLayout>
 </file>
 
-<file path=ppt/slideLayouts/slideLayout17.xml><?xml version="1.0" encoding="utf-8"?>
+<file path=ppt/slideLayouts/slideLayout16.xml><?xml version="1.0" encoding="utf-8"?>
 <p:sldLayout xmlns:a="http://schemas.openxmlformats.org/drawingml/2006/main" xmlns:r="http://schemas.openxmlformats.org/officeDocument/2006/relationships" xmlns:p="http://schemas.openxmlformats.org/presentationml/2006/main" type="title">
   <p:cSld name="1_Title &amp; Subtitle">
     <p:bg>
@@ -3187,319 +3012,6 @@
 
 <file path=ppt/slideLayouts/slideLayout2.xml><?xml version="1.0" encoding="utf-8"?>
 <p:sldLayout xmlns:a="http://schemas.openxmlformats.org/drawingml/2006/main" xmlns:r="http://schemas.openxmlformats.org/officeDocument/2006/relationships" xmlns:p="http://schemas.openxmlformats.org/presentationml/2006/main" type="tx">
-  <p:cSld name="Title &amp; Subtitle Alt">
-    <p:bg>
-      <p:bgPr>
-        <a:solidFill>
-          <a:srgbClr val="FFFFFF"/>
-        </a:solidFill>
-        <a:effectLst/>
-      </p:bgPr>
-    </p:bg>
-    <p:spTree>
-      <p:nvGrpSpPr>
-        <p:cNvPr id="1" name=""/>
-        <p:cNvGrpSpPr/>
-        <p:nvPr/>
-      </p:nvGrpSpPr>
-      <p:grpSpPr>
-        <a:xfrm>
-          <a:off x="0" y="0"/>
-          <a:ext cx="0" cy="0"/>
-          <a:chOff x="0" y="0"/>
-          <a:chExt cx="0" cy="0"/>
-        </a:xfrm>
-      </p:grpSpPr>
-      <p:sp>
-        <p:nvSpPr>
-          <p:cNvPr id="32" name="Shape 32"/>
-          <p:cNvSpPr/>
-          <p:nvPr/>
-        </p:nvSpPr>
-        <p:spPr>
-          <a:xfrm flipV="1">
-            <a:off x="406400" y="6140894"/>
-            <a:ext cx="12192000" cy="264"/>
-          </a:xfrm>
-          <a:prstGeom prst="line">
-            <a:avLst/>
-          </a:prstGeom>
-          <a:ln w="38100">
-            <a:solidFill>
-              <a:srgbClr val="A6AAA9"/>
-            </a:solidFill>
-            <a:miter lim="400000"/>
-          </a:ln>
-        </p:spPr>
-        <p:txBody>
-          <a:bodyPr lIns="45718" tIns="45718" rIns="45718" bIns="45718"/>
-          <a:lstStyle/>
-          <a:p>
-            <a:pPr>
-              <a:defRPr>
-                <a:solidFill>
-                  <a:srgbClr val="838787"/>
-                </a:solidFill>
-              </a:defRPr>
-            </a:pPr>
-            <a:endParaRPr/>
-          </a:p>
-        </p:txBody>
-      </p:sp>
-      <p:sp>
-        <p:nvSpPr>
-          <p:cNvPr id="33" name="Shape 33"/>
-          <p:cNvSpPr>
-            <a:spLocks noGrp="1"/>
-          </p:cNvSpPr>
-          <p:nvPr>
-            <p:ph type="title"/>
-          </p:nvPr>
-        </p:nvSpPr>
-        <p:spPr>
-          <a:xfrm>
-            <a:off x="406400" y="6426200"/>
-            <a:ext cx="12192000" cy="2705100"/>
-          </a:xfrm>
-          <a:prstGeom prst="rect">
-            <a:avLst/>
-          </a:prstGeom>
-        </p:spPr>
-        <p:txBody>
-          <a:bodyPr lIns="50800" tIns="50800" rIns="50800" bIns="50800" anchor="t"/>
-          <a:lstStyle>
-            <a:lvl1pPr algn="l" defTabSz="584200">
-              <a:lnSpc>
-                <a:spcPct val="80000"/>
-              </a:lnSpc>
-              <a:defRPr sz="17000" cap="all">
-                <a:solidFill>
-                  <a:schemeClr val="accent1"/>
-                </a:solidFill>
-                <a:latin typeface="DIN Condensed"/>
-                <a:ea typeface="DIN Condensed"/>
-                <a:cs typeface="DIN Condensed"/>
-                <a:sym typeface="DIN Condensed"/>
-              </a:defRPr>
-            </a:lvl1pPr>
-          </a:lstStyle>
-          <a:p>
-            <a:r>
-              <a:t>Title Text</a:t>
-            </a:r>
-          </a:p>
-        </p:txBody>
-      </p:sp>
-      <p:sp>
-        <p:nvSpPr>
-          <p:cNvPr id="34" name="Shape 34"/>
-          <p:cNvSpPr>
-            <a:spLocks noGrp="1"/>
-          </p:cNvSpPr>
-          <p:nvPr>
-            <p:ph type="body" sz="quarter" idx="1"/>
-          </p:nvPr>
-        </p:nvSpPr>
-        <p:spPr>
-          <a:xfrm>
-            <a:off x="406400" y="4267200"/>
-            <a:ext cx="12192000" cy="1803400"/>
-          </a:xfrm>
-          <a:prstGeom prst="rect">
-            <a:avLst/>
-          </a:prstGeom>
-        </p:spPr>
-        <p:txBody>
-          <a:bodyPr lIns="50800" tIns="50800" rIns="50800" bIns="50800" anchor="b"/>
-          <a:lstStyle>
-            <a:lvl1pPr marL="0" indent="0" defTabSz="584200">
-              <a:lnSpc>
-                <a:spcPct val="80000"/>
-              </a:lnSpc>
-              <a:spcBef>
-                <a:spcPts val="2300"/>
-              </a:spcBef>
-              <a:buSzTx/>
-              <a:buFontTx/>
-              <a:buNone/>
-              <a:defRPr sz="5400" cap="all">
-                <a:solidFill>
-                  <a:srgbClr val="A6AAA9"/>
-                </a:solidFill>
-                <a:latin typeface="DIN Alternate"/>
-                <a:ea typeface="DIN Alternate"/>
-                <a:cs typeface="DIN Alternate"/>
-                <a:sym typeface="DIN Alternate"/>
-              </a:defRPr>
-            </a:lvl1pPr>
-            <a:lvl2pPr marL="0" indent="0" defTabSz="584200">
-              <a:lnSpc>
-                <a:spcPct val="80000"/>
-              </a:lnSpc>
-              <a:spcBef>
-                <a:spcPts val="2300"/>
-              </a:spcBef>
-              <a:buSzTx/>
-              <a:buFontTx/>
-              <a:buNone/>
-              <a:defRPr sz="5400" cap="all">
-                <a:solidFill>
-                  <a:srgbClr val="A6AAA9"/>
-                </a:solidFill>
-                <a:latin typeface="DIN Alternate"/>
-                <a:ea typeface="DIN Alternate"/>
-                <a:cs typeface="DIN Alternate"/>
-                <a:sym typeface="DIN Alternate"/>
-              </a:defRPr>
-            </a:lvl2pPr>
-            <a:lvl3pPr marL="0" indent="0" defTabSz="584200">
-              <a:lnSpc>
-                <a:spcPct val="80000"/>
-              </a:lnSpc>
-              <a:spcBef>
-                <a:spcPts val="2300"/>
-              </a:spcBef>
-              <a:buSzTx/>
-              <a:buFontTx/>
-              <a:buNone/>
-              <a:defRPr sz="5400" cap="all">
-                <a:solidFill>
-                  <a:srgbClr val="A6AAA9"/>
-                </a:solidFill>
-                <a:latin typeface="DIN Alternate"/>
-                <a:ea typeface="DIN Alternate"/>
-                <a:cs typeface="DIN Alternate"/>
-                <a:sym typeface="DIN Alternate"/>
-              </a:defRPr>
-            </a:lvl3pPr>
-            <a:lvl4pPr marL="0" indent="0" defTabSz="584200">
-              <a:lnSpc>
-                <a:spcPct val="80000"/>
-              </a:lnSpc>
-              <a:spcBef>
-                <a:spcPts val="2300"/>
-              </a:spcBef>
-              <a:buSzTx/>
-              <a:buFontTx/>
-              <a:buNone/>
-              <a:defRPr sz="5400" cap="all">
-                <a:solidFill>
-                  <a:srgbClr val="A6AAA9"/>
-                </a:solidFill>
-                <a:latin typeface="DIN Alternate"/>
-                <a:ea typeface="DIN Alternate"/>
-                <a:cs typeface="DIN Alternate"/>
-                <a:sym typeface="DIN Alternate"/>
-              </a:defRPr>
-            </a:lvl4pPr>
-            <a:lvl5pPr marL="0" indent="0" defTabSz="584200">
-              <a:lnSpc>
-                <a:spcPct val="80000"/>
-              </a:lnSpc>
-              <a:spcBef>
-                <a:spcPts val="2300"/>
-              </a:spcBef>
-              <a:buSzTx/>
-              <a:buFontTx/>
-              <a:buNone/>
-              <a:defRPr sz="5400" cap="all">
-                <a:solidFill>
-                  <a:srgbClr val="A6AAA9"/>
-                </a:solidFill>
-                <a:latin typeface="DIN Alternate"/>
-                <a:ea typeface="DIN Alternate"/>
-                <a:cs typeface="DIN Alternate"/>
-                <a:sym typeface="DIN Alternate"/>
-              </a:defRPr>
-            </a:lvl5pPr>
-          </a:lstStyle>
-          <a:p>
-            <a:r>
-              <a:t>Body Level One</a:t>
-            </a:r>
-          </a:p>
-          <a:p>
-            <a:pPr lvl="1"/>
-            <a:r>
-              <a:t>Body Level Two</a:t>
-            </a:r>
-          </a:p>
-          <a:p>
-            <a:pPr lvl="2"/>
-            <a:r>
-              <a:t>Body Level Three</a:t>
-            </a:r>
-          </a:p>
-          <a:p>
-            <a:pPr lvl="3"/>
-            <a:r>
-              <a:t>Body Level Four</a:t>
-            </a:r>
-          </a:p>
-          <a:p>
-            <a:pPr lvl="4"/>
-            <a:r>
-              <a:t>Body Level Five</a:t>
-            </a:r>
-          </a:p>
-        </p:txBody>
-      </p:sp>
-      <p:sp>
-        <p:nvSpPr>
-          <p:cNvPr id="35" name="Shape 35"/>
-          <p:cNvSpPr>
-            <a:spLocks noGrp="1"/>
-          </p:cNvSpPr>
-          <p:nvPr>
-            <p:ph type="sldNum" sz="quarter" idx="2"/>
-          </p:nvPr>
-        </p:nvSpPr>
-        <p:spPr>
-          <a:xfrm>
-            <a:off x="12161860" y="419100"/>
-            <a:ext cx="406897" cy="457200"/>
-          </a:xfrm>
-          <a:prstGeom prst="rect">
-            <a:avLst/>
-          </a:prstGeom>
-        </p:spPr>
-        <p:txBody>
-          <a:bodyPr lIns="50800" tIns="50800" rIns="50800" bIns="50800" anchor="t"/>
-          <a:lstStyle>
-            <a:lvl1pPr defTabSz="584200">
-              <a:lnSpc>
-                <a:spcPct val="80000"/>
-              </a:lnSpc>
-              <a:defRPr sz="2400">
-                <a:solidFill>
-                  <a:srgbClr val="838787"/>
-                </a:solidFill>
-                <a:latin typeface="DIN Alternate"/>
-                <a:ea typeface="DIN Alternate"/>
-                <a:cs typeface="DIN Alternate"/>
-                <a:sym typeface="DIN Alternate"/>
-              </a:defRPr>
-            </a:lvl1pPr>
-          </a:lstStyle>
-          <a:p>
-            <a:fld id="{86CB4B4D-7CA3-9044-876B-883B54F8677D}" type="slidenum">
-              <a:t>‹#›</a:t>
-            </a:fld>
-            <a:endParaRPr/>
-          </a:p>
-        </p:txBody>
-      </p:sp>
-    </p:spTree>
-  </p:cSld>
-  <p:clrMapOvr>
-    <a:masterClrMapping/>
-  </p:clrMapOvr>
-  <p:transition spd="med"/>
-</p:sldLayout>
-</file>
-
-<file path=ppt/slideLayouts/slideLayout3.xml><?xml version="1.0" encoding="utf-8"?>
-<p:sldLayout xmlns:a="http://schemas.openxmlformats.org/drawingml/2006/main" xmlns:r="http://schemas.openxmlformats.org/officeDocument/2006/relationships" xmlns:p="http://schemas.openxmlformats.org/presentationml/2006/main" type="tx">
   <p:cSld name="Title - Center">
     <p:bg>
       <p:bgPr>
@@ -3623,7 +3135,7 @@
 </p:sldLayout>
 </file>
 
-<file path=ppt/slideLayouts/slideLayout4.xml><?xml version="1.0" encoding="utf-8"?>
+<file path=ppt/slideLayouts/slideLayout3.xml><?xml version="1.0" encoding="utf-8"?>
 <p:sldLayout xmlns:a="http://schemas.openxmlformats.org/drawingml/2006/main" xmlns:r="http://schemas.openxmlformats.org/officeDocument/2006/relationships" xmlns:p="http://schemas.openxmlformats.org/presentationml/2006/main" type="tx">
   <p:cSld name="Photo - Vertical">
     <p:bg>
@@ -3972,7 +3484,7 @@
 </p:sldLayout>
 </file>
 
-<file path=ppt/slideLayouts/slideLayout5.xml><?xml version="1.0" encoding="utf-8"?>
+<file path=ppt/slideLayouts/slideLayout4.xml><?xml version="1.0" encoding="utf-8"?>
 <p:sldLayout xmlns:a="http://schemas.openxmlformats.org/drawingml/2006/main" xmlns:r="http://schemas.openxmlformats.org/officeDocument/2006/relationships" xmlns:p="http://schemas.openxmlformats.org/presentationml/2006/main" type="tx">
   <p:cSld name="Title - Top">
     <p:bg>
@@ -4288,7 +3800,7 @@
 </p:sldLayout>
 </file>
 
-<file path=ppt/slideLayouts/slideLayout6.xml><?xml version="1.0" encoding="utf-8"?>
+<file path=ppt/slideLayouts/slideLayout5.xml><?xml version="1.0" encoding="utf-8"?>
 <p:sldLayout xmlns:a="http://schemas.openxmlformats.org/drawingml/2006/main" xmlns:r="http://schemas.openxmlformats.org/officeDocument/2006/relationships" xmlns:p="http://schemas.openxmlformats.org/presentationml/2006/main" userDrawn="1">
   <p:cSld name="Title &amp; Bullets">
     <p:bg>
@@ -4553,7 +4065,7 @@
 </p:sldLayout>
 </file>
 
-<file path=ppt/slideLayouts/slideLayout7.xml><?xml version="1.0" encoding="utf-8"?>
+<file path=ppt/slideLayouts/slideLayout6.xml><?xml version="1.0" encoding="utf-8"?>
 <p:sldLayout xmlns:a="http://schemas.openxmlformats.org/drawingml/2006/main" xmlns:r="http://schemas.openxmlformats.org/officeDocument/2006/relationships" xmlns:p="http://schemas.openxmlformats.org/presentationml/2006/main" type="tx">
   <p:cSld name="Title &amp; Bullets Alt">
     <p:bg>
@@ -4916,7 +4428,7 @@
 </p:sldLayout>
 </file>
 
-<file path=ppt/slideLayouts/slideLayout8.xml><?xml version="1.0" encoding="utf-8"?>
+<file path=ppt/slideLayouts/slideLayout7.xml><?xml version="1.0" encoding="utf-8"?>
 <p:sldLayout xmlns:a="http://schemas.openxmlformats.org/drawingml/2006/main" xmlns:r="http://schemas.openxmlformats.org/officeDocument/2006/relationships" xmlns:p="http://schemas.openxmlformats.org/presentationml/2006/main" type="tx">
   <p:cSld name="Title, Bullets &amp; Photo">
     <p:bg>
@@ -5308,7 +4820,7 @@
 </p:sldLayout>
 </file>
 
-<file path=ppt/slideLayouts/slideLayout9.xml><?xml version="1.0" encoding="utf-8"?>
+<file path=ppt/slideLayouts/slideLayout8.xml><?xml version="1.0" encoding="utf-8"?>
 <p:sldLayout xmlns:a="http://schemas.openxmlformats.org/drawingml/2006/main" xmlns:r="http://schemas.openxmlformats.org/officeDocument/2006/relationships" xmlns:p="http://schemas.openxmlformats.org/presentationml/2006/main" type="tx">
   <p:cSld name="Bullets">
     <p:bg>
@@ -5573,6 +5085,172 @@
       <p:sp>
         <p:nvSpPr>
           <p:cNvPr id="108" name="Shape 108"/>
+          <p:cNvSpPr>
+            <a:spLocks noGrp="1"/>
+          </p:cNvSpPr>
+          <p:nvPr>
+            <p:ph type="sldNum" sz="quarter" idx="2"/>
+          </p:nvPr>
+        </p:nvSpPr>
+        <p:spPr>
+          <a:xfrm>
+            <a:off x="12186622" y="431800"/>
+            <a:ext cx="406897" cy="457200"/>
+          </a:xfrm>
+          <a:prstGeom prst="rect">
+            <a:avLst/>
+          </a:prstGeom>
+        </p:spPr>
+        <p:txBody>
+          <a:bodyPr lIns="50800" tIns="50800" rIns="50800" bIns="50800" anchor="t"/>
+          <a:lstStyle>
+            <a:lvl1pPr defTabSz="584200">
+              <a:lnSpc>
+                <a:spcPct val="80000"/>
+              </a:lnSpc>
+              <a:defRPr sz="2400">
+                <a:solidFill>
+                  <a:srgbClr val="838787"/>
+                </a:solidFill>
+                <a:latin typeface="DIN Alternate"/>
+                <a:ea typeface="DIN Alternate"/>
+                <a:cs typeface="DIN Alternate"/>
+                <a:sym typeface="DIN Alternate"/>
+              </a:defRPr>
+            </a:lvl1pPr>
+          </a:lstStyle>
+          <a:p>
+            <a:fld id="{86CB4B4D-7CA3-9044-876B-883B54F8677D}" type="slidenum">
+              <a:t>‹#›</a:t>
+            </a:fld>
+            <a:endParaRPr/>
+          </a:p>
+        </p:txBody>
+      </p:sp>
+    </p:spTree>
+  </p:cSld>
+  <p:clrMapOvr>
+    <a:masterClrMapping/>
+  </p:clrMapOvr>
+  <p:transition spd="med"/>
+</p:sldLayout>
+</file>
+
+<file path=ppt/slideLayouts/slideLayout9.xml><?xml version="1.0" encoding="utf-8"?>
+<p:sldLayout xmlns:a="http://schemas.openxmlformats.org/drawingml/2006/main" xmlns:r="http://schemas.openxmlformats.org/officeDocument/2006/relationships" xmlns:p="http://schemas.openxmlformats.org/presentationml/2006/main" type="tx">
+  <p:cSld name="Photo - 3 Up">
+    <p:bg>
+      <p:bgPr>
+        <a:solidFill>
+          <a:srgbClr val="222222"/>
+        </a:solidFill>
+        <a:effectLst/>
+      </p:bgPr>
+    </p:bg>
+    <p:spTree>
+      <p:nvGrpSpPr>
+        <p:cNvPr id="1" name=""/>
+        <p:cNvGrpSpPr/>
+        <p:nvPr/>
+      </p:nvGrpSpPr>
+      <p:grpSpPr>
+        <a:xfrm>
+          <a:off x="0" y="0"/>
+          <a:ext cx="0" cy="0"/>
+          <a:chOff x="0" y="0"/>
+          <a:chExt cx="0" cy="0"/>
+        </a:xfrm>
+      </p:grpSpPr>
+      <p:sp>
+        <p:nvSpPr>
+          <p:cNvPr id="115" name="Shape 115"/>
+          <p:cNvSpPr>
+            <a:spLocks noGrp="1"/>
+          </p:cNvSpPr>
+          <p:nvPr>
+            <p:ph type="pic" sz="half" idx="13"/>
+          </p:nvPr>
+        </p:nvSpPr>
+        <p:spPr>
+          <a:xfrm>
+            <a:off x="6503154" y="0"/>
+            <a:ext cx="6502401" cy="4864100"/>
+          </a:xfrm>
+          <a:prstGeom prst="rect">
+            <a:avLst/>
+          </a:prstGeom>
+        </p:spPr>
+        <p:txBody>
+          <a:bodyPr lIns="91439" tIns="45719" rIns="91439" bIns="45719">
+            <a:noAutofit/>
+          </a:bodyPr>
+          <a:lstStyle/>
+          <a:p>
+            <a:endParaRPr/>
+          </a:p>
+        </p:txBody>
+      </p:sp>
+      <p:sp>
+        <p:nvSpPr>
+          <p:cNvPr id="116" name="Shape 116"/>
+          <p:cNvSpPr>
+            <a:spLocks noGrp="1"/>
+          </p:cNvSpPr>
+          <p:nvPr>
+            <p:ph type="pic" sz="half" idx="14"/>
+          </p:nvPr>
+        </p:nvSpPr>
+        <p:spPr>
+          <a:xfrm>
+            <a:off x="6502400" y="4902200"/>
+            <a:ext cx="6502400" cy="4864100"/>
+          </a:xfrm>
+          <a:prstGeom prst="rect">
+            <a:avLst/>
+          </a:prstGeom>
+        </p:spPr>
+        <p:txBody>
+          <a:bodyPr lIns="91439" tIns="45719" rIns="91439" bIns="45719">
+            <a:noAutofit/>
+          </a:bodyPr>
+          <a:lstStyle/>
+          <a:p>
+            <a:endParaRPr/>
+          </a:p>
+        </p:txBody>
+      </p:sp>
+      <p:sp>
+        <p:nvSpPr>
+          <p:cNvPr id="117" name="Shape 117"/>
+          <p:cNvSpPr>
+            <a:spLocks noGrp="1"/>
+          </p:cNvSpPr>
+          <p:nvPr>
+            <p:ph type="pic" idx="15"/>
+          </p:nvPr>
+        </p:nvSpPr>
+        <p:spPr>
+          <a:xfrm>
+            <a:off x="0" y="0"/>
+            <a:ext cx="6468534" cy="9753600"/>
+          </a:xfrm>
+          <a:prstGeom prst="rect">
+            <a:avLst/>
+          </a:prstGeom>
+        </p:spPr>
+        <p:txBody>
+          <a:bodyPr lIns="91439" tIns="45719" rIns="91439" bIns="45719">
+            <a:noAutofit/>
+          </a:bodyPr>
+          <a:lstStyle/>
+          <a:p>
+            <a:endParaRPr/>
+          </a:p>
+        </p:txBody>
+      </p:sp>
+      <p:sp>
+        <p:nvSpPr>
+          <p:cNvPr id="118" name="Shape 118"/>
           <p:cNvSpPr>
             <a:spLocks noGrp="1"/>
           </p:cNvSpPr>
@@ -5672,7 +5350,7 @@
           </a:ln>
           <a:extLst>
             <a:ext uri="{C572A759-6A51-4108-AA02-DFA0A04FC94B}">
-              <ma14:wrappingTextBoxFlag xmlns:ma14="http://schemas.microsoft.com/office/mac/drawingml/2011/main" xmlns="" val="1"/>
+              <ma14:wrappingTextBoxFlag xmlns="" xmlns:ma14="http://schemas.microsoft.com/office/mac/drawingml/2011/main" val="1"/>
             </a:ext>
           </a:extLst>
         </p:spPr>
@@ -5711,7 +5389,7 @@
           </a:ln>
           <a:extLst>
             <a:ext uri="{C572A759-6A51-4108-AA02-DFA0A04FC94B}">
-              <ma14:wrappingTextBoxFlag xmlns:ma14="http://schemas.microsoft.com/office/mac/drawingml/2011/main" xmlns="" val="1"/>
+              <ma14:wrappingTextBoxFlag xmlns="" xmlns:ma14="http://schemas.microsoft.com/office/mac/drawingml/2011/main" val="1"/>
             </a:ext>
           </a:extLst>
         </p:spPr>
@@ -5810,23 +5488,22 @@
   </p:cSld>
   <p:clrMap bg1="lt1" tx1="dk1" bg2="lt2" tx2="dk2" accent1="accent1" accent2="accent2" accent3="accent3" accent4="accent4" accent5="accent5" accent6="accent6" hlink="hlink" folHlink="folHlink"/>
   <p:sldLayoutIdLst>
-    <p:sldLayoutId id="2147483649" r:id="rId1"/>
-    <p:sldLayoutId id="2147483651" r:id="rId2"/>
-    <p:sldLayoutId id="2147483652" r:id="rId3"/>
-    <p:sldLayoutId id="2147483653" r:id="rId4"/>
-    <p:sldLayoutId id="2147483654" r:id="rId5"/>
-    <p:sldLayoutId id="2147483655" r:id="rId6"/>
-    <p:sldLayoutId id="2147483656" r:id="rId7"/>
-    <p:sldLayoutId id="2147483657" r:id="rId8"/>
-    <p:sldLayoutId id="2147483658" r:id="rId9"/>
-    <p:sldLayoutId id="2147483659" r:id="rId10"/>
-    <p:sldLayoutId id="2147483660" r:id="rId11"/>
-    <p:sldLayoutId id="2147483661" r:id="rId12"/>
-    <p:sldLayoutId id="2147483662" r:id="rId13"/>
-    <p:sldLayoutId id="2147483663" r:id="rId14"/>
-    <p:sldLayoutId id="2147483664" r:id="rId15"/>
-    <p:sldLayoutId id="2147483665" r:id="rId16"/>
-    <p:sldLayoutId id="2147483666" r:id="rId17"/>
+    <p:sldLayoutId id="2147483651" r:id="rId1"/>
+    <p:sldLayoutId id="2147483652" r:id="rId2"/>
+    <p:sldLayoutId id="2147483653" r:id="rId3"/>
+    <p:sldLayoutId id="2147483654" r:id="rId4"/>
+    <p:sldLayoutId id="2147483655" r:id="rId5"/>
+    <p:sldLayoutId id="2147483656" r:id="rId6"/>
+    <p:sldLayoutId id="2147483657" r:id="rId7"/>
+    <p:sldLayoutId id="2147483658" r:id="rId8"/>
+    <p:sldLayoutId id="2147483659" r:id="rId9"/>
+    <p:sldLayoutId id="2147483660" r:id="rId10"/>
+    <p:sldLayoutId id="2147483661" r:id="rId11"/>
+    <p:sldLayoutId id="2147483662" r:id="rId12"/>
+    <p:sldLayoutId id="2147483663" r:id="rId13"/>
+    <p:sldLayoutId id="2147483664" r:id="rId14"/>
+    <p:sldLayoutId id="2147483665" r:id="rId15"/>
+    <p:sldLayoutId id="2147483666" r:id="rId16"/>
   </p:sldLayoutIdLst>
   <p:transition spd="med"/>
   <p:txStyles>
@@ -6906,7 +6583,7 @@
           </a:ln>
           <a:extLst>
             <a:ext uri="{C572A759-6A51-4108-AA02-DFA0A04FC94B}">
-              <ma14:wrappingTextBoxFlag xmlns:ma14="http://schemas.microsoft.com/office/mac/drawingml/2011/main" xmlns="" val="1"/>
+              <ma14:wrappingTextBoxFlag xmlns="" xmlns:ma14="http://schemas.microsoft.com/office/mac/drawingml/2011/main" val="1"/>
             </a:ext>
           </a:extLst>
         </p:spPr>
@@ -6955,7 +6632,7 @@
           </a:ln>
           <a:extLst>
             <a:ext uri="{C572A759-6A51-4108-AA02-DFA0A04FC94B}">
-              <ma14:wrappingTextBoxFlag xmlns:ma14="http://schemas.microsoft.com/office/mac/drawingml/2011/main" xmlns="" val="1"/>
+              <ma14:wrappingTextBoxFlag xmlns="" xmlns:ma14="http://schemas.microsoft.com/office/mac/drawingml/2011/main" val="1"/>
             </a:ext>
           </a:extLst>
         </p:spPr>
@@ -7066,7 +6743,7 @@
           </a:ln>
           <a:extLst>
             <a:ext uri="{C572A759-6A51-4108-AA02-DFA0A04FC94B}">
-              <ma14:wrappingTextBoxFlag xmlns:ma14="http://schemas.microsoft.com/office/mac/drawingml/2011/main" xmlns="" val="1"/>
+              <ma14:wrappingTextBoxFlag xmlns="" xmlns:ma14="http://schemas.microsoft.com/office/mac/drawingml/2011/main" val="1"/>
             </a:ext>
           </a:extLst>
         </p:spPr>
@@ -7113,7 +6790,7 @@
           </a:ln>
           <a:extLst>
             <a:ext uri="{C572A759-6A51-4108-AA02-DFA0A04FC94B}">
-              <ma14:wrappingTextBoxFlag xmlns:ma14="http://schemas.microsoft.com/office/mac/drawingml/2011/main" xmlns="" val="1"/>
+              <ma14:wrappingTextBoxFlag xmlns="" xmlns:ma14="http://schemas.microsoft.com/office/mac/drawingml/2011/main" val="1"/>
             </a:ext>
           </a:extLst>
         </p:spPr>
@@ -7214,7 +6891,7 @@
           </a:ln>
           <a:extLst>
             <a:ext uri="{C572A759-6A51-4108-AA02-DFA0A04FC94B}">
-              <ma14:wrappingTextBoxFlag xmlns:ma14="http://schemas.microsoft.com/office/mac/drawingml/2011/main" xmlns="" val="1"/>
+              <ma14:wrappingTextBoxFlag xmlns="" xmlns:ma14="http://schemas.microsoft.com/office/mac/drawingml/2011/main" val="1"/>
             </a:ext>
           </a:extLst>
         </p:spPr>
@@ -7368,7 +7045,7 @@
           </a:ln>
           <a:extLst>
             <a:ext uri="{C572A759-6A51-4108-AA02-DFA0A04FC94B}">
-              <ma14:wrappingTextBoxFlag xmlns:ma14="http://schemas.microsoft.com/office/mac/drawingml/2011/main" xmlns="" val="1"/>
+              <ma14:wrappingTextBoxFlag xmlns="" xmlns:ma14="http://schemas.microsoft.com/office/mac/drawingml/2011/main" val="1"/>
             </a:ext>
           </a:extLst>
         </p:spPr>
@@ -7415,7 +7092,7 @@
           </a:ln>
           <a:extLst>
             <a:ext uri="{C572A759-6A51-4108-AA02-DFA0A04FC94B}">
-              <ma14:wrappingTextBoxFlag xmlns:ma14="http://schemas.microsoft.com/office/mac/drawingml/2011/main" xmlns="" val="1"/>
+              <ma14:wrappingTextBoxFlag xmlns="" xmlns:ma14="http://schemas.microsoft.com/office/mac/drawingml/2011/main" val="1"/>
             </a:ext>
           </a:extLst>
         </p:spPr>
@@ -7507,7 +7184,7 @@
           </a:ln>
           <a:extLst>
             <a:ext uri="{C572A759-6A51-4108-AA02-DFA0A04FC94B}">
-              <ma14:wrappingTextBoxFlag xmlns:ma14="http://schemas.microsoft.com/office/mac/drawingml/2011/main" xmlns="" val="1"/>
+              <ma14:wrappingTextBoxFlag xmlns="" xmlns:ma14="http://schemas.microsoft.com/office/mac/drawingml/2011/main" val="1"/>
             </a:ext>
           </a:extLst>
         </p:spPr>
@@ -7714,7 +7391,7 @@
           </a:ln>
           <a:extLst>
             <a:ext uri="{C572A759-6A51-4108-AA02-DFA0A04FC94B}">
-              <ma14:wrappingTextBoxFlag xmlns:ma14="http://schemas.microsoft.com/office/mac/drawingml/2011/main" xmlns="" val="1"/>
+              <ma14:wrappingTextBoxFlag xmlns="" xmlns:ma14="http://schemas.microsoft.com/office/mac/drawingml/2011/main" val="1"/>
             </a:ext>
           </a:extLst>
         </p:spPr>
@@ -7823,7 +7500,7 @@
           </a:ln>
           <a:extLst>
             <a:ext uri="{C572A759-6A51-4108-AA02-DFA0A04FC94B}">
-              <ma14:wrappingTextBoxFlag xmlns:ma14="http://schemas.microsoft.com/office/mac/drawingml/2011/main" xmlns="" val="1"/>
+              <ma14:wrappingTextBoxFlag xmlns="" xmlns:ma14="http://schemas.microsoft.com/office/mac/drawingml/2011/main" val="1"/>
             </a:ext>
           </a:extLst>
         </p:spPr>
@@ -8016,7 +7693,7 @@
           </a:ln>
           <a:extLst>
             <a:ext uri="{C572A759-6A51-4108-AA02-DFA0A04FC94B}">
-              <ma14:wrappingTextBoxFlag xmlns:ma14="http://schemas.microsoft.com/office/mac/drawingml/2011/main" xmlns="" val="1"/>
+              <ma14:wrappingTextBoxFlag xmlns="" xmlns:ma14="http://schemas.microsoft.com/office/mac/drawingml/2011/main" val="1"/>
             </a:ext>
           </a:extLst>
         </p:spPr>
@@ -8147,7 +7824,7 @@
           </a:ln>
           <a:extLst>
             <a:ext uri="{C572A759-6A51-4108-AA02-DFA0A04FC94B}">
-              <ma14:wrappingTextBoxFlag xmlns:ma14="http://schemas.microsoft.com/office/mac/drawingml/2011/main" xmlns="" val="1"/>
+              <ma14:wrappingTextBoxFlag xmlns="" xmlns:ma14="http://schemas.microsoft.com/office/mac/drawingml/2011/main" val="1"/>
             </a:ext>
           </a:extLst>
         </p:spPr>
@@ -8256,7 +7933,7 @@
           </a:ln>
           <a:extLst>
             <a:ext uri="{C572A759-6A51-4108-AA02-DFA0A04FC94B}">
-              <ma14:wrappingTextBoxFlag xmlns:ma14="http://schemas.microsoft.com/office/mac/drawingml/2011/main" xmlns="" val="1"/>
+              <ma14:wrappingTextBoxFlag xmlns="" xmlns:ma14="http://schemas.microsoft.com/office/mac/drawingml/2011/main" val="1"/>
             </a:ext>
           </a:extLst>
         </p:spPr>
@@ -8387,7 +8064,7 @@
           </a:ln>
           <a:extLst>
             <a:ext uri="{C572A759-6A51-4108-AA02-DFA0A04FC94B}">
-              <ma14:wrappingTextBoxFlag xmlns:ma14="http://schemas.microsoft.com/office/mac/drawingml/2011/main" xmlns="" val="1"/>
+              <ma14:wrappingTextBoxFlag xmlns="" xmlns:ma14="http://schemas.microsoft.com/office/mac/drawingml/2011/main" val="1"/>
             </a:ext>
           </a:extLst>
         </p:spPr>
@@ -8692,7 +8369,7 @@
           </a:ln>
           <a:extLst>
             <a:ext uri="{C572A759-6A51-4108-AA02-DFA0A04FC94B}">
-              <ma14:wrappingTextBoxFlag xmlns:ma14="http://schemas.microsoft.com/office/mac/drawingml/2011/main" xmlns="" val="1"/>
+              <ma14:wrappingTextBoxFlag xmlns="" xmlns:ma14="http://schemas.microsoft.com/office/mac/drawingml/2011/main" val="1"/>
             </a:ext>
           </a:extLst>
         </p:spPr>
@@ -8823,7 +8500,7 @@
           </a:ln>
           <a:extLst>
             <a:ext uri="{C572A759-6A51-4108-AA02-DFA0A04FC94B}">
-              <ma14:wrappingTextBoxFlag xmlns:ma14="http://schemas.microsoft.com/office/mac/drawingml/2011/main" xmlns="" val="1"/>
+              <ma14:wrappingTextBoxFlag xmlns="" xmlns:ma14="http://schemas.microsoft.com/office/mac/drawingml/2011/main" val="1"/>
             </a:ext>
           </a:extLst>
         </p:spPr>
@@ -8954,7 +8631,7 @@
           </a:ln>
           <a:extLst>
             <a:ext uri="{C572A759-6A51-4108-AA02-DFA0A04FC94B}">
-              <ma14:wrappingTextBoxFlag xmlns:ma14="http://schemas.microsoft.com/office/mac/drawingml/2011/main" xmlns="" val="1"/>
+              <ma14:wrappingTextBoxFlag xmlns="" xmlns:ma14="http://schemas.microsoft.com/office/mac/drawingml/2011/main" val="1"/>
             </a:ext>
           </a:extLst>
         </p:spPr>
@@ -9063,7 +8740,7 @@
           </a:ln>
           <a:extLst>
             <a:ext uri="{C572A759-6A51-4108-AA02-DFA0A04FC94B}">
-              <ma14:wrappingTextBoxFlag xmlns:ma14="http://schemas.microsoft.com/office/mac/drawingml/2011/main" xmlns="" val="1"/>
+              <ma14:wrappingTextBoxFlag xmlns="" xmlns:ma14="http://schemas.microsoft.com/office/mac/drawingml/2011/main" val="1"/>
             </a:ext>
           </a:extLst>
         </p:spPr>
@@ -9194,7 +8871,7 @@
           </a:ln>
           <a:extLst>
             <a:ext uri="{C572A759-6A51-4108-AA02-DFA0A04FC94B}">
-              <ma14:wrappingTextBoxFlag xmlns:ma14="http://schemas.microsoft.com/office/mac/drawingml/2011/main" xmlns="" val="1"/>
+              <ma14:wrappingTextBoxFlag xmlns="" xmlns:ma14="http://schemas.microsoft.com/office/mac/drawingml/2011/main" val="1"/>
             </a:ext>
           </a:extLst>
         </p:spPr>
@@ -9325,7 +9002,7 @@
           </a:ln>
           <a:extLst>
             <a:ext uri="{C572A759-6A51-4108-AA02-DFA0A04FC94B}">
-              <ma14:wrappingTextBoxFlag xmlns:ma14="http://schemas.microsoft.com/office/mac/drawingml/2011/main" xmlns="" val="1"/>
+              <ma14:wrappingTextBoxFlag xmlns="" xmlns:ma14="http://schemas.microsoft.com/office/mac/drawingml/2011/main" val="1"/>
             </a:ext>
           </a:extLst>
         </p:spPr>
@@ -10920,7 +10597,7 @@
           </a:ln>
           <a:extLst>
             <a:ext uri="{C572A759-6A51-4108-AA02-DFA0A04FC94B}">
-              <ma14:wrappingTextBoxFlag xmlns:ma14="http://schemas.microsoft.com/office/mac/drawingml/2011/main" xmlns="" val="1"/>
+              <ma14:wrappingTextBoxFlag xmlns="" xmlns:ma14="http://schemas.microsoft.com/office/mac/drawingml/2011/main" val="1"/>
             </a:ext>
           </a:extLst>
         </p:spPr>
@@ -11029,7 +10706,7 @@
           </a:ln>
           <a:extLst>
             <a:ext uri="{C572A759-6A51-4108-AA02-DFA0A04FC94B}">
-              <ma14:wrappingTextBoxFlag xmlns:ma14="http://schemas.microsoft.com/office/mac/drawingml/2011/main" xmlns="" val="1"/>
+              <ma14:wrappingTextBoxFlag xmlns="" xmlns:ma14="http://schemas.microsoft.com/office/mac/drawingml/2011/main" val="1"/>
             </a:ext>
           </a:extLst>
         </p:spPr>
@@ -11121,7 +10798,7 @@
           </a:ln>
           <a:extLst>
             <a:ext uri="{C572A759-6A51-4108-AA02-DFA0A04FC94B}">
-              <ma14:wrappingTextBoxFlag xmlns:ma14="http://schemas.microsoft.com/office/mac/drawingml/2011/main" xmlns="" val="1"/>
+              <ma14:wrappingTextBoxFlag xmlns="" xmlns:ma14="http://schemas.microsoft.com/office/mac/drawingml/2011/main" val="1"/>
             </a:ext>
           </a:extLst>
         </p:spPr>
@@ -11364,7 +11041,7 @@
           </a:ln>
           <a:extLst>
             <a:ext uri="{C572A759-6A51-4108-AA02-DFA0A04FC94B}">
-              <ma14:wrappingTextBoxFlag xmlns:ma14="http://schemas.microsoft.com/office/mac/drawingml/2011/main" xmlns="" val="1"/>
+              <ma14:wrappingTextBoxFlag xmlns="" xmlns:ma14="http://schemas.microsoft.com/office/mac/drawingml/2011/main" val="1"/>
             </a:ext>
           </a:extLst>
         </p:spPr>
@@ -11490,7 +11167,7 @@
           </a:ln>
           <a:extLst>
             <a:ext uri="{C572A759-6A51-4108-AA02-DFA0A04FC94B}">
-              <ma14:wrappingTextBoxFlag xmlns:ma14="http://schemas.microsoft.com/office/mac/drawingml/2011/main" xmlns="" val="1"/>
+              <ma14:wrappingTextBoxFlag xmlns="" xmlns:ma14="http://schemas.microsoft.com/office/mac/drawingml/2011/main" val="1"/>
             </a:ext>
           </a:extLst>
         </p:spPr>
@@ -11537,7 +11214,7 @@
           </a:ln>
           <a:extLst>
             <a:ext uri="{C572A759-6A51-4108-AA02-DFA0A04FC94B}">
-              <ma14:wrappingTextBoxFlag xmlns:ma14="http://schemas.microsoft.com/office/mac/drawingml/2011/main" xmlns="" val="1"/>
+              <ma14:wrappingTextBoxFlag xmlns="" xmlns:ma14="http://schemas.microsoft.com/office/mac/drawingml/2011/main" val="1"/>
             </a:ext>
           </a:extLst>
         </p:spPr>
@@ -11664,7 +11341,7 @@
           </a:ln>
           <a:extLst>
             <a:ext uri="{C572A759-6A51-4108-AA02-DFA0A04FC94B}">
-              <ma14:wrappingTextBoxFlag xmlns:ma14="http://schemas.microsoft.com/office/mac/drawingml/2011/main" xmlns="" val="1"/>
+              <ma14:wrappingTextBoxFlag xmlns="" xmlns:ma14="http://schemas.microsoft.com/office/mac/drawingml/2011/main" val="1"/>
             </a:ext>
           </a:extLst>
         </p:spPr>
@@ -11901,7 +11578,7 @@
           </a:ln>
           <a:extLst>
             <a:ext uri="{C572A759-6A51-4108-AA02-DFA0A04FC94B}">
-              <ma14:wrappingTextBoxFlag xmlns:ma14="http://schemas.microsoft.com/office/mac/drawingml/2011/main" xmlns="" val="1"/>
+              <ma14:wrappingTextBoxFlag xmlns="" xmlns:ma14="http://schemas.microsoft.com/office/mac/drawingml/2011/main" val="1"/>
             </a:ext>
           </a:extLst>
         </p:spPr>
@@ -11948,7 +11625,7 @@
           </a:ln>
           <a:extLst>
             <a:ext uri="{C572A759-6A51-4108-AA02-DFA0A04FC94B}">
-              <ma14:wrappingTextBoxFlag xmlns:ma14="http://schemas.microsoft.com/office/mac/drawingml/2011/main" xmlns="" val="1"/>
+              <ma14:wrappingTextBoxFlag xmlns="" xmlns:ma14="http://schemas.microsoft.com/office/mac/drawingml/2011/main" val="1"/>
             </a:ext>
           </a:extLst>
         </p:spPr>
@@ -12075,7 +11752,7 @@
           </a:ln>
           <a:extLst>
             <a:ext uri="{C572A759-6A51-4108-AA02-DFA0A04FC94B}">
-              <ma14:wrappingTextBoxFlag xmlns:ma14="http://schemas.microsoft.com/office/mac/drawingml/2011/main" xmlns="" val="1"/>
+              <ma14:wrappingTextBoxFlag xmlns="" xmlns:ma14="http://schemas.microsoft.com/office/mac/drawingml/2011/main" val="1"/>
             </a:ext>
           </a:extLst>
         </p:spPr>
@@ -12201,7 +11878,7 @@
           </a:ln>
           <a:extLst>
             <a:ext uri="{C572A759-6A51-4108-AA02-DFA0A04FC94B}">
-              <ma14:wrappingTextBoxFlag xmlns:ma14="http://schemas.microsoft.com/office/mac/drawingml/2011/main" xmlns="" val="1"/>
+              <ma14:wrappingTextBoxFlag xmlns="" xmlns:ma14="http://schemas.microsoft.com/office/mac/drawingml/2011/main" val="1"/>
             </a:ext>
           </a:extLst>
         </p:spPr>
@@ -12248,7 +11925,7 @@
           </a:ln>
           <a:extLst>
             <a:ext uri="{C572A759-6A51-4108-AA02-DFA0A04FC94B}">
-              <ma14:wrappingTextBoxFlag xmlns:ma14="http://schemas.microsoft.com/office/mac/drawingml/2011/main" xmlns="" val="1"/>
+              <ma14:wrappingTextBoxFlag xmlns="" xmlns:ma14="http://schemas.microsoft.com/office/mac/drawingml/2011/main" val="1"/>
             </a:ext>
           </a:extLst>
         </p:spPr>
@@ -12621,7 +12298,7 @@
           </a:ln>
           <a:extLst>
             <a:ext uri="{C572A759-6A51-4108-AA02-DFA0A04FC94B}">
-              <ma14:wrappingTextBoxFlag xmlns:ma14="http://schemas.microsoft.com/office/mac/drawingml/2011/main" xmlns="" val="1"/>
+              <ma14:wrappingTextBoxFlag xmlns="" xmlns:ma14="http://schemas.microsoft.com/office/mac/drawingml/2011/main" val="1"/>
             </a:ext>
           </a:extLst>
         </p:spPr>
@@ -12730,7 +12407,7 @@
           </a:ln>
           <a:extLst>
             <a:ext uri="{C572A759-6A51-4108-AA02-DFA0A04FC94B}">
-              <ma14:wrappingTextBoxFlag xmlns:ma14="http://schemas.microsoft.com/office/mac/drawingml/2011/main" xmlns="" val="1"/>
+              <ma14:wrappingTextBoxFlag xmlns="" xmlns:ma14="http://schemas.microsoft.com/office/mac/drawingml/2011/main" val="1"/>
             </a:ext>
           </a:extLst>
         </p:spPr>
@@ -12777,7 +12454,7 @@
           </a:ln>
           <a:extLst>
             <a:ext uri="{C572A759-6A51-4108-AA02-DFA0A04FC94B}">
-              <ma14:wrappingTextBoxFlag xmlns:ma14="http://schemas.microsoft.com/office/mac/drawingml/2011/main" xmlns="" val="1"/>
+              <ma14:wrappingTextBoxFlag xmlns="" xmlns:ma14="http://schemas.microsoft.com/office/mac/drawingml/2011/main" val="1"/>
             </a:ext>
           </a:extLst>
         </p:spPr>
@@ -13029,7 +12706,7 @@
           </a:ln>
           <a:extLst>
             <a:ext uri="{C572A759-6A51-4108-AA02-DFA0A04FC94B}">
-              <ma14:wrappingTextBoxFlag xmlns:ma14="http://schemas.microsoft.com/office/mac/drawingml/2011/main" xmlns="" val="1"/>
+              <ma14:wrappingTextBoxFlag xmlns="" xmlns:ma14="http://schemas.microsoft.com/office/mac/drawingml/2011/main" val="1"/>
             </a:ext>
           </a:extLst>
         </p:spPr>
@@ -13076,7 +12753,7 @@
           </a:ln>
           <a:extLst>
             <a:ext uri="{C572A759-6A51-4108-AA02-DFA0A04FC94B}">
-              <ma14:wrappingTextBoxFlag xmlns:ma14="http://schemas.microsoft.com/office/mac/drawingml/2011/main" xmlns="" val="1"/>
+              <ma14:wrappingTextBoxFlag xmlns="" xmlns:ma14="http://schemas.microsoft.com/office/mac/drawingml/2011/main" val="1"/>
             </a:ext>
           </a:extLst>
         </p:spPr>
@@ -13206,7 +12883,7 @@
           </a:ln>
           <a:extLst>
             <a:ext uri="{C572A759-6A51-4108-AA02-DFA0A04FC94B}">
-              <ma14:wrappingTextBoxFlag xmlns:ma14="http://schemas.microsoft.com/office/mac/drawingml/2011/main" xmlns="" val="1"/>
+              <ma14:wrappingTextBoxFlag xmlns="" xmlns:ma14="http://schemas.microsoft.com/office/mac/drawingml/2011/main" val="1"/>
             </a:ext>
           </a:extLst>
         </p:spPr>
@@ -13315,7 +12992,7 @@
           </a:ln>
           <a:extLst>
             <a:ext uri="{C572A759-6A51-4108-AA02-DFA0A04FC94B}">
-              <ma14:wrappingTextBoxFlag xmlns:ma14="http://schemas.microsoft.com/office/mac/drawingml/2011/main" xmlns="" val="1"/>
+              <ma14:wrappingTextBoxFlag xmlns="" xmlns:ma14="http://schemas.microsoft.com/office/mac/drawingml/2011/main" val="1"/>
             </a:ext>
           </a:extLst>
         </p:spPr>
@@ -13434,7 +13111,7 @@
           </a:ln>
           <a:extLst>
             <a:ext uri="{C572A759-6A51-4108-AA02-DFA0A04FC94B}">
-              <ma14:wrappingTextBoxFlag xmlns:ma14="http://schemas.microsoft.com/office/mac/drawingml/2011/main" xmlns="" val="1"/>
+              <ma14:wrappingTextBoxFlag xmlns="" xmlns:ma14="http://schemas.microsoft.com/office/mac/drawingml/2011/main" val="1"/>
             </a:ext>
           </a:extLst>
         </p:spPr>
@@ -13536,7 +13213,7 @@
           </a:ln>
           <a:extLst>
             <a:ext uri="{C572A759-6A51-4108-AA02-DFA0A04FC94B}">
-              <ma14:wrappingTextBoxFlag xmlns:ma14="http://schemas.microsoft.com/office/mac/drawingml/2011/main" xmlns="" val="1"/>
+              <ma14:wrappingTextBoxFlag xmlns="" xmlns:ma14="http://schemas.microsoft.com/office/mac/drawingml/2011/main" val="1"/>
             </a:ext>
           </a:extLst>
         </p:spPr>
@@ -13744,7 +13421,7 @@
           </a:ln>
           <a:extLst>
             <a:ext uri="{C572A759-6A51-4108-AA02-DFA0A04FC94B}">
-              <ma14:wrappingTextBoxFlag xmlns:ma14="http://schemas.microsoft.com/office/mac/drawingml/2011/main" xmlns="" val="1"/>
+              <ma14:wrappingTextBoxFlag xmlns="" xmlns:ma14="http://schemas.microsoft.com/office/mac/drawingml/2011/main" val="1"/>
             </a:ext>
           </a:extLst>
         </p:spPr>
@@ -13857,7 +13534,7 @@
           </a:ln>
           <a:extLst>
             <a:ext uri="{C572A759-6A51-4108-AA02-DFA0A04FC94B}">
-              <ma14:wrappingTextBoxFlag xmlns:ma14="http://schemas.microsoft.com/office/mac/drawingml/2011/main" xmlns="" val="1"/>
+              <ma14:wrappingTextBoxFlag xmlns="" xmlns:ma14="http://schemas.microsoft.com/office/mac/drawingml/2011/main" val="1"/>
             </a:ext>
           </a:extLst>
         </p:spPr>
@@ -13966,7 +13643,7 @@
           </a:ln>
           <a:extLst>
             <a:ext uri="{C572A759-6A51-4108-AA02-DFA0A04FC94B}">
-              <ma14:wrappingTextBoxFlag xmlns:ma14="http://schemas.microsoft.com/office/mac/drawingml/2011/main" xmlns="" val="1"/>
+              <ma14:wrappingTextBoxFlag xmlns="" xmlns:ma14="http://schemas.microsoft.com/office/mac/drawingml/2011/main" val="1"/>
             </a:ext>
           </a:extLst>
         </p:spPr>
@@ -14068,7 +13745,7 @@
           </a:ln>
           <a:extLst>
             <a:ext uri="{C572A759-6A51-4108-AA02-DFA0A04FC94B}">
-              <ma14:wrappingTextBoxFlag xmlns:ma14="http://schemas.microsoft.com/office/mac/drawingml/2011/main" xmlns="" val="1"/>
+              <ma14:wrappingTextBoxFlag xmlns="" xmlns:ma14="http://schemas.microsoft.com/office/mac/drawingml/2011/main" val="1"/>
             </a:ext>
           </a:extLst>
         </p:spPr>
@@ -14317,7 +13994,7 @@
           </a:ln>
           <a:extLst>
             <a:ext uri="{C572A759-6A51-4108-AA02-DFA0A04FC94B}">
-              <ma14:wrappingTextBoxFlag xmlns:ma14="http://schemas.microsoft.com/office/mac/drawingml/2011/main" xmlns="" val="1"/>
+              <ma14:wrappingTextBoxFlag xmlns="" xmlns:ma14="http://schemas.microsoft.com/office/mac/drawingml/2011/main" val="1"/>
             </a:ext>
           </a:extLst>
         </p:spPr>
@@ -14507,7 +14184,7 @@
           </a:ln>
           <a:extLst>
             <a:ext uri="{C572A759-6A51-4108-AA02-DFA0A04FC94B}">
-              <ma14:wrappingTextBoxFlag xmlns:ma14="http://schemas.microsoft.com/office/mac/drawingml/2011/main" xmlns="" val="1"/>
+              <ma14:wrappingTextBoxFlag xmlns="" xmlns:ma14="http://schemas.microsoft.com/office/mac/drawingml/2011/main" val="1"/>
             </a:ext>
           </a:extLst>
         </p:spPr>
@@ -14644,7 +14321,7 @@
           </a:ln>
           <a:extLst>
             <a:ext uri="{C572A759-6A51-4108-AA02-DFA0A04FC94B}">
-              <ma14:wrappingTextBoxFlag xmlns:ma14="http://schemas.microsoft.com/office/mac/drawingml/2011/main" xmlns="" val="1"/>
+              <ma14:wrappingTextBoxFlag xmlns="" xmlns:ma14="http://schemas.microsoft.com/office/mac/drawingml/2011/main" val="1"/>
             </a:ext>
           </a:extLst>
         </p:spPr>
@@ -14850,7 +14527,7 @@
           </a:ln>
           <a:extLst>
             <a:ext uri="{C572A759-6A51-4108-AA02-DFA0A04FC94B}">
-              <ma14:wrappingTextBoxFlag xmlns:ma14="http://schemas.microsoft.com/office/mac/drawingml/2011/main" xmlns="" val="1"/>
+              <ma14:wrappingTextBoxFlag xmlns="" xmlns:ma14="http://schemas.microsoft.com/office/mac/drawingml/2011/main" val="1"/>
             </a:ext>
           </a:extLst>
         </p:spPr>
@@ -14981,7 +14658,7 @@
           </a:ln>
           <a:extLst>
             <a:ext uri="{C572A759-6A51-4108-AA02-DFA0A04FC94B}">
-              <ma14:wrappingTextBoxFlag xmlns:ma14="http://schemas.microsoft.com/office/mac/drawingml/2011/main" xmlns="" val="1"/>
+              <ma14:wrappingTextBoxFlag xmlns="" xmlns:ma14="http://schemas.microsoft.com/office/mac/drawingml/2011/main" val="1"/>
             </a:ext>
           </a:extLst>
         </p:spPr>
@@ -15315,7 +14992,7 @@
           </a:ln>
           <a:extLst>
             <a:ext uri="{C572A759-6A51-4108-AA02-DFA0A04FC94B}">
-              <ma14:wrappingTextBoxFlag xmlns:ma14="http://schemas.microsoft.com/office/mac/drawingml/2011/main" xmlns="" val="1"/>
+              <ma14:wrappingTextBoxFlag xmlns="" xmlns:ma14="http://schemas.microsoft.com/office/mac/drawingml/2011/main" val="1"/>
             </a:ext>
           </a:extLst>
         </p:spPr>
@@ -15424,7 +15101,7 @@
           </a:ln>
           <a:extLst>
             <a:ext uri="{C572A759-6A51-4108-AA02-DFA0A04FC94B}">
-              <ma14:wrappingTextBoxFlag xmlns:ma14="http://schemas.microsoft.com/office/mac/drawingml/2011/main" xmlns="" val="1"/>
+              <ma14:wrappingTextBoxFlag xmlns="" xmlns:ma14="http://schemas.microsoft.com/office/mac/drawingml/2011/main" val="1"/>
             </a:ext>
           </a:extLst>
         </p:spPr>
@@ -15628,7 +15305,7 @@
           </a:ln>
           <a:extLst>
             <a:ext uri="{C572A759-6A51-4108-AA02-DFA0A04FC94B}">
-              <ma14:wrappingTextBoxFlag xmlns:ma14="http://schemas.microsoft.com/office/mac/drawingml/2011/main" xmlns="" val="1"/>
+              <ma14:wrappingTextBoxFlag xmlns="" xmlns:ma14="http://schemas.microsoft.com/office/mac/drawingml/2011/main" val="1"/>
             </a:ext>
           </a:extLst>
         </p:spPr>
@@ -15720,7 +15397,7 @@
           </a:ln>
           <a:extLst>
             <a:ext uri="{C572A759-6A51-4108-AA02-DFA0A04FC94B}">
-              <ma14:wrappingTextBoxFlag xmlns:ma14="http://schemas.microsoft.com/office/mac/drawingml/2011/main" xmlns="" val="1"/>
+              <ma14:wrappingTextBoxFlag xmlns="" xmlns:ma14="http://schemas.microsoft.com/office/mac/drawingml/2011/main" val="1"/>
             </a:ext>
           </a:extLst>
         </p:spPr>
@@ -15916,7 +15593,7 @@
           </a:ln>
           <a:extLst>
             <a:ext uri="{C572A759-6A51-4108-AA02-DFA0A04FC94B}">
-              <ma14:wrappingTextBoxFlag xmlns:ma14="http://schemas.microsoft.com/office/mac/drawingml/2011/main" xmlns="" val="1"/>
+              <ma14:wrappingTextBoxFlag xmlns="" xmlns:ma14="http://schemas.microsoft.com/office/mac/drawingml/2011/main" val="1"/>
             </a:ext>
           </a:extLst>
         </p:spPr>
@@ -16037,7 +15714,7 @@
           </a:ln>
           <a:extLst>
             <a:ext uri="{C572A759-6A51-4108-AA02-DFA0A04FC94B}">
-              <ma14:wrappingTextBoxFlag xmlns:ma14="http://schemas.microsoft.com/office/mac/drawingml/2011/main" xmlns="" val="1"/>
+              <ma14:wrappingTextBoxFlag xmlns="" xmlns:ma14="http://schemas.microsoft.com/office/mac/drawingml/2011/main" val="1"/>
             </a:ext>
           </a:extLst>
         </p:spPr>
@@ -16134,7 +15811,7 @@
           </a:ln>
           <a:extLst>
             <a:ext uri="{C572A759-6A51-4108-AA02-DFA0A04FC94B}">
-              <ma14:wrappingTextBoxFlag xmlns:ma14="http://schemas.microsoft.com/office/mac/drawingml/2011/main" xmlns="" val="1"/>
+              <ma14:wrappingTextBoxFlag xmlns="" xmlns:ma14="http://schemas.microsoft.com/office/mac/drawingml/2011/main" val="1"/>
             </a:ext>
           </a:extLst>
         </p:spPr>
@@ -16243,7 +15920,7 @@
           </a:ln>
           <a:extLst>
             <a:ext uri="{C572A759-6A51-4108-AA02-DFA0A04FC94B}">
-              <ma14:wrappingTextBoxFlag xmlns:ma14="http://schemas.microsoft.com/office/mac/drawingml/2011/main" xmlns="" val="1"/>
+              <ma14:wrappingTextBoxFlag xmlns="" xmlns:ma14="http://schemas.microsoft.com/office/mac/drawingml/2011/main" val="1"/>
             </a:ext>
           </a:extLst>
         </p:spPr>
@@ -16297,7 +15974,7 @@
           </a:ln>
           <a:extLst>
             <a:ext uri="{C572A759-6A51-4108-AA02-DFA0A04FC94B}">
-              <ma14:wrappingTextBoxFlag xmlns:ma14="http://schemas.microsoft.com/office/mac/drawingml/2011/main" xmlns="" val="1"/>
+              <ma14:wrappingTextBoxFlag xmlns="" xmlns:ma14="http://schemas.microsoft.com/office/mac/drawingml/2011/main" val="1"/>
             </a:ext>
           </a:extLst>
         </p:spPr>
@@ -16547,7 +16224,7 @@
           </a:ln>
           <a:extLst>
             <a:ext uri="{C572A759-6A51-4108-AA02-DFA0A04FC94B}">
-              <ma14:wrappingTextBoxFlag xmlns:ma14="http://schemas.microsoft.com/office/mac/drawingml/2011/main" xmlns="" val="1"/>
+              <ma14:wrappingTextBoxFlag xmlns="" xmlns:ma14="http://schemas.microsoft.com/office/mac/drawingml/2011/main" val="1"/>
             </a:ext>
           </a:extLst>
         </p:spPr>
@@ -16656,7 +16333,7 @@
           </a:ln>
           <a:extLst>
             <a:ext uri="{C572A759-6A51-4108-AA02-DFA0A04FC94B}">
-              <ma14:wrappingTextBoxFlag xmlns:ma14="http://schemas.microsoft.com/office/mac/drawingml/2011/main" xmlns="" val="1"/>
+              <ma14:wrappingTextBoxFlag xmlns="" xmlns:ma14="http://schemas.microsoft.com/office/mac/drawingml/2011/main" val="1"/>
             </a:ext>
           </a:extLst>
         </p:spPr>
@@ -16703,7 +16380,7 @@
           </a:ln>
           <a:extLst>
             <a:ext uri="{C572A759-6A51-4108-AA02-DFA0A04FC94B}">
-              <ma14:wrappingTextBoxFlag xmlns:ma14="http://schemas.microsoft.com/office/mac/drawingml/2011/main" xmlns="" val="1"/>
+              <ma14:wrappingTextBoxFlag xmlns="" xmlns:ma14="http://schemas.microsoft.com/office/mac/drawingml/2011/main" val="1"/>
             </a:ext>
           </a:extLst>
         </p:spPr>
@@ -16795,7 +16472,7 @@
           </a:ln>
           <a:extLst>
             <a:ext uri="{C572A759-6A51-4108-AA02-DFA0A04FC94B}">
-              <ma14:wrappingTextBoxFlag xmlns:ma14="http://schemas.microsoft.com/office/mac/drawingml/2011/main" xmlns="" val="1"/>
+              <ma14:wrappingTextBoxFlag xmlns="" xmlns:ma14="http://schemas.microsoft.com/office/mac/drawingml/2011/main" val="1"/>
             </a:ext>
           </a:extLst>
         </p:spPr>
@@ -16904,7 +16581,7 @@
           </a:ln>
           <a:extLst>
             <a:ext uri="{C572A759-6A51-4108-AA02-DFA0A04FC94B}">
-              <ma14:wrappingTextBoxFlag xmlns:ma14="http://schemas.microsoft.com/office/mac/drawingml/2011/main" xmlns="" val="1"/>
+              <ma14:wrappingTextBoxFlag xmlns="" xmlns:ma14="http://schemas.microsoft.com/office/mac/drawingml/2011/main" val="1"/>
             </a:ext>
           </a:extLst>
         </p:spPr>
@@ -16951,7 +16628,7 @@
           </a:ln>
           <a:extLst>
             <a:ext uri="{C572A759-6A51-4108-AA02-DFA0A04FC94B}">
-              <ma14:wrappingTextBoxFlag xmlns:ma14="http://schemas.microsoft.com/office/mac/drawingml/2011/main" xmlns="" val="1"/>
+              <ma14:wrappingTextBoxFlag xmlns="" xmlns:ma14="http://schemas.microsoft.com/office/mac/drawingml/2011/main" val="1"/>
             </a:ext>
           </a:extLst>
         </p:spPr>
@@ -17043,7 +16720,7 @@
           </a:ln>
           <a:extLst>
             <a:ext uri="{C572A759-6A51-4108-AA02-DFA0A04FC94B}">
-              <ma14:wrappingTextBoxFlag xmlns:ma14="http://schemas.microsoft.com/office/mac/drawingml/2011/main" xmlns="" val="1"/>
+              <ma14:wrappingTextBoxFlag xmlns="" xmlns:ma14="http://schemas.microsoft.com/office/mac/drawingml/2011/main" val="1"/>
             </a:ext>
           </a:extLst>
         </p:spPr>
@@ -17135,7 +16812,7 @@
           </a:ln>
           <a:extLst>
             <a:ext uri="{C572A759-6A51-4108-AA02-DFA0A04FC94B}">
-              <ma14:wrappingTextBoxFlag xmlns:ma14="http://schemas.microsoft.com/office/mac/drawingml/2011/main" xmlns="" val="1"/>
+              <ma14:wrappingTextBoxFlag xmlns="" xmlns:ma14="http://schemas.microsoft.com/office/mac/drawingml/2011/main" val="1"/>
             </a:ext>
           </a:extLst>
         </p:spPr>
@@ -17490,100 +17167,6 @@
         </a:graphic>
       </p:graphicFrame>
     </p:spTree>
-  </p:cSld>
-  <p:clrMapOvr>
-    <a:masterClrMapping/>
-  </p:clrMapOvr>
-  <p:transition spd="med"/>
-</p:sld>
-</file>
-
-<file path=ppt/slides/slide70.xml><?xml version="1.0" encoding="utf-8"?>
-<p:sld xmlns:a="http://schemas.openxmlformats.org/drawingml/2006/main" xmlns:r="http://schemas.openxmlformats.org/officeDocument/2006/relationships" xmlns:p="http://schemas.openxmlformats.org/presentationml/2006/main">
-  <p:cSld>
-    <p:spTree>
-      <p:nvGrpSpPr>
-        <p:cNvPr id="1" name=""/>
-        <p:cNvGrpSpPr/>
-        <p:nvPr/>
-      </p:nvGrpSpPr>
-      <p:grpSpPr>
-        <a:xfrm>
-          <a:off x="0" y="0"/>
-          <a:ext cx="0" cy="0"/>
-          <a:chOff x="0" y="0"/>
-          <a:chExt cx="0" cy="0"/>
-        </a:xfrm>
-      </p:grpSpPr>
-      <p:sp>
-        <p:nvSpPr>
-          <p:cNvPr id="9" name="Text Placeholder 8">
-            <a:extLst>
-              <a:ext uri="{FF2B5EF4-FFF2-40B4-BE49-F238E27FC236}">
-                <a16:creationId xmlns:a16="http://schemas.microsoft.com/office/drawing/2014/main" id="{9127305D-ABDC-46F2-9BB8-4EDEC0FF1639}"/>
-              </a:ext>
-            </a:extLst>
-          </p:cNvPr>
-          <p:cNvSpPr>
-            <a:spLocks noGrp="1"/>
-          </p:cNvSpPr>
-          <p:nvPr>
-            <p:ph type="body" sz="quarter" idx="1"/>
-          </p:nvPr>
-        </p:nvSpPr>
-        <p:spPr/>
-        <p:txBody>
-          <a:bodyPr>
-            <a:normAutofit fontScale="92500" lnSpcReduction="20000"/>
-          </a:bodyPr>
-          <a:lstStyle/>
-          <a:p>
-            <a:r>
-              <a:rPr lang="en-US" sz="17000" dirty="0"/>
-              <a:t>Evaluations</a:t>
-            </a:r>
-          </a:p>
-        </p:txBody>
-      </p:sp>
-      <p:sp>
-        <p:nvSpPr>
-          <p:cNvPr id="10" name="Text Placeholder 9">
-            <a:extLst>
-              <a:ext uri="{FF2B5EF4-FFF2-40B4-BE49-F238E27FC236}">
-                <a16:creationId xmlns:a16="http://schemas.microsoft.com/office/drawing/2014/main" id="{84913EF7-43F7-4FF6-BDD7-974059552F7B}"/>
-              </a:ext>
-            </a:extLst>
-          </p:cNvPr>
-          <p:cNvSpPr>
-            <a:spLocks noGrp="1"/>
-          </p:cNvSpPr>
-          <p:nvPr>
-            <p:ph type="body" sz="quarter" idx="10"/>
-          </p:nvPr>
-        </p:nvSpPr>
-        <p:spPr/>
-        <p:txBody>
-          <a:bodyPr>
-            <a:normAutofit fontScale="40000" lnSpcReduction="20000"/>
-          </a:bodyPr>
-          <a:lstStyle/>
-          <a:p>
-            <a:r>
-              <a:rPr lang="en-US" dirty="0">
-                <a:hlinkClick r:id="rId2"/>
-              </a:rPr>
-              <a:t>https://www.careercenters.com/evaluations/new</a:t>
-            </a:r>
-            <a:endParaRPr lang="en-US" dirty="0"/>
-          </a:p>
-        </p:txBody>
-      </p:sp>
-    </p:spTree>
-    <p:extLst>
-      <p:ext uri="{BB962C8B-B14F-4D97-AF65-F5344CB8AC3E}">
-        <p14:creationId xmlns:p14="http://schemas.microsoft.com/office/powerpoint/2010/main" val="2647350311"/>
-      </p:ext>
-    </p:extLst>
   </p:cSld>
   <p:clrMapOvr>
     <a:masterClrMapping/>

--- a/Session01/Session1_Slides.pptx
+++ b/Session01/Session1_Slides.pptx
@@ -14,11 +14,11 @@
     <p:sldId id="256" r:id="rId2"/>
     <p:sldId id="257" r:id="rId3"/>
     <p:sldId id="260" r:id="rId4"/>
-    <p:sldId id="263" r:id="rId5"/>
+    <p:sldId id="261" r:id="rId5"/>
     <p:sldId id="262" r:id="rId6"/>
-    <p:sldId id="261" r:id="rId7"/>
-    <p:sldId id="268" r:id="rId8"/>
-    <p:sldId id="269" r:id="rId9"/>
+    <p:sldId id="263" r:id="rId7"/>
+    <p:sldId id="269" r:id="rId8"/>
+    <p:sldId id="268" r:id="rId9"/>
     <p:sldId id="270" r:id="rId10"/>
     <p:sldId id="271" r:id="rId11"/>
     <p:sldId id="272" r:id="rId12"/>
@@ -478,7 +478,7 @@
           </c:val>
           <c:extLst>
             <c:ext xmlns:c16="http://schemas.microsoft.com/office/drawing/2014/chart" uri="{C3380CC4-5D6E-409C-BE32-E72D297353CC}">
-              <c16:uniqueId val="{00000000-C5D5-4F03-9B4B-D72ECDDE274B}"/>
+              <c16:uniqueId val="{00000000-163E-4723-9E3B-6EE9D3863785}"/>
             </c:ext>
           </c:extLst>
         </c:ser>
@@ -688,20 +688,20 @@
                 <c:formatCode>General</c:formatCode>
                 <c:ptCount val="3"/>
                 <c:pt idx="0">
-                  <c:v>100</c:v>
+                  <c:v>0.16699999999999998</c:v>
                 </c:pt>
                 <c:pt idx="1">
-                  <c:v>0</c:v>
+                  <c:v>0.48</c:v>
                 </c:pt>
                 <c:pt idx="2">
-                  <c:v>0</c:v>
+                  <c:v>0.36</c:v>
                 </c:pt>
               </c:numCache>
             </c:numRef>
           </c:val>
           <c:extLst>
             <c:ext xmlns:c16="http://schemas.microsoft.com/office/drawing/2014/chart" uri="{C3380CC4-5D6E-409C-BE32-E72D297353CC}">
-              <c16:uniqueId val="{00000000-163E-4723-9E3B-6EE9D3863785}"/>
+              <c16:uniqueId val="{00000000-C5D5-4F03-9B4B-D72ECDDE274B}"/>
             </c:ext>
           </c:extLst>
         </c:ser>
@@ -764,6 +764,8 @@
         <c:axId val="2094734553"/>
         <c:scaling>
           <c:orientation val="minMax"/>
+          <c:max val="0.60000000000000009"/>
+          <c:min val="0"/>
         </c:scaling>
         <c:delete val="0"/>
         <c:axPos val="l"/>
@@ -780,7 +782,7 @@
             </a:ln>
           </c:spPr>
         </c:majorGridlines>
-        <c:numFmt formatCode="0" sourceLinked="0"/>
+        <c:numFmt formatCode="0%" sourceLinked="0"/>
         <c:majorTickMark val="none"/>
         <c:minorTickMark val="none"/>
         <c:tickLblPos val="nextTo"/>
@@ -809,8 +811,6 @@
         <c:crossAx val="2094734552"/>
         <c:crosses val="autoZero"/>
         <c:crossBetween val="between"/>
-        <c:majorUnit val="25"/>
-        <c:minorUnit val="12.5"/>
       </c:valAx>
       <c:spPr>
         <a:noFill/>
@@ -932,7 +932,7 @@
           <a:p>
             <a:fld id="{5B849520-1930-4CF7-AFD0-1B7449654BAD}" type="datetimeFigureOut">
               <a:rPr lang="en-US" smtClean="0"/>
-              <a:t>6/25/23</a:t>
+              <a:t>11/6/23</a:t>
             </a:fld>
             <a:endParaRPr lang="en-US"/>
           </a:p>
@@ -1208,6 +1208,78 @@
     </a:lvl9pPr>
   </p:notesStyle>
 </p:notesMaster>
+</file>
+
+<file path=ppt/notesSlides/notesSlide1.xml><?xml version="1.0" encoding="utf-8"?>
+<p:notes xmlns:a="http://schemas.openxmlformats.org/drawingml/2006/main" xmlns:r="http://schemas.openxmlformats.org/officeDocument/2006/relationships" xmlns:p="http://schemas.openxmlformats.org/presentationml/2006/main">
+  <p:cSld>
+    <p:spTree>
+      <p:nvGrpSpPr>
+        <p:cNvPr id="1" name=""/>
+        <p:cNvGrpSpPr/>
+        <p:nvPr/>
+      </p:nvGrpSpPr>
+      <p:grpSpPr>
+        <a:xfrm>
+          <a:off x="0" y="0"/>
+          <a:ext cx="0" cy="0"/>
+          <a:chOff x="0" y="0"/>
+          <a:chExt cx="0" cy="0"/>
+        </a:xfrm>
+      </p:grpSpPr>
+      <p:sp>
+        <p:nvSpPr>
+          <p:cNvPr id="2" name="Slide Image Placeholder 1"/>
+          <p:cNvSpPr>
+            <a:spLocks noGrp="1" noRot="1" noChangeAspect="1"/>
+          </p:cNvSpPr>
+          <p:nvPr>
+            <p:ph type="sldImg"/>
+          </p:nvPr>
+        </p:nvSpPr>
+        <p:spPr/>
+      </p:sp>
+      <p:sp>
+        <p:nvSpPr>
+          <p:cNvPr id="3" name="Notes Placeholder 2"/>
+          <p:cNvSpPr>
+            <a:spLocks noGrp="1"/>
+          </p:cNvSpPr>
+          <p:nvPr>
+            <p:ph type="body" idx="1"/>
+          </p:nvPr>
+        </p:nvSpPr>
+        <p:spPr/>
+        <p:txBody>
+          <a:bodyPr/>
+          <a:lstStyle/>
+          <a:p>
+            <a:r>
+              <a:rPr lang="en-US" dirty="0"/>
+              <a:t>image source: https://git-</a:t>
+            </a:r>
+            <a:r>
+              <a:rPr lang="en-US" dirty="0" err="1"/>
+              <a:t>scm.com</a:t>
+            </a:r>
+            <a:r>
+              <a:rPr lang="en-US" dirty="0"/>
+              <a:t>/about/distributed</a:t>
+            </a:r>
+          </a:p>
+        </p:txBody>
+      </p:sp>
+    </p:spTree>
+    <p:extLst>
+      <p:ext uri="{BB962C8B-B14F-4D97-AF65-F5344CB8AC3E}">
+        <p14:creationId xmlns:p14="http://schemas.microsoft.com/office/powerpoint/2010/main" val="4201463486"/>
+      </p:ext>
+    </p:extLst>
+  </p:cSld>
+  <p:clrMapOvr>
+    <a:masterClrMapping/>
+  </p:clrMapOvr>
+</p:notes>
 </file>
 
 <file path=ppt/slideLayouts/slideLayout1.xml><?xml version="1.0" encoding="utf-8"?>
@@ -9500,7 +9572,7 @@
         </p:spPr>
         <p:txBody>
           <a:bodyPr>
-            <a:normAutofit fontScale="90000"/>
+            <a:normAutofit/>
           </a:bodyPr>
           <a:lstStyle/>
           <a:p>
@@ -10187,7 +10259,7 @@
         </p:spPr>
         <p:txBody>
           <a:bodyPr>
-            <a:normAutofit fontScale="90000"/>
+            <a:normAutofit/>
           </a:bodyPr>
           <a:lstStyle/>
           <a:p>
@@ -11412,36 +11484,37 @@
           <a:chExt cx="0" cy="0"/>
         </a:xfrm>
       </p:grpSpPr>
-      <p:pic>
-        <p:nvPicPr>
-          <p:cNvPr id="205" name="image4.png"/>
-          <p:cNvPicPr>
-            <a:picLocks noGrp="1" noChangeAspect="1"/>
-          </p:cNvPicPr>
+      <p:sp>
+        <p:nvSpPr>
+          <p:cNvPr id="199" name="Shape 199"/>
+          <p:cNvSpPr>
+            <a:spLocks noGrp="1"/>
+          </p:cNvSpPr>
           <p:nvPr>
-            <p:ph type="pic" idx="13"/>
+            <p:ph type="body" sz="quarter" idx="1"/>
           </p:nvPr>
-        </p:nvPicPr>
-        <p:blipFill>
-          <a:blip r:embed="rId2"/>
-          <a:srcRect l="8398" r="58268"/>
-          <a:stretch>
-            <a:fillRect/>
-          </a:stretch>
-        </p:blipFill>
-        <p:spPr>
-          <a:xfrm>
-            <a:off x="-38100" y="313627"/>
-            <a:ext cx="5486400" cy="9126345"/>
-          </a:xfrm>
-          <a:prstGeom prst="rect">
-            <a:avLst/>
-          </a:prstGeom>
-        </p:spPr>
-      </p:pic>
-      <p:sp>
-        <p:nvSpPr>
-          <p:cNvPr id="206" name="Shape 206"/>
+        </p:nvSpPr>
+        <p:spPr/>
+        <p:txBody>
+          <a:bodyPr/>
+          <a:lstStyle/>
+          <a:p>
+            <a:r>
+              <a:rPr lang="en-US"/>
+              <a:t>Modern Software</a:t>
+            </a:r>
+          </a:p>
+        </p:txBody>
+      </p:sp>
+      <p:sp>
+        <p:nvSpPr>
+          <p:cNvPr id="7" name="Title 6">
+            <a:extLst>
+              <a:ext uri="{FF2B5EF4-FFF2-40B4-BE49-F238E27FC236}">
+                <a16:creationId xmlns:a16="http://schemas.microsoft.com/office/drawing/2014/main" id="{6010A882-84BA-4A4E-8838-25C7249CDFD5}"/>
+              </a:ext>
+            </a:extLst>
+          </p:cNvPr>
           <p:cNvSpPr>
             <a:spLocks noGrp="1"/>
           </p:cNvSpPr>
@@ -11449,54 +11522,87 @@
             <p:ph type="title"/>
           </p:nvPr>
         </p:nvSpPr>
-        <p:spPr>
-          <a:prstGeom prst="rect">
-            <a:avLst/>
-          </a:prstGeom>
-        </p:spPr>
+        <p:spPr/>
         <p:txBody>
           <a:bodyPr/>
-          <a:lstStyle>
-            <a:lvl1pPr>
-              <a:defRPr sz="9600"/>
-            </a:lvl1pPr>
-          </a:lstStyle>
-          <a:p>
-            <a:r>
-              <a:t>Code</a:t>
-            </a:r>
-          </a:p>
-        </p:txBody>
-      </p:sp>
-      <p:sp>
-        <p:nvSpPr>
-          <p:cNvPr id="207" name="Shape 207"/>
+          <a:lstStyle/>
+          <a:p>
+            <a:r>
+              <a:rPr lang="en-US" dirty="0"/>
+              <a:t>Collaboration and Version Control</a:t>
+            </a:r>
+          </a:p>
+        </p:txBody>
+      </p:sp>
+      <p:sp>
+        <p:nvSpPr>
+          <p:cNvPr id="4" name="Picture Placeholder 3">
+            <a:extLst>
+              <a:ext uri="{FF2B5EF4-FFF2-40B4-BE49-F238E27FC236}">
+                <a16:creationId xmlns:a16="http://schemas.microsoft.com/office/drawing/2014/main" id="{6491FEBF-2AA5-30C0-126E-7EA4C239AB42}"/>
+              </a:ext>
+            </a:extLst>
+          </p:cNvPr>
           <p:cNvSpPr>
             <a:spLocks noGrp="1"/>
           </p:cNvSpPr>
           <p:nvPr>
-            <p:ph type="body" sz="quarter" idx="1"/>
+            <p:ph type="pic" idx="13"/>
           </p:nvPr>
         </p:nvSpPr>
         <p:spPr>
-          <a:prstGeom prst="rect">
-            <a:avLst/>
-          </a:prstGeom>
-        </p:spPr>
-        <p:txBody>
-          <a:bodyPr/>
-          <a:lstStyle>
-            <a:lvl1pPr>
-              <a:defRPr sz="5300"/>
-            </a:lvl1pPr>
-          </a:lstStyle>
-          <a:p>
-            <a:r>
-              <a:t>Short, Readable</a:t>
-            </a:r>
-          </a:p>
-        </p:txBody>
-      </p:sp>
+          <a:solidFill>
+            <a:srgbClr val="FFFFFF"/>
+          </a:solidFill>
+        </p:spPr>
+      </p:sp>
+      <p:pic>
+        <p:nvPicPr>
+          <p:cNvPr id="1028" name="Picture 4" descr="Workflow C">
+            <a:extLst>
+              <a:ext uri="{FF2B5EF4-FFF2-40B4-BE49-F238E27FC236}">
+                <a16:creationId xmlns:a16="http://schemas.microsoft.com/office/drawing/2014/main" id="{CB0D8551-941B-599B-3A9E-2DB99736C15D}"/>
+              </a:ext>
+            </a:extLst>
+          </p:cNvPr>
+          <p:cNvPicPr>
+            <a:picLocks noChangeAspect="1" noChangeArrowheads="1"/>
+          </p:cNvPicPr>
+          <p:nvPr/>
+        </p:nvPicPr>
+        <p:blipFill>
+          <a:blip r:embed="rId3">
+            <a:extLst>
+              <a:ext uri="{28A0092B-C50C-407E-A947-70E740481C1C}">
+                <a14:useLocalDpi xmlns:a14="http://schemas.microsoft.com/office/drawing/2010/main" val="0"/>
+              </a:ext>
+            </a:extLst>
+          </a:blip>
+          <a:srcRect/>
+          <a:stretch>
+            <a:fillRect/>
+          </a:stretch>
+        </p:blipFill>
+        <p:spPr bwMode="auto">
+          <a:xfrm rot="5400000">
+            <a:off x="-1948069" y="2325200"/>
+            <a:ext cx="9401033" cy="5068892"/>
+          </a:xfrm>
+          <a:prstGeom prst="rect">
+            <a:avLst/>
+          </a:prstGeom>
+          <a:noFill/>
+          <a:extLst>
+            <a:ext uri="{909E8E84-426E-40DD-AFC4-6F175D3DCCD1}">
+              <a14:hiddenFill xmlns:a14="http://schemas.microsoft.com/office/drawing/2010/main">
+                <a:solidFill>
+                  <a:srgbClr val="FFFFFF"/>
+                </a:solidFill>
+              </a14:hiddenFill>
+            </a:ext>
+          </a:extLst>
+        </p:spPr>
+      </p:pic>
     </p:spTree>
   </p:cSld>
   <p:clrMapOvr>
@@ -15157,7 +15263,7 @@
       </p:grpSpPr>
       <p:pic>
         <p:nvPicPr>
-          <p:cNvPr id="197" name="image1.jpeg"/>
+          <p:cNvPr id="205" name="image4.png"/>
           <p:cNvPicPr>
             <a:picLocks noGrp="1" noChangeAspect="1"/>
           </p:cNvPicPr>
@@ -15167,16 +15273,53 @@
         </p:nvPicPr>
         <p:blipFill>
           <a:blip r:embed="rId2"/>
-          <a:srcRect l="28906" r="28906"/>
+          <a:srcRect l="8398" r="58268"/>
           <a:stretch>
             <a:fillRect/>
           </a:stretch>
         </p:blipFill>
-        <p:spPr/>
+        <p:spPr>
+          <a:xfrm>
+            <a:off x="-38100" y="313627"/>
+            <a:ext cx="5486400" cy="9126345"/>
+          </a:xfrm>
+          <a:prstGeom prst="rect">
+            <a:avLst/>
+          </a:prstGeom>
+        </p:spPr>
       </p:pic>
       <p:sp>
         <p:nvSpPr>
-          <p:cNvPr id="199" name="Shape 199"/>
+          <p:cNvPr id="206" name="Shape 206"/>
+          <p:cNvSpPr>
+            <a:spLocks noGrp="1"/>
+          </p:cNvSpPr>
+          <p:nvPr>
+            <p:ph type="title"/>
+          </p:nvPr>
+        </p:nvSpPr>
+        <p:spPr>
+          <a:prstGeom prst="rect">
+            <a:avLst/>
+          </a:prstGeom>
+        </p:spPr>
+        <p:txBody>
+          <a:bodyPr/>
+          <a:lstStyle>
+            <a:lvl1pPr>
+              <a:defRPr sz="9600"/>
+            </a:lvl1pPr>
+          </a:lstStyle>
+          <a:p>
+            <a:r>
+              <a:t>Code</a:t>
+            </a:r>
+          </a:p>
+        </p:txBody>
+      </p:sp>
+      <p:sp>
+        <p:nvSpPr>
+          <p:cNvPr id="207" name="Shape 207"/>
           <p:cNvSpPr>
             <a:spLocks noGrp="1"/>
           </p:cNvSpPr>
@@ -15184,42 +15327,21 @@
             <p:ph type="body" sz="quarter" idx="1"/>
           </p:nvPr>
         </p:nvSpPr>
-        <p:spPr/>
+        <p:spPr>
+          <a:prstGeom prst="rect">
+            <a:avLst/>
+          </a:prstGeom>
+        </p:spPr>
         <p:txBody>
           <a:bodyPr/>
-          <a:lstStyle/>
-          <a:p>
-            <a:r>
-              <a:rPr lang="en-US"/>
-              <a:t>Modern Software</a:t>
-            </a:r>
-          </a:p>
-        </p:txBody>
-      </p:sp>
-      <p:sp>
-        <p:nvSpPr>
-          <p:cNvPr id="7" name="Title 6">
-            <a:extLst>
-              <a:ext uri="{FF2B5EF4-FFF2-40B4-BE49-F238E27FC236}">
-                <a16:creationId xmlns:a16="http://schemas.microsoft.com/office/drawing/2014/main" id="{6010A882-84BA-4A4E-8838-25C7249CDFD5}"/>
-              </a:ext>
-            </a:extLst>
-          </p:cNvPr>
-          <p:cNvSpPr>
-            <a:spLocks noGrp="1"/>
-          </p:cNvSpPr>
-          <p:nvPr>
-            <p:ph type="title"/>
-          </p:nvPr>
-        </p:nvSpPr>
-        <p:spPr/>
-        <p:txBody>
-          <a:bodyPr/>
-          <a:lstStyle/>
-          <a:p>
-            <a:r>
-              <a:rPr lang="en-US" dirty="0"/>
-              <a:t>Infrastructure</a:t>
+          <a:lstStyle>
+            <a:lvl1pPr>
+              <a:defRPr sz="5300"/>
+            </a:lvl1pPr>
+          </a:lstStyle>
+          <a:p>
+            <a:r>
+              <a:t>Short, Readable</a:t>
             </a:r>
           </a:p>
         </p:txBody>
@@ -15557,7 +15679,7 @@
         </p:spPr>
         <p:txBody>
           <a:bodyPr>
-            <a:normAutofit fontScale="90000"/>
+            <a:normAutofit/>
           </a:bodyPr>
           <a:lstStyle>
             <a:lvl1pPr defTabSz="403097">
@@ -17099,7 +17221,7 @@
       </p:grpSpPr>
       <p:sp>
         <p:nvSpPr>
-          <p:cNvPr id="225" name="Shape 225"/>
+          <p:cNvPr id="228" name="Shape 228"/>
           <p:cNvSpPr>
             <a:spLocks noGrp="1"/>
           </p:cNvSpPr>
@@ -17130,7 +17252,7 @@
           <p:cNvPr id="3" name="Text Placeholder 2">
             <a:extLst>
               <a:ext uri="{FF2B5EF4-FFF2-40B4-BE49-F238E27FC236}">
-                <a16:creationId xmlns:a16="http://schemas.microsoft.com/office/drawing/2014/main" id="{DCD70CEB-98E7-4A18-BE8C-9806C0B071A2}"/>
+                <a16:creationId xmlns:a16="http://schemas.microsoft.com/office/drawing/2014/main" id="{CE8B8EBB-30FD-46EB-9E8B-3AA5926356BD}"/>
               </a:ext>
             </a:extLst>
           </p:cNvPr>
@@ -17152,7 +17274,7 @@
       </p:sp>
       <p:graphicFrame>
         <p:nvGraphicFramePr>
-          <p:cNvPr id="226" name="Chart 226"/>
+          <p:cNvPr id="229" name="Chart 229"/>
           <p:cNvGraphicFramePr/>
           <p:nvPr/>
         </p:nvGraphicFramePr>
@@ -17166,6 +17288,90 @@
           </a:graphicData>
         </a:graphic>
       </p:graphicFrame>
+      <p:sp>
+        <p:nvSpPr>
+          <p:cNvPr id="230" name="Shape 230"/>
+          <p:cNvSpPr/>
+          <p:nvPr/>
+        </p:nvSpPr>
+        <p:spPr>
+          <a:xfrm rot="2859210">
+            <a:off x="885255" y="5952264"/>
+            <a:ext cx="5136051" cy="438152"/>
+          </a:xfrm>
+          <a:prstGeom prst="rect">
+            <a:avLst/>
+          </a:prstGeom>
+          <a:solidFill>
+            <a:schemeClr val="accent5"/>
+          </a:solidFill>
+          <a:ln w="12700">
+            <a:miter lim="400000"/>
+          </a:ln>
+        </p:spPr>
+        <p:txBody>
+          <a:bodyPr lIns="50800" tIns="50800" rIns="50800" bIns="50800" anchor="ctr"/>
+          <a:lstStyle/>
+          <a:p>
+            <a:pPr algn="ctr">
+              <a:lnSpc>
+                <a:spcPct val="80000"/>
+              </a:lnSpc>
+              <a:spcBef>
+                <a:spcPts val="0"/>
+              </a:spcBef>
+              <a:defRPr sz="2800" cap="all">
+                <a:solidFill>
+                  <a:srgbClr val="FFFFFF"/>
+                </a:solidFill>
+              </a:defRPr>
+            </a:pPr>
+            <a:endParaRPr/>
+          </a:p>
+        </p:txBody>
+      </p:sp>
+      <p:sp>
+        <p:nvSpPr>
+          <p:cNvPr id="231" name="Shape 231"/>
+          <p:cNvSpPr/>
+          <p:nvPr/>
+        </p:nvSpPr>
+        <p:spPr>
+          <a:xfrm rot="18911602">
+            <a:off x="859309" y="5902704"/>
+            <a:ext cx="5139401" cy="438150"/>
+          </a:xfrm>
+          <a:prstGeom prst="rect">
+            <a:avLst/>
+          </a:prstGeom>
+          <a:solidFill>
+            <a:schemeClr val="accent5"/>
+          </a:solidFill>
+          <a:ln w="12700">
+            <a:miter lim="400000"/>
+          </a:ln>
+        </p:spPr>
+        <p:txBody>
+          <a:bodyPr lIns="50800" tIns="50800" rIns="50800" bIns="50800" anchor="ctr"/>
+          <a:lstStyle/>
+          <a:p>
+            <a:pPr algn="ctr">
+              <a:lnSpc>
+                <a:spcPct val="80000"/>
+              </a:lnSpc>
+              <a:spcBef>
+                <a:spcPts val="0"/>
+              </a:spcBef>
+              <a:defRPr sz="2800" cap="all">
+                <a:solidFill>
+                  <a:srgbClr val="FFFFFF"/>
+                </a:solidFill>
+              </a:defRPr>
+            </a:pPr>
+            <a:endParaRPr/>
+          </a:p>
+        </p:txBody>
+      </p:sp>
     </p:spTree>
   </p:cSld>
   <p:clrMapOvr>
@@ -17194,7 +17400,7 @@
       </p:grpSpPr>
       <p:sp>
         <p:nvSpPr>
-          <p:cNvPr id="228" name="Shape 228"/>
+          <p:cNvPr id="225" name="Shape 225"/>
           <p:cNvSpPr>
             <a:spLocks noGrp="1"/>
           </p:cNvSpPr>
@@ -17225,7 +17431,7 @@
           <p:cNvPr id="3" name="Text Placeholder 2">
             <a:extLst>
               <a:ext uri="{FF2B5EF4-FFF2-40B4-BE49-F238E27FC236}">
-                <a16:creationId xmlns:a16="http://schemas.microsoft.com/office/drawing/2014/main" id="{CE8B8EBB-30FD-46EB-9E8B-3AA5926356BD}"/>
+                <a16:creationId xmlns:a16="http://schemas.microsoft.com/office/drawing/2014/main" id="{DCD70CEB-98E7-4A18-BE8C-9806C0B071A2}"/>
               </a:ext>
             </a:extLst>
           </p:cNvPr>
@@ -17247,9 +17453,15 @@
       </p:sp>
       <p:graphicFrame>
         <p:nvGraphicFramePr>
-          <p:cNvPr id="229" name="Chart 229"/>
+          <p:cNvPr id="226" name="Chart 226"/>
           <p:cNvGraphicFramePr/>
-          <p:nvPr/>
+          <p:nvPr>
+            <p:extLst>
+              <p:ext uri="{D42A27DB-BD31-4B8C-83A1-F6EECF244321}">
+                <p14:modId xmlns:p14="http://schemas.microsoft.com/office/powerpoint/2010/main" val="462925167"/>
+              </p:ext>
+            </p:extLst>
+          </p:nvPr>
         </p:nvGraphicFramePr>
         <p:xfrm>
           <a:off x="406399" y="2552999"/>
@@ -17261,90 +17473,6 @@
           </a:graphicData>
         </a:graphic>
       </p:graphicFrame>
-      <p:sp>
-        <p:nvSpPr>
-          <p:cNvPr id="230" name="Shape 230"/>
-          <p:cNvSpPr/>
-          <p:nvPr/>
-        </p:nvSpPr>
-        <p:spPr>
-          <a:xfrm rot="2859210">
-            <a:off x="885255" y="5952264"/>
-            <a:ext cx="5136051" cy="438152"/>
-          </a:xfrm>
-          <a:prstGeom prst="rect">
-            <a:avLst/>
-          </a:prstGeom>
-          <a:solidFill>
-            <a:schemeClr val="accent5"/>
-          </a:solidFill>
-          <a:ln w="12700">
-            <a:miter lim="400000"/>
-          </a:ln>
-        </p:spPr>
-        <p:txBody>
-          <a:bodyPr lIns="50800" tIns="50800" rIns="50800" bIns="50800" anchor="ctr"/>
-          <a:lstStyle/>
-          <a:p>
-            <a:pPr algn="ctr">
-              <a:lnSpc>
-                <a:spcPct val="80000"/>
-              </a:lnSpc>
-              <a:spcBef>
-                <a:spcPts val="0"/>
-              </a:spcBef>
-              <a:defRPr sz="2800" cap="all">
-                <a:solidFill>
-                  <a:srgbClr val="FFFFFF"/>
-                </a:solidFill>
-              </a:defRPr>
-            </a:pPr>
-            <a:endParaRPr/>
-          </a:p>
-        </p:txBody>
-      </p:sp>
-      <p:sp>
-        <p:nvSpPr>
-          <p:cNvPr id="231" name="Shape 231"/>
-          <p:cNvSpPr/>
-          <p:nvPr/>
-        </p:nvSpPr>
-        <p:spPr>
-          <a:xfrm rot="18911602">
-            <a:off x="859309" y="5902704"/>
-            <a:ext cx="5139401" cy="438150"/>
-          </a:xfrm>
-          <a:prstGeom prst="rect">
-            <a:avLst/>
-          </a:prstGeom>
-          <a:solidFill>
-            <a:schemeClr val="accent5"/>
-          </a:solidFill>
-          <a:ln w="12700">
-            <a:miter lim="400000"/>
-          </a:ln>
-        </p:spPr>
-        <p:txBody>
-          <a:bodyPr lIns="50800" tIns="50800" rIns="50800" bIns="50800" anchor="ctr"/>
-          <a:lstStyle/>
-          <a:p>
-            <a:pPr algn="ctr">
-              <a:lnSpc>
-                <a:spcPct val="80000"/>
-              </a:lnSpc>
-              <a:spcBef>
-                <a:spcPts val="0"/>
-              </a:spcBef>
-              <a:defRPr sz="2800" cap="all">
-                <a:solidFill>
-                  <a:srgbClr val="FFFFFF"/>
-                </a:solidFill>
-              </a:defRPr>
-            </a:pPr>
-            <a:endParaRPr/>
-          </a:p>
-        </p:txBody>
-      </p:sp>
     </p:spTree>
   </p:cSld>
   <p:clrMapOvr>

--- a/Session01/Session1_Slides.pptx
+++ b/Session01/Session1_Slides.pptx
@@ -5422,7 +5422,7 @@
           </a:ln>
           <a:extLst>
             <a:ext uri="{C572A759-6A51-4108-AA02-DFA0A04FC94B}">
-              <ma14:wrappingTextBoxFlag xmlns="" xmlns:ma14="http://schemas.microsoft.com/office/mac/drawingml/2011/main" val="1"/>
+              <ma14:wrappingTextBoxFlag xmlns:ma14="http://schemas.microsoft.com/office/mac/drawingml/2011/main" xmlns="" val="1"/>
             </a:ext>
           </a:extLst>
         </p:spPr>
@@ -5461,7 +5461,7 @@
           </a:ln>
           <a:extLst>
             <a:ext uri="{C572A759-6A51-4108-AA02-DFA0A04FC94B}">
-              <ma14:wrappingTextBoxFlag xmlns="" xmlns:ma14="http://schemas.microsoft.com/office/mac/drawingml/2011/main" val="1"/>
+              <ma14:wrappingTextBoxFlag xmlns:ma14="http://schemas.microsoft.com/office/mac/drawingml/2011/main" xmlns="" val="1"/>
             </a:ext>
           </a:extLst>
         </p:spPr>
@@ -6655,7 +6655,7 @@
           </a:ln>
           <a:extLst>
             <a:ext uri="{C572A759-6A51-4108-AA02-DFA0A04FC94B}">
-              <ma14:wrappingTextBoxFlag xmlns="" xmlns:ma14="http://schemas.microsoft.com/office/mac/drawingml/2011/main" val="1"/>
+              <ma14:wrappingTextBoxFlag xmlns:ma14="http://schemas.microsoft.com/office/mac/drawingml/2011/main" xmlns="" val="1"/>
             </a:ext>
           </a:extLst>
         </p:spPr>
@@ -6704,7 +6704,7 @@
           </a:ln>
           <a:extLst>
             <a:ext uri="{C572A759-6A51-4108-AA02-DFA0A04FC94B}">
-              <ma14:wrappingTextBoxFlag xmlns="" xmlns:ma14="http://schemas.microsoft.com/office/mac/drawingml/2011/main" val="1"/>
+              <ma14:wrappingTextBoxFlag xmlns:ma14="http://schemas.microsoft.com/office/mac/drawingml/2011/main" xmlns="" val="1"/>
             </a:ext>
           </a:extLst>
         </p:spPr>
@@ -6815,7 +6815,7 @@
           </a:ln>
           <a:extLst>
             <a:ext uri="{C572A759-6A51-4108-AA02-DFA0A04FC94B}">
-              <ma14:wrappingTextBoxFlag xmlns="" xmlns:ma14="http://schemas.microsoft.com/office/mac/drawingml/2011/main" val="1"/>
+              <ma14:wrappingTextBoxFlag xmlns:ma14="http://schemas.microsoft.com/office/mac/drawingml/2011/main" xmlns="" val="1"/>
             </a:ext>
           </a:extLst>
         </p:spPr>
@@ -6862,7 +6862,7 @@
           </a:ln>
           <a:extLst>
             <a:ext uri="{C572A759-6A51-4108-AA02-DFA0A04FC94B}">
-              <ma14:wrappingTextBoxFlag xmlns="" xmlns:ma14="http://schemas.microsoft.com/office/mac/drawingml/2011/main" val="1"/>
+              <ma14:wrappingTextBoxFlag xmlns:ma14="http://schemas.microsoft.com/office/mac/drawingml/2011/main" xmlns="" val="1"/>
             </a:ext>
           </a:extLst>
         </p:spPr>
@@ -6963,7 +6963,7 @@
           </a:ln>
           <a:extLst>
             <a:ext uri="{C572A759-6A51-4108-AA02-DFA0A04FC94B}">
-              <ma14:wrappingTextBoxFlag xmlns="" xmlns:ma14="http://schemas.microsoft.com/office/mac/drawingml/2011/main" val="1"/>
+              <ma14:wrappingTextBoxFlag xmlns:ma14="http://schemas.microsoft.com/office/mac/drawingml/2011/main" xmlns="" val="1"/>
             </a:ext>
           </a:extLst>
         </p:spPr>
@@ -7117,7 +7117,7 @@
           </a:ln>
           <a:extLst>
             <a:ext uri="{C572A759-6A51-4108-AA02-DFA0A04FC94B}">
-              <ma14:wrappingTextBoxFlag xmlns="" xmlns:ma14="http://schemas.microsoft.com/office/mac/drawingml/2011/main" val="1"/>
+              <ma14:wrappingTextBoxFlag xmlns:ma14="http://schemas.microsoft.com/office/mac/drawingml/2011/main" xmlns="" val="1"/>
             </a:ext>
           </a:extLst>
         </p:spPr>
@@ -7164,7 +7164,7 @@
           </a:ln>
           <a:extLst>
             <a:ext uri="{C572A759-6A51-4108-AA02-DFA0A04FC94B}">
-              <ma14:wrappingTextBoxFlag xmlns="" xmlns:ma14="http://schemas.microsoft.com/office/mac/drawingml/2011/main" val="1"/>
+              <ma14:wrappingTextBoxFlag xmlns:ma14="http://schemas.microsoft.com/office/mac/drawingml/2011/main" xmlns="" val="1"/>
             </a:ext>
           </a:extLst>
         </p:spPr>
@@ -7256,7 +7256,7 @@
           </a:ln>
           <a:extLst>
             <a:ext uri="{C572A759-6A51-4108-AA02-DFA0A04FC94B}">
-              <ma14:wrappingTextBoxFlag xmlns="" xmlns:ma14="http://schemas.microsoft.com/office/mac/drawingml/2011/main" val="1"/>
+              <ma14:wrappingTextBoxFlag xmlns:ma14="http://schemas.microsoft.com/office/mac/drawingml/2011/main" xmlns="" val="1"/>
             </a:ext>
           </a:extLst>
         </p:spPr>
@@ -7463,7 +7463,7 @@
           </a:ln>
           <a:extLst>
             <a:ext uri="{C572A759-6A51-4108-AA02-DFA0A04FC94B}">
-              <ma14:wrappingTextBoxFlag xmlns="" xmlns:ma14="http://schemas.microsoft.com/office/mac/drawingml/2011/main" val="1"/>
+              <ma14:wrappingTextBoxFlag xmlns:ma14="http://schemas.microsoft.com/office/mac/drawingml/2011/main" xmlns="" val="1"/>
             </a:ext>
           </a:extLst>
         </p:spPr>
@@ -7572,7 +7572,7 @@
           </a:ln>
           <a:extLst>
             <a:ext uri="{C572A759-6A51-4108-AA02-DFA0A04FC94B}">
-              <ma14:wrappingTextBoxFlag xmlns="" xmlns:ma14="http://schemas.microsoft.com/office/mac/drawingml/2011/main" val="1"/>
+              <ma14:wrappingTextBoxFlag xmlns:ma14="http://schemas.microsoft.com/office/mac/drawingml/2011/main" xmlns="" val="1"/>
             </a:ext>
           </a:extLst>
         </p:spPr>
@@ -7765,7 +7765,7 @@
           </a:ln>
           <a:extLst>
             <a:ext uri="{C572A759-6A51-4108-AA02-DFA0A04FC94B}">
-              <ma14:wrappingTextBoxFlag xmlns="" xmlns:ma14="http://schemas.microsoft.com/office/mac/drawingml/2011/main" val="1"/>
+              <ma14:wrappingTextBoxFlag xmlns:ma14="http://schemas.microsoft.com/office/mac/drawingml/2011/main" xmlns="" val="1"/>
             </a:ext>
           </a:extLst>
         </p:spPr>
@@ -7896,7 +7896,7 @@
           </a:ln>
           <a:extLst>
             <a:ext uri="{C572A759-6A51-4108-AA02-DFA0A04FC94B}">
-              <ma14:wrappingTextBoxFlag xmlns="" xmlns:ma14="http://schemas.microsoft.com/office/mac/drawingml/2011/main" val="1"/>
+              <ma14:wrappingTextBoxFlag xmlns:ma14="http://schemas.microsoft.com/office/mac/drawingml/2011/main" xmlns="" val="1"/>
             </a:ext>
           </a:extLst>
         </p:spPr>
@@ -8005,7 +8005,7 @@
           </a:ln>
           <a:extLst>
             <a:ext uri="{C572A759-6A51-4108-AA02-DFA0A04FC94B}">
-              <ma14:wrappingTextBoxFlag xmlns="" xmlns:ma14="http://schemas.microsoft.com/office/mac/drawingml/2011/main" val="1"/>
+              <ma14:wrappingTextBoxFlag xmlns:ma14="http://schemas.microsoft.com/office/mac/drawingml/2011/main" xmlns="" val="1"/>
             </a:ext>
           </a:extLst>
         </p:spPr>
@@ -8136,7 +8136,7 @@
           </a:ln>
           <a:extLst>
             <a:ext uri="{C572A759-6A51-4108-AA02-DFA0A04FC94B}">
-              <ma14:wrappingTextBoxFlag xmlns="" xmlns:ma14="http://schemas.microsoft.com/office/mac/drawingml/2011/main" val="1"/>
+              <ma14:wrappingTextBoxFlag xmlns:ma14="http://schemas.microsoft.com/office/mac/drawingml/2011/main" xmlns="" val="1"/>
             </a:ext>
           </a:extLst>
         </p:spPr>
@@ -8441,7 +8441,7 @@
           </a:ln>
           <a:extLst>
             <a:ext uri="{C572A759-6A51-4108-AA02-DFA0A04FC94B}">
-              <ma14:wrappingTextBoxFlag xmlns="" xmlns:ma14="http://schemas.microsoft.com/office/mac/drawingml/2011/main" val="1"/>
+              <ma14:wrappingTextBoxFlag xmlns:ma14="http://schemas.microsoft.com/office/mac/drawingml/2011/main" xmlns="" val="1"/>
             </a:ext>
           </a:extLst>
         </p:spPr>
@@ -8572,7 +8572,7 @@
           </a:ln>
           <a:extLst>
             <a:ext uri="{C572A759-6A51-4108-AA02-DFA0A04FC94B}">
-              <ma14:wrappingTextBoxFlag xmlns="" xmlns:ma14="http://schemas.microsoft.com/office/mac/drawingml/2011/main" val="1"/>
+              <ma14:wrappingTextBoxFlag xmlns:ma14="http://schemas.microsoft.com/office/mac/drawingml/2011/main" xmlns="" val="1"/>
             </a:ext>
           </a:extLst>
         </p:spPr>
@@ -8703,7 +8703,7 @@
           </a:ln>
           <a:extLst>
             <a:ext uri="{C572A759-6A51-4108-AA02-DFA0A04FC94B}">
-              <ma14:wrappingTextBoxFlag xmlns="" xmlns:ma14="http://schemas.microsoft.com/office/mac/drawingml/2011/main" val="1"/>
+              <ma14:wrappingTextBoxFlag xmlns:ma14="http://schemas.microsoft.com/office/mac/drawingml/2011/main" xmlns="" val="1"/>
             </a:ext>
           </a:extLst>
         </p:spPr>
@@ -8812,7 +8812,7 @@
           </a:ln>
           <a:extLst>
             <a:ext uri="{C572A759-6A51-4108-AA02-DFA0A04FC94B}">
-              <ma14:wrappingTextBoxFlag xmlns="" xmlns:ma14="http://schemas.microsoft.com/office/mac/drawingml/2011/main" val="1"/>
+              <ma14:wrappingTextBoxFlag xmlns:ma14="http://schemas.microsoft.com/office/mac/drawingml/2011/main" xmlns="" val="1"/>
             </a:ext>
           </a:extLst>
         </p:spPr>
@@ -8943,7 +8943,7 @@
           </a:ln>
           <a:extLst>
             <a:ext uri="{C572A759-6A51-4108-AA02-DFA0A04FC94B}">
-              <ma14:wrappingTextBoxFlag xmlns="" xmlns:ma14="http://schemas.microsoft.com/office/mac/drawingml/2011/main" val="1"/>
+              <ma14:wrappingTextBoxFlag xmlns:ma14="http://schemas.microsoft.com/office/mac/drawingml/2011/main" xmlns="" val="1"/>
             </a:ext>
           </a:extLst>
         </p:spPr>
@@ -9074,7 +9074,7 @@
           </a:ln>
           <a:extLst>
             <a:ext uri="{C572A759-6A51-4108-AA02-DFA0A04FC94B}">
-              <ma14:wrappingTextBoxFlag xmlns="" xmlns:ma14="http://schemas.microsoft.com/office/mac/drawingml/2011/main" val="1"/>
+              <ma14:wrappingTextBoxFlag xmlns:ma14="http://schemas.microsoft.com/office/mac/drawingml/2011/main" xmlns="" val="1"/>
             </a:ext>
           </a:extLst>
         </p:spPr>
@@ -10669,7 +10669,7 @@
           </a:ln>
           <a:extLst>
             <a:ext uri="{C572A759-6A51-4108-AA02-DFA0A04FC94B}">
-              <ma14:wrappingTextBoxFlag xmlns="" xmlns:ma14="http://schemas.microsoft.com/office/mac/drawingml/2011/main" val="1"/>
+              <ma14:wrappingTextBoxFlag xmlns:ma14="http://schemas.microsoft.com/office/mac/drawingml/2011/main" xmlns="" val="1"/>
             </a:ext>
           </a:extLst>
         </p:spPr>
@@ -10778,7 +10778,7 @@
           </a:ln>
           <a:extLst>
             <a:ext uri="{C572A759-6A51-4108-AA02-DFA0A04FC94B}">
-              <ma14:wrappingTextBoxFlag xmlns="" xmlns:ma14="http://schemas.microsoft.com/office/mac/drawingml/2011/main" val="1"/>
+              <ma14:wrappingTextBoxFlag xmlns:ma14="http://schemas.microsoft.com/office/mac/drawingml/2011/main" xmlns="" val="1"/>
             </a:ext>
           </a:extLst>
         </p:spPr>
@@ -10870,7 +10870,7 @@
           </a:ln>
           <a:extLst>
             <a:ext uri="{C572A759-6A51-4108-AA02-DFA0A04FC94B}">
-              <ma14:wrappingTextBoxFlag xmlns="" xmlns:ma14="http://schemas.microsoft.com/office/mac/drawingml/2011/main" val="1"/>
+              <ma14:wrappingTextBoxFlag xmlns:ma14="http://schemas.microsoft.com/office/mac/drawingml/2011/main" xmlns="" val="1"/>
             </a:ext>
           </a:extLst>
         </p:spPr>
@@ -11113,7 +11113,7 @@
           </a:ln>
           <a:extLst>
             <a:ext uri="{C572A759-6A51-4108-AA02-DFA0A04FC94B}">
-              <ma14:wrappingTextBoxFlag xmlns="" xmlns:ma14="http://schemas.microsoft.com/office/mac/drawingml/2011/main" val="1"/>
+              <ma14:wrappingTextBoxFlag xmlns:ma14="http://schemas.microsoft.com/office/mac/drawingml/2011/main" xmlns="" val="1"/>
             </a:ext>
           </a:extLst>
         </p:spPr>
@@ -11239,7 +11239,7 @@
           </a:ln>
           <a:extLst>
             <a:ext uri="{C572A759-6A51-4108-AA02-DFA0A04FC94B}">
-              <ma14:wrappingTextBoxFlag xmlns="" xmlns:ma14="http://schemas.microsoft.com/office/mac/drawingml/2011/main" val="1"/>
+              <ma14:wrappingTextBoxFlag xmlns:ma14="http://schemas.microsoft.com/office/mac/drawingml/2011/main" xmlns="" val="1"/>
             </a:ext>
           </a:extLst>
         </p:spPr>
@@ -11286,7 +11286,7 @@
           </a:ln>
           <a:extLst>
             <a:ext uri="{C572A759-6A51-4108-AA02-DFA0A04FC94B}">
-              <ma14:wrappingTextBoxFlag xmlns="" xmlns:ma14="http://schemas.microsoft.com/office/mac/drawingml/2011/main" val="1"/>
+              <ma14:wrappingTextBoxFlag xmlns:ma14="http://schemas.microsoft.com/office/mac/drawingml/2011/main" xmlns="" val="1"/>
             </a:ext>
           </a:extLst>
         </p:spPr>
@@ -11413,7 +11413,7 @@
           </a:ln>
           <a:extLst>
             <a:ext uri="{C572A759-6A51-4108-AA02-DFA0A04FC94B}">
-              <ma14:wrappingTextBoxFlag xmlns="" xmlns:ma14="http://schemas.microsoft.com/office/mac/drawingml/2011/main" val="1"/>
+              <ma14:wrappingTextBoxFlag xmlns:ma14="http://schemas.microsoft.com/office/mac/drawingml/2011/main" xmlns="" val="1"/>
             </a:ext>
           </a:extLst>
         </p:spPr>
@@ -11684,7 +11684,7 @@
           </a:ln>
           <a:extLst>
             <a:ext uri="{C572A759-6A51-4108-AA02-DFA0A04FC94B}">
-              <ma14:wrappingTextBoxFlag xmlns="" xmlns:ma14="http://schemas.microsoft.com/office/mac/drawingml/2011/main" val="1"/>
+              <ma14:wrappingTextBoxFlag xmlns:ma14="http://schemas.microsoft.com/office/mac/drawingml/2011/main" xmlns="" val="1"/>
             </a:ext>
           </a:extLst>
         </p:spPr>
@@ -11731,7 +11731,7 @@
           </a:ln>
           <a:extLst>
             <a:ext uri="{C572A759-6A51-4108-AA02-DFA0A04FC94B}">
-              <ma14:wrappingTextBoxFlag xmlns="" xmlns:ma14="http://schemas.microsoft.com/office/mac/drawingml/2011/main" val="1"/>
+              <ma14:wrappingTextBoxFlag xmlns:ma14="http://schemas.microsoft.com/office/mac/drawingml/2011/main" xmlns="" val="1"/>
             </a:ext>
           </a:extLst>
         </p:spPr>
@@ -11858,7 +11858,7 @@
           </a:ln>
           <a:extLst>
             <a:ext uri="{C572A759-6A51-4108-AA02-DFA0A04FC94B}">
-              <ma14:wrappingTextBoxFlag xmlns="" xmlns:ma14="http://schemas.microsoft.com/office/mac/drawingml/2011/main" val="1"/>
+              <ma14:wrappingTextBoxFlag xmlns:ma14="http://schemas.microsoft.com/office/mac/drawingml/2011/main" xmlns="" val="1"/>
             </a:ext>
           </a:extLst>
         </p:spPr>
@@ -11940,16 +11940,14 @@
           </p:nvPr>
         </p:nvSpPr>
         <p:spPr>
-          <a:xfrm>
-            <a:off x="406400" y="1536700"/>
-            <a:ext cx="12192000" cy="1169261"/>
-          </a:xfrm>
-          <a:prstGeom prst="rect">
-            <a:avLst/>
-          </a:prstGeom>
-        </p:spPr>
-        <p:txBody>
-          <a:bodyPr/>
+          <a:prstGeom prst="rect">
+            <a:avLst/>
+          </a:prstGeom>
+        </p:spPr>
+        <p:txBody>
+          <a:bodyPr>
+            <a:normAutofit fontScale="90000"/>
+          </a:bodyPr>
           <a:lstStyle>
             <a:lvl1pPr defTabSz="403097">
               <a:spcBef>
@@ -11967,14 +11965,146 @@
       </p:sp>
       <p:sp>
         <p:nvSpPr>
-          <p:cNvPr id="398" name="Shape 398"/>
+          <p:cNvPr id="2" name="Text Placeholder 1">
+            <a:extLst>
+              <a:ext uri="{FF2B5EF4-FFF2-40B4-BE49-F238E27FC236}">
+                <a16:creationId xmlns:a16="http://schemas.microsoft.com/office/drawing/2014/main" id="{22080EE7-8D87-C87B-3333-4CBAC9FBC15C}"/>
+              </a:ext>
+            </a:extLst>
+          </p:cNvPr>
+          <p:cNvSpPr>
+            <a:spLocks noGrp="1"/>
+          </p:cNvSpPr>
+          <p:nvPr>
+            <p:ph type="body" sz="quarter" idx="10"/>
+          </p:nvPr>
+        </p:nvSpPr>
+        <p:spPr/>
+        <p:txBody>
+          <a:bodyPr/>
+          <a:lstStyle/>
+          <a:p>
+            <a:pPr marL="0" indent="0">
+              <a:spcBef>
+                <a:spcPts val="2800"/>
+              </a:spcBef>
+              <a:buNone/>
+            </a:pPr>
+            <a:r>
+              <a:rPr lang="en-US" i="0" dirty="0"/>
+              <a:t>English:</a:t>
+            </a:r>
+          </a:p>
+          <a:p>
+            <a:pPr marL="272821" lvl="1" indent="0">
+              <a:spcBef>
+                <a:spcPts val="2800"/>
+              </a:spcBef>
+              <a:buNone/>
+            </a:pPr>
+            <a:r>
+              <a:rPr lang="en-US" i="0" dirty="0"/>
+              <a:t>get the </a:t>
+            </a:r>
+            <a:r>
+              <a:rPr lang="en-US" i="0" dirty="0">
+                <a:solidFill>
+                  <a:srgbClr val="00B050"/>
+                </a:solidFill>
+              </a:rPr>
+              <a:t>third</a:t>
+            </a:r>
+            <a:r>
+              <a:rPr lang="en-US" i="0" dirty="0"/>
+              <a:t> to the </a:t>
+            </a:r>
+            <a:r>
+              <a:rPr lang="en-US" i="0" dirty="0">
+                <a:solidFill>
+                  <a:srgbClr val="00B050"/>
+                </a:solidFill>
+              </a:rPr>
+              <a:t>eleventh</a:t>
+            </a:r>
+            <a:r>
+              <a:rPr lang="en-US" i="0" dirty="0"/>
+              <a:t> elements of </a:t>
+            </a:r>
+            <a:r>
+              <a:rPr lang="en-US" i="0" dirty="0" err="1"/>
+              <a:t>my_string</a:t>
+            </a:r>
+            <a:endParaRPr lang="en-US" i="0" dirty="0"/>
+          </a:p>
+          <a:p>
+            <a:pPr marL="272821" lvl="1" indent="0">
+              <a:spcBef>
+                <a:spcPts val="2800"/>
+              </a:spcBef>
+              <a:buNone/>
+            </a:pPr>
+            <a:r>
+              <a:rPr lang="en-US" i="0" dirty="0"/>
+              <a:t>	or in other words</a:t>
+            </a:r>
+          </a:p>
+          <a:p>
+            <a:pPr marL="272821" lvl="1" indent="0">
+              <a:spcBef>
+                <a:spcPts val="2800"/>
+              </a:spcBef>
+              <a:buNone/>
+            </a:pPr>
+            <a:r>
+              <a:rPr lang="en-US" i="0" dirty="0"/>
+              <a:t>get the </a:t>
+            </a:r>
+            <a:r>
+              <a:rPr lang="en-US" i="0" dirty="0">
+                <a:solidFill>
+                  <a:srgbClr val="00B050"/>
+                </a:solidFill>
+              </a:rPr>
+              <a:t>fourth</a:t>
+            </a:r>
+            <a:r>
+              <a:rPr lang="en-US" i="0" dirty="0"/>
+              <a:t> letter to the </a:t>
+            </a:r>
+            <a:r>
+              <a:rPr lang="en-US" i="0" dirty="0">
+                <a:solidFill>
+                  <a:srgbClr val="00B050"/>
+                </a:solidFill>
+              </a:rPr>
+              <a:t>twelfth</a:t>
+            </a:r>
+            <a:r>
+              <a:rPr lang="en-US" i="0" dirty="0"/>
+              <a:t> letter</a:t>
+            </a:r>
+          </a:p>
+          <a:p>
+            <a:pPr marL="0" indent="0">
+              <a:spcBef>
+                <a:spcPts val="2800"/>
+              </a:spcBef>
+              <a:buNone/>
+            </a:pPr>
+            <a:endParaRPr lang="en-US" dirty="0"/>
+          </a:p>
+        </p:txBody>
+      </p:sp>
+      <p:sp>
+        <p:nvSpPr>
+          <p:cNvPr id="399" name="Shape 399"/>
           <p:cNvSpPr/>
           <p:nvPr/>
         </p:nvSpPr>
         <p:spPr>
           <a:xfrm>
-            <a:off x="439080" y="4072619"/>
-            <a:ext cx="2606499" cy="1041401"/>
+            <a:off x="519909" y="5322061"/>
+            <a:ext cx="12484891" cy="964367"/>
           </a:xfrm>
           <a:prstGeom prst="rect">
             <a:avLst/>
@@ -11984,54 +12114,7 @@
           </a:ln>
           <a:extLst>
             <a:ext uri="{C572A759-6A51-4108-AA02-DFA0A04FC94B}">
-              <ma14:wrappingTextBoxFlag xmlns="" xmlns:ma14="http://schemas.microsoft.com/office/mac/drawingml/2011/main" val="1"/>
-            </a:ext>
-          </a:extLst>
-        </p:spPr>
-        <p:txBody>
-          <a:bodyPr wrap="none" lIns="50800" tIns="50800" rIns="50800" bIns="50800" anchor="ctr">
-            <a:spAutoFit/>
-          </a:bodyPr>
-          <a:lstStyle>
-            <a:lvl1pPr>
-              <a:defRPr sz="5400">
-                <a:solidFill>
-                  <a:srgbClr val="838787"/>
-                </a:solidFill>
-                <a:latin typeface="Avenir Next"/>
-                <a:ea typeface="Avenir Next"/>
-                <a:cs typeface="Avenir Next"/>
-                <a:sym typeface="Avenir Next"/>
-              </a:defRPr>
-            </a:lvl1pPr>
-          </a:lstStyle>
-          <a:p>
-            <a:r>
-              <a:t>English:</a:t>
-            </a:r>
-          </a:p>
-        </p:txBody>
-      </p:sp>
-      <p:sp>
-        <p:nvSpPr>
-          <p:cNvPr id="399" name="Shape 399"/>
-          <p:cNvSpPr/>
-          <p:nvPr/>
-        </p:nvSpPr>
-        <p:spPr>
-          <a:xfrm>
-            <a:off x="513295" y="5102496"/>
-            <a:ext cx="12484891" cy="1826141"/>
-          </a:xfrm>
-          <a:prstGeom prst="rect">
-            <a:avLst/>
-          </a:prstGeom>
-          <a:ln w="12700">
-            <a:miter lim="400000"/>
-          </a:ln>
-          <a:extLst>
-            <a:ext uri="{C572A759-6A51-4108-AA02-DFA0A04FC94B}">
-              <ma14:wrappingTextBoxFlag xmlns="" xmlns:ma14="http://schemas.microsoft.com/office/mac/drawingml/2011/main" val="1"/>
+              <ma14:wrappingTextBoxFlag xmlns:ma14="http://schemas.microsoft.com/office/mac/drawingml/2011/main" xmlns="" val="1"/>
             </a:ext>
           </a:extLst>
         </p:spPr>
@@ -12053,43 +12136,7 @@
             </a:lvl1pPr>
           </a:lstStyle>
           <a:p>
-            <a:r>
-              <a:rPr dirty="0"/>
-              <a:t>get the </a:t>
-            </a:r>
-            <a:r>
-              <a:rPr lang="en-US" dirty="0">
-                <a:solidFill>
-                  <a:srgbClr val="00B050"/>
-                </a:solidFill>
-              </a:rPr>
-              <a:t>third</a:t>
-            </a:r>
-            <a:r>
-              <a:rPr lang="en-US" dirty="0"/>
-              <a:t> to the </a:t>
-            </a:r>
-            <a:r>
-              <a:rPr lang="en-US" dirty="0">
-                <a:solidFill>
-                  <a:srgbClr val="00B050"/>
-                </a:solidFill>
-              </a:rPr>
-              <a:t>twelfth</a:t>
-            </a:r>
-            <a:r>
-              <a:rPr lang="en-US" dirty="0"/>
-              <a:t> elements</a:t>
-            </a:r>
-            <a:r>
-              <a:rPr dirty="0"/>
-              <a:t> of </a:t>
-            </a:r>
-            <a:r>
-              <a:rPr dirty="0" err="1"/>
-              <a:t>my_string</a:t>
-            </a:r>
-            <a:endParaRPr dirty="0"/>
+            <a:endParaRPr i="0" dirty="0"/>
           </a:p>
         </p:txBody>
       </p:sp>
@@ -12404,7 +12451,7 @@
           </a:ln>
           <a:extLst>
             <a:ext uri="{C572A759-6A51-4108-AA02-DFA0A04FC94B}">
-              <ma14:wrappingTextBoxFlag xmlns="" xmlns:ma14="http://schemas.microsoft.com/office/mac/drawingml/2011/main" val="1"/>
+              <ma14:wrappingTextBoxFlag xmlns:ma14="http://schemas.microsoft.com/office/mac/drawingml/2011/main" xmlns="" val="1"/>
             </a:ext>
           </a:extLst>
         </p:spPr>
@@ -12513,7 +12560,7 @@
           </a:ln>
           <a:extLst>
             <a:ext uri="{C572A759-6A51-4108-AA02-DFA0A04FC94B}">
-              <ma14:wrappingTextBoxFlag xmlns="" xmlns:ma14="http://schemas.microsoft.com/office/mac/drawingml/2011/main" val="1"/>
+              <ma14:wrappingTextBoxFlag xmlns:ma14="http://schemas.microsoft.com/office/mac/drawingml/2011/main" xmlns="" val="1"/>
             </a:ext>
           </a:extLst>
         </p:spPr>
@@ -12560,7 +12607,7 @@
           </a:ln>
           <a:extLst>
             <a:ext uri="{C572A759-6A51-4108-AA02-DFA0A04FC94B}">
-              <ma14:wrappingTextBoxFlag xmlns="" xmlns:ma14="http://schemas.microsoft.com/office/mac/drawingml/2011/main" val="1"/>
+              <ma14:wrappingTextBoxFlag xmlns:ma14="http://schemas.microsoft.com/office/mac/drawingml/2011/main" xmlns="" val="1"/>
             </a:ext>
           </a:extLst>
         </p:spPr>
@@ -12812,7 +12859,7 @@
           </a:ln>
           <a:extLst>
             <a:ext uri="{C572A759-6A51-4108-AA02-DFA0A04FC94B}">
-              <ma14:wrappingTextBoxFlag xmlns="" xmlns:ma14="http://schemas.microsoft.com/office/mac/drawingml/2011/main" val="1"/>
+              <ma14:wrappingTextBoxFlag xmlns:ma14="http://schemas.microsoft.com/office/mac/drawingml/2011/main" xmlns="" val="1"/>
             </a:ext>
           </a:extLst>
         </p:spPr>
@@ -12859,7 +12906,7 @@
           </a:ln>
           <a:extLst>
             <a:ext uri="{C572A759-6A51-4108-AA02-DFA0A04FC94B}">
-              <ma14:wrappingTextBoxFlag xmlns="" xmlns:ma14="http://schemas.microsoft.com/office/mac/drawingml/2011/main" val="1"/>
+              <ma14:wrappingTextBoxFlag xmlns:ma14="http://schemas.microsoft.com/office/mac/drawingml/2011/main" xmlns="" val="1"/>
             </a:ext>
           </a:extLst>
         </p:spPr>
@@ -12989,7 +13036,7 @@
           </a:ln>
           <a:extLst>
             <a:ext uri="{C572A759-6A51-4108-AA02-DFA0A04FC94B}">
-              <ma14:wrappingTextBoxFlag xmlns="" xmlns:ma14="http://schemas.microsoft.com/office/mac/drawingml/2011/main" val="1"/>
+              <ma14:wrappingTextBoxFlag xmlns:ma14="http://schemas.microsoft.com/office/mac/drawingml/2011/main" xmlns="" val="1"/>
             </a:ext>
           </a:extLst>
         </p:spPr>
@@ -13098,7 +13145,7 @@
           </a:ln>
           <a:extLst>
             <a:ext uri="{C572A759-6A51-4108-AA02-DFA0A04FC94B}">
-              <ma14:wrappingTextBoxFlag xmlns="" xmlns:ma14="http://schemas.microsoft.com/office/mac/drawingml/2011/main" val="1"/>
+              <ma14:wrappingTextBoxFlag xmlns:ma14="http://schemas.microsoft.com/office/mac/drawingml/2011/main" xmlns="" val="1"/>
             </a:ext>
           </a:extLst>
         </p:spPr>
@@ -13217,7 +13264,7 @@
           </a:ln>
           <a:extLst>
             <a:ext uri="{C572A759-6A51-4108-AA02-DFA0A04FC94B}">
-              <ma14:wrappingTextBoxFlag xmlns="" xmlns:ma14="http://schemas.microsoft.com/office/mac/drawingml/2011/main" val="1"/>
+              <ma14:wrappingTextBoxFlag xmlns:ma14="http://schemas.microsoft.com/office/mac/drawingml/2011/main" xmlns="" val="1"/>
             </a:ext>
           </a:extLst>
         </p:spPr>
@@ -13319,7 +13366,7 @@
           </a:ln>
           <a:extLst>
             <a:ext uri="{C572A759-6A51-4108-AA02-DFA0A04FC94B}">
-              <ma14:wrappingTextBoxFlag xmlns="" xmlns:ma14="http://schemas.microsoft.com/office/mac/drawingml/2011/main" val="1"/>
+              <ma14:wrappingTextBoxFlag xmlns:ma14="http://schemas.microsoft.com/office/mac/drawingml/2011/main" xmlns="" val="1"/>
             </a:ext>
           </a:extLst>
         </p:spPr>
@@ -13527,7 +13574,7 @@
           </a:ln>
           <a:extLst>
             <a:ext uri="{C572A759-6A51-4108-AA02-DFA0A04FC94B}">
-              <ma14:wrappingTextBoxFlag xmlns="" xmlns:ma14="http://schemas.microsoft.com/office/mac/drawingml/2011/main" val="1"/>
+              <ma14:wrappingTextBoxFlag xmlns:ma14="http://schemas.microsoft.com/office/mac/drawingml/2011/main" xmlns="" val="1"/>
             </a:ext>
           </a:extLst>
         </p:spPr>
@@ -13640,7 +13687,7 @@
           </a:ln>
           <a:extLst>
             <a:ext uri="{C572A759-6A51-4108-AA02-DFA0A04FC94B}">
-              <ma14:wrappingTextBoxFlag xmlns="" xmlns:ma14="http://schemas.microsoft.com/office/mac/drawingml/2011/main" val="1"/>
+              <ma14:wrappingTextBoxFlag xmlns:ma14="http://schemas.microsoft.com/office/mac/drawingml/2011/main" xmlns="" val="1"/>
             </a:ext>
           </a:extLst>
         </p:spPr>
@@ -13749,7 +13796,7 @@
           </a:ln>
           <a:extLst>
             <a:ext uri="{C572A759-6A51-4108-AA02-DFA0A04FC94B}">
-              <ma14:wrappingTextBoxFlag xmlns="" xmlns:ma14="http://schemas.microsoft.com/office/mac/drawingml/2011/main" val="1"/>
+              <ma14:wrappingTextBoxFlag xmlns:ma14="http://schemas.microsoft.com/office/mac/drawingml/2011/main" xmlns="" val="1"/>
             </a:ext>
           </a:extLst>
         </p:spPr>
@@ -13851,7 +13898,7 @@
           </a:ln>
           <a:extLst>
             <a:ext uri="{C572A759-6A51-4108-AA02-DFA0A04FC94B}">
-              <ma14:wrappingTextBoxFlag xmlns="" xmlns:ma14="http://schemas.microsoft.com/office/mac/drawingml/2011/main" val="1"/>
+              <ma14:wrappingTextBoxFlag xmlns:ma14="http://schemas.microsoft.com/office/mac/drawingml/2011/main" xmlns="" val="1"/>
             </a:ext>
           </a:extLst>
         </p:spPr>
@@ -14100,7 +14147,7 @@
           </a:ln>
           <a:extLst>
             <a:ext uri="{C572A759-6A51-4108-AA02-DFA0A04FC94B}">
-              <ma14:wrappingTextBoxFlag xmlns="" xmlns:ma14="http://schemas.microsoft.com/office/mac/drawingml/2011/main" val="1"/>
+              <ma14:wrappingTextBoxFlag xmlns:ma14="http://schemas.microsoft.com/office/mac/drawingml/2011/main" xmlns="" val="1"/>
             </a:ext>
           </a:extLst>
         </p:spPr>
@@ -14290,7 +14337,7 @@
           </a:ln>
           <a:extLst>
             <a:ext uri="{C572A759-6A51-4108-AA02-DFA0A04FC94B}">
-              <ma14:wrappingTextBoxFlag xmlns="" xmlns:ma14="http://schemas.microsoft.com/office/mac/drawingml/2011/main" val="1"/>
+              <ma14:wrappingTextBoxFlag xmlns:ma14="http://schemas.microsoft.com/office/mac/drawingml/2011/main" xmlns="" val="1"/>
             </a:ext>
           </a:extLst>
         </p:spPr>
@@ -14427,7 +14474,7 @@
           </a:ln>
           <a:extLst>
             <a:ext uri="{C572A759-6A51-4108-AA02-DFA0A04FC94B}">
-              <ma14:wrappingTextBoxFlag xmlns="" xmlns:ma14="http://schemas.microsoft.com/office/mac/drawingml/2011/main" val="1"/>
+              <ma14:wrappingTextBoxFlag xmlns:ma14="http://schemas.microsoft.com/office/mac/drawingml/2011/main" xmlns="" val="1"/>
             </a:ext>
           </a:extLst>
         </p:spPr>
@@ -14633,7 +14680,7 @@
           </a:ln>
           <a:extLst>
             <a:ext uri="{C572A759-6A51-4108-AA02-DFA0A04FC94B}">
-              <ma14:wrappingTextBoxFlag xmlns="" xmlns:ma14="http://schemas.microsoft.com/office/mac/drawingml/2011/main" val="1"/>
+              <ma14:wrappingTextBoxFlag xmlns:ma14="http://schemas.microsoft.com/office/mac/drawingml/2011/main" xmlns="" val="1"/>
             </a:ext>
           </a:extLst>
         </p:spPr>
@@ -14764,7 +14811,7 @@
           </a:ln>
           <a:extLst>
             <a:ext uri="{C572A759-6A51-4108-AA02-DFA0A04FC94B}">
-              <ma14:wrappingTextBoxFlag xmlns="" xmlns:ma14="http://schemas.microsoft.com/office/mac/drawingml/2011/main" val="1"/>
+              <ma14:wrappingTextBoxFlag xmlns:ma14="http://schemas.microsoft.com/office/mac/drawingml/2011/main" xmlns="" val="1"/>
             </a:ext>
           </a:extLst>
         </p:spPr>
@@ -15098,7 +15145,7 @@
           </a:ln>
           <a:extLst>
             <a:ext uri="{C572A759-6A51-4108-AA02-DFA0A04FC94B}">
-              <ma14:wrappingTextBoxFlag xmlns="" xmlns:ma14="http://schemas.microsoft.com/office/mac/drawingml/2011/main" val="1"/>
+              <ma14:wrappingTextBoxFlag xmlns:ma14="http://schemas.microsoft.com/office/mac/drawingml/2011/main" xmlns="" val="1"/>
             </a:ext>
           </a:extLst>
         </p:spPr>
@@ -15207,7 +15254,7 @@
           </a:ln>
           <a:extLst>
             <a:ext uri="{C572A759-6A51-4108-AA02-DFA0A04FC94B}">
-              <ma14:wrappingTextBoxFlag xmlns="" xmlns:ma14="http://schemas.microsoft.com/office/mac/drawingml/2011/main" val="1"/>
+              <ma14:wrappingTextBoxFlag xmlns:ma14="http://schemas.microsoft.com/office/mac/drawingml/2011/main" xmlns="" val="1"/>
             </a:ext>
           </a:extLst>
         </p:spPr>
@@ -15427,7 +15474,7 @@
           </a:ln>
           <a:extLst>
             <a:ext uri="{C572A759-6A51-4108-AA02-DFA0A04FC94B}">
-              <ma14:wrappingTextBoxFlag xmlns="" xmlns:ma14="http://schemas.microsoft.com/office/mac/drawingml/2011/main" val="1"/>
+              <ma14:wrappingTextBoxFlag xmlns:ma14="http://schemas.microsoft.com/office/mac/drawingml/2011/main" xmlns="" val="1"/>
             </a:ext>
           </a:extLst>
         </p:spPr>
@@ -15519,7 +15566,7 @@
           </a:ln>
           <a:extLst>
             <a:ext uri="{C572A759-6A51-4108-AA02-DFA0A04FC94B}">
-              <ma14:wrappingTextBoxFlag xmlns="" xmlns:ma14="http://schemas.microsoft.com/office/mac/drawingml/2011/main" val="1"/>
+              <ma14:wrappingTextBoxFlag xmlns:ma14="http://schemas.microsoft.com/office/mac/drawingml/2011/main" xmlns="" val="1"/>
             </a:ext>
           </a:extLst>
         </p:spPr>
@@ -15715,7 +15762,7 @@
           </a:ln>
           <a:extLst>
             <a:ext uri="{C572A759-6A51-4108-AA02-DFA0A04FC94B}">
-              <ma14:wrappingTextBoxFlag xmlns="" xmlns:ma14="http://schemas.microsoft.com/office/mac/drawingml/2011/main" val="1"/>
+              <ma14:wrappingTextBoxFlag xmlns:ma14="http://schemas.microsoft.com/office/mac/drawingml/2011/main" xmlns="" val="1"/>
             </a:ext>
           </a:extLst>
         </p:spPr>
@@ -15836,7 +15883,7 @@
           </a:ln>
           <a:extLst>
             <a:ext uri="{C572A759-6A51-4108-AA02-DFA0A04FC94B}">
-              <ma14:wrappingTextBoxFlag xmlns="" xmlns:ma14="http://schemas.microsoft.com/office/mac/drawingml/2011/main" val="1"/>
+              <ma14:wrappingTextBoxFlag xmlns:ma14="http://schemas.microsoft.com/office/mac/drawingml/2011/main" xmlns="" val="1"/>
             </a:ext>
           </a:extLst>
         </p:spPr>
@@ -15933,7 +15980,7 @@
           </a:ln>
           <a:extLst>
             <a:ext uri="{C572A759-6A51-4108-AA02-DFA0A04FC94B}">
-              <ma14:wrappingTextBoxFlag xmlns="" xmlns:ma14="http://schemas.microsoft.com/office/mac/drawingml/2011/main" val="1"/>
+              <ma14:wrappingTextBoxFlag xmlns:ma14="http://schemas.microsoft.com/office/mac/drawingml/2011/main" xmlns="" val="1"/>
             </a:ext>
           </a:extLst>
         </p:spPr>
@@ -16042,7 +16089,7 @@
           </a:ln>
           <a:extLst>
             <a:ext uri="{C572A759-6A51-4108-AA02-DFA0A04FC94B}">
-              <ma14:wrappingTextBoxFlag xmlns="" xmlns:ma14="http://schemas.microsoft.com/office/mac/drawingml/2011/main" val="1"/>
+              <ma14:wrappingTextBoxFlag xmlns:ma14="http://schemas.microsoft.com/office/mac/drawingml/2011/main" xmlns="" val="1"/>
             </a:ext>
           </a:extLst>
         </p:spPr>
@@ -16096,7 +16143,7 @@
           </a:ln>
           <a:extLst>
             <a:ext uri="{C572A759-6A51-4108-AA02-DFA0A04FC94B}">
-              <ma14:wrappingTextBoxFlag xmlns="" xmlns:ma14="http://schemas.microsoft.com/office/mac/drawingml/2011/main" val="1"/>
+              <ma14:wrappingTextBoxFlag xmlns:ma14="http://schemas.microsoft.com/office/mac/drawingml/2011/main" xmlns="" val="1"/>
             </a:ext>
           </a:extLst>
         </p:spPr>
@@ -16346,7 +16393,7 @@
           </a:ln>
           <a:extLst>
             <a:ext uri="{C572A759-6A51-4108-AA02-DFA0A04FC94B}">
-              <ma14:wrappingTextBoxFlag xmlns="" xmlns:ma14="http://schemas.microsoft.com/office/mac/drawingml/2011/main" val="1"/>
+              <ma14:wrappingTextBoxFlag xmlns:ma14="http://schemas.microsoft.com/office/mac/drawingml/2011/main" xmlns="" val="1"/>
             </a:ext>
           </a:extLst>
         </p:spPr>
@@ -16455,7 +16502,7 @@
           </a:ln>
           <a:extLst>
             <a:ext uri="{C572A759-6A51-4108-AA02-DFA0A04FC94B}">
-              <ma14:wrappingTextBoxFlag xmlns="" xmlns:ma14="http://schemas.microsoft.com/office/mac/drawingml/2011/main" val="1"/>
+              <ma14:wrappingTextBoxFlag xmlns:ma14="http://schemas.microsoft.com/office/mac/drawingml/2011/main" xmlns="" val="1"/>
             </a:ext>
           </a:extLst>
         </p:spPr>
@@ -16502,7 +16549,7 @@
           </a:ln>
           <a:extLst>
             <a:ext uri="{C572A759-6A51-4108-AA02-DFA0A04FC94B}">
-              <ma14:wrappingTextBoxFlag xmlns="" xmlns:ma14="http://schemas.microsoft.com/office/mac/drawingml/2011/main" val="1"/>
+              <ma14:wrappingTextBoxFlag xmlns:ma14="http://schemas.microsoft.com/office/mac/drawingml/2011/main" xmlns="" val="1"/>
             </a:ext>
           </a:extLst>
         </p:spPr>
@@ -16594,7 +16641,7 @@
           </a:ln>
           <a:extLst>
             <a:ext uri="{C572A759-6A51-4108-AA02-DFA0A04FC94B}">
-              <ma14:wrappingTextBoxFlag xmlns="" xmlns:ma14="http://schemas.microsoft.com/office/mac/drawingml/2011/main" val="1"/>
+              <ma14:wrappingTextBoxFlag xmlns:ma14="http://schemas.microsoft.com/office/mac/drawingml/2011/main" xmlns="" val="1"/>
             </a:ext>
           </a:extLst>
         </p:spPr>
@@ -16703,7 +16750,7 @@
           </a:ln>
           <a:extLst>
             <a:ext uri="{C572A759-6A51-4108-AA02-DFA0A04FC94B}">
-              <ma14:wrappingTextBoxFlag xmlns="" xmlns:ma14="http://schemas.microsoft.com/office/mac/drawingml/2011/main" val="1"/>
+              <ma14:wrappingTextBoxFlag xmlns:ma14="http://schemas.microsoft.com/office/mac/drawingml/2011/main" xmlns="" val="1"/>
             </a:ext>
           </a:extLst>
         </p:spPr>
@@ -16750,7 +16797,7 @@
           </a:ln>
           <a:extLst>
             <a:ext uri="{C572A759-6A51-4108-AA02-DFA0A04FC94B}">
-              <ma14:wrappingTextBoxFlag xmlns="" xmlns:ma14="http://schemas.microsoft.com/office/mac/drawingml/2011/main" val="1"/>
+              <ma14:wrappingTextBoxFlag xmlns:ma14="http://schemas.microsoft.com/office/mac/drawingml/2011/main" xmlns="" val="1"/>
             </a:ext>
           </a:extLst>
         </p:spPr>
@@ -16842,7 +16889,7 @@
           </a:ln>
           <a:extLst>
             <a:ext uri="{C572A759-6A51-4108-AA02-DFA0A04FC94B}">
-              <ma14:wrappingTextBoxFlag xmlns="" xmlns:ma14="http://schemas.microsoft.com/office/mac/drawingml/2011/main" val="1"/>
+              <ma14:wrappingTextBoxFlag xmlns:ma14="http://schemas.microsoft.com/office/mac/drawingml/2011/main" xmlns="" val="1"/>
             </a:ext>
           </a:extLst>
         </p:spPr>
@@ -16934,7 +16981,7 @@
           </a:ln>
           <a:extLst>
             <a:ext uri="{C572A759-6A51-4108-AA02-DFA0A04FC94B}">
-              <ma14:wrappingTextBoxFlag xmlns="" xmlns:ma14="http://schemas.microsoft.com/office/mac/drawingml/2011/main" val="1"/>
+              <ma14:wrappingTextBoxFlag xmlns:ma14="http://schemas.microsoft.com/office/mac/drawingml/2011/main" xmlns="" val="1"/>
             </a:ext>
           </a:extLst>
         </p:spPr>

--- a/Session01/Session1_Slides.pptx
+++ b/Session01/Session1_Slides.pptx
@@ -932,7 +932,7 @@
           <a:p>
             <a:fld id="{5B849520-1930-4CF7-AFD0-1B7449654BAD}" type="datetimeFigureOut">
               <a:rPr lang="en-US" smtClean="0"/>
-              <a:t>11/6/23</a:t>
+              <a:t>1/26/24</a:t>
             </a:fld>
             <a:endParaRPr lang="en-US"/>
           </a:p>
@@ -5422,7 +5422,7 @@
           </a:ln>
           <a:extLst>
             <a:ext uri="{C572A759-6A51-4108-AA02-DFA0A04FC94B}">
-              <ma14:wrappingTextBoxFlag xmlns:ma14="http://schemas.microsoft.com/office/mac/drawingml/2011/main" xmlns="" val="1"/>
+              <ma14:wrappingTextBoxFlag xmlns="" xmlns:ma14="http://schemas.microsoft.com/office/mac/drawingml/2011/main" val="1"/>
             </a:ext>
           </a:extLst>
         </p:spPr>
@@ -5461,7 +5461,7 @@
           </a:ln>
           <a:extLst>
             <a:ext uri="{C572A759-6A51-4108-AA02-DFA0A04FC94B}">
-              <ma14:wrappingTextBoxFlag xmlns:ma14="http://schemas.microsoft.com/office/mac/drawingml/2011/main" xmlns="" val="1"/>
+              <ma14:wrappingTextBoxFlag xmlns="" xmlns:ma14="http://schemas.microsoft.com/office/mac/drawingml/2011/main" val="1"/>
             </a:ext>
           </a:extLst>
         </p:spPr>
@@ -6655,7 +6655,7 @@
           </a:ln>
           <a:extLst>
             <a:ext uri="{C572A759-6A51-4108-AA02-DFA0A04FC94B}">
-              <ma14:wrappingTextBoxFlag xmlns:ma14="http://schemas.microsoft.com/office/mac/drawingml/2011/main" xmlns="" val="1"/>
+              <ma14:wrappingTextBoxFlag xmlns="" xmlns:ma14="http://schemas.microsoft.com/office/mac/drawingml/2011/main" val="1"/>
             </a:ext>
           </a:extLst>
         </p:spPr>
@@ -6704,7 +6704,7 @@
           </a:ln>
           <a:extLst>
             <a:ext uri="{C572A759-6A51-4108-AA02-DFA0A04FC94B}">
-              <ma14:wrappingTextBoxFlag xmlns:ma14="http://schemas.microsoft.com/office/mac/drawingml/2011/main" xmlns="" val="1"/>
+              <ma14:wrappingTextBoxFlag xmlns="" xmlns:ma14="http://schemas.microsoft.com/office/mac/drawingml/2011/main" val="1"/>
             </a:ext>
           </a:extLst>
         </p:spPr>
@@ -6815,7 +6815,7 @@
           </a:ln>
           <a:extLst>
             <a:ext uri="{C572A759-6A51-4108-AA02-DFA0A04FC94B}">
-              <ma14:wrappingTextBoxFlag xmlns:ma14="http://schemas.microsoft.com/office/mac/drawingml/2011/main" xmlns="" val="1"/>
+              <ma14:wrappingTextBoxFlag xmlns="" xmlns:ma14="http://schemas.microsoft.com/office/mac/drawingml/2011/main" val="1"/>
             </a:ext>
           </a:extLst>
         </p:spPr>
@@ -6862,7 +6862,7 @@
           </a:ln>
           <a:extLst>
             <a:ext uri="{C572A759-6A51-4108-AA02-DFA0A04FC94B}">
-              <ma14:wrappingTextBoxFlag xmlns:ma14="http://schemas.microsoft.com/office/mac/drawingml/2011/main" xmlns="" val="1"/>
+              <ma14:wrappingTextBoxFlag xmlns="" xmlns:ma14="http://schemas.microsoft.com/office/mac/drawingml/2011/main" val="1"/>
             </a:ext>
           </a:extLst>
         </p:spPr>
@@ -6963,7 +6963,7 @@
           </a:ln>
           <a:extLst>
             <a:ext uri="{C572A759-6A51-4108-AA02-DFA0A04FC94B}">
-              <ma14:wrappingTextBoxFlag xmlns:ma14="http://schemas.microsoft.com/office/mac/drawingml/2011/main" xmlns="" val="1"/>
+              <ma14:wrappingTextBoxFlag xmlns="" xmlns:ma14="http://schemas.microsoft.com/office/mac/drawingml/2011/main" val="1"/>
             </a:ext>
           </a:extLst>
         </p:spPr>
@@ -7117,7 +7117,7 @@
           </a:ln>
           <a:extLst>
             <a:ext uri="{C572A759-6A51-4108-AA02-DFA0A04FC94B}">
-              <ma14:wrappingTextBoxFlag xmlns:ma14="http://schemas.microsoft.com/office/mac/drawingml/2011/main" xmlns="" val="1"/>
+              <ma14:wrappingTextBoxFlag xmlns="" xmlns:ma14="http://schemas.microsoft.com/office/mac/drawingml/2011/main" val="1"/>
             </a:ext>
           </a:extLst>
         </p:spPr>
@@ -7164,7 +7164,7 @@
           </a:ln>
           <a:extLst>
             <a:ext uri="{C572A759-6A51-4108-AA02-DFA0A04FC94B}">
-              <ma14:wrappingTextBoxFlag xmlns:ma14="http://schemas.microsoft.com/office/mac/drawingml/2011/main" xmlns="" val="1"/>
+              <ma14:wrappingTextBoxFlag xmlns="" xmlns:ma14="http://schemas.microsoft.com/office/mac/drawingml/2011/main" val="1"/>
             </a:ext>
           </a:extLst>
         </p:spPr>
@@ -7256,7 +7256,7 @@
           </a:ln>
           <a:extLst>
             <a:ext uri="{C572A759-6A51-4108-AA02-DFA0A04FC94B}">
-              <ma14:wrappingTextBoxFlag xmlns:ma14="http://schemas.microsoft.com/office/mac/drawingml/2011/main" xmlns="" val="1"/>
+              <ma14:wrappingTextBoxFlag xmlns="" xmlns:ma14="http://schemas.microsoft.com/office/mac/drawingml/2011/main" val="1"/>
             </a:ext>
           </a:extLst>
         </p:spPr>
@@ -7463,7 +7463,7 @@
           </a:ln>
           <a:extLst>
             <a:ext uri="{C572A759-6A51-4108-AA02-DFA0A04FC94B}">
-              <ma14:wrappingTextBoxFlag xmlns:ma14="http://schemas.microsoft.com/office/mac/drawingml/2011/main" xmlns="" val="1"/>
+              <ma14:wrappingTextBoxFlag xmlns="" xmlns:ma14="http://schemas.microsoft.com/office/mac/drawingml/2011/main" val="1"/>
             </a:ext>
           </a:extLst>
         </p:spPr>
@@ -7572,7 +7572,7 @@
           </a:ln>
           <a:extLst>
             <a:ext uri="{C572A759-6A51-4108-AA02-DFA0A04FC94B}">
-              <ma14:wrappingTextBoxFlag xmlns:ma14="http://schemas.microsoft.com/office/mac/drawingml/2011/main" xmlns="" val="1"/>
+              <ma14:wrappingTextBoxFlag xmlns="" xmlns:ma14="http://schemas.microsoft.com/office/mac/drawingml/2011/main" val="1"/>
             </a:ext>
           </a:extLst>
         </p:spPr>
@@ -7765,7 +7765,7 @@
           </a:ln>
           <a:extLst>
             <a:ext uri="{C572A759-6A51-4108-AA02-DFA0A04FC94B}">
-              <ma14:wrappingTextBoxFlag xmlns:ma14="http://schemas.microsoft.com/office/mac/drawingml/2011/main" xmlns="" val="1"/>
+              <ma14:wrappingTextBoxFlag xmlns="" xmlns:ma14="http://schemas.microsoft.com/office/mac/drawingml/2011/main" val="1"/>
             </a:ext>
           </a:extLst>
         </p:spPr>
@@ -7896,7 +7896,7 @@
           </a:ln>
           <a:extLst>
             <a:ext uri="{C572A759-6A51-4108-AA02-DFA0A04FC94B}">
-              <ma14:wrappingTextBoxFlag xmlns:ma14="http://schemas.microsoft.com/office/mac/drawingml/2011/main" xmlns="" val="1"/>
+              <ma14:wrappingTextBoxFlag xmlns="" xmlns:ma14="http://schemas.microsoft.com/office/mac/drawingml/2011/main" val="1"/>
             </a:ext>
           </a:extLst>
         </p:spPr>
@@ -8005,7 +8005,7 @@
           </a:ln>
           <a:extLst>
             <a:ext uri="{C572A759-6A51-4108-AA02-DFA0A04FC94B}">
-              <ma14:wrappingTextBoxFlag xmlns:ma14="http://schemas.microsoft.com/office/mac/drawingml/2011/main" xmlns="" val="1"/>
+              <ma14:wrappingTextBoxFlag xmlns="" xmlns:ma14="http://schemas.microsoft.com/office/mac/drawingml/2011/main" val="1"/>
             </a:ext>
           </a:extLst>
         </p:spPr>
@@ -8136,7 +8136,7 @@
           </a:ln>
           <a:extLst>
             <a:ext uri="{C572A759-6A51-4108-AA02-DFA0A04FC94B}">
-              <ma14:wrappingTextBoxFlag xmlns:ma14="http://schemas.microsoft.com/office/mac/drawingml/2011/main" xmlns="" val="1"/>
+              <ma14:wrappingTextBoxFlag xmlns="" xmlns:ma14="http://schemas.microsoft.com/office/mac/drawingml/2011/main" val="1"/>
             </a:ext>
           </a:extLst>
         </p:spPr>
@@ -8316,7 +8316,7 @@
         <p:spPr/>
         <p:txBody>
           <a:bodyPr>
-            <a:normAutofit lnSpcReduction="10000"/>
+            <a:normAutofit fontScale="85000" lnSpcReduction="20000"/>
           </a:bodyPr>
           <a:lstStyle/>
           <a:p>
@@ -8328,6 +8328,12 @@
           <a:p>
             <a:r>
               <a:rPr lang="en-US" dirty="0"/>
+              <a:t>Started Julia in 2023</a:t>
+            </a:r>
+          </a:p>
+          <a:p>
+            <a:r>
+              <a:rPr lang="en-US" dirty="0"/>
               <a:t>VBA since 2011</a:t>
             </a:r>
           </a:p>
@@ -8343,7 +8349,13 @@
           <a:p>
             <a:r>
               <a:rPr lang="en-US" dirty="0"/>
-              <a:t>Ph.D. student, Physics, UC Irvine, 2026</a:t>
+              <a:t>Ph.D. student, Astrophysics, UC Irvine, 2026</a:t>
+            </a:r>
+          </a:p>
+          <a:p>
+            <a:r>
+              <a:rPr lang="en-US" dirty="0"/>
+              <a:t>M.S., Astrophysics, UC Irvine, 2023</a:t>
             </a:r>
           </a:p>
           <a:p>
@@ -8441,7 +8453,7 @@
           </a:ln>
           <a:extLst>
             <a:ext uri="{C572A759-6A51-4108-AA02-DFA0A04FC94B}">
-              <ma14:wrappingTextBoxFlag xmlns:ma14="http://schemas.microsoft.com/office/mac/drawingml/2011/main" xmlns="" val="1"/>
+              <ma14:wrappingTextBoxFlag xmlns="" xmlns:ma14="http://schemas.microsoft.com/office/mac/drawingml/2011/main" val="1"/>
             </a:ext>
           </a:extLst>
         </p:spPr>
@@ -8572,7 +8584,7 @@
           </a:ln>
           <a:extLst>
             <a:ext uri="{C572A759-6A51-4108-AA02-DFA0A04FC94B}">
-              <ma14:wrappingTextBoxFlag xmlns:ma14="http://schemas.microsoft.com/office/mac/drawingml/2011/main" xmlns="" val="1"/>
+              <ma14:wrappingTextBoxFlag xmlns="" xmlns:ma14="http://schemas.microsoft.com/office/mac/drawingml/2011/main" val="1"/>
             </a:ext>
           </a:extLst>
         </p:spPr>
@@ -8703,7 +8715,7 @@
           </a:ln>
           <a:extLst>
             <a:ext uri="{C572A759-6A51-4108-AA02-DFA0A04FC94B}">
-              <ma14:wrappingTextBoxFlag xmlns:ma14="http://schemas.microsoft.com/office/mac/drawingml/2011/main" xmlns="" val="1"/>
+              <ma14:wrappingTextBoxFlag xmlns="" xmlns:ma14="http://schemas.microsoft.com/office/mac/drawingml/2011/main" val="1"/>
             </a:ext>
           </a:extLst>
         </p:spPr>
@@ -8812,7 +8824,7 @@
           </a:ln>
           <a:extLst>
             <a:ext uri="{C572A759-6A51-4108-AA02-DFA0A04FC94B}">
-              <ma14:wrappingTextBoxFlag xmlns:ma14="http://schemas.microsoft.com/office/mac/drawingml/2011/main" xmlns="" val="1"/>
+              <ma14:wrappingTextBoxFlag xmlns="" xmlns:ma14="http://schemas.microsoft.com/office/mac/drawingml/2011/main" val="1"/>
             </a:ext>
           </a:extLst>
         </p:spPr>
@@ -8943,7 +8955,7 @@
           </a:ln>
           <a:extLst>
             <a:ext uri="{C572A759-6A51-4108-AA02-DFA0A04FC94B}">
-              <ma14:wrappingTextBoxFlag xmlns:ma14="http://schemas.microsoft.com/office/mac/drawingml/2011/main" xmlns="" val="1"/>
+              <ma14:wrappingTextBoxFlag xmlns="" xmlns:ma14="http://schemas.microsoft.com/office/mac/drawingml/2011/main" val="1"/>
             </a:ext>
           </a:extLst>
         </p:spPr>
@@ -9074,7 +9086,7 @@
           </a:ln>
           <a:extLst>
             <a:ext uri="{C572A759-6A51-4108-AA02-DFA0A04FC94B}">
-              <ma14:wrappingTextBoxFlag xmlns:ma14="http://schemas.microsoft.com/office/mac/drawingml/2011/main" xmlns="" val="1"/>
+              <ma14:wrappingTextBoxFlag xmlns="" xmlns:ma14="http://schemas.microsoft.com/office/mac/drawingml/2011/main" val="1"/>
             </a:ext>
           </a:extLst>
         </p:spPr>
@@ -10669,7 +10681,7 @@
           </a:ln>
           <a:extLst>
             <a:ext uri="{C572A759-6A51-4108-AA02-DFA0A04FC94B}">
-              <ma14:wrappingTextBoxFlag xmlns:ma14="http://schemas.microsoft.com/office/mac/drawingml/2011/main" xmlns="" val="1"/>
+              <ma14:wrappingTextBoxFlag xmlns="" xmlns:ma14="http://schemas.microsoft.com/office/mac/drawingml/2011/main" val="1"/>
             </a:ext>
           </a:extLst>
         </p:spPr>
@@ -10778,7 +10790,7 @@
           </a:ln>
           <a:extLst>
             <a:ext uri="{C572A759-6A51-4108-AA02-DFA0A04FC94B}">
-              <ma14:wrappingTextBoxFlag xmlns:ma14="http://schemas.microsoft.com/office/mac/drawingml/2011/main" xmlns="" val="1"/>
+              <ma14:wrappingTextBoxFlag xmlns="" xmlns:ma14="http://schemas.microsoft.com/office/mac/drawingml/2011/main" val="1"/>
             </a:ext>
           </a:extLst>
         </p:spPr>
@@ -10870,7 +10882,7 @@
           </a:ln>
           <a:extLst>
             <a:ext uri="{C572A759-6A51-4108-AA02-DFA0A04FC94B}">
-              <ma14:wrappingTextBoxFlag xmlns:ma14="http://schemas.microsoft.com/office/mac/drawingml/2011/main" xmlns="" val="1"/>
+              <ma14:wrappingTextBoxFlag xmlns="" xmlns:ma14="http://schemas.microsoft.com/office/mac/drawingml/2011/main" val="1"/>
             </a:ext>
           </a:extLst>
         </p:spPr>
@@ -11113,7 +11125,7 @@
           </a:ln>
           <a:extLst>
             <a:ext uri="{C572A759-6A51-4108-AA02-DFA0A04FC94B}">
-              <ma14:wrappingTextBoxFlag xmlns:ma14="http://schemas.microsoft.com/office/mac/drawingml/2011/main" xmlns="" val="1"/>
+              <ma14:wrappingTextBoxFlag xmlns="" xmlns:ma14="http://schemas.microsoft.com/office/mac/drawingml/2011/main" val="1"/>
             </a:ext>
           </a:extLst>
         </p:spPr>
@@ -11239,7 +11251,7 @@
           </a:ln>
           <a:extLst>
             <a:ext uri="{C572A759-6A51-4108-AA02-DFA0A04FC94B}">
-              <ma14:wrappingTextBoxFlag xmlns:ma14="http://schemas.microsoft.com/office/mac/drawingml/2011/main" xmlns="" val="1"/>
+              <ma14:wrappingTextBoxFlag xmlns="" xmlns:ma14="http://schemas.microsoft.com/office/mac/drawingml/2011/main" val="1"/>
             </a:ext>
           </a:extLst>
         </p:spPr>
@@ -11286,7 +11298,7 @@
           </a:ln>
           <a:extLst>
             <a:ext uri="{C572A759-6A51-4108-AA02-DFA0A04FC94B}">
-              <ma14:wrappingTextBoxFlag xmlns:ma14="http://schemas.microsoft.com/office/mac/drawingml/2011/main" xmlns="" val="1"/>
+              <ma14:wrappingTextBoxFlag xmlns="" xmlns:ma14="http://schemas.microsoft.com/office/mac/drawingml/2011/main" val="1"/>
             </a:ext>
           </a:extLst>
         </p:spPr>
@@ -11413,7 +11425,7 @@
           </a:ln>
           <a:extLst>
             <a:ext uri="{C572A759-6A51-4108-AA02-DFA0A04FC94B}">
-              <ma14:wrappingTextBoxFlag xmlns:ma14="http://schemas.microsoft.com/office/mac/drawingml/2011/main" xmlns="" val="1"/>
+              <ma14:wrappingTextBoxFlag xmlns="" xmlns:ma14="http://schemas.microsoft.com/office/mac/drawingml/2011/main" val="1"/>
             </a:ext>
           </a:extLst>
         </p:spPr>
@@ -11684,7 +11696,7 @@
           </a:ln>
           <a:extLst>
             <a:ext uri="{C572A759-6A51-4108-AA02-DFA0A04FC94B}">
-              <ma14:wrappingTextBoxFlag xmlns:ma14="http://schemas.microsoft.com/office/mac/drawingml/2011/main" xmlns="" val="1"/>
+              <ma14:wrappingTextBoxFlag xmlns="" xmlns:ma14="http://schemas.microsoft.com/office/mac/drawingml/2011/main" val="1"/>
             </a:ext>
           </a:extLst>
         </p:spPr>
@@ -11731,7 +11743,7 @@
           </a:ln>
           <a:extLst>
             <a:ext uri="{C572A759-6A51-4108-AA02-DFA0A04FC94B}">
-              <ma14:wrappingTextBoxFlag xmlns:ma14="http://schemas.microsoft.com/office/mac/drawingml/2011/main" xmlns="" val="1"/>
+              <ma14:wrappingTextBoxFlag xmlns="" xmlns:ma14="http://schemas.microsoft.com/office/mac/drawingml/2011/main" val="1"/>
             </a:ext>
           </a:extLst>
         </p:spPr>
@@ -11858,7 +11870,7 @@
           </a:ln>
           <a:extLst>
             <a:ext uri="{C572A759-6A51-4108-AA02-DFA0A04FC94B}">
-              <ma14:wrappingTextBoxFlag xmlns:ma14="http://schemas.microsoft.com/office/mac/drawingml/2011/main" xmlns="" val="1"/>
+              <ma14:wrappingTextBoxFlag xmlns="" xmlns:ma14="http://schemas.microsoft.com/office/mac/drawingml/2011/main" val="1"/>
             </a:ext>
           </a:extLst>
         </p:spPr>
@@ -12114,7 +12126,7 @@
           </a:ln>
           <a:extLst>
             <a:ext uri="{C572A759-6A51-4108-AA02-DFA0A04FC94B}">
-              <ma14:wrappingTextBoxFlag xmlns:ma14="http://schemas.microsoft.com/office/mac/drawingml/2011/main" xmlns="" val="1"/>
+              <ma14:wrappingTextBoxFlag xmlns="" xmlns:ma14="http://schemas.microsoft.com/office/mac/drawingml/2011/main" val="1"/>
             </a:ext>
           </a:extLst>
         </p:spPr>
@@ -12451,7 +12463,7 @@
           </a:ln>
           <a:extLst>
             <a:ext uri="{C572A759-6A51-4108-AA02-DFA0A04FC94B}">
-              <ma14:wrappingTextBoxFlag xmlns:ma14="http://schemas.microsoft.com/office/mac/drawingml/2011/main" xmlns="" val="1"/>
+              <ma14:wrappingTextBoxFlag xmlns="" xmlns:ma14="http://schemas.microsoft.com/office/mac/drawingml/2011/main" val="1"/>
             </a:ext>
           </a:extLst>
         </p:spPr>
@@ -12560,7 +12572,7 @@
           </a:ln>
           <a:extLst>
             <a:ext uri="{C572A759-6A51-4108-AA02-DFA0A04FC94B}">
-              <ma14:wrappingTextBoxFlag xmlns:ma14="http://schemas.microsoft.com/office/mac/drawingml/2011/main" xmlns="" val="1"/>
+              <ma14:wrappingTextBoxFlag xmlns="" xmlns:ma14="http://schemas.microsoft.com/office/mac/drawingml/2011/main" val="1"/>
             </a:ext>
           </a:extLst>
         </p:spPr>
@@ -12607,7 +12619,7 @@
           </a:ln>
           <a:extLst>
             <a:ext uri="{C572A759-6A51-4108-AA02-DFA0A04FC94B}">
-              <ma14:wrappingTextBoxFlag xmlns:ma14="http://schemas.microsoft.com/office/mac/drawingml/2011/main" xmlns="" val="1"/>
+              <ma14:wrappingTextBoxFlag xmlns="" xmlns:ma14="http://schemas.microsoft.com/office/mac/drawingml/2011/main" val="1"/>
             </a:ext>
           </a:extLst>
         </p:spPr>
@@ -12859,7 +12871,7 @@
           </a:ln>
           <a:extLst>
             <a:ext uri="{C572A759-6A51-4108-AA02-DFA0A04FC94B}">
-              <ma14:wrappingTextBoxFlag xmlns:ma14="http://schemas.microsoft.com/office/mac/drawingml/2011/main" xmlns="" val="1"/>
+              <ma14:wrappingTextBoxFlag xmlns="" xmlns:ma14="http://schemas.microsoft.com/office/mac/drawingml/2011/main" val="1"/>
             </a:ext>
           </a:extLst>
         </p:spPr>
@@ -12906,7 +12918,7 @@
           </a:ln>
           <a:extLst>
             <a:ext uri="{C572A759-6A51-4108-AA02-DFA0A04FC94B}">
-              <ma14:wrappingTextBoxFlag xmlns:ma14="http://schemas.microsoft.com/office/mac/drawingml/2011/main" xmlns="" val="1"/>
+              <ma14:wrappingTextBoxFlag xmlns="" xmlns:ma14="http://schemas.microsoft.com/office/mac/drawingml/2011/main" val="1"/>
             </a:ext>
           </a:extLst>
         </p:spPr>
@@ -13036,7 +13048,7 @@
           </a:ln>
           <a:extLst>
             <a:ext uri="{C572A759-6A51-4108-AA02-DFA0A04FC94B}">
-              <ma14:wrappingTextBoxFlag xmlns:ma14="http://schemas.microsoft.com/office/mac/drawingml/2011/main" xmlns="" val="1"/>
+              <ma14:wrappingTextBoxFlag xmlns="" xmlns:ma14="http://schemas.microsoft.com/office/mac/drawingml/2011/main" val="1"/>
             </a:ext>
           </a:extLst>
         </p:spPr>
@@ -13145,7 +13157,7 @@
           </a:ln>
           <a:extLst>
             <a:ext uri="{C572A759-6A51-4108-AA02-DFA0A04FC94B}">
-              <ma14:wrappingTextBoxFlag xmlns:ma14="http://schemas.microsoft.com/office/mac/drawingml/2011/main" xmlns="" val="1"/>
+              <ma14:wrappingTextBoxFlag xmlns="" xmlns:ma14="http://schemas.microsoft.com/office/mac/drawingml/2011/main" val="1"/>
             </a:ext>
           </a:extLst>
         </p:spPr>
@@ -13264,7 +13276,7 @@
           </a:ln>
           <a:extLst>
             <a:ext uri="{C572A759-6A51-4108-AA02-DFA0A04FC94B}">
-              <ma14:wrappingTextBoxFlag xmlns:ma14="http://schemas.microsoft.com/office/mac/drawingml/2011/main" xmlns="" val="1"/>
+              <ma14:wrappingTextBoxFlag xmlns="" xmlns:ma14="http://schemas.microsoft.com/office/mac/drawingml/2011/main" val="1"/>
             </a:ext>
           </a:extLst>
         </p:spPr>
@@ -13366,7 +13378,7 @@
           </a:ln>
           <a:extLst>
             <a:ext uri="{C572A759-6A51-4108-AA02-DFA0A04FC94B}">
-              <ma14:wrappingTextBoxFlag xmlns:ma14="http://schemas.microsoft.com/office/mac/drawingml/2011/main" xmlns="" val="1"/>
+              <ma14:wrappingTextBoxFlag xmlns="" xmlns:ma14="http://schemas.microsoft.com/office/mac/drawingml/2011/main" val="1"/>
             </a:ext>
           </a:extLst>
         </p:spPr>
@@ -13574,7 +13586,7 @@
           </a:ln>
           <a:extLst>
             <a:ext uri="{C572A759-6A51-4108-AA02-DFA0A04FC94B}">
-              <ma14:wrappingTextBoxFlag xmlns:ma14="http://schemas.microsoft.com/office/mac/drawingml/2011/main" xmlns="" val="1"/>
+              <ma14:wrappingTextBoxFlag xmlns="" xmlns:ma14="http://schemas.microsoft.com/office/mac/drawingml/2011/main" val="1"/>
             </a:ext>
           </a:extLst>
         </p:spPr>
@@ -13687,7 +13699,7 @@
           </a:ln>
           <a:extLst>
             <a:ext uri="{C572A759-6A51-4108-AA02-DFA0A04FC94B}">
-              <ma14:wrappingTextBoxFlag xmlns:ma14="http://schemas.microsoft.com/office/mac/drawingml/2011/main" xmlns="" val="1"/>
+              <ma14:wrappingTextBoxFlag xmlns="" xmlns:ma14="http://schemas.microsoft.com/office/mac/drawingml/2011/main" val="1"/>
             </a:ext>
           </a:extLst>
         </p:spPr>
@@ -13796,7 +13808,7 @@
           </a:ln>
           <a:extLst>
             <a:ext uri="{C572A759-6A51-4108-AA02-DFA0A04FC94B}">
-              <ma14:wrappingTextBoxFlag xmlns:ma14="http://schemas.microsoft.com/office/mac/drawingml/2011/main" xmlns="" val="1"/>
+              <ma14:wrappingTextBoxFlag xmlns="" xmlns:ma14="http://schemas.microsoft.com/office/mac/drawingml/2011/main" val="1"/>
             </a:ext>
           </a:extLst>
         </p:spPr>
@@ -13898,7 +13910,7 @@
           </a:ln>
           <a:extLst>
             <a:ext uri="{C572A759-6A51-4108-AA02-DFA0A04FC94B}">
-              <ma14:wrappingTextBoxFlag xmlns:ma14="http://schemas.microsoft.com/office/mac/drawingml/2011/main" xmlns="" val="1"/>
+              <ma14:wrappingTextBoxFlag xmlns="" xmlns:ma14="http://schemas.microsoft.com/office/mac/drawingml/2011/main" val="1"/>
             </a:ext>
           </a:extLst>
         </p:spPr>
@@ -14147,7 +14159,7 @@
           </a:ln>
           <a:extLst>
             <a:ext uri="{C572A759-6A51-4108-AA02-DFA0A04FC94B}">
-              <ma14:wrappingTextBoxFlag xmlns:ma14="http://schemas.microsoft.com/office/mac/drawingml/2011/main" xmlns="" val="1"/>
+              <ma14:wrappingTextBoxFlag xmlns="" xmlns:ma14="http://schemas.microsoft.com/office/mac/drawingml/2011/main" val="1"/>
             </a:ext>
           </a:extLst>
         </p:spPr>
@@ -14337,7 +14349,7 @@
           </a:ln>
           <a:extLst>
             <a:ext uri="{C572A759-6A51-4108-AA02-DFA0A04FC94B}">
-              <ma14:wrappingTextBoxFlag xmlns:ma14="http://schemas.microsoft.com/office/mac/drawingml/2011/main" xmlns="" val="1"/>
+              <ma14:wrappingTextBoxFlag xmlns="" xmlns:ma14="http://schemas.microsoft.com/office/mac/drawingml/2011/main" val="1"/>
             </a:ext>
           </a:extLst>
         </p:spPr>
@@ -14474,7 +14486,7 @@
           </a:ln>
           <a:extLst>
             <a:ext uri="{C572A759-6A51-4108-AA02-DFA0A04FC94B}">
-              <ma14:wrappingTextBoxFlag xmlns:ma14="http://schemas.microsoft.com/office/mac/drawingml/2011/main" xmlns="" val="1"/>
+              <ma14:wrappingTextBoxFlag xmlns="" xmlns:ma14="http://schemas.microsoft.com/office/mac/drawingml/2011/main" val="1"/>
             </a:ext>
           </a:extLst>
         </p:spPr>
@@ -14680,7 +14692,7 @@
           </a:ln>
           <a:extLst>
             <a:ext uri="{C572A759-6A51-4108-AA02-DFA0A04FC94B}">
-              <ma14:wrappingTextBoxFlag xmlns:ma14="http://schemas.microsoft.com/office/mac/drawingml/2011/main" xmlns="" val="1"/>
+              <ma14:wrappingTextBoxFlag xmlns="" xmlns:ma14="http://schemas.microsoft.com/office/mac/drawingml/2011/main" val="1"/>
             </a:ext>
           </a:extLst>
         </p:spPr>
@@ -14811,7 +14823,7 @@
           </a:ln>
           <a:extLst>
             <a:ext uri="{C572A759-6A51-4108-AA02-DFA0A04FC94B}">
-              <ma14:wrappingTextBoxFlag xmlns:ma14="http://schemas.microsoft.com/office/mac/drawingml/2011/main" xmlns="" val="1"/>
+              <ma14:wrappingTextBoxFlag xmlns="" xmlns:ma14="http://schemas.microsoft.com/office/mac/drawingml/2011/main" val="1"/>
             </a:ext>
           </a:extLst>
         </p:spPr>
@@ -15145,7 +15157,7 @@
           </a:ln>
           <a:extLst>
             <a:ext uri="{C572A759-6A51-4108-AA02-DFA0A04FC94B}">
-              <ma14:wrappingTextBoxFlag xmlns:ma14="http://schemas.microsoft.com/office/mac/drawingml/2011/main" xmlns="" val="1"/>
+              <ma14:wrappingTextBoxFlag xmlns="" xmlns:ma14="http://schemas.microsoft.com/office/mac/drawingml/2011/main" val="1"/>
             </a:ext>
           </a:extLst>
         </p:spPr>
@@ -15254,7 +15266,7 @@
           </a:ln>
           <a:extLst>
             <a:ext uri="{C572A759-6A51-4108-AA02-DFA0A04FC94B}">
-              <ma14:wrappingTextBoxFlag xmlns:ma14="http://schemas.microsoft.com/office/mac/drawingml/2011/main" xmlns="" val="1"/>
+              <ma14:wrappingTextBoxFlag xmlns="" xmlns:ma14="http://schemas.microsoft.com/office/mac/drawingml/2011/main" val="1"/>
             </a:ext>
           </a:extLst>
         </p:spPr>
@@ -15474,7 +15486,7 @@
           </a:ln>
           <a:extLst>
             <a:ext uri="{C572A759-6A51-4108-AA02-DFA0A04FC94B}">
-              <ma14:wrappingTextBoxFlag xmlns:ma14="http://schemas.microsoft.com/office/mac/drawingml/2011/main" xmlns="" val="1"/>
+              <ma14:wrappingTextBoxFlag xmlns="" xmlns:ma14="http://schemas.microsoft.com/office/mac/drawingml/2011/main" val="1"/>
             </a:ext>
           </a:extLst>
         </p:spPr>
@@ -15566,7 +15578,7 @@
           </a:ln>
           <a:extLst>
             <a:ext uri="{C572A759-6A51-4108-AA02-DFA0A04FC94B}">
-              <ma14:wrappingTextBoxFlag xmlns:ma14="http://schemas.microsoft.com/office/mac/drawingml/2011/main" xmlns="" val="1"/>
+              <ma14:wrappingTextBoxFlag xmlns="" xmlns:ma14="http://schemas.microsoft.com/office/mac/drawingml/2011/main" val="1"/>
             </a:ext>
           </a:extLst>
         </p:spPr>
@@ -15762,7 +15774,7 @@
           </a:ln>
           <a:extLst>
             <a:ext uri="{C572A759-6A51-4108-AA02-DFA0A04FC94B}">
-              <ma14:wrappingTextBoxFlag xmlns:ma14="http://schemas.microsoft.com/office/mac/drawingml/2011/main" xmlns="" val="1"/>
+              <ma14:wrappingTextBoxFlag xmlns="" xmlns:ma14="http://schemas.microsoft.com/office/mac/drawingml/2011/main" val="1"/>
             </a:ext>
           </a:extLst>
         </p:spPr>
@@ -15883,7 +15895,7 @@
           </a:ln>
           <a:extLst>
             <a:ext uri="{C572A759-6A51-4108-AA02-DFA0A04FC94B}">
-              <ma14:wrappingTextBoxFlag xmlns:ma14="http://schemas.microsoft.com/office/mac/drawingml/2011/main" xmlns="" val="1"/>
+              <ma14:wrappingTextBoxFlag xmlns="" xmlns:ma14="http://schemas.microsoft.com/office/mac/drawingml/2011/main" val="1"/>
             </a:ext>
           </a:extLst>
         </p:spPr>
@@ -15980,7 +15992,7 @@
           </a:ln>
           <a:extLst>
             <a:ext uri="{C572A759-6A51-4108-AA02-DFA0A04FC94B}">
-              <ma14:wrappingTextBoxFlag xmlns:ma14="http://schemas.microsoft.com/office/mac/drawingml/2011/main" xmlns="" val="1"/>
+              <ma14:wrappingTextBoxFlag xmlns="" xmlns:ma14="http://schemas.microsoft.com/office/mac/drawingml/2011/main" val="1"/>
             </a:ext>
           </a:extLst>
         </p:spPr>
@@ -16089,7 +16101,7 @@
           </a:ln>
           <a:extLst>
             <a:ext uri="{C572A759-6A51-4108-AA02-DFA0A04FC94B}">
-              <ma14:wrappingTextBoxFlag xmlns:ma14="http://schemas.microsoft.com/office/mac/drawingml/2011/main" xmlns="" val="1"/>
+              <ma14:wrappingTextBoxFlag xmlns="" xmlns:ma14="http://schemas.microsoft.com/office/mac/drawingml/2011/main" val="1"/>
             </a:ext>
           </a:extLst>
         </p:spPr>
@@ -16143,7 +16155,7 @@
           </a:ln>
           <a:extLst>
             <a:ext uri="{C572A759-6A51-4108-AA02-DFA0A04FC94B}">
-              <ma14:wrappingTextBoxFlag xmlns:ma14="http://schemas.microsoft.com/office/mac/drawingml/2011/main" xmlns="" val="1"/>
+              <ma14:wrappingTextBoxFlag xmlns="" xmlns:ma14="http://schemas.microsoft.com/office/mac/drawingml/2011/main" val="1"/>
             </a:ext>
           </a:extLst>
         </p:spPr>
@@ -16393,7 +16405,7 @@
           </a:ln>
           <a:extLst>
             <a:ext uri="{C572A759-6A51-4108-AA02-DFA0A04FC94B}">
-              <ma14:wrappingTextBoxFlag xmlns:ma14="http://schemas.microsoft.com/office/mac/drawingml/2011/main" xmlns="" val="1"/>
+              <ma14:wrappingTextBoxFlag xmlns="" xmlns:ma14="http://schemas.microsoft.com/office/mac/drawingml/2011/main" val="1"/>
             </a:ext>
           </a:extLst>
         </p:spPr>
@@ -16502,7 +16514,7 @@
           </a:ln>
           <a:extLst>
             <a:ext uri="{C572A759-6A51-4108-AA02-DFA0A04FC94B}">
-              <ma14:wrappingTextBoxFlag xmlns:ma14="http://schemas.microsoft.com/office/mac/drawingml/2011/main" xmlns="" val="1"/>
+              <ma14:wrappingTextBoxFlag xmlns="" xmlns:ma14="http://schemas.microsoft.com/office/mac/drawingml/2011/main" val="1"/>
             </a:ext>
           </a:extLst>
         </p:spPr>
@@ -16549,7 +16561,7 @@
           </a:ln>
           <a:extLst>
             <a:ext uri="{C572A759-6A51-4108-AA02-DFA0A04FC94B}">
-              <ma14:wrappingTextBoxFlag xmlns:ma14="http://schemas.microsoft.com/office/mac/drawingml/2011/main" xmlns="" val="1"/>
+              <ma14:wrappingTextBoxFlag xmlns="" xmlns:ma14="http://schemas.microsoft.com/office/mac/drawingml/2011/main" val="1"/>
             </a:ext>
           </a:extLst>
         </p:spPr>
@@ -16641,7 +16653,7 @@
           </a:ln>
           <a:extLst>
             <a:ext uri="{C572A759-6A51-4108-AA02-DFA0A04FC94B}">
-              <ma14:wrappingTextBoxFlag xmlns:ma14="http://schemas.microsoft.com/office/mac/drawingml/2011/main" xmlns="" val="1"/>
+              <ma14:wrappingTextBoxFlag xmlns="" xmlns:ma14="http://schemas.microsoft.com/office/mac/drawingml/2011/main" val="1"/>
             </a:ext>
           </a:extLst>
         </p:spPr>
@@ -16750,7 +16762,7 @@
           </a:ln>
           <a:extLst>
             <a:ext uri="{C572A759-6A51-4108-AA02-DFA0A04FC94B}">
-              <ma14:wrappingTextBoxFlag xmlns:ma14="http://schemas.microsoft.com/office/mac/drawingml/2011/main" xmlns="" val="1"/>
+              <ma14:wrappingTextBoxFlag xmlns="" xmlns:ma14="http://schemas.microsoft.com/office/mac/drawingml/2011/main" val="1"/>
             </a:ext>
           </a:extLst>
         </p:spPr>
@@ -16797,7 +16809,7 @@
           </a:ln>
           <a:extLst>
             <a:ext uri="{C572A759-6A51-4108-AA02-DFA0A04FC94B}">
-              <ma14:wrappingTextBoxFlag xmlns:ma14="http://schemas.microsoft.com/office/mac/drawingml/2011/main" xmlns="" val="1"/>
+              <ma14:wrappingTextBoxFlag xmlns="" xmlns:ma14="http://schemas.microsoft.com/office/mac/drawingml/2011/main" val="1"/>
             </a:ext>
           </a:extLst>
         </p:spPr>
@@ -16889,7 +16901,7 @@
           </a:ln>
           <a:extLst>
             <a:ext uri="{C572A759-6A51-4108-AA02-DFA0A04FC94B}">
-              <ma14:wrappingTextBoxFlag xmlns:ma14="http://schemas.microsoft.com/office/mac/drawingml/2011/main" xmlns="" val="1"/>
+              <ma14:wrappingTextBoxFlag xmlns="" xmlns:ma14="http://schemas.microsoft.com/office/mac/drawingml/2011/main" val="1"/>
             </a:ext>
           </a:extLst>
         </p:spPr>
@@ -16981,7 +16993,7 @@
           </a:ln>
           <a:extLst>
             <a:ext uri="{C572A759-6A51-4108-AA02-DFA0A04FC94B}">
-              <ma14:wrappingTextBoxFlag xmlns:ma14="http://schemas.microsoft.com/office/mac/drawingml/2011/main" xmlns="" val="1"/>
+              <ma14:wrappingTextBoxFlag xmlns="" xmlns:ma14="http://schemas.microsoft.com/office/mac/drawingml/2011/main" val="1"/>
             </a:ext>
           </a:extLst>
         </p:spPr>

--- a/Session01/Session1_Slides.pptx
+++ b/Session01/Session1_Slides.pptx
@@ -5,10 +5,10 @@
     <p:sldMasterId id="2147483648" r:id="rId1"/>
   </p:sldMasterIdLst>
   <p:notesMasterIdLst>
-    <p:notesMasterId r:id="rId71"/>
+    <p:notesMasterId r:id="rId72"/>
   </p:notesMasterIdLst>
   <p:handoutMasterIdLst>
-    <p:handoutMasterId r:id="rId72"/>
+    <p:handoutMasterId r:id="rId73"/>
   </p:handoutMasterIdLst>
   <p:sldIdLst>
     <p:sldId id="256" r:id="rId2"/>
@@ -56,30 +56,31 @@
     <p:sldId id="311" r:id="rId44"/>
     <p:sldId id="313" r:id="rId45"/>
     <p:sldId id="314" r:id="rId46"/>
-    <p:sldId id="315" r:id="rId47"/>
-    <p:sldId id="316" r:id="rId48"/>
-    <p:sldId id="318" r:id="rId49"/>
-    <p:sldId id="320" r:id="rId50"/>
-    <p:sldId id="322" r:id="rId51"/>
-    <p:sldId id="324" r:id="rId52"/>
-    <p:sldId id="325" r:id="rId53"/>
-    <p:sldId id="326" r:id="rId54"/>
-    <p:sldId id="327" r:id="rId55"/>
-    <p:sldId id="328" r:id="rId56"/>
-    <p:sldId id="329" r:id="rId57"/>
-    <p:sldId id="330" r:id="rId58"/>
-    <p:sldId id="331" r:id="rId59"/>
-    <p:sldId id="332" r:id="rId60"/>
-    <p:sldId id="333" r:id="rId61"/>
-    <p:sldId id="337" r:id="rId62"/>
-    <p:sldId id="336" r:id="rId63"/>
-    <p:sldId id="338" r:id="rId64"/>
-    <p:sldId id="340" r:id="rId65"/>
-    <p:sldId id="342" r:id="rId66"/>
-    <p:sldId id="343" r:id="rId67"/>
-    <p:sldId id="344" r:id="rId68"/>
-    <p:sldId id="345" r:id="rId69"/>
-    <p:sldId id="346" r:id="rId70"/>
+    <p:sldId id="349" r:id="rId47"/>
+    <p:sldId id="315" r:id="rId48"/>
+    <p:sldId id="316" r:id="rId49"/>
+    <p:sldId id="318" r:id="rId50"/>
+    <p:sldId id="320" r:id="rId51"/>
+    <p:sldId id="322" r:id="rId52"/>
+    <p:sldId id="324" r:id="rId53"/>
+    <p:sldId id="325" r:id="rId54"/>
+    <p:sldId id="326" r:id="rId55"/>
+    <p:sldId id="327" r:id="rId56"/>
+    <p:sldId id="328" r:id="rId57"/>
+    <p:sldId id="329" r:id="rId58"/>
+    <p:sldId id="330" r:id="rId59"/>
+    <p:sldId id="331" r:id="rId60"/>
+    <p:sldId id="332" r:id="rId61"/>
+    <p:sldId id="333" r:id="rId62"/>
+    <p:sldId id="337" r:id="rId63"/>
+    <p:sldId id="336" r:id="rId64"/>
+    <p:sldId id="338" r:id="rId65"/>
+    <p:sldId id="340" r:id="rId66"/>
+    <p:sldId id="342" r:id="rId67"/>
+    <p:sldId id="343" r:id="rId68"/>
+    <p:sldId id="344" r:id="rId69"/>
+    <p:sldId id="345" r:id="rId70"/>
+    <p:sldId id="346" r:id="rId71"/>
   </p:sldIdLst>
   <p:sldSz cx="13004800" cy="9753600"/>
   <p:notesSz cx="6858000" cy="9144000"/>
@@ -932,7 +933,7 @@
           <a:p>
             <a:fld id="{5B849520-1930-4CF7-AFD0-1B7449654BAD}" type="datetimeFigureOut">
               <a:rPr lang="en-US" smtClean="0"/>
-              <a:t>1/26/24</a:t>
+              <a:t>7/22/24</a:t>
             </a:fld>
             <a:endParaRPr lang="en-US"/>
           </a:p>
@@ -5422,7 +5423,7 @@
           </a:ln>
           <a:extLst>
             <a:ext uri="{C572A759-6A51-4108-AA02-DFA0A04FC94B}">
-              <ma14:wrappingTextBoxFlag xmlns="" xmlns:ma14="http://schemas.microsoft.com/office/mac/drawingml/2011/main" val="1"/>
+              <ma14:wrappingTextBoxFlag xmlns:ma14="http://schemas.microsoft.com/office/mac/drawingml/2011/main" xmlns="" val="1"/>
             </a:ext>
           </a:extLst>
         </p:spPr>
@@ -5461,7 +5462,7 @@
           </a:ln>
           <a:extLst>
             <a:ext uri="{C572A759-6A51-4108-AA02-DFA0A04FC94B}">
-              <ma14:wrappingTextBoxFlag xmlns="" xmlns:ma14="http://schemas.microsoft.com/office/mac/drawingml/2011/main" val="1"/>
+              <ma14:wrappingTextBoxFlag xmlns:ma14="http://schemas.microsoft.com/office/mac/drawingml/2011/main" xmlns="" val="1"/>
             </a:ext>
           </a:extLst>
         </p:spPr>
@@ -6655,7 +6656,7 @@
           </a:ln>
           <a:extLst>
             <a:ext uri="{C572A759-6A51-4108-AA02-DFA0A04FC94B}">
-              <ma14:wrappingTextBoxFlag xmlns="" xmlns:ma14="http://schemas.microsoft.com/office/mac/drawingml/2011/main" val="1"/>
+              <ma14:wrappingTextBoxFlag xmlns:ma14="http://schemas.microsoft.com/office/mac/drawingml/2011/main" xmlns="" val="1"/>
             </a:ext>
           </a:extLst>
         </p:spPr>
@@ -6704,7 +6705,7 @@
           </a:ln>
           <a:extLst>
             <a:ext uri="{C572A759-6A51-4108-AA02-DFA0A04FC94B}">
-              <ma14:wrappingTextBoxFlag xmlns="" xmlns:ma14="http://schemas.microsoft.com/office/mac/drawingml/2011/main" val="1"/>
+              <ma14:wrappingTextBoxFlag xmlns:ma14="http://schemas.microsoft.com/office/mac/drawingml/2011/main" xmlns="" val="1"/>
             </a:ext>
           </a:extLst>
         </p:spPr>
@@ -6815,7 +6816,7 @@
           </a:ln>
           <a:extLst>
             <a:ext uri="{C572A759-6A51-4108-AA02-DFA0A04FC94B}">
-              <ma14:wrappingTextBoxFlag xmlns="" xmlns:ma14="http://schemas.microsoft.com/office/mac/drawingml/2011/main" val="1"/>
+              <ma14:wrappingTextBoxFlag xmlns:ma14="http://schemas.microsoft.com/office/mac/drawingml/2011/main" xmlns="" val="1"/>
             </a:ext>
           </a:extLst>
         </p:spPr>
@@ -6862,7 +6863,7 @@
           </a:ln>
           <a:extLst>
             <a:ext uri="{C572A759-6A51-4108-AA02-DFA0A04FC94B}">
-              <ma14:wrappingTextBoxFlag xmlns="" xmlns:ma14="http://schemas.microsoft.com/office/mac/drawingml/2011/main" val="1"/>
+              <ma14:wrappingTextBoxFlag xmlns:ma14="http://schemas.microsoft.com/office/mac/drawingml/2011/main" xmlns="" val="1"/>
             </a:ext>
           </a:extLst>
         </p:spPr>
@@ -6963,7 +6964,7 @@
           </a:ln>
           <a:extLst>
             <a:ext uri="{C572A759-6A51-4108-AA02-DFA0A04FC94B}">
-              <ma14:wrappingTextBoxFlag xmlns="" xmlns:ma14="http://schemas.microsoft.com/office/mac/drawingml/2011/main" val="1"/>
+              <ma14:wrappingTextBoxFlag xmlns:ma14="http://schemas.microsoft.com/office/mac/drawingml/2011/main" xmlns="" val="1"/>
             </a:ext>
           </a:extLst>
         </p:spPr>
@@ -7117,7 +7118,7 @@
           </a:ln>
           <a:extLst>
             <a:ext uri="{C572A759-6A51-4108-AA02-DFA0A04FC94B}">
-              <ma14:wrappingTextBoxFlag xmlns="" xmlns:ma14="http://schemas.microsoft.com/office/mac/drawingml/2011/main" val="1"/>
+              <ma14:wrappingTextBoxFlag xmlns:ma14="http://schemas.microsoft.com/office/mac/drawingml/2011/main" xmlns="" val="1"/>
             </a:ext>
           </a:extLst>
         </p:spPr>
@@ -7164,7 +7165,7 @@
           </a:ln>
           <a:extLst>
             <a:ext uri="{C572A759-6A51-4108-AA02-DFA0A04FC94B}">
-              <ma14:wrappingTextBoxFlag xmlns="" xmlns:ma14="http://schemas.microsoft.com/office/mac/drawingml/2011/main" val="1"/>
+              <ma14:wrappingTextBoxFlag xmlns:ma14="http://schemas.microsoft.com/office/mac/drawingml/2011/main" xmlns="" val="1"/>
             </a:ext>
           </a:extLst>
         </p:spPr>
@@ -7256,7 +7257,7 @@
           </a:ln>
           <a:extLst>
             <a:ext uri="{C572A759-6A51-4108-AA02-DFA0A04FC94B}">
-              <ma14:wrappingTextBoxFlag xmlns="" xmlns:ma14="http://schemas.microsoft.com/office/mac/drawingml/2011/main" val="1"/>
+              <ma14:wrappingTextBoxFlag xmlns:ma14="http://schemas.microsoft.com/office/mac/drawingml/2011/main" xmlns="" val="1"/>
             </a:ext>
           </a:extLst>
         </p:spPr>
@@ -7463,7 +7464,7 @@
           </a:ln>
           <a:extLst>
             <a:ext uri="{C572A759-6A51-4108-AA02-DFA0A04FC94B}">
-              <ma14:wrappingTextBoxFlag xmlns="" xmlns:ma14="http://schemas.microsoft.com/office/mac/drawingml/2011/main" val="1"/>
+              <ma14:wrappingTextBoxFlag xmlns:ma14="http://schemas.microsoft.com/office/mac/drawingml/2011/main" xmlns="" val="1"/>
             </a:ext>
           </a:extLst>
         </p:spPr>
@@ -7572,7 +7573,7 @@
           </a:ln>
           <a:extLst>
             <a:ext uri="{C572A759-6A51-4108-AA02-DFA0A04FC94B}">
-              <ma14:wrappingTextBoxFlag xmlns="" xmlns:ma14="http://schemas.microsoft.com/office/mac/drawingml/2011/main" val="1"/>
+              <ma14:wrappingTextBoxFlag xmlns:ma14="http://schemas.microsoft.com/office/mac/drawingml/2011/main" xmlns="" val="1"/>
             </a:ext>
           </a:extLst>
         </p:spPr>
@@ -7765,7 +7766,7 @@
           </a:ln>
           <a:extLst>
             <a:ext uri="{C572A759-6A51-4108-AA02-DFA0A04FC94B}">
-              <ma14:wrappingTextBoxFlag xmlns="" xmlns:ma14="http://schemas.microsoft.com/office/mac/drawingml/2011/main" val="1"/>
+              <ma14:wrappingTextBoxFlag xmlns:ma14="http://schemas.microsoft.com/office/mac/drawingml/2011/main" xmlns="" val="1"/>
             </a:ext>
           </a:extLst>
         </p:spPr>
@@ -7896,7 +7897,7 @@
           </a:ln>
           <a:extLst>
             <a:ext uri="{C572A759-6A51-4108-AA02-DFA0A04FC94B}">
-              <ma14:wrappingTextBoxFlag xmlns="" xmlns:ma14="http://schemas.microsoft.com/office/mac/drawingml/2011/main" val="1"/>
+              <ma14:wrappingTextBoxFlag xmlns:ma14="http://schemas.microsoft.com/office/mac/drawingml/2011/main" xmlns="" val="1"/>
             </a:ext>
           </a:extLst>
         </p:spPr>
@@ -8005,7 +8006,7 @@
           </a:ln>
           <a:extLst>
             <a:ext uri="{C572A759-6A51-4108-AA02-DFA0A04FC94B}">
-              <ma14:wrappingTextBoxFlag xmlns="" xmlns:ma14="http://schemas.microsoft.com/office/mac/drawingml/2011/main" val="1"/>
+              <ma14:wrappingTextBoxFlag xmlns:ma14="http://schemas.microsoft.com/office/mac/drawingml/2011/main" xmlns="" val="1"/>
             </a:ext>
           </a:extLst>
         </p:spPr>
@@ -8136,7 +8137,7 @@
           </a:ln>
           <a:extLst>
             <a:ext uri="{C572A759-6A51-4108-AA02-DFA0A04FC94B}">
-              <ma14:wrappingTextBoxFlag xmlns="" xmlns:ma14="http://schemas.microsoft.com/office/mac/drawingml/2011/main" val="1"/>
+              <ma14:wrappingTextBoxFlag xmlns:ma14="http://schemas.microsoft.com/office/mac/drawingml/2011/main" xmlns="" val="1"/>
             </a:ext>
           </a:extLst>
         </p:spPr>
@@ -8349,7 +8350,7 @@
           <a:p>
             <a:r>
               <a:rPr lang="en-US" dirty="0"/>
-              <a:t>Ph.D. student, Astrophysics, UC Irvine, 2026</a:t>
+              <a:t>Ph.D. candidate, Astrophysics, UC Irvine, 2026</a:t>
             </a:r>
           </a:p>
           <a:p>
@@ -8453,7 +8454,7 @@
           </a:ln>
           <a:extLst>
             <a:ext uri="{C572A759-6A51-4108-AA02-DFA0A04FC94B}">
-              <ma14:wrappingTextBoxFlag xmlns="" xmlns:ma14="http://schemas.microsoft.com/office/mac/drawingml/2011/main" val="1"/>
+              <ma14:wrappingTextBoxFlag xmlns:ma14="http://schemas.microsoft.com/office/mac/drawingml/2011/main" xmlns="" val="1"/>
             </a:ext>
           </a:extLst>
         </p:spPr>
@@ -8584,7 +8585,7 @@
           </a:ln>
           <a:extLst>
             <a:ext uri="{C572A759-6A51-4108-AA02-DFA0A04FC94B}">
-              <ma14:wrappingTextBoxFlag xmlns="" xmlns:ma14="http://schemas.microsoft.com/office/mac/drawingml/2011/main" val="1"/>
+              <ma14:wrappingTextBoxFlag xmlns:ma14="http://schemas.microsoft.com/office/mac/drawingml/2011/main" xmlns="" val="1"/>
             </a:ext>
           </a:extLst>
         </p:spPr>
@@ -8715,7 +8716,7 @@
           </a:ln>
           <a:extLst>
             <a:ext uri="{C572A759-6A51-4108-AA02-DFA0A04FC94B}">
-              <ma14:wrappingTextBoxFlag xmlns="" xmlns:ma14="http://schemas.microsoft.com/office/mac/drawingml/2011/main" val="1"/>
+              <ma14:wrappingTextBoxFlag xmlns:ma14="http://schemas.microsoft.com/office/mac/drawingml/2011/main" xmlns="" val="1"/>
             </a:ext>
           </a:extLst>
         </p:spPr>
@@ -8824,7 +8825,7 @@
           </a:ln>
           <a:extLst>
             <a:ext uri="{C572A759-6A51-4108-AA02-DFA0A04FC94B}">
-              <ma14:wrappingTextBoxFlag xmlns="" xmlns:ma14="http://schemas.microsoft.com/office/mac/drawingml/2011/main" val="1"/>
+              <ma14:wrappingTextBoxFlag xmlns:ma14="http://schemas.microsoft.com/office/mac/drawingml/2011/main" xmlns="" val="1"/>
             </a:ext>
           </a:extLst>
         </p:spPr>
@@ -8955,7 +8956,7 @@
           </a:ln>
           <a:extLst>
             <a:ext uri="{C572A759-6A51-4108-AA02-DFA0A04FC94B}">
-              <ma14:wrappingTextBoxFlag xmlns="" xmlns:ma14="http://schemas.microsoft.com/office/mac/drawingml/2011/main" val="1"/>
+              <ma14:wrappingTextBoxFlag xmlns:ma14="http://schemas.microsoft.com/office/mac/drawingml/2011/main" xmlns="" val="1"/>
             </a:ext>
           </a:extLst>
         </p:spPr>
@@ -9086,7 +9087,7 @@
           </a:ln>
           <a:extLst>
             <a:ext uri="{C572A759-6A51-4108-AA02-DFA0A04FC94B}">
-              <ma14:wrappingTextBoxFlag xmlns="" xmlns:ma14="http://schemas.microsoft.com/office/mac/drawingml/2011/main" val="1"/>
+              <ma14:wrappingTextBoxFlag xmlns:ma14="http://schemas.microsoft.com/office/mac/drawingml/2011/main" xmlns="" val="1"/>
             </a:ext>
           </a:extLst>
         </p:spPr>
@@ -10681,7 +10682,7 @@
           </a:ln>
           <a:extLst>
             <a:ext uri="{C572A759-6A51-4108-AA02-DFA0A04FC94B}">
-              <ma14:wrappingTextBoxFlag xmlns="" xmlns:ma14="http://schemas.microsoft.com/office/mac/drawingml/2011/main" val="1"/>
+              <ma14:wrappingTextBoxFlag xmlns:ma14="http://schemas.microsoft.com/office/mac/drawingml/2011/main" xmlns="" val="1"/>
             </a:ext>
           </a:extLst>
         </p:spPr>
@@ -10790,7 +10791,7 @@
           </a:ln>
           <a:extLst>
             <a:ext uri="{C572A759-6A51-4108-AA02-DFA0A04FC94B}">
-              <ma14:wrappingTextBoxFlag xmlns="" xmlns:ma14="http://schemas.microsoft.com/office/mac/drawingml/2011/main" val="1"/>
+              <ma14:wrappingTextBoxFlag xmlns:ma14="http://schemas.microsoft.com/office/mac/drawingml/2011/main" xmlns="" val="1"/>
             </a:ext>
           </a:extLst>
         </p:spPr>
@@ -10882,7 +10883,7 @@
           </a:ln>
           <a:extLst>
             <a:ext uri="{C572A759-6A51-4108-AA02-DFA0A04FC94B}">
-              <ma14:wrappingTextBoxFlag xmlns="" xmlns:ma14="http://schemas.microsoft.com/office/mac/drawingml/2011/main" val="1"/>
+              <ma14:wrappingTextBoxFlag xmlns:ma14="http://schemas.microsoft.com/office/mac/drawingml/2011/main" xmlns="" val="1"/>
             </a:ext>
           </a:extLst>
         </p:spPr>
@@ -11125,7 +11126,7 @@
           </a:ln>
           <a:extLst>
             <a:ext uri="{C572A759-6A51-4108-AA02-DFA0A04FC94B}">
-              <ma14:wrappingTextBoxFlag xmlns="" xmlns:ma14="http://schemas.microsoft.com/office/mac/drawingml/2011/main" val="1"/>
+              <ma14:wrappingTextBoxFlag xmlns:ma14="http://schemas.microsoft.com/office/mac/drawingml/2011/main" xmlns="" val="1"/>
             </a:ext>
           </a:extLst>
         </p:spPr>
@@ -11251,7 +11252,7 @@
           </a:ln>
           <a:extLst>
             <a:ext uri="{C572A759-6A51-4108-AA02-DFA0A04FC94B}">
-              <ma14:wrappingTextBoxFlag xmlns="" xmlns:ma14="http://schemas.microsoft.com/office/mac/drawingml/2011/main" val="1"/>
+              <ma14:wrappingTextBoxFlag xmlns:ma14="http://schemas.microsoft.com/office/mac/drawingml/2011/main" xmlns="" val="1"/>
             </a:ext>
           </a:extLst>
         </p:spPr>
@@ -11298,7 +11299,7 @@
           </a:ln>
           <a:extLst>
             <a:ext uri="{C572A759-6A51-4108-AA02-DFA0A04FC94B}">
-              <ma14:wrappingTextBoxFlag xmlns="" xmlns:ma14="http://schemas.microsoft.com/office/mac/drawingml/2011/main" val="1"/>
+              <ma14:wrappingTextBoxFlag xmlns:ma14="http://schemas.microsoft.com/office/mac/drawingml/2011/main" xmlns="" val="1"/>
             </a:ext>
           </a:extLst>
         </p:spPr>
@@ -11425,7 +11426,7 @@
           </a:ln>
           <a:extLst>
             <a:ext uri="{C572A759-6A51-4108-AA02-DFA0A04FC94B}">
-              <ma14:wrappingTextBoxFlag xmlns="" xmlns:ma14="http://schemas.microsoft.com/office/mac/drawingml/2011/main" val="1"/>
+              <ma14:wrappingTextBoxFlag xmlns:ma14="http://schemas.microsoft.com/office/mac/drawingml/2011/main" xmlns="" val="1"/>
             </a:ext>
           </a:extLst>
         </p:spPr>
@@ -11567,6 +11568,13 @@
             <a:srgbClr val="FFFFFF"/>
           </a:solidFill>
         </p:spPr>
+        <p:txBody>
+          <a:bodyPr/>
+          <a:lstStyle/>
+          <a:p>
+            <a:endParaRPr lang="en-US"/>
+          </a:p>
+        </p:txBody>
       </p:sp>
       <p:pic>
         <p:nvPicPr>
@@ -11696,7 +11704,7 @@
           </a:ln>
           <a:extLst>
             <a:ext uri="{C572A759-6A51-4108-AA02-DFA0A04FC94B}">
-              <ma14:wrappingTextBoxFlag xmlns="" xmlns:ma14="http://schemas.microsoft.com/office/mac/drawingml/2011/main" val="1"/>
+              <ma14:wrappingTextBoxFlag xmlns:ma14="http://schemas.microsoft.com/office/mac/drawingml/2011/main" xmlns="" val="1"/>
             </a:ext>
           </a:extLst>
         </p:spPr>
@@ -11743,7 +11751,7 @@
           </a:ln>
           <a:extLst>
             <a:ext uri="{C572A759-6A51-4108-AA02-DFA0A04FC94B}">
-              <ma14:wrappingTextBoxFlag xmlns="" xmlns:ma14="http://schemas.microsoft.com/office/mac/drawingml/2011/main" val="1"/>
+              <ma14:wrappingTextBoxFlag xmlns:ma14="http://schemas.microsoft.com/office/mac/drawingml/2011/main" xmlns="" val="1"/>
             </a:ext>
           </a:extLst>
         </p:spPr>
@@ -11870,7 +11878,7 @@
           </a:ln>
           <a:extLst>
             <a:ext uri="{C572A759-6A51-4108-AA02-DFA0A04FC94B}">
-              <ma14:wrappingTextBoxFlag xmlns="" xmlns:ma14="http://schemas.microsoft.com/office/mac/drawingml/2011/main" val="1"/>
+              <ma14:wrappingTextBoxFlag xmlns:ma14="http://schemas.microsoft.com/office/mac/drawingml/2011/main" xmlns="" val="1"/>
             </a:ext>
           </a:extLst>
         </p:spPr>
@@ -12126,7 +12134,7 @@
           </a:ln>
           <a:extLst>
             <a:ext uri="{C572A759-6A51-4108-AA02-DFA0A04FC94B}">
-              <ma14:wrappingTextBoxFlag xmlns="" xmlns:ma14="http://schemas.microsoft.com/office/mac/drawingml/2011/main" val="1"/>
+              <ma14:wrappingTextBoxFlag xmlns:ma14="http://schemas.microsoft.com/office/mac/drawingml/2011/main" xmlns="" val="1"/>
             </a:ext>
           </a:extLst>
         </p:spPr>
@@ -12463,7 +12471,7 @@
           </a:ln>
           <a:extLst>
             <a:ext uri="{C572A759-6A51-4108-AA02-DFA0A04FC94B}">
-              <ma14:wrappingTextBoxFlag xmlns="" xmlns:ma14="http://schemas.microsoft.com/office/mac/drawingml/2011/main" val="1"/>
+              <ma14:wrappingTextBoxFlag xmlns:ma14="http://schemas.microsoft.com/office/mac/drawingml/2011/main" xmlns="" val="1"/>
             </a:ext>
           </a:extLst>
         </p:spPr>
@@ -12572,7 +12580,7 @@
           </a:ln>
           <a:extLst>
             <a:ext uri="{C572A759-6A51-4108-AA02-DFA0A04FC94B}">
-              <ma14:wrappingTextBoxFlag xmlns="" xmlns:ma14="http://schemas.microsoft.com/office/mac/drawingml/2011/main" val="1"/>
+              <ma14:wrappingTextBoxFlag xmlns:ma14="http://schemas.microsoft.com/office/mac/drawingml/2011/main" xmlns="" val="1"/>
             </a:ext>
           </a:extLst>
         </p:spPr>
@@ -12619,7 +12627,7 @@
           </a:ln>
           <a:extLst>
             <a:ext uri="{C572A759-6A51-4108-AA02-DFA0A04FC94B}">
-              <ma14:wrappingTextBoxFlag xmlns="" xmlns:ma14="http://schemas.microsoft.com/office/mac/drawingml/2011/main" val="1"/>
+              <ma14:wrappingTextBoxFlag xmlns:ma14="http://schemas.microsoft.com/office/mac/drawingml/2011/main" xmlns="" val="1"/>
             </a:ext>
           </a:extLst>
         </p:spPr>
@@ -12788,6 +12796,31 @@
               <a:t>[0:3]</a:t>
             </a:r>
           </a:p>
+          <a:p>
+            <a:pPr marL="0" indent="0">
+              <a:buNone/>
+            </a:pPr>
+            <a:endParaRPr lang="en-US" dirty="0">
+              <a:latin typeface="Courier New" panose="02070309020205020404" pitchFamily="49" charset="0"/>
+              <a:cs typeface="Courier New" panose="02070309020205020404" pitchFamily="49" charset="0"/>
+            </a:endParaRPr>
+          </a:p>
+          <a:p>
+            <a:pPr marL="0" indent="0">
+              <a:buNone/>
+            </a:pPr>
+            <a:r>
+              <a:rPr lang="en-US" dirty="0">
+                <a:solidFill>
+                  <a:schemeClr val="accent1"/>
+                </a:solidFill>
+                <a:latin typeface="+mn-ea"/>
+                <a:ea typeface="+mn-ea"/>
+                <a:cs typeface="Courier New" panose="02070309020205020404" pitchFamily="49" charset="0"/>
+              </a:rPr>
+              <a:t>So if python is 0 indexed, why do we use `3` when we want the third letter here?</a:t>
+            </a:r>
+          </a:p>
         </p:txBody>
       </p:sp>
     </p:spTree>
@@ -12818,7 +12851,7 @@
       </p:grpSpPr>
       <p:sp>
         <p:nvSpPr>
-          <p:cNvPr id="416" name="Shape 416"/>
+          <p:cNvPr id="413" name="Shape 413"/>
           <p:cNvSpPr>
             <a:spLocks noGrp="1"/>
           </p:cNvSpPr>
@@ -12827,16 +12860,14 @@
           </p:nvPr>
         </p:nvSpPr>
         <p:spPr>
-          <a:xfrm>
-            <a:off x="406400" y="1536700"/>
-            <a:ext cx="12192000" cy="1169261"/>
-          </a:xfrm>
-          <a:prstGeom prst="rect">
-            <a:avLst/>
-          </a:prstGeom>
-        </p:spPr>
-        <p:txBody>
-          <a:bodyPr/>
+          <a:prstGeom prst="rect">
+            <a:avLst/>
+          </a:prstGeom>
+        </p:spPr>
+        <p:txBody>
+          <a:bodyPr>
+            <a:normAutofit fontScale="90000"/>
+          </a:bodyPr>
           <a:lstStyle>
             <a:lvl1pPr defTabSz="403097">
               <a:spcBef>
@@ -12847,127 +12878,141 @@
           </a:lstStyle>
           <a:p>
             <a:r>
-              <a:t>Slice Syntax</a:t>
-            </a:r>
-          </a:p>
-        </p:txBody>
-      </p:sp>
-      <p:sp>
-        <p:nvSpPr>
-          <p:cNvPr id="417" name="Shape 417"/>
-          <p:cNvSpPr/>
-          <p:nvPr/>
-        </p:nvSpPr>
-        <p:spPr>
-          <a:xfrm>
-            <a:off x="439080" y="4072619"/>
-            <a:ext cx="2606499" cy="1041401"/>
-          </a:xfrm>
-          <a:prstGeom prst="rect">
-            <a:avLst/>
-          </a:prstGeom>
-          <a:ln w="12700">
-            <a:miter lim="400000"/>
-          </a:ln>
-          <a:extLst>
-            <a:ext uri="{C572A759-6A51-4108-AA02-DFA0A04FC94B}">
-              <ma14:wrappingTextBoxFlag xmlns="" xmlns:ma14="http://schemas.microsoft.com/office/mac/drawingml/2011/main" val="1"/>
-            </a:ext>
-          </a:extLst>
-        </p:spPr>
-        <p:txBody>
-          <a:bodyPr wrap="none" lIns="50800" tIns="50800" rIns="50800" bIns="50800" anchor="ctr">
-            <a:spAutoFit/>
-          </a:bodyPr>
-          <a:lstStyle>
-            <a:lvl1pPr>
-              <a:defRPr sz="5400">
-                <a:solidFill>
-                  <a:srgbClr val="838787"/>
-                </a:solidFill>
-                <a:latin typeface="Avenir Next"/>
-                <a:ea typeface="Avenir Next"/>
-                <a:cs typeface="Avenir Next"/>
-                <a:sym typeface="Avenir Next"/>
-              </a:defRPr>
-            </a:lvl1pPr>
-          </a:lstStyle>
-          <a:p>
-            <a:r>
-              <a:t>English:</a:t>
-            </a:r>
-          </a:p>
-        </p:txBody>
-      </p:sp>
-      <p:sp>
-        <p:nvSpPr>
-          <p:cNvPr id="418" name="Shape 418"/>
-          <p:cNvSpPr/>
-          <p:nvPr/>
-        </p:nvSpPr>
-        <p:spPr>
-          <a:xfrm>
-            <a:off x="449664" y="5457172"/>
-            <a:ext cx="12105472" cy="1826141"/>
-          </a:xfrm>
-          <a:prstGeom prst="rect">
-            <a:avLst/>
-          </a:prstGeom>
-          <a:ln w="12700">
-            <a:miter lim="400000"/>
-          </a:ln>
-          <a:extLst>
-            <a:ext uri="{C572A759-6A51-4108-AA02-DFA0A04FC94B}">
-              <ma14:wrappingTextBoxFlag xmlns="" xmlns:ma14="http://schemas.microsoft.com/office/mac/drawingml/2011/main" val="1"/>
-            </a:ext>
-          </a:extLst>
-        </p:spPr>
-        <p:txBody>
-          <a:bodyPr lIns="50800" tIns="50800" rIns="50800" bIns="50800" anchor="ctr">
-            <a:spAutoFit/>
-          </a:bodyPr>
-          <a:lstStyle>
-            <a:lvl1pPr>
-              <a:defRPr sz="5600" i="1">
-                <a:solidFill>
-                  <a:srgbClr val="838787"/>
-                </a:solidFill>
-                <a:latin typeface="Avenir Next"/>
-                <a:ea typeface="Avenir Next"/>
-                <a:cs typeface="Avenir Next"/>
-                <a:sym typeface="Avenir Next"/>
-              </a:defRPr>
-            </a:lvl1pPr>
-          </a:lstStyle>
-          <a:p>
-            <a:r>
-              <a:rPr dirty="0"/>
-              <a:t>grab from the </a:t>
-            </a:r>
+              <a:t>SLICE Syntax</a:t>
+            </a:r>
+          </a:p>
+        </p:txBody>
+      </p:sp>
+      <p:sp>
+        <p:nvSpPr>
+          <p:cNvPr id="2" name="Text Placeholder 1">
+            <a:extLst>
+              <a:ext uri="{FF2B5EF4-FFF2-40B4-BE49-F238E27FC236}">
+                <a16:creationId xmlns:a16="http://schemas.microsoft.com/office/drawing/2014/main" id="{90BA2245-6556-4A8B-B456-3502F42A92A5}"/>
+              </a:ext>
+            </a:extLst>
+          </p:cNvPr>
+          <p:cNvSpPr>
+            <a:spLocks noGrp="1"/>
+          </p:cNvSpPr>
+          <p:nvPr>
+            <p:ph type="body" sz="quarter" idx="10"/>
+          </p:nvPr>
+        </p:nvSpPr>
+        <p:spPr/>
+        <p:txBody>
+          <a:bodyPr/>
+          <a:lstStyle/>
+          <a:p>
+            <a:pPr marL="0" indent="0">
+              <a:buNone/>
+            </a:pPr>
+            <a:r>
+              <a:rPr lang="en-US" dirty="0">
+                <a:latin typeface="Courier New" panose="02070309020205020404" pitchFamily="49" charset="0"/>
+                <a:cs typeface="Courier New" panose="02070309020205020404" pitchFamily="49" charset="0"/>
+              </a:rPr>
+              <a:t>&gt;&gt;&gt; </a:t>
+            </a:r>
+            <a:r>
+              <a:rPr lang="en-US" dirty="0" err="1">
+                <a:latin typeface="Courier New" panose="02070309020205020404" pitchFamily="49" charset="0"/>
+                <a:cs typeface="Courier New" panose="02070309020205020404" pitchFamily="49" charset="0"/>
+              </a:rPr>
+              <a:t>my_string</a:t>
+            </a:r>
+            <a:r>
+              <a:rPr lang="en-US" dirty="0">
+                <a:latin typeface="Courier New" panose="02070309020205020404" pitchFamily="49" charset="0"/>
+                <a:cs typeface="Courier New" panose="02070309020205020404" pitchFamily="49" charset="0"/>
+              </a:rPr>
+              <a:t>[:3]</a:t>
+            </a:r>
+          </a:p>
+          <a:p>
+            <a:pPr marL="0" indent="0">
+              <a:buNone/>
+            </a:pPr>
             <a:r>
               <a:rPr lang="en-US" dirty="0"/>
-              <a:t>second</a:t>
-            </a:r>
-            <a:r>
-              <a:rPr dirty="0"/>
-              <a:t> </a:t>
-            </a:r>
-            <a:r>
-              <a:rPr dirty="0">
-                <a:solidFill>
-                  <a:srgbClr val="00B050"/>
-                </a:solidFill>
+              <a:t>same thing as</a:t>
+            </a:r>
+          </a:p>
+          <a:p>
+            <a:pPr marL="0" indent="0">
+              <a:buNone/>
+            </a:pPr>
+            <a:r>
+              <a:rPr lang="en-US" dirty="0">
+                <a:latin typeface="Courier New" panose="02070309020205020404" pitchFamily="49" charset="0"/>
+                <a:cs typeface="Courier New" panose="02070309020205020404" pitchFamily="49" charset="0"/>
               </a:rPr>
-              <a:t>element</a:t>
-            </a:r>
-            <a:r>
-              <a:rPr dirty="0"/>
-              <a:t> through until the end</a:t>
+              <a:t>&gt;&gt;&gt; </a:t>
+            </a:r>
+            <a:r>
+              <a:rPr lang="en-US" dirty="0" err="1">
+                <a:latin typeface="Courier New" panose="02070309020205020404" pitchFamily="49" charset="0"/>
+                <a:cs typeface="Courier New" panose="02070309020205020404" pitchFamily="49" charset="0"/>
+              </a:rPr>
+              <a:t>my_string</a:t>
+            </a:r>
+            <a:r>
+              <a:rPr lang="en-US" dirty="0">
+                <a:latin typeface="Courier New" panose="02070309020205020404" pitchFamily="49" charset="0"/>
+                <a:cs typeface="Courier New" panose="02070309020205020404" pitchFamily="49" charset="0"/>
+              </a:rPr>
+              <a:t>[0:3]</a:t>
+            </a:r>
+          </a:p>
+          <a:p>
+            <a:pPr marL="0" indent="0">
+              <a:buNone/>
+            </a:pPr>
+            <a:endParaRPr lang="en-US" dirty="0">
+              <a:latin typeface="Courier New" panose="02070309020205020404" pitchFamily="49" charset="0"/>
+              <a:cs typeface="Courier New" panose="02070309020205020404" pitchFamily="49" charset="0"/>
+            </a:endParaRPr>
+          </a:p>
+          <a:p>
+            <a:pPr marL="0" indent="0">
+              <a:buNone/>
+            </a:pPr>
+            <a:r>
+              <a:rPr lang="en-US" dirty="0">
+                <a:solidFill>
+                  <a:schemeClr val="accent1"/>
+                </a:solidFill>
+                <a:latin typeface="+mn-ea"/>
+                <a:ea typeface="+mn-ea"/>
+                <a:cs typeface="Courier New" panose="02070309020205020404" pitchFamily="49" charset="0"/>
+              </a:rPr>
+              <a:t>So if python is 0 indexed, why do we use `3` when we want the third letter here?</a:t>
+            </a:r>
+          </a:p>
+          <a:p>
+            <a:pPr marL="0" indent="0">
+              <a:buNone/>
+            </a:pPr>
+            <a:r>
+              <a:rPr lang="en-US" dirty="0">
+                <a:solidFill>
+                  <a:srgbClr val="92D050"/>
+                </a:solidFill>
+                <a:latin typeface="+mn-ea"/>
+                <a:ea typeface="+mn-ea"/>
+                <a:cs typeface="Courier New" panose="02070309020205020404" pitchFamily="49" charset="0"/>
+              </a:rPr>
+              <a:t>The end index is exclusive!</a:t>
             </a:r>
           </a:p>
         </p:txBody>
       </p:sp>
     </p:spTree>
+    <p:extLst>
+      <p:ext uri="{BB962C8B-B14F-4D97-AF65-F5344CB8AC3E}">
+        <p14:creationId xmlns:p14="http://schemas.microsoft.com/office/powerpoint/2010/main" val="3061678957"/>
+      </p:ext>
+    </p:extLst>
   </p:cSld>
   <p:clrMapOvr>
     <a:masterClrMapping/>
@@ -12995,7 +13040,7 @@
       </p:grpSpPr>
       <p:sp>
         <p:nvSpPr>
-          <p:cNvPr id="420" name="Shape 420"/>
+          <p:cNvPr id="416" name="Shape 416"/>
           <p:cNvSpPr>
             <a:spLocks noGrp="1"/>
           </p:cNvSpPr>
@@ -13024,21 +13069,21 @@
           </a:lstStyle>
           <a:p>
             <a:r>
-              <a:t>SLICE Syntax</a:t>
-            </a:r>
-          </a:p>
-        </p:txBody>
-      </p:sp>
-      <p:sp>
-        <p:nvSpPr>
-          <p:cNvPr id="421" name="Shape 421"/>
+              <a:t>Slice Syntax</a:t>
+            </a:r>
+          </a:p>
+        </p:txBody>
+      </p:sp>
+      <p:sp>
+        <p:nvSpPr>
+          <p:cNvPr id="417" name="Shape 417"/>
           <p:cNvSpPr/>
           <p:nvPr/>
         </p:nvSpPr>
         <p:spPr>
           <a:xfrm>
-            <a:off x="3774461" y="4078816"/>
-            <a:ext cx="5455879" cy="927101"/>
+            <a:off x="439080" y="4072619"/>
+            <a:ext cx="2606499" cy="1041401"/>
           </a:xfrm>
           <a:prstGeom prst="rect">
             <a:avLst/>
@@ -13048,7 +13093,54 @@
           </a:ln>
           <a:extLst>
             <a:ext uri="{C572A759-6A51-4108-AA02-DFA0A04FC94B}">
-              <ma14:wrappingTextBoxFlag xmlns="" xmlns:ma14="http://schemas.microsoft.com/office/mac/drawingml/2011/main" val="1"/>
+              <ma14:wrappingTextBoxFlag xmlns:ma14="http://schemas.microsoft.com/office/mac/drawingml/2011/main" xmlns="" val="1"/>
+            </a:ext>
+          </a:extLst>
+        </p:spPr>
+        <p:txBody>
+          <a:bodyPr wrap="none" lIns="50800" tIns="50800" rIns="50800" bIns="50800" anchor="ctr">
+            <a:spAutoFit/>
+          </a:bodyPr>
+          <a:lstStyle>
+            <a:lvl1pPr>
+              <a:defRPr sz="5400">
+                <a:solidFill>
+                  <a:srgbClr val="838787"/>
+                </a:solidFill>
+                <a:latin typeface="Avenir Next"/>
+                <a:ea typeface="Avenir Next"/>
+                <a:cs typeface="Avenir Next"/>
+                <a:sym typeface="Avenir Next"/>
+              </a:defRPr>
+            </a:lvl1pPr>
+          </a:lstStyle>
+          <a:p>
+            <a:r>
+              <a:t>English:</a:t>
+            </a:r>
+          </a:p>
+        </p:txBody>
+      </p:sp>
+      <p:sp>
+        <p:nvSpPr>
+          <p:cNvPr id="418" name="Shape 418"/>
+          <p:cNvSpPr/>
+          <p:nvPr/>
+        </p:nvSpPr>
+        <p:spPr>
+          <a:xfrm>
+            <a:off x="449664" y="5457172"/>
+            <a:ext cx="12105472" cy="1826141"/>
+          </a:xfrm>
+          <a:prstGeom prst="rect">
+            <a:avLst/>
+          </a:prstGeom>
+          <a:ln w="12700">
+            <a:miter lim="400000"/>
+          </a:ln>
+          <a:extLst>
+            <a:ext uri="{C572A759-6A51-4108-AA02-DFA0A04FC94B}">
+              <ma14:wrappingTextBoxFlag xmlns:ma14="http://schemas.microsoft.com/office/mac/drawingml/2011/main" xmlns="" val="1"/>
             </a:ext>
           </a:extLst>
         </p:spPr>
@@ -13058,20 +13150,41 @@
           </a:bodyPr>
           <a:lstStyle>
             <a:lvl1pPr>
-              <a:defRPr sz="5400">
+              <a:defRPr sz="5600" i="1">
                 <a:solidFill>
                   <a:srgbClr val="838787"/>
                 </a:solidFill>
-                <a:latin typeface="Anonymous Pro for Powerline"/>
-                <a:ea typeface="Anonymous Pro for Powerline"/>
-                <a:cs typeface="Anonymous Pro for Powerline"/>
-                <a:sym typeface="Anonymous Pro for Powerline"/>
+                <a:latin typeface="Avenir Next"/>
+                <a:ea typeface="Avenir Next"/>
+                <a:cs typeface="Avenir Next"/>
+                <a:sym typeface="Avenir Next"/>
               </a:defRPr>
             </a:lvl1pPr>
           </a:lstStyle>
           <a:p>
             <a:r>
-              <a:t>my_string[2:]</a:t>
+              <a:rPr dirty="0"/>
+              <a:t>grab from the </a:t>
+            </a:r>
+            <a:r>
+              <a:rPr lang="en-US" dirty="0"/>
+              <a:t>second</a:t>
+            </a:r>
+            <a:r>
+              <a:rPr dirty="0"/>
+              <a:t> </a:t>
+            </a:r>
+            <a:r>
+              <a:rPr dirty="0">
+                <a:solidFill>
+                  <a:srgbClr val="00B050"/>
+                </a:solidFill>
+              </a:rPr>
+              <a:t>element</a:t>
+            </a:r>
+            <a:r>
+              <a:rPr dirty="0"/>
+              <a:t> through until the end</a:t>
             </a:r>
           </a:p>
         </p:txBody>
@@ -13104,7 +13217,7 @@
       </p:grpSpPr>
       <p:sp>
         <p:nvSpPr>
-          <p:cNvPr id="426" name="Shape 426"/>
+          <p:cNvPr id="420" name="Shape 420"/>
           <p:cNvSpPr>
             <a:spLocks noGrp="1"/>
           </p:cNvSpPr>
@@ -13133,21 +13246,21 @@
           </a:lstStyle>
           <a:p>
             <a:r>
-              <a:t>Slice: step</a:t>
-            </a:r>
-          </a:p>
-        </p:txBody>
-      </p:sp>
-      <p:sp>
-        <p:nvSpPr>
-          <p:cNvPr id="427" name="Shape 427"/>
+              <a:t>SLICE Syntax</a:t>
+            </a:r>
+          </a:p>
+        </p:txBody>
+      </p:sp>
+      <p:sp>
+        <p:nvSpPr>
+          <p:cNvPr id="421" name="Shape 421"/>
           <p:cNvSpPr/>
           <p:nvPr/>
         </p:nvSpPr>
         <p:spPr>
           <a:xfrm>
-            <a:off x="495150" y="4413248"/>
-            <a:ext cx="11562527" cy="927101"/>
+            <a:off x="3774461" y="4078816"/>
+            <a:ext cx="5455879" cy="927101"/>
           </a:xfrm>
           <a:prstGeom prst="rect">
             <a:avLst/>
@@ -13157,7 +13270,7 @@
           </a:ln>
           <a:extLst>
             <a:ext uri="{C572A759-6A51-4108-AA02-DFA0A04FC94B}">
-              <ma14:wrappingTextBoxFlag xmlns="" xmlns:ma14="http://schemas.microsoft.com/office/mac/drawingml/2011/main" val="1"/>
+              <ma14:wrappingTextBoxFlag xmlns:ma14="http://schemas.microsoft.com/office/mac/drawingml/2011/main" xmlns="" val="1"/>
             </a:ext>
           </a:extLst>
         </p:spPr>
@@ -13165,9 +13278,8 @@
           <a:bodyPr lIns="50800" tIns="50800" rIns="50800" bIns="50800" anchor="ctr">
             <a:spAutoFit/>
           </a:bodyPr>
-          <a:lstStyle/>
-          <a:p>
-            <a:pPr>
+          <a:lstStyle>
+            <a:lvl1pPr>
               <a:defRPr sz="5400">
                 <a:solidFill>
                   <a:srgbClr val="838787"/>
@@ -13177,20 +13289,11 @@
                 <a:cs typeface="Anonymous Pro for Powerline"/>
                 <a:sym typeface="Anonymous Pro for Powerline"/>
               </a:defRPr>
-            </a:pPr>
-            <a:r>
-              <a:t>[start_index:end_index:</a:t>
-            </a:r>
-            <a:r>
-              <a:rPr>
-                <a:solidFill>
-                  <a:schemeClr val="accent3"/>
-                </a:solidFill>
-              </a:rPr>
-              <a:t>step</a:t>
-            </a:r>
-            <a:r>
-              <a:t>]</a:t>
+            </a:lvl1pPr>
+          </a:lstStyle>
+          <a:p>
+            <a:r>
+              <a:t>my_string[2:]</a:t>
             </a:r>
           </a:p>
         </p:txBody>
@@ -13223,7 +13326,7 @@
       </p:grpSpPr>
       <p:sp>
         <p:nvSpPr>
-          <p:cNvPr id="432" name="Shape 432"/>
+          <p:cNvPr id="426" name="Shape 426"/>
           <p:cNvSpPr>
             <a:spLocks noGrp="1"/>
           </p:cNvSpPr>
@@ -13259,13 +13362,13 @@
       </p:sp>
       <p:sp>
         <p:nvSpPr>
-          <p:cNvPr id="433" name="Shape 433"/>
+          <p:cNvPr id="427" name="Shape 427"/>
           <p:cNvSpPr/>
           <p:nvPr/>
         </p:nvSpPr>
         <p:spPr>
           <a:xfrm>
-            <a:off x="925828" y="4413248"/>
+            <a:off x="495150" y="4413248"/>
             <a:ext cx="11562527" cy="927101"/>
           </a:xfrm>
           <a:prstGeom prst="rect">
@@ -13276,7 +13379,7 @@
           </a:ln>
           <a:extLst>
             <a:ext uri="{C572A759-6A51-4108-AA02-DFA0A04FC94B}">
-              <ma14:wrappingTextBoxFlag xmlns="" xmlns:ma14="http://schemas.microsoft.com/office/mac/drawingml/2011/main" val="1"/>
+              <ma14:wrappingTextBoxFlag xmlns:ma14="http://schemas.microsoft.com/office/mac/drawingml/2011/main" xmlns="" val="1"/>
             </a:ext>
           </a:extLst>
         </p:spPr>
@@ -13298,110 +13401,52 @@
               </a:defRPr>
             </a:pPr>
             <a:r>
-              <a:t>my_list[::</a:t>
-            </a:r>
-            <a:r>
-              <a:rPr>
+              <a:rPr dirty="0"/>
+              <a:t>[</a:t>
+            </a:r>
+            <a:r>
+              <a:rPr dirty="0" err="1"/>
+              <a:t>start_index</a:t>
+            </a:r>
+            <a:r>
+              <a:rPr lang="en-US" dirty="0"/>
+              <a:t> </a:t>
+            </a:r>
+            <a:r>
+              <a:rPr dirty="0"/>
+              <a:t>:</a:t>
+            </a:r>
+            <a:r>
+              <a:rPr lang="en-US" dirty="0"/>
+              <a:t> </a:t>
+            </a:r>
+            <a:r>
+              <a:rPr dirty="0" err="1"/>
+              <a:t>end_index</a:t>
+            </a:r>
+            <a:r>
+              <a:rPr lang="en-US" dirty="0"/>
+              <a:t> </a:t>
+            </a:r>
+            <a:r>
+              <a:rPr dirty="0"/>
+              <a:t>:</a:t>
+            </a:r>
+            <a:r>
+              <a:rPr lang="en-US" dirty="0"/>
+              <a:t> </a:t>
+            </a:r>
+            <a:r>
+              <a:rPr dirty="0">
                 <a:solidFill>
                   <a:schemeClr val="accent3"/>
                 </a:solidFill>
               </a:rPr>
-              <a:t>2</a:t>
-            </a:r>
-            <a:r>
+              <a:t>step</a:t>
+            </a:r>
+            <a:r>
+              <a:rPr dirty="0"/>
               <a:t>]</a:t>
-            </a:r>
-          </a:p>
-        </p:txBody>
-      </p:sp>
-      <p:sp>
-        <p:nvSpPr>
-          <p:cNvPr id="434" name="Shape 434"/>
-          <p:cNvSpPr/>
-          <p:nvPr/>
-        </p:nvSpPr>
-        <p:spPr>
-          <a:xfrm rot="21591301">
-            <a:off x="686250" y="6138652"/>
-            <a:ext cx="1620785" cy="518253"/>
-          </a:xfrm>
-          <a:prstGeom prst="rightArrow">
-            <a:avLst>
-              <a:gd name="adj1" fmla="val 34174"/>
-              <a:gd name="adj2" fmla="val 145948"/>
-            </a:avLst>
-          </a:prstGeom>
-          <a:solidFill>
-            <a:schemeClr val="accent5"/>
-          </a:solidFill>
-          <a:ln w="12700">
-            <a:miter lim="400000"/>
-          </a:ln>
-        </p:spPr>
-        <p:txBody>
-          <a:bodyPr lIns="50800" tIns="50800" rIns="50800" bIns="50800" anchor="ctr"/>
-          <a:lstStyle/>
-          <a:p>
-            <a:pPr algn="ctr">
-              <a:lnSpc>
-                <a:spcPct val="80000"/>
-              </a:lnSpc>
-              <a:spcBef>
-                <a:spcPts val="0"/>
-              </a:spcBef>
-              <a:defRPr sz="2800" cap="all">
-                <a:solidFill>
-                  <a:srgbClr val="FFFFFF"/>
-                </a:solidFill>
-              </a:defRPr>
-            </a:pPr>
-            <a:endParaRPr/>
-          </a:p>
-        </p:txBody>
-      </p:sp>
-      <p:sp>
-        <p:nvSpPr>
-          <p:cNvPr id="435" name="Shape 435"/>
-          <p:cNvSpPr/>
-          <p:nvPr/>
-        </p:nvSpPr>
-        <p:spPr>
-          <a:xfrm>
-            <a:off x="2506542" y="5826141"/>
-            <a:ext cx="6538723" cy="1143001"/>
-          </a:xfrm>
-          <a:prstGeom prst="rect">
-            <a:avLst/>
-          </a:prstGeom>
-          <a:ln w="12700">
-            <a:miter lim="400000"/>
-          </a:ln>
-          <a:extLst>
-            <a:ext uri="{C572A759-6A51-4108-AA02-DFA0A04FC94B}">
-              <ma14:wrappingTextBoxFlag xmlns="" xmlns:ma14="http://schemas.microsoft.com/office/mac/drawingml/2011/main" val="1"/>
-            </a:ext>
-          </a:extLst>
-        </p:spPr>
-        <p:txBody>
-          <a:bodyPr wrap="none" lIns="50800" tIns="50800" rIns="50800" bIns="50800" anchor="ctr">
-            <a:spAutoFit/>
-          </a:bodyPr>
-          <a:lstStyle>
-            <a:lvl1pPr>
-              <a:defRPr sz="6000">
-                <a:solidFill>
-                  <a:schemeClr val="accent5"/>
-                </a:solidFill>
-                <a:latin typeface="Avenir Next Medium"/>
-                <a:ea typeface="Avenir Next Medium"/>
-                <a:cs typeface="Avenir Next Medium"/>
-                <a:sym typeface="Avenir Next Medium"/>
-              </a:defRPr>
-            </a:lvl1pPr>
-          </a:lstStyle>
-          <a:p>
-            <a:r>
-              <a:t>even # items in list</a:t>
             </a:r>
           </a:p>
         </p:txBody>
@@ -13533,7 +13578,7 @@
       </p:grpSpPr>
       <p:sp>
         <p:nvSpPr>
-          <p:cNvPr id="440" name="Shape 440"/>
+          <p:cNvPr id="432" name="Shape 432"/>
           <p:cNvSpPr>
             <a:spLocks noGrp="1"/>
           </p:cNvSpPr>
@@ -13569,7 +13614,7 @@
       </p:sp>
       <p:sp>
         <p:nvSpPr>
-          <p:cNvPr id="441" name="Shape 441"/>
+          <p:cNvPr id="433" name="Shape 433"/>
           <p:cNvSpPr/>
           <p:nvPr/>
         </p:nvSpPr>
@@ -13586,7 +13631,7 @@
           </a:ln>
           <a:extLst>
             <a:ext uri="{C572A759-6A51-4108-AA02-DFA0A04FC94B}">
-              <ma14:wrappingTextBoxFlag xmlns="" xmlns:ma14="http://schemas.microsoft.com/office/mac/drawingml/2011/main" val="1"/>
+              <ma14:wrappingTextBoxFlag xmlns:ma14="http://schemas.microsoft.com/office/mac/drawingml/2011/main" xmlns="" val="1"/>
             </a:ext>
           </a:extLst>
         </p:spPr>
@@ -13608,18 +13653,7 @@
               </a:defRPr>
             </a:pPr>
             <a:r>
-              <a:t>my_list[</a:t>
-            </a:r>
-            <a:r>
-              <a:rPr>
-                <a:solidFill>
-                  <a:schemeClr val="accent3"/>
-                </a:solidFill>
-              </a:rPr>
-              <a:t>1</a:t>
-            </a:r>
-            <a:r>
-              <a:t>::</a:t>
+              <a:t>my_list[::</a:t>
             </a:r>
             <a:r>
               <a:rPr>
@@ -13637,7 +13671,7 @@
       </p:sp>
       <p:sp>
         <p:nvSpPr>
-          <p:cNvPr id="442" name="Shape 442"/>
+          <p:cNvPr id="434" name="Shape 434"/>
           <p:cNvSpPr/>
           <p:nvPr/>
         </p:nvSpPr>
@@ -13682,14 +13716,14 @@
       </p:sp>
       <p:sp>
         <p:nvSpPr>
-          <p:cNvPr id="443" name="Shape 443"/>
+          <p:cNvPr id="435" name="Shape 435"/>
           <p:cNvSpPr/>
           <p:nvPr/>
         </p:nvSpPr>
         <p:spPr>
           <a:xfrm>
             <a:off x="2506542" y="5826141"/>
-            <a:ext cx="6270499" cy="1143001"/>
+            <a:ext cx="6538723" cy="1143001"/>
           </a:xfrm>
           <a:prstGeom prst="rect">
             <a:avLst/>
@@ -13699,7 +13733,7 @@
           </a:ln>
           <a:extLst>
             <a:ext uri="{C572A759-6A51-4108-AA02-DFA0A04FC94B}">
-              <ma14:wrappingTextBoxFlag xmlns="" xmlns:ma14="http://schemas.microsoft.com/office/mac/drawingml/2011/main" val="1"/>
+              <ma14:wrappingTextBoxFlag xmlns:ma14="http://schemas.microsoft.com/office/mac/drawingml/2011/main" xmlns="" val="1"/>
             </a:ext>
           </a:extLst>
         </p:spPr>
@@ -13722,7 +13756,7 @@
           </a:lstStyle>
           <a:p>
             <a:r>
-              <a:t>odd # items in list</a:t>
+              <a:t>even # items in list</a:t>
             </a:r>
           </a:p>
         </p:txBody>
@@ -13755,7 +13789,7 @@
       </p:grpSpPr>
       <p:sp>
         <p:nvSpPr>
-          <p:cNvPr id="448" name="Shape 448"/>
+          <p:cNvPr id="440" name="Shape 440"/>
           <p:cNvSpPr>
             <a:spLocks noGrp="1"/>
           </p:cNvSpPr>
@@ -13791,7 +13825,7 @@
       </p:sp>
       <p:sp>
         <p:nvSpPr>
-          <p:cNvPr id="449" name="Shape 449"/>
+          <p:cNvPr id="441" name="Shape 441"/>
           <p:cNvSpPr/>
           <p:nvPr/>
         </p:nvSpPr>
@@ -13808,7 +13842,7 @@
           </a:ln>
           <a:extLst>
             <a:ext uri="{C572A759-6A51-4108-AA02-DFA0A04FC94B}">
-              <ma14:wrappingTextBoxFlag xmlns="" xmlns:ma14="http://schemas.microsoft.com/office/mac/drawingml/2011/main" val="1"/>
+              <ma14:wrappingTextBoxFlag xmlns:ma14="http://schemas.microsoft.com/office/mac/drawingml/2011/main" xmlns="" val="1"/>
             </a:ext>
           </a:extLst>
         </p:spPr>
@@ -13830,7 +13864,7 @@
               </a:defRPr>
             </a:pPr>
             <a:r>
-              <a:t>my_list[::</a:t>
+              <a:t>my_list[</a:t>
             </a:r>
             <a:r>
               <a:rPr>
@@ -13838,7 +13872,18 @@
                   <a:schemeClr val="accent3"/>
                 </a:solidFill>
               </a:rPr>
-              <a:t>-1</a:t>
+              <a:t>1</a:t>
+            </a:r>
+            <a:r>
+              <a:t>::</a:t>
+            </a:r>
+            <a:r>
+              <a:rPr>
+                <a:solidFill>
+                  <a:schemeClr val="accent3"/>
+                </a:solidFill>
+              </a:rPr>
+              <a:t>2</a:t>
             </a:r>
             <a:r>
               <a:t>]</a:t>
@@ -13848,7 +13893,7 @@
       </p:sp>
       <p:sp>
         <p:nvSpPr>
-          <p:cNvPr id="450" name="Shape 450"/>
+          <p:cNvPr id="442" name="Shape 442"/>
           <p:cNvSpPr/>
           <p:nvPr/>
         </p:nvSpPr>
@@ -13893,14 +13938,14 @@
       </p:sp>
       <p:sp>
         <p:nvSpPr>
-          <p:cNvPr id="451" name="Shape 451"/>
+          <p:cNvPr id="443" name="Shape 443"/>
           <p:cNvSpPr/>
           <p:nvPr/>
         </p:nvSpPr>
         <p:spPr>
           <a:xfrm>
             <a:off x="2506542" y="5826141"/>
-            <a:ext cx="3859531" cy="1143001"/>
+            <a:ext cx="6270499" cy="1143001"/>
           </a:xfrm>
           <a:prstGeom prst="rect">
             <a:avLst/>
@@ -13910,7 +13955,7 @@
           </a:ln>
           <a:extLst>
             <a:ext uri="{C572A759-6A51-4108-AA02-DFA0A04FC94B}">
-              <ma14:wrappingTextBoxFlag xmlns="" xmlns:ma14="http://schemas.microsoft.com/office/mac/drawingml/2011/main" val="1"/>
+              <ma14:wrappingTextBoxFlag xmlns:ma14="http://schemas.microsoft.com/office/mac/drawingml/2011/main" xmlns="" val="1"/>
             </a:ext>
           </a:extLst>
         </p:spPr>
@@ -13933,7 +13978,7 @@
           </a:lstStyle>
           <a:p>
             <a:r>
-              <a:t>reverse list</a:t>
+              <a:t>odd # items in list</a:t>
             </a:r>
           </a:p>
         </p:txBody>
@@ -13966,7 +14011,7 @@
       </p:grpSpPr>
       <p:sp>
         <p:nvSpPr>
-          <p:cNvPr id="453" name="Shape 453"/>
+          <p:cNvPr id="448" name="Shape 448"/>
           <p:cNvSpPr>
             <a:spLocks noGrp="1"/>
           </p:cNvSpPr>
@@ -13976,8 +14021,8 @@
         </p:nvSpPr>
         <p:spPr>
           <a:xfrm>
-            <a:off x="2802101" y="4038600"/>
-            <a:ext cx="7400598" cy="4521200"/>
+            <a:off x="406400" y="1536700"/>
+            <a:ext cx="12192000" cy="1169261"/>
           </a:xfrm>
           <a:prstGeom prst="rect">
             <a:avLst/>
@@ -13985,10 +14030,166 @@
         </p:spPr>
         <p:txBody>
           <a:bodyPr/>
+          <a:lstStyle>
+            <a:lvl1pPr defTabSz="403097">
+              <a:spcBef>
+                <a:spcPts val="1900"/>
+              </a:spcBef>
+              <a:defRPr sz="8200"/>
+            </a:lvl1pPr>
+          </a:lstStyle>
+          <a:p>
+            <a:r>
+              <a:t>Slice: step</a:t>
+            </a:r>
+          </a:p>
+        </p:txBody>
+      </p:sp>
+      <p:sp>
+        <p:nvSpPr>
+          <p:cNvPr id="449" name="Shape 449"/>
+          <p:cNvSpPr/>
+          <p:nvPr/>
+        </p:nvSpPr>
+        <p:spPr>
+          <a:xfrm>
+            <a:off x="925828" y="4413248"/>
+            <a:ext cx="11562527" cy="927101"/>
+          </a:xfrm>
+          <a:prstGeom prst="rect">
+            <a:avLst/>
+          </a:prstGeom>
+          <a:ln w="12700">
+            <a:miter lim="400000"/>
+          </a:ln>
+          <a:extLst>
+            <a:ext uri="{C572A759-6A51-4108-AA02-DFA0A04FC94B}">
+              <ma14:wrappingTextBoxFlag xmlns:ma14="http://schemas.microsoft.com/office/mac/drawingml/2011/main" xmlns="" val="1"/>
+            </a:ext>
+          </a:extLst>
+        </p:spPr>
+        <p:txBody>
+          <a:bodyPr lIns="50800" tIns="50800" rIns="50800" bIns="50800" anchor="ctr">
+            <a:spAutoFit/>
+          </a:bodyPr>
           <a:lstStyle/>
           <a:p>
-            <a:r>
-              <a:t>Exercises</a:t>
+            <a:pPr>
+              <a:defRPr sz="5400">
+                <a:solidFill>
+                  <a:srgbClr val="838787"/>
+                </a:solidFill>
+                <a:latin typeface="Anonymous Pro for Powerline"/>
+                <a:ea typeface="Anonymous Pro for Powerline"/>
+                <a:cs typeface="Anonymous Pro for Powerline"/>
+                <a:sym typeface="Anonymous Pro for Powerline"/>
+              </a:defRPr>
+            </a:pPr>
+            <a:r>
+              <a:t>my_list[::</a:t>
+            </a:r>
+            <a:r>
+              <a:rPr>
+                <a:solidFill>
+                  <a:schemeClr val="accent3"/>
+                </a:solidFill>
+              </a:rPr>
+              <a:t>-1</a:t>
+            </a:r>
+            <a:r>
+              <a:t>]</a:t>
+            </a:r>
+          </a:p>
+        </p:txBody>
+      </p:sp>
+      <p:sp>
+        <p:nvSpPr>
+          <p:cNvPr id="450" name="Shape 450"/>
+          <p:cNvSpPr/>
+          <p:nvPr/>
+        </p:nvSpPr>
+        <p:spPr>
+          <a:xfrm rot="21591301">
+            <a:off x="686250" y="6138652"/>
+            <a:ext cx="1620785" cy="518253"/>
+          </a:xfrm>
+          <a:prstGeom prst="rightArrow">
+            <a:avLst>
+              <a:gd name="adj1" fmla="val 34174"/>
+              <a:gd name="adj2" fmla="val 145948"/>
+            </a:avLst>
+          </a:prstGeom>
+          <a:solidFill>
+            <a:schemeClr val="accent5"/>
+          </a:solidFill>
+          <a:ln w="12700">
+            <a:miter lim="400000"/>
+          </a:ln>
+        </p:spPr>
+        <p:txBody>
+          <a:bodyPr lIns="50800" tIns="50800" rIns="50800" bIns="50800" anchor="ctr"/>
+          <a:lstStyle/>
+          <a:p>
+            <a:pPr algn="ctr">
+              <a:lnSpc>
+                <a:spcPct val="80000"/>
+              </a:lnSpc>
+              <a:spcBef>
+                <a:spcPts val="0"/>
+              </a:spcBef>
+              <a:defRPr sz="2800" cap="all">
+                <a:solidFill>
+                  <a:srgbClr val="FFFFFF"/>
+                </a:solidFill>
+              </a:defRPr>
+            </a:pPr>
+            <a:endParaRPr/>
+          </a:p>
+        </p:txBody>
+      </p:sp>
+      <p:sp>
+        <p:nvSpPr>
+          <p:cNvPr id="451" name="Shape 451"/>
+          <p:cNvSpPr/>
+          <p:nvPr/>
+        </p:nvSpPr>
+        <p:spPr>
+          <a:xfrm>
+            <a:off x="2506542" y="5826141"/>
+            <a:ext cx="3859531" cy="1143001"/>
+          </a:xfrm>
+          <a:prstGeom prst="rect">
+            <a:avLst/>
+          </a:prstGeom>
+          <a:ln w="12700">
+            <a:miter lim="400000"/>
+          </a:ln>
+          <a:extLst>
+            <a:ext uri="{C572A759-6A51-4108-AA02-DFA0A04FC94B}">
+              <ma14:wrappingTextBoxFlag xmlns:ma14="http://schemas.microsoft.com/office/mac/drawingml/2011/main" xmlns="" val="1"/>
+            </a:ext>
+          </a:extLst>
+        </p:spPr>
+        <p:txBody>
+          <a:bodyPr wrap="none" lIns="50800" tIns="50800" rIns="50800" bIns="50800" anchor="ctr">
+            <a:spAutoFit/>
+          </a:bodyPr>
+          <a:lstStyle>
+            <a:lvl1pPr>
+              <a:defRPr sz="6000">
+                <a:solidFill>
+                  <a:schemeClr val="accent5"/>
+                </a:solidFill>
+                <a:latin typeface="Avenir Next Medium"/>
+                <a:ea typeface="Avenir Next Medium"/>
+                <a:cs typeface="Avenir Next Medium"/>
+                <a:sym typeface="Avenir Next Medium"/>
+              </a:defRPr>
+            </a:lvl1pPr>
+          </a:lstStyle>
+          <a:p>
+            <a:r>
+              <a:t>reverse list</a:t>
             </a:r>
           </a:p>
         </p:txBody>
@@ -14021,7 +14222,7 @@
       </p:grpSpPr>
       <p:sp>
         <p:nvSpPr>
-          <p:cNvPr id="455" name="Shape 455"/>
+          <p:cNvPr id="453" name="Shape 453"/>
           <p:cNvSpPr>
             <a:spLocks noGrp="1"/>
           </p:cNvSpPr>
@@ -14029,54 +14230,21 @@
             <p:ph type="title"/>
           </p:nvPr>
         </p:nvSpPr>
-        <p:spPr/>
-        <p:txBody>
-          <a:bodyPr>
-            <a:normAutofit fontScale="90000"/>
-          </a:bodyPr>
-          <a:lstStyle>
-            <a:lvl1pPr>
-              <a:defRPr sz="7000"/>
-            </a:lvl1pPr>
-          </a:lstStyle>
-          <a:p>
-            <a:r>
-              <a:rPr lang="en-US"/>
-              <a:t>Values: What kinds ARE THERE?</a:t>
-            </a:r>
-          </a:p>
-        </p:txBody>
-      </p:sp>
-      <p:sp>
-        <p:nvSpPr>
-          <p:cNvPr id="456" name="Shape 456"/>
-          <p:cNvSpPr>
-            <a:spLocks noGrp="1"/>
-          </p:cNvSpPr>
-          <p:nvPr>
-            <p:ph type="body" idx="10"/>
-          </p:nvPr>
-        </p:nvSpPr>
-        <p:spPr/>
+        <p:spPr>
+          <a:xfrm>
+            <a:off x="2802101" y="4038600"/>
+            <a:ext cx="7400598" cy="4521200"/>
+          </a:xfrm>
+          <a:prstGeom prst="rect">
+            <a:avLst/>
+          </a:prstGeom>
+        </p:spPr>
         <p:txBody>
           <a:bodyPr/>
           <a:lstStyle/>
           <a:p>
             <a:r>
-              <a:rPr lang="en-US"/>
-              <a:t>Int</a:t>
-            </a:r>
-          </a:p>
-          <a:p>
-            <a:r>
-              <a:rPr lang="en-US"/>
-              <a:t>Float</a:t>
-            </a:r>
-          </a:p>
-          <a:p>
-            <a:r>
-              <a:rPr lang="en-US"/>
-              <a:t>String</a:t>
+              <a:t>Exercises</a:t>
             </a:r>
           </a:p>
         </p:txBody>
@@ -14109,7 +14277,7 @@
       </p:grpSpPr>
       <p:sp>
         <p:nvSpPr>
-          <p:cNvPr id="458" name="Shape 458"/>
+          <p:cNvPr id="455" name="Shape 455"/>
           <p:cNvSpPr>
             <a:spLocks noGrp="1"/>
           </p:cNvSpPr>
@@ -14117,17 +14285,11 @@
             <p:ph type="title"/>
           </p:nvPr>
         </p:nvSpPr>
-        <p:spPr>
-          <a:xfrm>
-            <a:off x="406400" y="1536700"/>
-            <a:ext cx="12192000" cy="999530"/>
-          </a:xfrm>
-          <a:prstGeom prst="rect">
-            <a:avLst/>
-          </a:prstGeom>
-        </p:spPr>
-        <p:txBody>
-          <a:bodyPr/>
+        <p:spPr/>
+        <p:txBody>
+          <a:bodyPr>
+            <a:normAutofit fontScale="90000"/>
+          </a:bodyPr>
           <a:lstStyle>
             <a:lvl1pPr>
               <a:defRPr sz="7000"/>
@@ -14135,139 +14297,43 @@
           </a:lstStyle>
           <a:p>
             <a:r>
-              <a:t>Mixing data types</a:t>
-            </a:r>
-          </a:p>
-        </p:txBody>
-      </p:sp>
-      <p:sp>
-        <p:nvSpPr>
-          <p:cNvPr id="459" name="Shape 459"/>
-          <p:cNvSpPr/>
-          <p:nvPr/>
-        </p:nvSpPr>
-        <p:spPr>
-          <a:xfrm>
-            <a:off x="556366" y="4260848"/>
-            <a:ext cx="11454712" cy="927101"/>
-          </a:xfrm>
-          <a:prstGeom prst="rect">
-            <a:avLst/>
-          </a:prstGeom>
-          <a:ln w="12700">
-            <a:miter lim="400000"/>
-          </a:ln>
-          <a:extLst>
-            <a:ext uri="{C572A759-6A51-4108-AA02-DFA0A04FC94B}">
-              <ma14:wrappingTextBoxFlag xmlns="" xmlns:ma14="http://schemas.microsoft.com/office/mac/drawingml/2011/main" val="1"/>
-            </a:ext>
-          </a:extLst>
-        </p:spPr>
-        <p:txBody>
-          <a:bodyPr lIns="50800" tIns="50800" rIns="50800" bIns="50800" anchor="ctr">
-            <a:spAutoFit/>
-          </a:bodyPr>
-          <a:lstStyle>
-            <a:lvl1pPr>
-              <a:defRPr sz="5400">
-                <a:solidFill>
-                  <a:srgbClr val="838787"/>
-                </a:solidFill>
-                <a:latin typeface="Anonymous Pro for Powerline"/>
-                <a:ea typeface="Anonymous Pro for Powerline"/>
-                <a:cs typeface="Anonymous Pro for Powerline"/>
-                <a:sym typeface="Anonymous Pro for Powerline"/>
-              </a:defRPr>
-            </a:lvl1pPr>
-          </a:lstStyle>
-          <a:p>
-            <a:r>
-              <a:t>1 + 7.0 = 8.0</a:t>
-            </a:r>
-          </a:p>
-        </p:txBody>
-      </p:sp>
-      <p:sp>
-        <p:nvSpPr>
-          <p:cNvPr id="460" name="Shape 460"/>
-          <p:cNvSpPr/>
-          <p:nvPr/>
-        </p:nvSpPr>
-        <p:spPr>
-          <a:xfrm rot="18546354">
-            <a:off x="6693316" y="4412248"/>
-            <a:ext cx="157389" cy="717637"/>
-          </a:xfrm>
-          <a:prstGeom prst="rect">
-            <a:avLst/>
-          </a:prstGeom>
-          <a:solidFill>
-            <a:schemeClr val="accent3"/>
-          </a:solidFill>
-          <a:ln w="12700">
-            <a:miter lim="400000"/>
-          </a:ln>
-        </p:spPr>
-        <p:txBody>
-          <a:bodyPr lIns="50800" tIns="50800" rIns="50800" bIns="50800" anchor="ctr"/>
+              <a:rPr lang="en-US"/>
+              <a:t>Values: What kinds ARE THERE?</a:t>
+            </a:r>
+          </a:p>
+        </p:txBody>
+      </p:sp>
+      <p:sp>
+        <p:nvSpPr>
+          <p:cNvPr id="456" name="Shape 456"/>
+          <p:cNvSpPr>
+            <a:spLocks noGrp="1"/>
+          </p:cNvSpPr>
+          <p:nvPr>
+            <p:ph type="body" idx="10"/>
+          </p:nvPr>
+        </p:nvSpPr>
+        <p:spPr/>
+        <p:txBody>
+          <a:bodyPr/>
           <a:lstStyle/>
           <a:p>
-            <a:pPr algn="ctr">
-              <a:lnSpc>
-                <a:spcPct val="80000"/>
-              </a:lnSpc>
-              <a:spcBef>
-                <a:spcPts val="0"/>
-              </a:spcBef>
-              <a:defRPr sz="2800" cap="all">
-                <a:solidFill>
-                  <a:srgbClr val="FFFFFF"/>
-                </a:solidFill>
-              </a:defRPr>
-            </a:pPr>
-            <a:endParaRPr/>
-          </a:p>
-        </p:txBody>
-      </p:sp>
-      <p:sp>
-        <p:nvSpPr>
-          <p:cNvPr id="461" name="Shape 461"/>
-          <p:cNvSpPr/>
-          <p:nvPr/>
-        </p:nvSpPr>
-        <p:spPr>
-          <a:xfrm rot="2624366">
-            <a:off x="7299697" y="3930634"/>
-            <a:ext cx="170442" cy="1227898"/>
-          </a:xfrm>
-          <a:prstGeom prst="rect">
-            <a:avLst/>
-          </a:prstGeom>
-          <a:solidFill>
-            <a:schemeClr val="accent3"/>
-          </a:solidFill>
-          <a:ln w="12700">
-            <a:miter lim="400000"/>
-          </a:ln>
-        </p:spPr>
-        <p:txBody>
-          <a:bodyPr lIns="50800" tIns="50800" rIns="50800" bIns="50800" anchor="ctr"/>
-          <a:lstStyle/>
-          <a:p>
-            <a:pPr algn="ctr">
-              <a:lnSpc>
-                <a:spcPct val="80000"/>
-              </a:lnSpc>
-              <a:spcBef>
-                <a:spcPts val="0"/>
-              </a:spcBef>
-              <a:defRPr sz="2800" cap="all">
-                <a:solidFill>
-                  <a:srgbClr val="FFFFFF"/>
-                </a:solidFill>
-              </a:defRPr>
-            </a:pPr>
-            <a:endParaRPr/>
+            <a:r>
+              <a:rPr lang="en-US"/>
+              <a:t>Int</a:t>
+            </a:r>
+          </a:p>
+          <a:p>
+            <a:r>
+              <a:rPr lang="en-US"/>
+              <a:t>Float</a:t>
+            </a:r>
+          </a:p>
+          <a:p>
+            <a:r>
+              <a:rPr lang="en-US"/>
+              <a:t>String</a:t>
+            </a:r>
           </a:p>
         </p:txBody>
       </p:sp>
@@ -14299,7 +14365,7 @@
       </p:grpSpPr>
       <p:sp>
         <p:nvSpPr>
-          <p:cNvPr id="463" name="Shape 463"/>
+          <p:cNvPr id="458" name="Shape 458"/>
           <p:cNvSpPr>
             <a:spLocks noGrp="1"/>
           </p:cNvSpPr>
@@ -14332,7 +14398,7 @@
       </p:sp>
       <p:sp>
         <p:nvSpPr>
-          <p:cNvPr id="464" name="Shape 464"/>
+          <p:cNvPr id="459" name="Shape 459"/>
           <p:cNvSpPr/>
           <p:nvPr/>
         </p:nvSpPr>
@@ -14349,7 +14415,7 @@
           </a:ln>
           <a:extLst>
             <a:ext uri="{C572A759-6A51-4108-AA02-DFA0A04FC94B}">
-              <ma14:wrappingTextBoxFlag xmlns="" xmlns:ma14="http://schemas.microsoft.com/office/mac/drawingml/2011/main" val="1"/>
+              <ma14:wrappingTextBoxFlag xmlns:ma14="http://schemas.microsoft.com/office/mac/drawingml/2011/main" xmlns="" val="1"/>
             </a:ext>
           </a:extLst>
         </p:spPr>
@@ -14372,20 +14438,14 @@
           </a:lstStyle>
           <a:p>
             <a:r>
-              <a:rPr dirty="0"/>
-              <a:t>1 + 7.0 = 8.</a:t>
-            </a:r>
-            <a:r>
-              <a:rPr lang="en-US" dirty="0"/>
-              <a:t>0</a:t>
-            </a:r>
-            <a:endParaRPr dirty="0"/>
-          </a:p>
-        </p:txBody>
-      </p:sp>
-      <p:sp>
-        <p:nvSpPr>
-          <p:cNvPr id="465" name="Shape 465"/>
+              <a:t>1 + 7.0 = 8.0</a:t>
+            </a:r>
+          </a:p>
+        </p:txBody>
+      </p:sp>
+      <p:sp>
+        <p:nvSpPr>
+          <p:cNvPr id="460" name="Shape 460"/>
           <p:cNvSpPr/>
           <p:nvPr/>
         </p:nvSpPr>
@@ -14427,7 +14487,7 @@
       </p:sp>
       <p:sp>
         <p:nvSpPr>
-          <p:cNvPr id="466" name="Shape 466"/>
+          <p:cNvPr id="461" name="Shape 461"/>
           <p:cNvSpPr/>
           <p:nvPr/>
         </p:nvSpPr>
@@ -14441,153 +14501,6 @@
           </a:prstGeom>
           <a:solidFill>
             <a:schemeClr val="accent3"/>
-          </a:solidFill>
-          <a:ln w="12700">
-            <a:miter lim="400000"/>
-          </a:ln>
-        </p:spPr>
-        <p:txBody>
-          <a:bodyPr lIns="50800" tIns="50800" rIns="50800" bIns="50800" anchor="ctr"/>
-          <a:lstStyle/>
-          <a:p>
-            <a:pPr algn="ctr">
-              <a:lnSpc>
-                <a:spcPct val="80000"/>
-              </a:lnSpc>
-              <a:spcBef>
-                <a:spcPts val="0"/>
-              </a:spcBef>
-              <a:defRPr sz="2800" cap="all">
-                <a:solidFill>
-                  <a:srgbClr val="FFFFFF"/>
-                </a:solidFill>
-              </a:defRPr>
-            </a:pPr>
-            <a:endParaRPr/>
-          </a:p>
-        </p:txBody>
-      </p:sp>
-      <p:sp>
-        <p:nvSpPr>
-          <p:cNvPr id="467" name="Shape 467"/>
-          <p:cNvSpPr/>
-          <p:nvPr/>
-        </p:nvSpPr>
-        <p:spPr>
-          <a:xfrm>
-            <a:off x="556366" y="5691716"/>
-            <a:ext cx="11454712" cy="927101"/>
-          </a:xfrm>
-          <a:prstGeom prst="rect">
-            <a:avLst/>
-          </a:prstGeom>
-          <a:ln w="12700">
-            <a:miter lim="400000"/>
-          </a:ln>
-          <a:extLst>
-            <a:ext uri="{C572A759-6A51-4108-AA02-DFA0A04FC94B}">
-              <ma14:wrappingTextBoxFlag xmlns="" xmlns:ma14="http://schemas.microsoft.com/office/mac/drawingml/2011/main" val="1"/>
-            </a:ext>
-          </a:extLst>
-        </p:spPr>
-        <p:txBody>
-          <a:bodyPr lIns="50800" tIns="50800" rIns="50800" bIns="50800" anchor="ctr">
-            <a:spAutoFit/>
-          </a:bodyPr>
-          <a:lstStyle/>
-          <a:p>
-            <a:pPr>
-              <a:defRPr sz="5400">
-                <a:solidFill>
-                  <a:srgbClr val="838787"/>
-                </a:solidFill>
-                <a:latin typeface="Anonymous Pro for Powerline"/>
-                <a:ea typeface="Anonymous Pro for Powerline"/>
-                <a:cs typeface="Anonymous Pro for Powerline"/>
-                <a:sym typeface="Anonymous Pro for Powerline"/>
-              </a:defRPr>
-            </a:pPr>
-            <a:r>
-              <a:rPr dirty="0"/>
-              <a:t>1</a:t>
-            </a:r>
-            <a:r>
-              <a:rPr lang="en-US" dirty="0"/>
-              <a:t>.0</a:t>
-            </a:r>
-            <a:r>
-              <a:rPr dirty="0"/>
-              <a:t> + “7.0” = </a:t>
-            </a:r>
-            <a:r>
-              <a:rPr dirty="0">
-                <a:solidFill>
-                  <a:schemeClr val="accent5"/>
-                </a:solidFill>
-              </a:rPr>
-              <a:t>error</a:t>
-            </a:r>
-          </a:p>
-        </p:txBody>
-      </p:sp>
-      <p:sp>
-        <p:nvSpPr>
-          <p:cNvPr id="468" name="Shape 468"/>
-          <p:cNvSpPr/>
-          <p:nvPr/>
-        </p:nvSpPr>
-        <p:spPr>
-          <a:xfrm rot="2859210">
-            <a:off x="6922709" y="6142973"/>
-            <a:ext cx="1542640" cy="325931"/>
-          </a:xfrm>
-          <a:prstGeom prst="rect">
-            <a:avLst/>
-          </a:prstGeom>
-          <a:solidFill>
-            <a:schemeClr val="accent5"/>
-          </a:solidFill>
-          <a:ln w="12700">
-            <a:miter lim="400000"/>
-          </a:ln>
-        </p:spPr>
-        <p:txBody>
-          <a:bodyPr lIns="50800" tIns="50800" rIns="50800" bIns="50800" anchor="ctr"/>
-          <a:lstStyle/>
-          <a:p>
-            <a:pPr algn="ctr">
-              <a:lnSpc>
-                <a:spcPct val="80000"/>
-              </a:lnSpc>
-              <a:spcBef>
-                <a:spcPts val="0"/>
-              </a:spcBef>
-              <a:defRPr sz="2800" cap="all">
-                <a:solidFill>
-                  <a:srgbClr val="FFFFFF"/>
-                </a:solidFill>
-              </a:defRPr>
-            </a:pPr>
-            <a:endParaRPr/>
-          </a:p>
-        </p:txBody>
-      </p:sp>
-      <p:sp>
-        <p:nvSpPr>
-          <p:cNvPr id="469" name="Shape 469"/>
-          <p:cNvSpPr/>
-          <p:nvPr/>
-        </p:nvSpPr>
-        <p:spPr>
-          <a:xfrm rot="18911602">
-            <a:off x="6930445" y="6113328"/>
-            <a:ext cx="1597713" cy="310156"/>
-          </a:xfrm>
-          <a:prstGeom prst="rect">
-            <a:avLst/>
-          </a:prstGeom>
-          <a:solidFill>
-            <a:schemeClr val="accent5"/>
           </a:solidFill>
           <a:ln w="12700">
             <a:miter lim="400000"/>
@@ -14642,7 +14555,7 @@
       </p:grpSpPr>
       <p:sp>
         <p:nvSpPr>
-          <p:cNvPr id="471" name="Shape 471"/>
+          <p:cNvPr id="463" name="Shape 463"/>
           <p:cNvSpPr>
             <a:spLocks noGrp="1"/>
           </p:cNvSpPr>
@@ -14675,7 +14588,7 @@
       </p:sp>
       <p:sp>
         <p:nvSpPr>
-          <p:cNvPr id="472" name="Shape 472"/>
+          <p:cNvPr id="464" name="Shape 464"/>
           <p:cNvSpPr/>
           <p:nvPr/>
         </p:nvSpPr>
@@ -14692,7 +14605,7 @@
           </a:ln>
           <a:extLst>
             <a:ext uri="{C572A759-6A51-4108-AA02-DFA0A04FC94B}">
-              <ma14:wrappingTextBoxFlag xmlns="" xmlns:ma14="http://schemas.microsoft.com/office/mac/drawingml/2011/main" val="1"/>
+              <ma14:wrappingTextBoxFlag xmlns:ma14="http://schemas.microsoft.com/office/mac/drawingml/2011/main" xmlns="" val="1"/>
             </a:ext>
           </a:extLst>
         </p:spPr>
@@ -14715,14 +14628,20 @@
           </a:lstStyle>
           <a:p>
             <a:r>
-              <a:t>1 + 7.0 = 8</a:t>
-            </a:r>
-          </a:p>
-        </p:txBody>
-      </p:sp>
-      <p:sp>
-        <p:nvSpPr>
-          <p:cNvPr id="473" name="Shape 473"/>
+              <a:rPr dirty="0"/>
+              <a:t>1 + 7.0 = 8.</a:t>
+            </a:r>
+            <a:r>
+              <a:rPr lang="en-US" dirty="0"/>
+              <a:t>0</a:t>
+            </a:r>
+            <a:endParaRPr dirty="0"/>
+          </a:p>
+        </p:txBody>
+      </p:sp>
+      <p:sp>
+        <p:nvSpPr>
+          <p:cNvPr id="465" name="Shape 465"/>
           <p:cNvSpPr/>
           <p:nvPr/>
         </p:nvSpPr>
@@ -14764,7 +14683,7 @@
       </p:sp>
       <p:sp>
         <p:nvSpPr>
-          <p:cNvPr id="474" name="Shape 474"/>
+          <p:cNvPr id="466" name="Shape 466"/>
           <p:cNvSpPr/>
           <p:nvPr/>
         </p:nvSpPr>
@@ -14806,7 +14725,7 @@
       </p:sp>
       <p:sp>
         <p:nvSpPr>
-          <p:cNvPr id="475" name="Shape 475"/>
+          <p:cNvPr id="467" name="Shape 467"/>
           <p:cNvSpPr/>
           <p:nvPr/>
         </p:nvSpPr>
@@ -14823,7 +14742,7 @@
           </a:ln>
           <a:extLst>
             <a:ext uri="{C572A759-6A51-4108-AA02-DFA0A04FC94B}">
-              <ma14:wrappingTextBoxFlag xmlns="" xmlns:ma14="http://schemas.microsoft.com/office/mac/drawingml/2011/main" val="1"/>
+              <ma14:wrappingTextBoxFlag xmlns:ma14="http://schemas.microsoft.com/office/mac/drawingml/2011/main" xmlns="" val="1"/>
             </a:ext>
           </a:extLst>
         </p:spPr>
@@ -14831,8 +14750,9 @@
           <a:bodyPr lIns="50800" tIns="50800" rIns="50800" bIns="50800" anchor="ctr">
             <a:spAutoFit/>
           </a:bodyPr>
-          <a:lstStyle>
-            <a:lvl1pPr>
+          <a:lstStyle/>
+          <a:p>
+            <a:pPr>
               <a:defRPr sz="5400">
                 <a:solidFill>
                   <a:srgbClr val="838787"/>
@@ -14842,9 +14762,7 @@
                 <a:cs typeface="Anonymous Pro for Powerline"/>
                 <a:sym typeface="Anonymous Pro for Powerline"/>
               </a:defRPr>
-            </a:lvl1pPr>
-          </a:lstStyle>
-          <a:p>
+            </a:pPr>
             <a:r>
               <a:rPr dirty="0"/>
               <a:t>1</a:t>
@@ -14855,27 +14773,35 @@
             </a:r>
             <a:r>
               <a:rPr dirty="0"/>
-              <a:t> + int(“7.0”) = 8.0</a:t>
-            </a:r>
-          </a:p>
-        </p:txBody>
-      </p:sp>
-      <p:sp>
-        <p:nvSpPr>
-          <p:cNvPr id="476" name="Shape 476"/>
+              <a:t> + “7.0” = </a:t>
+            </a:r>
+            <a:r>
+              <a:rPr dirty="0">
+                <a:solidFill>
+                  <a:schemeClr val="accent5"/>
+                </a:solidFill>
+              </a:rPr>
+              <a:t>error</a:t>
+            </a:r>
+          </a:p>
+        </p:txBody>
+      </p:sp>
+      <p:sp>
+        <p:nvSpPr>
+          <p:cNvPr id="468" name="Shape 468"/>
           <p:cNvSpPr/>
           <p:nvPr/>
         </p:nvSpPr>
         <p:spPr>
-          <a:xfrm rot="18546354">
-            <a:off x="8564449" y="5809248"/>
-            <a:ext cx="157389" cy="717637"/>
+          <a:xfrm rot="2859210">
+            <a:off x="6922709" y="6142973"/>
+            <a:ext cx="1542640" cy="325931"/>
           </a:xfrm>
           <a:prstGeom prst="rect">
             <a:avLst/>
           </a:prstGeom>
           <a:solidFill>
-            <a:schemeClr val="accent3"/>
+            <a:schemeClr val="accent5"/>
           </a:solidFill>
           <a:ln w="12700">
             <a:miter lim="400000"/>
@@ -14904,20 +14830,20 @@
       </p:sp>
       <p:sp>
         <p:nvSpPr>
-          <p:cNvPr id="477" name="Shape 477"/>
+          <p:cNvPr id="469" name="Shape 469"/>
           <p:cNvSpPr/>
           <p:nvPr/>
         </p:nvSpPr>
         <p:spPr>
-          <a:xfrm rot="2624366">
-            <a:off x="9170830" y="5327634"/>
-            <a:ext cx="170442" cy="1227898"/>
+          <a:xfrm rot="18911602">
+            <a:off x="6930445" y="6113328"/>
+            <a:ext cx="1597713" cy="310156"/>
           </a:xfrm>
           <a:prstGeom prst="rect">
             <a:avLst/>
           </a:prstGeom>
           <a:solidFill>
-            <a:schemeClr val="accent3"/>
+            <a:schemeClr val="accent5"/>
           </a:solidFill>
           <a:ln w="12700">
             <a:miter lim="400000"/>
@@ -14954,7 +14880,7 @@
 </file>
 
 <file path=ppt/slides/slide57.xml><?xml version="1.0" encoding="utf-8"?>
-<p:sld xmlns:a="http://schemas.openxmlformats.org/drawingml/2006/main" xmlns:r="http://schemas.openxmlformats.org/officeDocument/2006/relationships" xmlns:p="http://schemas.openxmlformats.org/presentationml/2006/main" show="0">
+<p:sld xmlns:a="http://schemas.openxmlformats.org/drawingml/2006/main" xmlns:r="http://schemas.openxmlformats.org/officeDocument/2006/relationships" xmlns:p="http://schemas.openxmlformats.org/presentationml/2006/main">
   <p:cSld>
     <p:spTree>
       <p:nvGrpSpPr>
@@ -14972,7 +14898,7 @@
       </p:grpSpPr>
       <p:sp>
         <p:nvSpPr>
-          <p:cNvPr id="479" name="Shape 479"/>
+          <p:cNvPr id="471" name="Shape 471"/>
           <p:cNvSpPr>
             <a:spLocks noGrp="1"/>
           </p:cNvSpPr>
@@ -14983,7 +14909,7 @@
         <p:spPr>
           <a:xfrm>
             <a:off x="406400" y="1536700"/>
-            <a:ext cx="12192000" cy="1169261"/>
+            <a:ext cx="12192000" cy="999530"/>
           </a:xfrm>
           <a:prstGeom prst="rect">
             <a:avLst/>
@@ -14992,87 +14918,285 @@
         <p:txBody>
           <a:bodyPr/>
           <a:lstStyle>
-            <a:lvl1pPr defTabSz="403097">
-              <a:spcBef>
-                <a:spcPts val="1900"/>
-              </a:spcBef>
-              <a:defRPr sz="8200"/>
+            <a:lvl1pPr>
+              <a:defRPr sz="7000"/>
             </a:lvl1pPr>
           </a:lstStyle>
           <a:p>
             <a:r>
-              <a:t>F-Strings</a:t>
-            </a:r>
-          </a:p>
-        </p:txBody>
-      </p:sp>
-      <p:sp>
-        <p:nvSpPr>
-          <p:cNvPr id="480" name="Shape 480"/>
-          <p:cNvSpPr>
-            <a:spLocks noGrp="1"/>
-          </p:cNvSpPr>
-          <p:nvPr>
-            <p:ph type="body" idx="4294967295"/>
-          </p:nvPr>
+              <a:t>Mixing data types</a:t>
+            </a:r>
+          </a:p>
+        </p:txBody>
+      </p:sp>
+      <p:sp>
+        <p:nvSpPr>
+          <p:cNvPr id="472" name="Shape 472"/>
+          <p:cNvSpPr/>
+          <p:nvPr/>
         </p:nvSpPr>
         <p:spPr>
           <a:xfrm>
-            <a:off x="406400" y="3953767"/>
-            <a:ext cx="12192000" cy="4998602"/>
-          </a:xfrm>
-          <a:prstGeom prst="rect">
-            <a:avLst/>
-          </a:prstGeom>
-        </p:spPr>
-        <p:txBody>
-          <a:bodyPr anchor="t"/>
+            <a:off x="556366" y="4260848"/>
+            <a:ext cx="11454712" cy="927101"/>
+          </a:xfrm>
+          <a:prstGeom prst="rect">
+            <a:avLst/>
+          </a:prstGeom>
+          <a:ln w="12700">
+            <a:miter lim="400000"/>
+          </a:ln>
+          <a:extLst>
+            <a:ext uri="{C572A759-6A51-4108-AA02-DFA0A04FC94B}">
+              <ma14:wrappingTextBoxFlag xmlns:ma14="http://schemas.microsoft.com/office/mac/drawingml/2011/main" xmlns="" val="1"/>
+            </a:ext>
+          </a:extLst>
+        </p:spPr>
+        <p:txBody>
+          <a:bodyPr lIns="50800" tIns="50800" rIns="50800" bIns="50800" anchor="ctr">
+            <a:spAutoFit/>
+          </a:bodyPr>
+          <a:lstStyle>
+            <a:lvl1pPr>
+              <a:defRPr sz="5400">
+                <a:solidFill>
+                  <a:srgbClr val="838787"/>
+                </a:solidFill>
+                <a:latin typeface="Anonymous Pro for Powerline"/>
+                <a:ea typeface="Anonymous Pro for Powerline"/>
+                <a:cs typeface="Anonymous Pro for Powerline"/>
+                <a:sym typeface="Anonymous Pro for Powerline"/>
+              </a:defRPr>
+            </a:lvl1pPr>
+          </a:lstStyle>
+          <a:p>
+            <a:r>
+              <a:t>1 + 7.0 = 8</a:t>
+            </a:r>
+          </a:p>
+        </p:txBody>
+      </p:sp>
+      <p:sp>
+        <p:nvSpPr>
+          <p:cNvPr id="473" name="Shape 473"/>
+          <p:cNvSpPr/>
+          <p:nvPr/>
+        </p:nvSpPr>
+        <p:spPr>
+          <a:xfrm rot="18546354">
+            <a:off x="6693316" y="4412248"/>
+            <a:ext cx="157389" cy="717637"/>
+          </a:xfrm>
+          <a:prstGeom prst="rect">
+            <a:avLst/>
+          </a:prstGeom>
+          <a:solidFill>
+            <a:schemeClr val="accent3"/>
+          </a:solidFill>
+          <a:ln w="12700">
+            <a:miter lim="400000"/>
+          </a:ln>
+        </p:spPr>
+        <p:txBody>
+          <a:bodyPr lIns="50800" tIns="50800" rIns="50800" bIns="50800" anchor="ctr"/>
           <a:lstStyle/>
           <a:p>
-            <a:pPr marL="705969" indent="-705969" defTabSz="584200">
+            <a:pPr algn="ctr">
               <a:lnSpc>
-                <a:spcPct val="100000"/>
+                <a:spcPct val="80000"/>
               </a:lnSpc>
               <a:spcBef>
-                <a:spcPts val="2800"/>
+                <a:spcPts val="0"/>
               </a:spcBef>
-              <a:buSzPct val="40000"/>
-              <a:buBlip>
-                <a:blip r:embed="rId2"/>
-              </a:buBlip>
-              <a:defRPr sz="6400" cap="none" spc="0">
-                <a:latin typeface="Avenir Next Medium"/>
-                <a:ea typeface="Avenir Next Medium"/>
-                <a:cs typeface="Avenir Next Medium"/>
-                <a:sym typeface="Avenir Next Medium"/>
+              <a:defRPr sz="2800" cap="all">
+                <a:solidFill>
+                  <a:srgbClr val="FFFFFF"/>
+                </a:solidFill>
               </a:defRPr>
             </a:pPr>
-            <a:r>
-              <a:t>Text with variables injected</a:t>
-            </a:r>
-          </a:p>
-          <a:p>
-            <a:pPr marL="705969" indent="-705969" defTabSz="584200">
+            <a:endParaRPr/>
+          </a:p>
+        </p:txBody>
+      </p:sp>
+      <p:sp>
+        <p:nvSpPr>
+          <p:cNvPr id="474" name="Shape 474"/>
+          <p:cNvSpPr/>
+          <p:nvPr/>
+        </p:nvSpPr>
+        <p:spPr>
+          <a:xfrm rot="2624366">
+            <a:off x="7299697" y="3930634"/>
+            <a:ext cx="170442" cy="1227898"/>
+          </a:xfrm>
+          <a:prstGeom prst="rect">
+            <a:avLst/>
+          </a:prstGeom>
+          <a:solidFill>
+            <a:schemeClr val="accent3"/>
+          </a:solidFill>
+          <a:ln w="12700">
+            <a:miter lim="400000"/>
+          </a:ln>
+        </p:spPr>
+        <p:txBody>
+          <a:bodyPr lIns="50800" tIns="50800" rIns="50800" bIns="50800" anchor="ctr"/>
+          <a:lstStyle/>
+          <a:p>
+            <a:pPr algn="ctr">
               <a:lnSpc>
-                <a:spcPct val="100000"/>
+                <a:spcPct val="80000"/>
               </a:lnSpc>
               <a:spcBef>
-                <a:spcPts val="2800"/>
+                <a:spcPts val="0"/>
               </a:spcBef>
-              <a:buSzPct val="40000"/>
-              <a:buBlip>
-                <a:blip r:embed="rId2"/>
-              </a:buBlip>
-              <a:defRPr sz="6400" cap="none" spc="0">
-                <a:latin typeface="Avenir Next Medium"/>
-                <a:ea typeface="Avenir Next Medium"/>
-                <a:cs typeface="Avenir Next Medium"/>
-                <a:sym typeface="Avenir Next Medium"/>
+              <a:defRPr sz="2800" cap="all">
+                <a:solidFill>
+                  <a:srgbClr val="FFFFFF"/>
+                </a:solidFill>
               </a:defRPr>
             </a:pPr>
-            <a:r>
-              <a:t>Normal string but with an “f” before the quotes</a:t>
-            </a:r>
+            <a:endParaRPr/>
+          </a:p>
+        </p:txBody>
+      </p:sp>
+      <p:sp>
+        <p:nvSpPr>
+          <p:cNvPr id="475" name="Shape 475"/>
+          <p:cNvSpPr/>
+          <p:nvPr/>
+        </p:nvSpPr>
+        <p:spPr>
+          <a:xfrm>
+            <a:off x="556366" y="5691716"/>
+            <a:ext cx="11454712" cy="927101"/>
+          </a:xfrm>
+          <a:prstGeom prst="rect">
+            <a:avLst/>
+          </a:prstGeom>
+          <a:ln w="12700">
+            <a:miter lim="400000"/>
+          </a:ln>
+          <a:extLst>
+            <a:ext uri="{C572A759-6A51-4108-AA02-DFA0A04FC94B}">
+              <ma14:wrappingTextBoxFlag xmlns:ma14="http://schemas.microsoft.com/office/mac/drawingml/2011/main" xmlns="" val="1"/>
+            </a:ext>
+          </a:extLst>
+        </p:spPr>
+        <p:txBody>
+          <a:bodyPr lIns="50800" tIns="50800" rIns="50800" bIns="50800" anchor="ctr">
+            <a:spAutoFit/>
+          </a:bodyPr>
+          <a:lstStyle>
+            <a:lvl1pPr>
+              <a:defRPr sz="5400">
+                <a:solidFill>
+                  <a:srgbClr val="838787"/>
+                </a:solidFill>
+                <a:latin typeface="Anonymous Pro for Powerline"/>
+                <a:ea typeface="Anonymous Pro for Powerline"/>
+                <a:cs typeface="Anonymous Pro for Powerline"/>
+                <a:sym typeface="Anonymous Pro for Powerline"/>
+              </a:defRPr>
+            </a:lvl1pPr>
+          </a:lstStyle>
+          <a:p>
+            <a:r>
+              <a:rPr dirty="0"/>
+              <a:t>1</a:t>
+            </a:r>
+            <a:r>
+              <a:rPr lang="en-US" dirty="0"/>
+              <a:t>.0</a:t>
+            </a:r>
+            <a:r>
+              <a:rPr dirty="0"/>
+              <a:t> + int(“7.0”) = 8.0</a:t>
+            </a:r>
+          </a:p>
+        </p:txBody>
+      </p:sp>
+      <p:sp>
+        <p:nvSpPr>
+          <p:cNvPr id="476" name="Shape 476"/>
+          <p:cNvSpPr/>
+          <p:nvPr/>
+        </p:nvSpPr>
+        <p:spPr>
+          <a:xfrm rot="18546354">
+            <a:off x="8564449" y="5809248"/>
+            <a:ext cx="157389" cy="717637"/>
+          </a:xfrm>
+          <a:prstGeom prst="rect">
+            <a:avLst/>
+          </a:prstGeom>
+          <a:solidFill>
+            <a:schemeClr val="accent3"/>
+          </a:solidFill>
+          <a:ln w="12700">
+            <a:miter lim="400000"/>
+          </a:ln>
+        </p:spPr>
+        <p:txBody>
+          <a:bodyPr lIns="50800" tIns="50800" rIns="50800" bIns="50800" anchor="ctr"/>
+          <a:lstStyle/>
+          <a:p>
+            <a:pPr algn="ctr">
+              <a:lnSpc>
+                <a:spcPct val="80000"/>
+              </a:lnSpc>
+              <a:spcBef>
+                <a:spcPts val="0"/>
+              </a:spcBef>
+              <a:defRPr sz="2800" cap="all">
+                <a:solidFill>
+                  <a:srgbClr val="FFFFFF"/>
+                </a:solidFill>
+              </a:defRPr>
+            </a:pPr>
+            <a:endParaRPr/>
+          </a:p>
+        </p:txBody>
+      </p:sp>
+      <p:sp>
+        <p:nvSpPr>
+          <p:cNvPr id="477" name="Shape 477"/>
+          <p:cNvSpPr/>
+          <p:nvPr/>
+        </p:nvSpPr>
+        <p:spPr>
+          <a:xfrm rot="2624366">
+            <a:off x="9170830" y="5327634"/>
+            <a:ext cx="170442" cy="1227898"/>
+          </a:xfrm>
+          <a:prstGeom prst="rect">
+            <a:avLst/>
+          </a:prstGeom>
+          <a:solidFill>
+            <a:schemeClr val="accent3"/>
+          </a:solidFill>
+          <a:ln w="12700">
+            <a:miter lim="400000"/>
+          </a:ln>
+        </p:spPr>
+        <p:txBody>
+          <a:bodyPr lIns="50800" tIns="50800" rIns="50800" bIns="50800" anchor="ctr"/>
+          <a:lstStyle/>
+          <a:p>
+            <a:pPr algn="ctr">
+              <a:lnSpc>
+                <a:spcPct val="80000"/>
+              </a:lnSpc>
+              <a:spcBef>
+                <a:spcPts val="0"/>
+              </a:spcBef>
+              <a:defRPr sz="2800" cap="all">
+                <a:solidFill>
+                  <a:srgbClr val="FFFFFF"/>
+                </a:solidFill>
+              </a:defRPr>
+            </a:pPr>
+            <a:endParaRPr/>
           </a:p>
         </p:txBody>
       </p:sp>
@@ -15104,7 +15228,7 @@
       </p:grpSpPr>
       <p:sp>
         <p:nvSpPr>
-          <p:cNvPr id="482" name="Shape 482"/>
+          <p:cNvPr id="479" name="Shape 479"/>
           <p:cNvSpPr>
             <a:spLocks noGrp="1"/>
           </p:cNvSpPr>
@@ -15133,54 +15257,77 @@
           </a:lstStyle>
           <a:p>
             <a:r>
-              <a:t>F-strings</a:t>
-            </a:r>
-          </a:p>
-        </p:txBody>
-      </p:sp>
-      <p:sp>
-        <p:nvSpPr>
-          <p:cNvPr id="483" name="Shape 483"/>
-          <p:cNvSpPr/>
-          <p:nvPr/>
+              <a:t>F-Strings</a:t>
+            </a:r>
+          </a:p>
+        </p:txBody>
+      </p:sp>
+      <p:sp>
+        <p:nvSpPr>
+          <p:cNvPr id="480" name="Shape 480"/>
+          <p:cNvSpPr>
+            <a:spLocks noGrp="1"/>
+          </p:cNvSpPr>
+          <p:nvPr>
+            <p:ph type="body" idx="4294967295"/>
+          </p:nvPr>
         </p:nvSpPr>
         <p:spPr>
           <a:xfrm>
-            <a:off x="487153" y="4540248"/>
-            <a:ext cx="6769895" cy="1079501"/>
-          </a:xfrm>
-          <a:prstGeom prst="rect">
-            <a:avLst/>
-          </a:prstGeom>
-          <a:ln w="12700">
-            <a:miter lim="400000"/>
-          </a:ln>
-          <a:extLst>
-            <a:ext uri="{C572A759-6A51-4108-AA02-DFA0A04FC94B}">
-              <ma14:wrappingTextBoxFlag xmlns="" xmlns:ma14="http://schemas.microsoft.com/office/mac/drawingml/2011/main" val="1"/>
-            </a:ext>
-          </a:extLst>
-        </p:spPr>
-        <p:txBody>
-          <a:bodyPr wrap="none" lIns="50800" tIns="50800" rIns="50800" bIns="50800" anchor="ctr">
-            <a:spAutoFit/>
-          </a:bodyPr>
-          <a:lstStyle>
-            <a:lvl1pPr>
-              <a:defRPr sz="6400">
-                <a:solidFill>
-                  <a:srgbClr val="838787"/>
-                </a:solidFill>
-                <a:latin typeface="Anonymous Pro for Powerline"/>
-                <a:ea typeface="Anonymous Pro for Powerline"/>
-                <a:cs typeface="Anonymous Pro for Powerline"/>
-                <a:sym typeface="Anonymous Pro for Powerline"/>
-              </a:defRPr>
-            </a:lvl1pPr>
-          </a:lstStyle>
-          <a:p>
-            <a:r>
-              <a:t>my_name = “rob”</a:t>
+            <a:off x="406400" y="3953767"/>
+            <a:ext cx="12192000" cy="4998602"/>
+          </a:xfrm>
+          <a:prstGeom prst="rect">
+            <a:avLst/>
+          </a:prstGeom>
+        </p:spPr>
+        <p:txBody>
+          <a:bodyPr anchor="t"/>
+          <a:lstStyle/>
+          <a:p>
+            <a:pPr marL="705969" indent="-705969" defTabSz="584200">
+              <a:lnSpc>
+                <a:spcPct val="100000"/>
+              </a:lnSpc>
+              <a:spcBef>
+                <a:spcPts val="2800"/>
+              </a:spcBef>
+              <a:buSzPct val="40000"/>
+              <a:buBlip>
+                <a:blip r:embed="rId2"/>
+              </a:buBlip>
+              <a:defRPr sz="6400" cap="none" spc="0">
+                <a:latin typeface="Avenir Next Medium"/>
+                <a:ea typeface="Avenir Next Medium"/>
+                <a:cs typeface="Avenir Next Medium"/>
+                <a:sym typeface="Avenir Next Medium"/>
+              </a:defRPr>
+            </a:pPr>
+            <a:r>
+              <a:t>Text with variables injected</a:t>
+            </a:r>
+          </a:p>
+          <a:p>
+            <a:pPr marL="705969" indent="-705969" defTabSz="584200">
+              <a:lnSpc>
+                <a:spcPct val="100000"/>
+              </a:lnSpc>
+              <a:spcBef>
+                <a:spcPts val="2800"/>
+              </a:spcBef>
+              <a:buSzPct val="40000"/>
+              <a:buBlip>
+                <a:blip r:embed="rId2"/>
+              </a:buBlip>
+              <a:defRPr sz="6400" cap="none" spc="0">
+                <a:latin typeface="Avenir Next Medium"/>
+                <a:ea typeface="Avenir Next Medium"/>
+                <a:cs typeface="Avenir Next Medium"/>
+                <a:sym typeface="Avenir Next Medium"/>
+              </a:defRPr>
+            </a:pPr>
+            <a:r>
+              <a:t>Normal string but with an “f” before the quotes</a:t>
             </a:r>
           </a:p>
         </p:txBody>
@@ -15213,7 +15360,7 @@
       </p:grpSpPr>
       <p:sp>
         <p:nvSpPr>
-          <p:cNvPr id="485" name="Shape 485"/>
+          <p:cNvPr id="482" name="Shape 482"/>
           <p:cNvSpPr>
             <a:spLocks noGrp="1"/>
           </p:cNvSpPr>
@@ -15249,14 +15396,14 @@
       </p:sp>
       <p:sp>
         <p:nvSpPr>
-          <p:cNvPr id="486" name="Shape 486"/>
+          <p:cNvPr id="483" name="Shape 483"/>
           <p:cNvSpPr/>
           <p:nvPr/>
         </p:nvSpPr>
         <p:spPr>
           <a:xfrm>
-            <a:off x="487154" y="4540248"/>
-            <a:ext cx="8988426" cy="1079501"/>
+            <a:off x="487153" y="4540248"/>
+            <a:ext cx="6769895" cy="1079501"/>
           </a:xfrm>
           <a:prstGeom prst="rect">
             <a:avLst/>
@@ -15266,7 +15413,7 @@
           </a:ln>
           <a:extLst>
             <a:ext uri="{C572A759-6A51-4108-AA02-DFA0A04FC94B}">
-              <ma14:wrappingTextBoxFlag xmlns="" xmlns:ma14="http://schemas.microsoft.com/office/mac/drawingml/2011/main" val="1"/>
+              <ma14:wrappingTextBoxFlag xmlns:ma14="http://schemas.microsoft.com/office/mac/drawingml/2011/main" xmlns="" val="1"/>
             </a:ext>
           </a:extLst>
         </p:spPr>
@@ -15289,7 +15436,7 @@
           </a:lstStyle>
           <a:p>
             <a:r>
-              <a:t>f“Hello, {my_name}!”</a:t>
+              <a:t>my_name = “rob”</a:t>
             </a:r>
           </a:p>
         </p:txBody>
@@ -15433,7 +15580,7 @@
       </p:grpSpPr>
       <p:sp>
         <p:nvSpPr>
-          <p:cNvPr id="488" name="Shape 488"/>
+          <p:cNvPr id="485" name="Shape 485"/>
           <p:cNvSpPr>
             <a:spLocks noGrp="1"/>
           </p:cNvSpPr>
@@ -15469,7 +15616,7 @@
       </p:sp>
       <p:sp>
         <p:nvSpPr>
-          <p:cNvPr id="489" name="Shape 489"/>
+          <p:cNvPr id="486" name="Shape 486"/>
           <p:cNvSpPr/>
           <p:nvPr/>
         </p:nvSpPr>
@@ -15486,7 +15633,7 @@
           </a:ln>
           <a:extLst>
             <a:ext uri="{C572A759-6A51-4108-AA02-DFA0A04FC94B}">
-              <ma14:wrappingTextBoxFlag xmlns="" xmlns:ma14="http://schemas.microsoft.com/office/mac/drawingml/2011/main" val="1"/>
+              <ma14:wrappingTextBoxFlag xmlns:ma14="http://schemas.microsoft.com/office/mac/drawingml/2011/main" xmlns="" val="1"/>
             </a:ext>
           </a:extLst>
         </p:spPr>
@@ -15510,98 +15657,6 @@
           <a:p>
             <a:r>
               <a:t>f“Hello, {my_name}!”</a:t>
-            </a:r>
-          </a:p>
-        </p:txBody>
-      </p:sp>
-      <p:sp>
-        <p:nvSpPr>
-          <p:cNvPr id="490" name="Shape 490"/>
-          <p:cNvSpPr/>
-          <p:nvPr/>
-        </p:nvSpPr>
-        <p:spPr>
-          <a:xfrm rot="21559398">
-            <a:off x="744740" y="6986396"/>
-            <a:ext cx="1892996" cy="518252"/>
-          </a:xfrm>
-          <a:prstGeom prst="rightArrow">
-            <a:avLst>
-              <a:gd name="adj1" fmla="val 34174"/>
-              <a:gd name="adj2" fmla="val 145948"/>
-            </a:avLst>
-          </a:prstGeom>
-          <a:solidFill>
-            <a:schemeClr val="accent5"/>
-          </a:solidFill>
-          <a:ln w="12700">
-            <a:miter lim="400000"/>
-          </a:ln>
-        </p:spPr>
-        <p:txBody>
-          <a:bodyPr lIns="50800" tIns="50800" rIns="50800" bIns="50800" anchor="ctr"/>
-          <a:lstStyle/>
-          <a:p>
-            <a:pPr algn="ctr">
-              <a:lnSpc>
-                <a:spcPct val="80000"/>
-              </a:lnSpc>
-              <a:spcBef>
-                <a:spcPts val="0"/>
-              </a:spcBef>
-              <a:defRPr sz="2800" cap="all">
-                <a:solidFill>
-                  <a:srgbClr val="FFFFFF"/>
-                </a:solidFill>
-              </a:defRPr>
-            </a:pPr>
-            <a:endParaRPr/>
-          </a:p>
-        </p:txBody>
-      </p:sp>
-      <p:sp>
-        <p:nvSpPr>
-          <p:cNvPr id="491" name="Shape 491"/>
-          <p:cNvSpPr/>
-          <p:nvPr/>
-        </p:nvSpPr>
-        <p:spPr>
-          <a:xfrm>
-            <a:off x="2987234" y="6671777"/>
-            <a:ext cx="4381501" cy="1143001"/>
-          </a:xfrm>
-          <a:prstGeom prst="rect">
-            <a:avLst/>
-          </a:prstGeom>
-          <a:ln w="12700">
-            <a:miter lim="400000"/>
-          </a:ln>
-          <a:extLst>
-            <a:ext uri="{C572A759-6A51-4108-AA02-DFA0A04FC94B}">
-              <ma14:wrappingTextBoxFlag xmlns="" xmlns:ma14="http://schemas.microsoft.com/office/mac/drawingml/2011/main" val="1"/>
-            </a:ext>
-          </a:extLst>
-        </p:spPr>
-        <p:txBody>
-          <a:bodyPr wrap="none" lIns="50800" tIns="50800" rIns="50800" bIns="50800" anchor="ctr">
-            <a:spAutoFit/>
-          </a:bodyPr>
-          <a:lstStyle>
-            <a:lvl1pPr>
-              <a:defRPr sz="6000">
-                <a:solidFill>
-                  <a:schemeClr val="accent5"/>
-                </a:solidFill>
-                <a:latin typeface="Avenir Next Medium"/>
-                <a:ea typeface="Avenir Next Medium"/>
-                <a:cs typeface="Avenir Next Medium"/>
-                <a:sym typeface="Avenir Next Medium"/>
-              </a:defRPr>
-            </a:lvl1pPr>
-          </a:lstStyle>
-          <a:p>
-            <a:r>
-              <a:t>“Hello, Rob”</a:t>
             </a:r>
           </a:p>
         </p:txBody>
@@ -15616,7 +15671,7 @@
 </file>
 
 <file path=ppt/slides/slide61.xml><?xml version="1.0" encoding="utf-8"?>
-<p:sld xmlns:a="http://schemas.openxmlformats.org/drawingml/2006/main" xmlns:r="http://schemas.openxmlformats.org/officeDocument/2006/relationships" xmlns:p="http://schemas.openxmlformats.org/presentationml/2006/main">
+<p:sld xmlns:a="http://schemas.openxmlformats.org/drawingml/2006/main" xmlns:r="http://schemas.openxmlformats.org/officeDocument/2006/relationships" xmlns:p="http://schemas.openxmlformats.org/presentationml/2006/main" show="0">
   <p:cSld>
     <p:spTree>
       <p:nvGrpSpPr>
@@ -15634,7 +15689,7 @@
       </p:grpSpPr>
       <p:sp>
         <p:nvSpPr>
-          <p:cNvPr id="508" name="Shape 508"/>
+          <p:cNvPr id="488" name="Shape 488"/>
           <p:cNvSpPr>
             <a:spLocks noGrp="1"/>
           </p:cNvSpPr>
@@ -15642,11 +15697,17 @@
             <p:ph type="title"/>
           </p:nvPr>
         </p:nvSpPr>
-        <p:spPr/>
-        <p:txBody>
-          <a:bodyPr>
-            <a:normAutofit fontScale="90000"/>
-          </a:bodyPr>
+        <p:spPr>
+          <a:xfrm>
+            <a:off x="406400" y="1536700"/>
+            <a:ext cx="12192000" cy="1169261"/>
+          </a:xfrm>
+          <a:prstGeom prst="rect">
+            <a:avLst/>
+          </a:prstGeom>
+        </p:spPr>
+        <p:txBody>
+          <a:bodyPr/>
           <a:lstStyle>
             <a:lvl1pPr defTabSz="403097">
               <a:spcBef>
@@ -15657,36 +15718,146 @@
           </a:lstStyle>
           <a:p>
             <a:r>
-              <a:rPr lang="en-US"/>
-              <a:t>Function</a:t>
-            </a:r>
-          </a:p>
-        </p:txBody>
-      </p:sp>
-      <p:sp>
-        <p:nvSpPr>
-          <p:cNvPr id="509" name="Shape 509"/>
-          <p:cNvSpPr>
-            <a:spLocks noGrp="1"/>
-          </p:cNvSpPr>
-          <p:nvPr>
-            <p:ph type="body" sz="half" idx="10"/>
-          </p:nvPr>
-        </p:nvSpPr>
-        <p:spPr/>
-        <p:txBody>
-          <a:bodyPr/>
+              <a:t>F-strings</a:t>
+            </a:r>
+          </a:p>
+        </p:txBody>
+      </p:sp>
+      <p:sp>
+        <p:nvSpPr>
+          <p:cNvPr id="489" name="Shape 489"/>
+          <p:cNvSpPr/>
+          <p:nvPr/>
+        </p:nvSpPr>
+        <p:spPr>
+          <a:xfrm>
+            <a:off x="487154" y="4540248"/>
+            <a:ext cx="8988426" cy="1079501"/>
+          </a:xfrm>
+          <a:prstGeom prst="rect">
+            <a:avLst/>
+          </a:prstGeom>
+          <a:ln w="12700">
+            <a:miter lim="400000"/>
+          </a:ln>
+          <a:extLst>
+            <a:ext uri="{C572A759-6A51-4108-AA02-DFA0A04FC94B}">
+              <ma14:wrappingTextBoxFlag xmlns:ma14="http://schemas.microsoft.com/office/mac/drawingml/2011/main" xmlns="" val="1"/>
+            </a:ext>
+          </a:extLst>
+        </p:spPr>
+        <p:txBody>
+          <a:bodyPr wrap="none" lIns="50800" tIns="50800" rIns="50800" bIns="50800" anchor="ctr">
+            <a:spAutoFit/>
+          </a:bodyPr>
+          <a:lstStyle>
+            <a:lvl1pPr>
+              <a:defRPr sz="6400">
+                <a:solidFill>
+                  <a:srgbClr val="838787"/>
+                </a:solidFill>
+                <a:latin typeface="Anonymous Pro for Powerline"/>
+                <a:ea typeface="Anonymous Pro for Powerline"/>
+                <a:cs typeface="Anonymous Pro for Powerline"/>
+                <a:sym typeface="Anonymous Pro for Powerline"/>
+              </a:defRPr>
+            </a:lvl1pPr>
+          </a:lstStyle>
+          <a:p>
+            <a:r>
+              <a:t>f“Hello, {my_name}!”</a:t>
+            </a:r>
+          </a:p>
+        </p:txBody>
+      </p:sp>
+      <p:sp>
+        <p:nvSpPr>
+          <p:cNvPr id="490" name="Shape 490"/>
+          <p:cNvSpPr/>
+          <p:nvPr/>
+        </p:nvSpPr>
+        <p:spPr>
+          <a:xfrm rot="21559398">
+            <a:off x="744740" y="6986396"/>
+            <a:ext cx="1892996" cy="518252"/>
+          </a:xfrm>
+          <a:prstGeom prst="rightArrow">
+            <a:avLst>
+              <a:gd name="adj1" fmla="val 34174"/>
+              <a:gd name="adj2" fmla="val 145948"/>
+            </a:avLst>
+          </a:prstGeom>
+          <a:solidFill>
+            <a:schemeClr val="accent5"/>
+          </a:solidFill>
+          <a:ln w="12700">
+            <a:miter lim="400000"/>
+          </a:ln>
+        </p:spPr>
+        <p:txBody>
+          <a:bodyPr lIns="50800" tIns="50800" rIns="50800" bIns="50800" anchor="ctr"/>
           <a:lstStyle/>
           <a:p>
-            <a:r>
-              <a:rPr lang="en-US"/>
-              <a:t>Performs an action</a:t>
-            </a:r>
-          </a:p>
-          <a:p>
-            <a:r>
-              <a:rPr lang="en-US"/>
-              <a:t>Action in example: cast to integer</a:t>
+            <a:pPr algn="ctr">
+              <a:lnSpc>
+                <a:spcPct val="80000"/>
+              </a:lnSpc>
+              <a:spcBef>
+                <a:spcPts val="0"/>
+              </a:spcBef>
+              <a:defRPr sz="2800" cap="all">
+                <a:solidFill>
+                  <a:srgbClr val="FFFFFF"/>
+                </a:solidFill>
+              </a:defRPr>
+            </a:pPr>
+            <a:endParaRPr/>
+          </a:p>
+        </p:txBody>
+      </p:sp>
+      <p:sp>
+        <p:nvSpPr>
+          <p:cNvPr id="491" name="Shape 491"/>
+          <p:cNvSpPr/>
+          <p:nvPr/>
+        </p:nvSpPr>
+        <p:spPr>
+          <a:xfrm>
+            <a:off x="2987234" y="6671777"/>
+            <a:ext cx="4381501" cy="1143001"/>
+          </a:xfrm>
+          <a:prstGeom prst="rect">
+            <a:avLst/>
+          </a:prstGeom>
+          <a:ln w="12700">
+            <a:miter lim="400000"/>
+          </a:ln>
+          <a:extLst>
+            <a:ext uri="{C572A759-6A51-4108-AA02-DFA0A04FC94B}">
+              <ma14:wrappingTextBoxFlag xmlns:ma14="http://schemas.microsoft.com/office/mac/drawingml/2011/main" xmlns="" val="1"/>
+            </a:ext>
+          </a:extLst>
+        </p:spPr>
+        <p:txBody>
+          <a:bodyPr wrap="none" lIns="50800" tIns="50800" rIns="50800" bIns="50800" anchor="ctr">
+            <a:spAutoFit/>
+          </a:bodyPr>
+          <a:lstStyle>
+            <a:lvl1pPr>
+              <a:defRPr sz="6000">
+                <a:solidFill>
+                  <a:schemeClr val="accent5"/>
+                </a:solidFill>
+                <a:latin typeface="Avenir Next Medium"/>
+                <a:ea typeface="Avenir Next Medium"/>
+                <a:cs typeface="Avenir Next Medium"/>
+                <a:sym typeface="Avenir Next Medium"/>
+              </a:defRPr>
+            </a:lvl1pPr>
+          </a:lstStyle>
+          <a:p>
+            <a:r>
+              <a:t>“Hello, Rob”</a:t>
             </a:r>
           </a:p>
         </p:txBody>
@@ -15719,7 +15890,7 @@
       </p:grpSpPr>
       <p:sp>
         <p:nvSpPr>
-          <p:cNvPr id="501" name="Shape 501"/>
+          <p:cNvPr id="508" name="Shape 508"/>
           <p:cNvSpPr>
             <a:spLocks noGrp="1"/>
           </p:cNvSpPr>
@@ -15727,18 +15898,10 @@
             <p:ph type="title"/>
           </p:nvPr>
         </p:nvSpPr>
-        <p:spPr>
-          <a:xfrm>
-            <a:off x="406400" y="1536700"/>
-            <a:ext cx="12192000" cy="1169261"/>
-          </a:xfrm>
-          <a:prstGeom prst="rect">
-            <a:avLst/>
-          </a:prstGeom>
-        </p:spPr>
+        <p:spPr/>
         <p:txBody>
           <a:bodyPr>
-            <a:normAutofit/>
+            <a:normAutofit fontScale="90000"/>
           </a:bodyPr>
           <a:lstStyle>
             <a:lvl1pPr defTabSz="403097">
@@ -15750,272 +15913,36 @@
           </a:lstStyle>
           <a:p>
             <a:r>
-              <a:t>Anatomy of a function call</a:t>
-            </a:r>
-          </a:p>
-        </p:txBody>
-      </p:sp>
-      <p:sp>
-        <p:nvSpPr>
-          <p:cNvPr id="502" name="Shape 502"/>
-          <p:cNvSpPr/>
-          <p:nvPr/>
-        </p:nvSpPr>
-        <p:spPr>
-          <a:xfrm>
-            <a:off x="1786333" y="4333061"/>
-            <a:ext cx="3222036" cy="1087477"/>
-          </a:xfrm>
-          <a:prstGeom prst="rect">
-            <a:avLst/>
-          </a:prstGeom>
-          <a:ln w="12700">
-            <a:miter lim="400000"/>
-          </a:ln>
-          <a:extLst>
-            <a:ext uri="{C572A759-6A51-4108-AA02-DFA0A04FC94B}">
-              <ma14:wrappingTextBoxFlag xmlns="" xmlns:ma14="http://schemas.microsoft.com/office/mac/drawingml/2011/main" val="1"/>
-            </a:ext>
-          </a:extLst>
-        </p:spPr>
-        <p:txBody>
-          <a:bodyPr wrap="none" lIns="50800" tIns="50800" rIns="50800" bIns="50800" anchor="ctr">
-            <a:spAutoFit/>
-          </a:bodyPr>
-          <a:lstStyle>
-            <a:lvl1pPr>
-              <a:defRPr sz="6400">
-                <a:solidFill>
-                  <a:srgbClr val="838787"/>
-                </a:solidFill>
-                <a:latin typeface="Anonymous Pro for Powerline"/>
-                <a:ea typeface="Anonymous Pro for Powerline"/>
-                <a:cs typeface="Anonymous Pro for Powerline"/>
-                <a:sym typeface="Anonymous Pro for Powerline"/>
-              </a:defRPr>
-            </a:lvl1pPr>
-          </a:lstStyle>
-          <a:p>
-            <a:r>
-              <a:rPr u="sng" dirty="0">
-                <a:uFill>
-                  <a:solidFill>
-                    <a:schemeClr val="accent4"/>
-                  </a:solidFill>
-                </a:uFill>
-              </a:rPr>
-              <a:t>int</a:t>
-            </a:r>
-            <a:r>
-              <a:rPr dirty="0"/>
-              <a:t>(</a:t>
-            </a:r>
-            <a:r>
-              <a:rPr u="sng" dirty="0">
-                <a:uFill>
-                  <a:solidFill>
-                    <a:srgbClr val="FF0000"/>
-                  </a:solidFill>
-                </a:uFill>
-              </a:rPr>
-              <a:t>“7.0”</a:t>
-            </a:r>
-            <a:r>
-              <a:rPr dirty="0"/>
-              <a:t>)</a:t>
-            </a:r>
-          </a:p>
-        </p:txBody>
-      </p:sp>
-      <p:sp>
-        <p:nvSpPr>
-          <p:cNvPr id="503" name="Shape 503"/>
-          <p:cNvSpPr/>
-          <p:nvPr/>
-        </p:nvSpPr>
-        <p:spPr>
-          <a:xfrm rot="16200000">
-            <a:off x="851861" y="6642844"/>
-            <a:ext cx="2933306" cy="518252"/>
-          </a:xfrm>
-          <a:prstGeom prst="rightArrow">
-            <a:avLst>
-              <a:gd name="adj1" fmla="val 34174"/>
-              <a:gd name="adj2" fmla="val 145948"/>
-            </a:avLst>
-          </a:prstGeom>
-          <a:solidFill>
-            <a:schemeClr val="accent4"/>
-          </a:solidFill>
-          <a:ln w="12700">
-            <a:miter lim="400000"/>
-          </a:ln>
-        </p:spPr>
-        <p:txBody>
-          <a:bodyPr lIns="50800" tIns="50800" rIns="50800" bIns="50800" anchor="ctr"/>
+              <a:rPr lang="en-US"/>
+              <a:t>Function</a:t>
+            </a:r>
+          </a:p>
+        </p:txBody>
+      </p:sp>
+      <p:sp>
+        <p:nvSpPr>
+          <p:cNvPr id="509" name="Shape 509"/>
+          <p:cNvSpPr>
+            <a:spLocks noGrp="1"/>
+          </p:cNvSpPr>
+          <p:nvPr>
+            <p:ph type="body" sz="half" idx="10"/>
+          </p:nvPr>
+        </p:nvSpPr>
+        <p:spPr/>
+        <p:txBody>
+          <a:bodyPr/>
           <a:lstStyle/>
           <a:p>
-            <a:pPr algn="ctr">
-              <a:lnSpc>
-                <a:spcPct val="80000"/>
-              </a:lnSpc>
-              <a:spcBef>
-                <a:spcPts val="0"/>
-              </a:spcBef>
-              <a:defRPr sz="2800" cap="all">
-                <a:solidFill>
-                  <a:srgbClr val="FFFFFF"/>
-                </a:solidFill>
-              </a:defRPr>
-            </a:pPr>
-            <a:endParaRPr>
-              <a:solidFill>
-                <a:schemeClr val="accent4"/>
-              </a:solidFill>
-            </a:endParaRPr>
-          </a:p>
-        </p:txBody>
-      </p:sp>
-      <p:sp>
-        <p:nvSpPr>
-          <p:cNvPr id="504" name="Shape 504"/>
-          <p:cNvSpPr/>
-          <p:nvPr/>
-        </p:nvSpPr>
-        <p:spPr>
-          <a:xfrm>
-            <a:off x="860044" y="8315256"/>
-            <a:ext cx="2713884" cy="1025922"/>
-          </a:xfrm>
-          <a:prstGeom prst="rect">
-            <a:avLst/>
-          </a:prstGeom>
-          <a:ln w="12700">
-            <a:miter lim="400000"/>
-          </a:ln>
-          <a:extLst>
-            <a:ext uri="{C572A759-6A51-4108-AA02-DFA0A04FC94B}">
-              <ma14:wrappingTextBoxFlag xmlns="" xmlns:ma14="http://schemas.microsoft.com/office/mac/drawingml/2011/main" val="1"/>
-            </a:ext>
-          </a:extLst>
-        </p:spPr>
-        <p:txBody>
-          <a:bodyPr wrap="none" lIns="50800" tIns="50800" rIns="50800" bIns="50800" anchor="ctr">
-            <a:spAutoFit/>
-          </a:bodyPr>
-          <a:lstStyle>
-            <a:lvl1pPr>
-              <a:defRPr sz="6000">
-                <a:solidFill>
-                  <a:schemeClr val="accent5"/>
-                </a:solidFill>
-                <a:latin typeface="Avenir Next Medium"/>
-                <a:ea typeface="Avenir Next Medium"/>
-                <a:cs typeface="Avenir Next Medium"/>
-                <a:sym typeface="Avenir Next Medium"/>
-              </a:defRPr>
-            </a:lvl1pPr>
-          </a:lstStyle>
-          <a:p>
-            <a:r>
-              <a:rPr>
-                <a:solidFill>
-                  <a:schemeClr val="accent4"/>
-                </a:solidFill>
-              </a:rPr>
-              <a:t>function</a:t>
-            </a:r>
-          </a:p>
-        </p:txBody>
-      </p:sp>
-      <p:sp>
-        <p:nvSpPr>
-          <p:cNvPr id="505" name="Shape 505"/>
-          <p:cNvSpPr/>
-          <p:nvPr/>
-        </p:nvSpPr>
-        <p:spPr>
-          <a:xfrm rot="14705488">
-            <a:off x="3046703" y="6669167"/>
-            <a:ext cx="3335362" cy="518253"/>
-          </a:xfrm>
-          <a:prstGeom prst="rightArrow">
-            <a:avLst>
-              <a:gd name="adj1" fmla="val 34174"/>
-              <a:gd name="adj2" fmla="val 145948"/>
-            </a:avLst>
-          </a:prstGeom>
-          <a:solidFill>
-            <a:schemeClr val="accent5"/>
-          </a:solidFill>
-          <a:ln w="12700">
-            <a:miter lim="400000"/>
-          </a:ln>
-        </p:spPr>
-        <p:txBody>
-          <a:bodyPr lIns="50800" tIns="50800" rIns="50800" bIns="50800" anchor="ctr"/>
-          <a:lstStyle/>
-          <a:p>
-            <a:pPr algn="ctr">
-              <a:lnSpc>
-                <a:spcPct val="80000"/>
-              </a:lnSpc>
-              <a:spcBef>
-                <a:spcPts val="0"/>
-              </a:spcBef>
-              <a:defRPr sz="2800" cap="all">
-                <a:solidFill>
-                  <a:srgbClr val="FFFFFF"/>
-                </a:solidFill>
-              </a:defRPr>
-            </a:pPr>
-            <a:endParaRPr/>
-          </a:p>
-        </p:txBody>
-      </p:sp>
-      <p:sp>
-        <p:nvSpPr>
-          <p:cNvPr id="506" name="Shape 506"/>
-          <p:cNvSpPr/>
-          <p:nvPr/>
-        </p:nvSpPr>
-        <p:spPr>
-          <a:xfrm>
-            <a:off x="4520184" y="8256717"/>
-            <a:ext cx="7423405" cy="1143001"/>
-          </a:xfrm>
-          <a:prstGeom prst="rect">
-            <a:avLst/>
-          </a:prstGeom>
-          <a:ln w="12700">
-            <a:miter lim="400000"/>
-          </a:ln>
-          <a:extLst>
-            <a:ext uri="{C572A759-6A51-4108-AA02-DFA0A04FC94B}">
-              <ma14:wrappingTextBoxFlag xmlns="" xmlns:ma14="http://schemas.microsoft.com/office/mac/drawingml/2011/main" val="1"/>
-            </a:ext>
-          </a:extLst>
-        </p:spPr>
-        <p:txBody>
-          <a:bodyPr wrap="none" lIns="50800" tIns="50800" rIns="50800" bIns="50800" anchor="ctr">
-            <a:spAutoFit/>
-          </a:bodyPr>
-          <a:lstStyle>
-            <a:lvl1pPr>
-              <a:defRPr sz="6000">
-                <a:solidFill>
-                  <a:schemeClr val="accent5"/>
-                </a:solidFill>
-                <a:latin typeface="Avenir Next Medium"/>
-                <a:ea typeface="Avenir Next Medium"/>
-                <a:cs typeface="Avenir Next Medium"/>
-                <a:sym typeface="Avenir Next Medium"/>
-              </a:defRPr>
-            </a:lvl1pPr>
-          </a:lstStyle>
-          <a:p>
-            <a:r>
-              <a:t>input (aka argument)</a:t>
+            <a:r>
+              <a:rPr lang="en-US"/>
+              <a:t>Performs an action</a:t>
+            </a:r>
+          </a:p>
+          <a:p>
+            <a:r>
+              <a:rPr lang="en-US"/>
+              <a:t>Action in example: cast to integer</a:t>
             </a:r>
           </a:p>
         </p:txBody>
@@ -16048,7 +15975,7 @@
       </p:grpSpPr>
       <p:sp>
         <p:nvSpPr>
-          <p:cNvPr id="511" name="Shape 511"/>
+          <p:cNvPr id="501" name="Shape 501"/>
           <p:cNvSpPr>
             <a:spLocks noGrp="1"/>
           </p:cNvSpPr>
@@ -16066,7 +15993,9 @@
           </a:prstGeom>
         </p:spPr>
         <p:txBody>
-          <a:bodyPr/>
+          <a:bodyPr>
+            <a:normAutofit/>
+          </a:bodyPr>
           <a:lstStyle>
             <a:lvl1pPr defTabSz="403097">
               <a:spcBef>
@@ -16077,21 +16006,21 @@
           </a:lstStyle>
           <a:p>
             <a:r>
-              <a:t>Function vs method</a:t>
-            </a:r>
-          </a:p>
-        </p:txBody>
-      </p:sp>
-      <p:sp>
-        <p:nvSpPr>
-          <p:cNvPr id="512" name="Shape 512"/>
+              <a:t>Anatomy of a function call</a:t>
+            </a:r>
+          </a:p>
+        </p:txBody>
+      </p:sp>
+      <p:sp>
+        <p:nvSpPr>
+          <p:cNvPr id="502" name="Shape 502"/>
           <p:cNvSpPr/>
           <p:nvPr/>
         </p:nvSpPr>
         <p:spPr>
           <a:xfrm>
-            <a:off x="466598" y="3924452"/>
-            <a:ext cx="11726396" cy="965201"/>
+            <a:off x="1786333" y="4333061"/>
+            <a:ext cx="3222036" cy="1087477"/>
           </a:xfrm>
           <a:prstGeom prst="rect">
             <a:avLst/>
@@ -16101,7 +16030,7 @@
           </a:ln>
           <a:extLst>
             <a:ext uri="{C572A759-6A51-4108-AA02-DFA0A04FC94B}">
-              <ma14:wrappingTextBoxFlag xmlns="" xmlns:ma14="http://schemas.microsoft.com/office/mac/drawingml/2011/main" val="1"/>
+              <ma14:wrappingTextBoxFlag xmlns:ma14="http://schemas.microsoft.com/office/mac/drawingml/2011/main" xmlns="" val="1"/>
             </a:ext>
           </a:extLst>
         </p:spPr>
@@ -16109,43 +16038,110 @@
           <a:bodyPr wrap="none" lIns="50800" tIns="50800" rIns="50800" bIns="50800" anchor="ctr">
             <a:spAutoFit/>
           </a:bodyPr>
-          <a:lstStyle/>
-          <a:p>
-            <a:pPr marL="705969" indent="-705969">
-              <a:buSzPct val="40000"/>
-              <a:buBlip>
-                <a:blip r:embed="rId2"/>
-              </a:buBlip>
-              <a:defRPr sz="5000" u="sng">
+          <a:lstStyle>
+            <a:lvl1pPr>
+              <a:defRPr sz="6400">
                 <a:solidFill>
                   <a:srgbClr val="838787"/>
                 </a:solidFill>
-                <a:latin typeface="Avenir Next"/>
-                <a:ea typeface="Avenir Next"/>
-                <a:cs typeface="Avenir Next"/>
-                <a:sym typeface="Avenir Next"/>
-              </a:defRPr>
-            </a:pPr>
-            <a:r>
-              <a:t>Same</a:t>
-            </a:r>
-            <a:r>
-              <a:rPr u="none"/>
-              <a:t>: performs an “action” with input</a:t>
-            </a:r>
-          </a:p>
-        </p:txBody>
-      </p:sp>
-      <p:sp>
-        <p:nvSpPr>
-          <p:cNvPr id="513" name="Shape 513"/>
+                <a:latin typeface="Anonymous Pro for Powerline"/>
+                <a:ea typeface="Anonymous Pro for Powerline"/>
+                <a:cs typeface="Anonymous Pro for Powerline"/>
+                <a:sym typeface="Anonymous Pro for Powerline"/>
+              </a:defRPr>
+            </a:lvl1pPr>
+          </a:lstStyle>
+          <a:p>
+            <a:r>
+              <a:rPr u="sng" dirty="0">
+                <a:uFill>
+                  <a:solidFill>
+                    <a:schemeClr val="accent4"/>
+                  </a:solidFill>
+                </a:uFill>
+              </a:rPr>
+              <a:t>int</a:t>
+            </a:r>
+            <a:r>
+              <a:rPr dirty="0"/>
+              <a:t>(</a:t>
+            </a:r>
+            <a:r>
+              <a:rPr u="sng" dirty="0">
+                <a:uFill>
+                  <a:solidFill>
+                    <a:srgbClr val="FF0000"/>
+                  </a:solidFill>
+                </a:uFill>
+              </a:rPr>
+              <a:t>“7.0”</a:t>
+            </a:r>
+            <a:r>
+              <a:rPr dirty="0"/>
+              <a:t>)</a:t>
+            </a:r>
+          </a:p>
+        </p:txBody>
+      </p:sp>
+      <p:sp>
+        <p:nvSpPr>
+          <p:cNvPr id="503" name="Shape 503"/>
           <p:cNvSpPr/>
           <p:nvPr/>
         </p:nvSpPr>
         <p:spPr>
+          <a:xfrm rot="16200000">
+            <a:off x="851861" y="6642844"/>
+            <a:ext cx="2933306" cy="518252"/>
+          </a:xfrm>
+          <a:prstGeom prst="rightArrow">
+            <a:avLst>
+              <a:gd name="adj1" fmla="val 34174"/>
+              <a:gd name="adj2" fmla="val 145948"/>
+            </a:avLst>
+          </a:prstGeom>
+          <a:solidFill>
+            <a:schemeClr val="accent4"/>
+          </a:solidFill>
+          <a:ln w="12700">
+            <a:miter lim="400000"/>
+          </a:ln>
+        </p:spPr>
+        <p:txBody>
+          <a:bodyPr lIns="50800" tIns="50800" rIns="50800" bIns="50800" anchor="ctr"/>
+          <a:lstStyle/>
+          <a:p>
+            <a:pPr algn="ctr">
+              <a:lnSpc>
+                <a:spcPct val="80000"/>
+              </a:lnSpc>
+              <a:spcBef>
+                <a:spcPts val="0"/>
+              </a:spcBef>
+              <a:defRPr sz="2800" cap="all">
+                <a:solidFill>
+                  <a:srgbClr val="FFFFFF"/>
+                </a:solidFill>
+              </a:defRPr>
+            </a:pPr>
+            <a:endParaRPr>
+              <a:solidFill>
+                <a:schemeClr val="accent4"/>
+              </a:solidFill>
+            </a:endParaRPr>
+          </a:p>
+        </p:txBody>
+      </p:sp>
+      <p:sp>
+        <p:nvSpPr>
+          <p:cNvPr id="504" name="Shape 504"/>
+          <p:cNvSpPr/>
+          <p:nvPr/>
+        </p:nvSpPr>
+        <p:spPr>
           <a:xfrm>
-            <a:off x="466597" y="5897032"/>
-            <a:ext cx="12071606" cy="965201"/>
+            <a:off x="860044" y="8315256"/>
+            <a:ext cx="2713884" cy="1025922"/>
           </a:xfrm>
           <a:prstGeom prst="rect">
             <a:avLst/>
@@ -16155,37 +16151,127 @@
           </a:ln>
           <a:extLst>
             <a:ext uri="{C572A759-6A51-4108-AA02-DFA0A04FC94B}">
-              <ma14:wrappingTextBoxFlag xmlns="" xmlns:ma14="http://schemas.microsoft.com/office/mac/drawingml/2011/main" val="1"/>
+              <ma14:wrappingTextBoxFlag xmlns:ma14="http://schemas.microsoft.com/office/mac/drawingml/2011/main" xmlns="" val="1"/>
             </a:ext>
           </a:extLst>
         </p:spPr>
         <p:txBody>
-          <a:bodyPr lIns="50800" tIns="50800" rIns="50800" bIns="50800" anchor="ctr">
+          <a:bodyPr wrap="none" lIns="50800" tIns="50800" rIns="50800" bIns="50800" anchor="ctr">
             <a:spAutoFit/>
           </a:bodyPr>
+          <a:lstStyle>
+            <a:lvl1pPr>
+              <a:defRPr sz="6000">
+                <a:solidFill>
+                  <a:schemeClr val="accent5"/>
+                </a:solidFill>
+                <a:latin typeface="Avenir Next Medium"/>
+                <a:ea typeface="Avenir Next Medium"/>
+                <a:cs typeface="Avenir Next Medium"/>
+                <a:sym typeface="Avenir Next Medium"/>
+              </a:defRPr>
+            </a:lvl1pPr>
+          </a:lstStyle>
+          <a:p>
+            <a:r>
+              <a:rPr>
+                <a:solidFill>
+                  <a:schemeClr val="accent4"/>
+                </a:solidFill>
+              </a:rPr>
+              <a:t>function</a:t>
+            </a:r>
+          </a:p>
+        </p:txBody>
+      </p:sp>
+      <p:sp>
+        <p:nvSpPr>
+          <p:cNvPr id="505" name="Shape 505"/>
+          <p:cNvSpPr/>
+          <p:nvPr/>
+        </p:nvSpPr>
+        <p:spPr>
+          <a:xfrm rot="14705488">
+            <a:off x="3046703" y="6669167"/>
+            <a:ext cx="3335362" cy="518253"/>
+          </a:xfrm>
+          <a:prstGeom prst="rightArrow">
+            <a:avLst>
+              <a:gd name="adj1" fmla="val 34174"/>
+              <a:gd name="adj2" fmla="val 145948"/>
+            </a:avLst>
+          </a:prstGeom>
+          <a:solidFill>
+            <a:schemeClr val="accent5"/>
+          </a:solidFill>
+          <a:ln w="12700">
+            <a:miter lim="400000"/>
+          </a:ln>
+        </p:spPr>
+        <p:txBody>
+          <a:bodyPr lIns="50800" tIns="50800" rIns="50800" bIns="50800" anchor="ctr"/>
           <a:lstStyle/>
           <a:p>
-            <a:pPr marL="705969" indent="-705969">
-              <a:buSzPct val="40000"/>
-              <a:buBlip>
-                <a:blip r:embed="rId2"/>
-              </a:buBlip>
-              <a:defRPr sz="5000" u="sng">
-                <a:solidFill>
-                  <a:srgbClr val="838787"/>
-                </a:solidFill>
-                <a:latin typeface="Avenir Next"/>
-                <a:ea typeface="Avenir Next"/>
-                <a:cs typeface="Avenir Next"/>
-                <a:sym typeface="Avenir Next"/>
+            <a:pPr algn="ctr">
+              <a:lnSpc>
+                <a:spcPct val="80000"/>
+              </a:lnSpc>
+              <a:spcBef>
+                <a:spcPts val="0"/>
+              </a:spcBef>
+              <a:defRPr sz="2800" cap="all">
+                <a:solidFill>
+                  <a:srgbClr val="FFFFFF"/>
+                </a:solidFill>
               </a:defRPr>
             </a:pPr>
-            <a:r>
-              <a:t>Different</a:t>
-            </a:r>
-            <a:r>
-              <a:rPr u="none"/>
-              <a:t>: where input comes from</a:t>
+            <a:endParaRPr/>
+          </a:p>
+        </p:txBody>
+      </p:sp>
+      <p:sp>
+        <p:nvSpPr>
+          <p:cNvPr id="506" name="Shape 506"/>
+          <p:cNvSpPr/>
+          <p:nvPr/>
+        </p:nvSpPr>
+        <p:spPr>
+          <a:xfrm>
+            <a:off x="4520184" y="8256717"/>
+            <a:ext cx="7423405" cy="1143001"/>
+          </a:xfrm>
+          <a:prstGeom prst="rect">
+            <a:avLst/>
+          </a:prstGeom>
+          <a:ln w="12700">
+            <a:miter lim="400000"/>
+          </a:ln>
+          <a:extLst>
+            <a:ext uri="{C572A759-6A51-4108-AA02-DFA0A04FC94B}">
+              <ma14:wrappingTextBoxFlag xmlns:ma14="http://schemas.microsoft.com/office/mac/drawingml/2011/main" xmlns="" val="1"/>
+            </a:ext>
+          </a:extLst>
+        </p:spPr>
+        <p:txBody>
+          <a:bodyPr wrap="none" lIns="50800" tIns="50800" rIns="50800" bIns="50800" anchor="ctr">
+            <a:spAutoFit/>
+          </a:bodyPr>
+          <a:lstStyle>
+            <a:lvl1pPr>
+              <a:defRPr sz="6000">
+                <a:solidFill>
+                  <a:schemeClr val="accent5"/>
+                </a:solidFill>
+                <a:latin typeface="Avenir Next Medium"/>
+                <a:ea typeface="Avenir Next Medium"/>
+                <a:cs typeface="Avenir Next Medium"/>
+                <a:sym typeface="Avenir Next Medium"/>
+              </a:defRPr>
+            </a:lvl1pPr>
+          </a:lstStyle>
+          <a:p>
+            <a:r>
+              <a:t>input (aka argument)</a:t>
             </a:r>
           </a:p>
         </p:txBody>
@@ -16218,7 +16304,7 @@
       </p:grpSpPr>
       <p:sp>
         <p:nvSpPr>
-          <p:cNvPr id="518" name="Shape 518"/>
+          <p:cNvPr id="511" name="Shape 511"/>
           <p:cNvSpPr>
             <a:spLocks noGrp="1"/>
           </p:cNvSpPr>
@@ -16226,11 +16312,17 @@
             <p:ph type="title"/>
           </p:nvPr>
         </p:nvSpPr>
-        <p:spPr/>
-        <p:txBody>
-          <a:bodyPr>
-            <a:normAutofit fontScale="90000"/>
-          </a:bodyPr>
+        <p:spPr>
+          <a:xfrm>
+            <a:off x="406400" y="1536700"/>
+            <a:ext cx="12192000" cy="1169261"/>
+          </a:xfrm>
+          <a:prstGeom prst="rect">
+            <a:avLst/>
+          </a:prstGeom>
+        </p:spPr>
+        <p:txBody>
+          <a:bodyPr/>
           <a:lstStyle>
             <a:lvl1pPr defTabSz="403097">
               <a:spcBef>
@@ -16241,161 +16333,21 @@
           </a:lstStyle>
           <a:p>
             <a:r>
-              <a:rPr lang="en-US"/>
-              <a:t>method Example</a:t>
-            </a:r>
-          </a:p>
-        </p:txBody>
-      </p:sp>
-      <p:sp>
-        <p:nvSpPr>
-          <p:cNvPr id="3" name="Text Placeholder 2">
-            <a:extLst>
-              <a:ext uri="{FF2B5EF4-FFF2-40B4-BE49-F238E27FC236}">
-                <a16:creationId xmlns:a16="http://schemas.microsoft.com/office/drawing/2014/main" id="{9450779A-E9BC-4748-9F6C-E24E5FF08F1D}"/>
-              </a:ext>
-            </a:extLst>
-          </p:cNvPr>
-          <p:cNvSpPr>
-            <a:spLocks noGrp="1"/>
-          </p:cNvSpPr>
-          <p:nvPr>
-            <p:ph type="body" sz="quarter" idx="10"/>
-          </p:nvPr>
-        </p:nvSpPr>
-        <p:spPr/>
-        <p:txBody>
-          <a:bodyPr/>
-          <a:lstStyle/>
-          <a:p>
-            <a:pPr marL="0" indent="0">
-              <a:buNone/>
-            </a:pPr>
-            <a:r>
-              <a:rPr lang="en-US" dirty="0">
-                <a:latin typeface="Courier New" panose="02070309020205020404" pitchFamily="49" charset="0"/>
-                <a:cs typeface="Courier New" panose="02070309020205020404" pitchFamily="49" charset="0"/>
-              </a:rPr>
-              <a:t>&gt;&gt;&gt; “Rob”.</a:t>
-            </a:r>
-            <a:r>
-              <a:rPr lang="en-US" u="sng" dirty="0">
-                <a:uFill>
-                  <a:solidFill>
-                    <a:srgbClr val="FF0000"/>
-                  </a:solidFill>
-                </a:uFill>
-                <a:latin typeface="Courier New" panose="02070309020205020404" pitchFamily="49" charset="0"/>
-                <a:cs typeface="Courier New" panose="02070309020205020404" pitchFamily="49" charset="0"/>
-              </a:rPr>
-              <a:t>replace</a:t>
-            </a:r>
-            <a:r>
-              <a:rPr lang="en-US" dirty="0">
-                <a:latin typeface="Courier New" panose="02070309020205020404" pitchFamily="49" charset="0"/>
-                <a:cs typeface="Courier New" panose="02070309020205020404" pitchFamily="49" charset="0"/>
-              </a:rPr>
-              <a:t>(“</a:t>
-            </a:r>
-            <a:r>
-              <a:rPr lang="en-US" dirty="0" err="1">
-                <a:latin typeface="Courier New" panose="02070309020205020404" pitchFamily="49" charset="0"/>
-                <a:cs typeface="Courier New" panose="02070309020205020404" pitchFamily="49" charset="0"/>
-              </a:rPr>
-              <a:t>R”,“B</a:t>
-            </a:r>
-            <a:r>
-              <a:rPr lang="en-US" dirty="0">
-                <a:latin typeface="Courier New" panose="02070309020205020404" pitchFamily="49" charset="0"/>
-                <a:cs typeface="Courier New" panose="02070309020205020404" pitchFamily="49" charset="0"/>
-              </a:rPr>
-              <a:t>”)</a:t>
-            </a:r>
-          </a:p>
-          <a:p>
-            <a:pPr marL="0" indent="0">
-              <a:buNone/>
-            </a:pPr>
-            <a:r>
-              <a:rPr lang="en-US" dirty="0">
-                <a:solidFill>
-                  <a:schemeClr val="accent3"/>
-                </a:solidFill>
-                <a:latin typeface="Courier New" panose="02070309020205020404" pitchFamily="49" charset="0"/>
-                <a:cs typeface="Courier New" panose="02070309020205020404" pitchFamily="49" charset="0"/>
-              </a:rPr>
-              <a:t>‘Bob’</a:t>
-            </a:r>
-          </a:p>
-        </p:txBody>
-      </p:sp>
-      <p:sp>
-        <p:nvSpPr>
-          <p:cNvPr id="8" name="Shape 525">
-            <a:extLst>
-              <a:ext uri="{FF2B5EF4-FFF2-40B4-BE49-F238E27FC236}">
-                <a16:creationId xmlns:a16="http://schemas.microsoft.com/office/drawing/2014/main" id="{1018420E-1F02-4413-8183-69F924ABF5B7}"/>
-              </a:ext>
-            </a:extLst>
-          </p:cNvPr>
+              <a:t>Function vs method</a:t>
+            </a:r>
+          </a:p>
+        </p:txBody>
+      </p:sp>
+      <p:sp>
+        <p:nvSpPr>
+          <p:cNvPr id="512" name="Shape 512"/>
           <p:cNvSpPr/>
           <p:nvPr/>
         </p:nvSpPr>
         <p:spPr>
-          <a:xfrm rot="16200000">
-            <a:off x="4773001" y="4382889"/>
-            <a:ext cx="1620785" cy="518252"/>
-          </a:xfrm>
-          <a:prstGeom prst="rightArrow">
-            <a:avLst>
-              <a:gd name="adj1" fmla="val 34174"/>
-              <a:gd name="adj2" fmla="val 145948"/>
-            </a:avLst>
-          </a:prstGeom>
-          <a:solidFill>
-            <a:schemeClr val="accent5"/>
-          </a:solidFill>
-          <a:ln w="12700">
-            <a:miter lim="400000"/>
-          </a:ln>
-        </p:spPr>
-        <p:txBody>
-          <a:bodyPr lIns="50800" tIns="50800" rIns="50800" bIns="50800" anchor="ctr"/>
-          <a:lstStyle/>
-          <a:p>
-            <a:pPr algn="ctr">
-              <a:lnSpc>
-                <a:spcPct val="80000"/>
-              </a:lnSpc>
-              <a:spcBef>
-                <a:spcPts val="0"/>
-              </a:spcBef>
-              <a:defRPr sz="2800" cap="all">
-                <a:solidFill>
-                  <a:srgbClr val="FFFFFF"/>
-                </a:solidFill>
-              </a:defRPr>
-            </a:pPr>
-            <a:endParaRPr/>
-          </a:p>
-        </p:txBody>
-      </p:sp>
-      <p:sp>
-        <p:nvSpPr>
-          <p:cNvPr id="9" name="Shape 526">
-            <a:extLst>
-              <a:ext uri="{FF2B5EF4-FFF2-40B4-BE49-F238E27FC236}">
-                <a16:creationId xmlns:a16="http://schemas.microsoft.com/office/drawing/2014/main" id="{F0DAEB24-A6F2-4076-8910-45DDF5339049}"/>
-              </a:ext>
-            </a:extLst>
-          </p:cNvPr>
-          <p:cNvSpPr/>
-          <p:nvPr/>
-        </p:nvSpPr>
-        <p:spPr>
           <a:xfrm>
-            <a:off x="4098254" y="5490290"/>
-            <a:ext cx="6147817" cy="1143001"/>
+            <a:off x="466598" y="3924452"/>
+            <a:ext cx="11726396" cy="965201"/>
           </a:xfrm>
           <a:prstGeom prst="rect">
             <a:avLst/>
@@ -16405,7 +16357,7 @@
           </a:ln>
           <a:extLst>
             <a:ext uri="{C572A759-6A51-4108-AA02-DFA0A04FC94B}">
-              <ma14:wrappingTextBoxFlag xmlns="" xmlns:ma14="http://schemas.microsoft.com/office/mac/drawingml/2011/main" val="1"/>
+              <ma14:wrappingTextBoxFlag xmlns:ma14="http://schemas.microsoft.com/office/mac/drawingml/2011/main" xmlns="" val="1"/>
             </a:ext>
           </a:extLst>
         </p:spPr>
@@ -16413,22 +16365,83 @@
           <a:bodyPr wrap="none" lIns="50800" tIns="50800" rIns="50800" bIns="50800" anchor="ctr">
             <a:spAutoFit/>
           </a:bodyPr>
-          <a:lstStyle>
-            <a:lvl1pPr>
-              <a:defRPr sz="6000">
-                <a:solidFill>
-                  <a:schemeClr val="accent5"/>
-                </a:solidFill>
-                <a:latin typeface="Avenir Next Medium"/>
-                <a:ea typeface="Avenir Next Medium"/>
-                <a:cs typeface="Avenir Next Medium"/>
-                <a:sym typeface="Avenir Next Medium"/>
-              </a:defRPr>
-            </a:lvl1pPr>
-          </a:lstStyle>
-          <a:p>
-            <a:r>
-              <a:t>method on string</a:t>
+          <a:lstStyle/>
+          <a:p>
+            <a:pPr marL="705969" indent="-705969">
+              <a:buSzPct val="40000"/>
+              <a:buBlip>
+                <a:blip r:embed="rId2"/>
+              </a:buBlip>
+              <a:defRPr sz="5000" u="sng">
+                <a:solidFill>
+                  <a:srgbClr val="838787"/>
+                </a:solidFill>
+                <a:latin typeface="Avenir Next"/>
+                <a:ea typeface="Avenir Next"/>
+                <a:cs typeface="Avenir Next"/>
+                <a:sym typeface="Avenir Next"/>
+              </a:defRPr>
+            </a:pPr>
+            <a:r>
+              <a:t>Same</a:t>
+            </a:r>
+            <a:r>
+              <a:rPr u="none"/>
+              <a:t>: performs an “action” with input</a:t>
+            </a:r>
+          </a:p>
+        </p:txBody>
+      </p:sp>
+      <p:sp>
+        <p:nvSpPr>
+          <p:cNvPr id="513" name="Shape 513"/>
+          <p:cNvSpPr/>
+          <p:nvPr/>
+        </p:nvSpPr>
+        <p:spPr>
+          <a:xfrm>
+            <a:off x="466597" y="5897032"/>
+            <a:ext cx="12071606" cy="965201"/>
+          </a:xfrm>
+          <a:prstGeom prst="rect">
+            <a:avLst/>
+          </a:prstGeom>
+          <a:ln w="12700">
+            <a:miter lim="400000"/>
+          </a:ln>
+          <a:extLst>
+            <a:ext uri="{C572A759-6A51-4108-AA02-DFA0A04FC94B}">
+              <ma14:wrappingTextBoxFlag xmlns:ma14="http://schemas.microsoft.com/office/mac/drawingml/2011/main" xmlns="" val="1"/>
+            </a:ext>
+          </a:extLst>
+        </p:spPr>
+        <p:txBody>
+          <a:bodyPr lIns="50800" tIns="50800" rIns="50800" bIns="50800" anchor="ctr">
+            <a:spAutoFit/>
+          </a:bodyPr>
+          <a:lstStyle/>
+          <a:p>
+            <a:pPr marL="705969" indent="-705969">
+              <a:buSzPct val="40000"/>
+              <a:buBlip>
+                <a:blip r:embed="rId2"/>
+              </a:buBlip>
+              <a:defRPr sz="5000" u="sng">
+                <a:solidFill>
+                  <a:srgbClr val="838787"/>
+                </a:solidFill>
+                <a:latin typeface="Avenir Next"/>
+                <a:ea typeface="Avenir Next"/>
+                <a:cs typeface="Avenir Next"/>
+                <a:sym typeface="Avenir Next"/>
+              </a:defRPr>
+            </a:pPr>
+            <a:r>
+              <a:t>Different</a:t>
+            </a:r>
+            <a:r>
+              <a:rPr u="none"/>
+              <a:t>: where input comes from</a:t>
             </a:r>
           </a:p>
         </p:txBody>
@@ -16461,7 +16474,7 @@
       </p:grpSpPr>
       <p:sp>
         <p:nvSpPr>
-          <p:cNvPr id="528" name="Shape 528"/>
+          <p:cNvPr id="518" name="Shape 518"/>
           <p:cNvSpPr>
             <a:spLocks noGrp="1"/>
           </p:cNvSpPr>
@@ -16469,17 +16482,11 @@
             <p:ph type="title"/>
           </p:nvPr>
         </p:nvSpPr>
-        <p:spPr>
-          <a:xfrm>
-            <a:off x="406400" y="1536700"/>
-            <a:ext cx="12192000" cy="1169261"/>
-          </a:xfrm>
-          <a:prstGeom prst="rect">
-            <a:avLst/>
-          </a:prstGeom>
-        </p:spPr>
-        <p:txBody>
-          <a:bodyPr/>
+        <p:spPr/>
+        <p:txBody>
+          <a:bodyPr>
+            <a:normAutofit fontScale="90000"/>
+          </a:bodyPr>
           <a:lstStyle>
             <a:lvl1pPr defTabSz="403097">
               <a:spcBef>
@@ -16490,124 +16497,119 @@
           </a:lstStyle>
           <a:p>
             <a:r>
-              <a:t>Function vs method</a:t>
-            </a:r>
-          </a:p>
-        </p:txBody>
-      </p:sp>
-      <p:sp>
-        <p:nvSpPr>
-          <p:cNvPr id="529" name="Shape 529"/>
+              <a:rPr lang="en-US"/>
+              <a:t>method Example</a:t>
+            </a:r>
+          </a:p>
+        </p:txBody>
+      </p:sp>
+      <p:sp>
+        <p:nvSpPr>
+          <p:cNvPr id="3" name="Text Placeholder 2">
+            <a:extLst>
+              <a:ext uri="{FF2B5EF4-FFF2-40B4-BE49-F238E27FC236}">
+                <a16:creationId xmlns:a16="http://schemas.microsoft.com/office/drawing/2014/main" id="{9450779A-E9BC-4748-9F6C-E24E5FF08F1D}"/>
+              </a:ext>
+            </a:extLst>
+          </p:cNvPr>
+          <p:cNvSpPr>
+            <a:spLocks noGrp="1"/>
+          </p:cNvSpPr>
+          <p:nvPr>
+            <p:ph type="body" sz="quarter" idx="10"/>
+          </p:nvPr>
+        </p:nvSpPr>
+        <p:spPr/>
+        <p:txBody>
+          <a:bodyPr/>
+          <a:lstStyle/>
+          <a:p>
+            <a:pPr marL="0" indent="0">
+              <a:buNone/>
+            </a:pPr>
+            <a:r>
+              <a:rPr lang="en-US" dirty="0">
+                <a:latin typeface="Courier New" panose="02070309020205020404" pitchFamily="49" charset="0"/>
+                <a:cs typeface="Courier New" panose="02070309020205020404" pitchFamily="49" charset="0"/>
+              </a:rPr>
+              <a:t>&gt;&gt;&gt; “Rob”.</a:t>
+            </a:r>
+            <a:r>
+              <a:rPr lang="en-US" u="sng" dirty="0">
+                <a:uFill>
+                  <a:solidFill>
+                    <a:srgbClr val="FF0000"/>
+                  </a:solidFill>
+                </a:uFill>
+                <a:latin typeface="Courier New" panose="02070309020205020404" pitchFamily="49" charset="0"/>
+                <a:cs typeface="Courier New" panose="02070309020205020404" pitchFamily="49" charset="0"/>
+              </a:rPr>
+              <a:t>replace</a:t>
+            </a:r>
+            <a:r>
+              <a:rPr lang="en-US" dirty="0">
+                <a:latin typeface="Courier New" panose="02070309020205020404" pitchFamily="49" charset="0"/>
+                <a:cs typeface="Courier New" panose="02070309020205020404" pitchFamily="49" charset="0"/>
+              </a:rPr>
+              <a:t>(“</a:t>
+            </a:r>
+            <a:r>
+              <a:rPr lang="en-US" dirty="0" err="1">
+                <a:latin typeface="Courier New" panose="02070309020205020404" pitchFamily="49" charset="0"/>
+                <a:cs typeface="Courier New" panose="02070309020205020404" pitchFamily="49" charset="0"/>
+              </a:rPr>
+              <a:t>R”,“B</a:t>
+            </a:r>
+            <a:r>
+              <a:rPr lang="en-US" dirty="0">
+                <a:latin typeface="Courier New" panose="02070309020205020404" pitchFamily="49" charset="0"/>
+                <a:cs typeface="Courier New" panose="02070309020205020404" pitchFamily="49" charset="0"/>
+              </a:rPr>
+              <a:t>”)</a:t>
+            </a:r>
+          </a:p>
+          <a:p>
+            <a:pPr marL="0" indent="0">
+              <a:buNone/>
+            </a:pPr>
+            <a:r>
+              <a:rPr lang="en-US" dirty="0">
+                <a:solidFill>
+                  <a:schemeClr val="accent3"/>
+                </a:solidFill>
+                <a:latin typeface="Courier New" panose="02070309020205020404" pitchFamily="49" charset="0"/>
+                <a:cs typeface="Courier New" panose="02070309020205020404" pitchFamily="49" charset="0"/>
+              </a:rPr>
+              <a:t>‘Bob’</a:t>
+            </a:r>
+          </a:p>
+        </p:txBody>
+      </p:sp>
+      <p:sp>
+        <p:nvSpPr>
+          <p:cNvPr id="8" name="Shape 525">
+            <a:extLst>
+              <a:ext uri="{FF2B5EF4-FFF2-40B4-BE49-F238E27FC236}">
+                <a16:creationId xmlns:a16="http://schemas.microsoft.com/office/drawing/2014/main" id="{1018420E-1F02-4413-8183-69F924ABF5B7}"/>
+              </a:ext>
+            </a:extLst>
+          </p:cNvPr>
           <p:cNvSpPr/>
           <p:nvPr/>
         </p:nvSpPr>
         <p:spPr>
-          <a:xfrm>
-            <a:off x="556366" y="4260848"/>
-            <a:ext cx="11454712" cy="927101"/>
-          </a:xfrm>
-          <a:prstGeom prst="rect">
-            <a:avLst/>
-          </a:prstGeom>
-          <a:ln w="12700">
-            <a:miter lim="400000"/>
-          </a:ln>
-          <a:extLst>
-            <a:ext uri="{C572A759-6A51-4108-AA02-DFA0A04FC94B}">
-              <ma14:wrappingTextBoxFlag xmlns="" xmlns:ma14="http://schemas.microsoft.com/office/mac/drawingml/2011/main" val="1"/>
-            </a:ext>
-          </a:extLst>
-        </p:spPr>
-        <p:txBody>
-          <a:bodyPr lIns="50800" tIns="50800" rIns="50800" bIns="50800" anchor="ctr">
-            <a:spAutoFit/>
-          </a:bodyPr>
-          <a:lstStyle>
-            <a:lvl1pPr>
-              <a:defRPr sz="5400">
-                <a:solidFill>
-                  <a:srgbClr val="838787"/>
-                </a:solidFill>
-                <a:latin typeface="Anonymous Pro for Powerline"/>
-                <a:ea typeface="Anonymous Pro for Powerline"/>
-                <a:cs typeface="Anonymous Pro for Powerline"/>
-                <a:sym typeface="Anonymous Pro for Powerline"/>
-              </a:defRPr>
-            </a:lvl1pPr>
-          </a:lstStyle>
-          <a:p>
-            <a:r>
-              <a:t>int(“123”)</a:t>
-            </a:r>
-          </a:p>
-        </p:txBody>
-      </p:sp>
-      <p:sp>
-        <p:nvSpPr>
-          <p:cNvPr id="530" name="Shape 530"/>
-          <p:cNvSpPr/>
-          <p:nvPr/>
-        </p:nvSpPr>
-        <p:spPr>
-          <a:xfrm>
-            <a:off x="351327" y="6877049"/>
-            <a:ext cx="11454712" cy="927101"/>
-          </a:xfrm>
-          <a:prstGeom prst="rect">
-            <a:avLst/>
-          </a:prstGeom>
-          <a:ln w="12700">
-            <a:miter lim="400000"/>
-          </a:ln>
-          <a:extLst>
-            <a:ext uri="{C572A759-6A51-4108-AA02-DFA0A04FC94B}">
-              <ma14:wrappingTextBoxFlag xmlns="" xmlns:ma14="http://schemas.microsoft.com/office/mac/drawingml/2011/main" val="1"/>
-            </a:ext>
-          </a:extLst>
-        </p:spPr>
-        <p:txBody>
-          <a:bodyPr lIns="50800" tIns="50800" rIns="50800" bIns="50800" anchor="ctr">
-            <a:spAutoFit/>
-          </a:bodyPr>
-          <a:lstStyle>
-            <a:lvl1pPr>
-              <a:defRPr sz="5400">
-                <a:solidFill>
-                  <a:srgbClr val="838787"/>
-                </a:solidFill>
-                <a:latin typeface="Anonymous Pro for Powerline"/>
-                <a:ea typeface="Anonymous Pro for Powerline"/>
-                <a:cs typeface="Anonymous Pro for Powerline"/>
-                <a:sym typeface="Anonymous Pro for Powerline"/>
-              </a:defRPr>
-            </a:lvl1pPr>
-          </a:lstStyle>
-          <a:p>
-            <a:r>
-              <a:t>“Rob”.replace(“R”,“B”)</a:t>
-            </a:r>
-          </a:p>
-        </p:txBody>
-      </p:sp>
-      <p:sp>
-        <p:nvSpPr>
-          <p:cNvPr id="531" name="Shape 531"/>
-          <p:cNvSpPr/>
-          <p:nvPr/>
-        </p:nvSpPr>
-        <p:spPr>
-          <a:xfrm rot="10800000">
-            <a:off x="5532582" y="4194604"/>
-            <a:ext cx="1270002" cy="1270002"/>
+          <a:xfrm rot="16200000">
+            <a:off x="4773001" y="4382889"/>
+            <a:ext cx="1620785" cy="518252"/>
           </a:xfrm>
           <a:prstGeom prst="rightArrow">
             <a:avLst>
-              <a:gd name="adj1" fmla="val 32000"/>
-              <a:gd name="adj2" fmla="val 64000"/>
+              <a:gd name="adj1" fmla="val 34174"/>
+              <a:gd name="adj2" fmla="val 145948"/>
             </a:avLst>
           </a:prstGeom>
           <a:solidFill>
-            <a:schemeClr val="accent1"/>
+            <a:schemeClr val="accent5"/>
           </a:solidFill>
           <a:ln w="12700">
             <a:miter lim="400000"/>
@@ -16636,14 +16638,20 @@
       </p:sp>
       <p:sp>
         <p:nvSpPr>
-          <p:cNvPr id="532" name="Shape 532"/>
+          <p:cNvPr id="9" name="Shape 526">
+            <a:extLst>
+              <a:ext uri="{FF2B5EF4-FFF2-40B4-BE49-F238E27FC236}">
+                <a16:creationId xmlns:a16="http://schemas.microsoft.com/office/drawing/2014/main" id="{F0DAEB24-A6F2-4076-8910-45DDF5339049}"/>
+              </a:ext>
+            </a:extLst>
+          </p:cNvPr>
           <p:cNvSpPr/>
           <p:nvPr/>
         </p:nvSpPr>
         <p:spPr>
           <a:xfrm>
-            <a:off x="7179408" y="4080303"/>
-            <a:ext cx="4151262" cy="1498601"/>
+            <a:off x="4098254" y="5490290"/>
+            <a:ext cx="6147817" cy="1143001"/>
           </a:xfrm>
           <a:prstGeom prst="rect">
             <a:avLst/>
@@ -16653,19 +16661,19 @@
           </a:ln>
           <a:extLst>
             <a:ext uri="{C572A759-6A51-4108-AA02-DFA0A04FC94B}">
-              <ma14:wrappingTextBoxFlag xmlns="" xmlns:ma14="http://schemas.microsoft.com/office/mac/drawingml/2011/main" val="1"/>
+              <ma14:wrappingTextBoxFlag xmlns:ma14="http://schemas.microsoft.com/office/mac/drawingml/2011/main" xmlns="" val="1"/>
             </a:ext>
           </a:extLst>
         </p:spPr>
         <p:txBody>
-          <a:bodyPr lIns="50800" tIns="50800" rIns="50800" bIns="50800" anchor="ctr">
+          <a:bodyPr wrap="none" lIns="50800" tIns="50800" rIns="50800" bIns="50800" anchor="ctr">
             <a:spAutoFit/>
           </a:bodyPr>
           <a:lstStyle>
             <a:lvl1pPr>
-              <a:defRPr sz="4000">
-                <a:solidFill>
-                  <a:schemeClr val="accent1"/>
+              <a:defRPr sz="6000">
+                <a:solidFill>
+                  <a:schemeClr val="accent5"/>
                 </a:solidFill>
                 <a:latin typeface="Avenir Next Medium"/>
                 <a:ea typeface="Avenir Next Medium"/>
@@ -16676,7 +16684,7 @@
           </a:lstStyle>
           <a:p>
             <a:r>
-              <a:t>Input between parentheses</a:t>
+              <a:t>method on string</a:t>
             </a:r>
           </a:p>
         </p:txBody>
@@ -16709,7 +16717,7 @@
       </p:grpSpPr>
       <p:sp>
         <p:nvSpPr>
-          <p:cNvPr id="534" name="Shape 534"/>
+          <p:cNvPr id="528" name="Shape 528"/>
           <p:cNvSpPr>
             <a:spLocks noGrp="1"/>
           </p:cNvSpPr>
@@ -16745,7 +16753,7 @@
       </p:sp>
       <p:sp>
         <p:nvSpPr>
-          <p:cNvPr id="535" name="Shape 535"/>
+          <p:cNvPr id="529" name="Shape 529"/>
           <p:cNvSpPr/>
           <p:nvPr/>
         </p:nvSpPr>
@@ -16762,7 +16770,7 @@
           </a:ln>
           <a:extLst>
             <a:ext uri="{C572A759-6A51-4108-AA02-DFA0A04FC94B}">
-              <ma14:wrappingTextBoxFlag xmlns="" xmlns:ma14="http://schemas.microsoft.com/office/mac/drawingml/2011/main" val="1"/>
+              <ma14:wrappingTextBoxFlag xmlns:ma14="http://schemas.microsoft.com/office/mac/drawingml/2011/main" xmlns="" val="1"/>
             </a:ext>
           </a:extLst>
         </p:spPr>
@@ -16792,7 +16800,7 @@
       </p:sp>
       <p:sp>
         <p:nvSpPr>
-          <p:cNvPr id="536" name="Shape 536"/>
+          <p:cNvPr id="530" name="Shape 530"/>
           <p:cNvSpPr/>
           <p:nvPr/>
         </p:nvSpPr>
@@ -16809,7 +16817,7 @@
           </a:ln>
           <a:extLst>
             <a:ext uri="{C572A759-6A51-4108-AA02-DFA0A04FC94B}">
-              <ma14:wrappingTextBoxFlag xmlns="" xmlns:ma14="http://schemas.microsoft.com/office/mac/drawingml/2011/main" val="1"/>
+              <ma14:wrappingTextBoxFlag xmlns:ma14="http://schemas.microsoft.com/office/mac/drawingml/2011/main" xmlns="" val="1"/>
             </a:ext>
           </a:extLst>
         </p:spPr>
@@ -16839,7 +16847,7 @@
       </p:sp>
       <p:sp>
         <p:nvSpPr>
-          <p:cNvPr id="537" name="Shape 537"/>
+          <p:cNvPr id="531" name="Shape 531"/>
           <p:cNvSpPr/>
           <p:nvPr/>
         </p:nvSpPr>
@@ -16884,7 +16892,7 @@
       </p:sp>
       <p:sp>
         <p:nvSpPr>
-          <p:cNvPr id="538" name="Shape 538"/>
+          <p:cNvPr id="532" name="Shape 532"/>
           <p:cNvSpPr/>
           <p:nvPr/>
         </p:nvSpPr>
@@ -16901,7 +16909,7 @@
           </a:ln>
           <a:extLst>
             <a:ext uri="{C572A759-6A51-4108-AA02-DFA0A04FC94B}">
-              <ma14:wrappingTextBoxFlag xmlns="" xmlns:ma14="http://schemas.microsoft.com/office/mac/drawingml/2011/main" val="1"/>
+              <ma14:wrappingTextBoxFlag xmlns:ma14="http://schemas.microsoft.com/office/mac/drawingml/2011/main" xmlns="" val="1"/>
             </a:ext>
           </a:extLst>
         </p:spPr>
@@ -16925,98 +16933,6 @@
           <a:p>
             <a:r>
               <a:t>Input between parentheses</a:t>
-            </a:r>
-          </a:p>
-        </p:txBody>
-      </p:sp>
-      <p:sp>
-        <p:nvSpPr>
-          <p:cNvPr id="539" name="Shape 539"/>
-          <p:cNvSpPr/>
-          <p:nvPr/>
-        </p:nvSpPr>
-        <p:spPr>
-          <a:xfrm rot="10800000">
-            <a:off x="8779027" y="6756400"/>
-            <a:ext cx="1270002" cy="1270000"/>
-          </a:xfrm>
-          <a:prstGeom prst="rightArrow">
-            <a:avLst>
-              <a:gd name="adj1" fmla="val 32000"/>
-              <a:gd name="adj2" fmla="val 64000"/>
-            </a:avLst>
-          </a:prstGeom>
-          <a:solidFill>
-            <a:schemeClr val="accent1"/>
-          </a:solidFill>
-          <a:ln w="12700">
-            <a:miter lim="400000"/>
-          </a:ln>
-        </p:spPr>
-        <p:txBody>
-          <a:bodyPr lIns="50800" tIns="50800" rIns="50800" bIns="50800" anchor="ctr"/>
-          <a:lstStyle/>
-          <a:p>
-            <a:pPr algn="ctr">
-              <a:lnSpc>
-                <a:spcPct val="80000"/>
-              </a:lnSpc>
-              <a:spcBef>
-                <a:spcPts val="0"/>
-              </a:spcBef>
-              <a:defRPr sz="2800" cap="all">
-                <a:solidFill>
-                  <a:srgbClr val="FFFFFF"/>
-                </a:solidFill>
-              </a:defRPr>
-            </a:pPr>
-            <a:endParaRPr/>
-          </a:p>
-        </p:txBody>
-      </p:sp>
-      <p:sp>
-        <p:nvSpPr>
-          <p:cNvPr id="540" name="Shape 540"/>
-          <p:cNvSpPr/>
-          <p:nvPr/>
-        </p:nvSpPr>
-        <p:spPr>
-          <a:xfrm>
-            <a:off x="10232389" y="6642100"/>
-            <a:ext cx="2642997" cy="1498601"/>
-          </a:xfrm>
-          <a:prstGeom prst="rect">
-            <a:avLst/>
-          </a:prstGeom>
-          <a:ln w="12700">
-            <a:miter lim="400000"/>
-          </a:ln>
-          <a:extLst>
-            <a:ext uri="{C572A759-6A51-4108-AA02-DFA0A04FC94B}">
-              <ma14:wrappingTextBoxFlag xmlns="" xmlns:ma14="http://schemas.microsoft.com/office/mac/drawingml/2011/main" val="1"/>
-            </a:ext>
-          </a:extLst>
-        </p:spPr>
-        <p:txBody>
-          <a:bodyPr lIns="50800" tIns="50800" rIns="50800" bIns="50800" anchor="ctr">
-            <a:spAutoFit/>
-          </a:bodyPr>
-          <a:lstStyle>
-            <a:lvl1pPr>
-              <a:defRPr sz="4000">
-                <a:solidFill>
-                  <a:schemeClr val="accent1"/>
-                </a:solidFill>
-                <a:latin typeface="Avenir Next Medium"/>
-                <a:ea typeface="Avenir Next Medium"/>
-                <a:cs typeface="Avenir Next Medium"/>
-                <a:sym typeface="Avenir Next Medium"/>
-              </a:defRPr>
-            </a:lvl1pPr>
-          </a:lstStyle>
-          <a:p>
-            <a:r>
-              <a:t>Main input before dot</a:t>
             </a:r>
           </a:p>
         </p:txBody>
@@ -17049,7 +16965,7 @@
       </p:grpSpPr>
       <p:sp>
         <p:nvSpPr>
-          <p:cNvPr id="542" name="Shape 542"/>
+          <p:cNvPr id="534" name="Shape 534"/>
           <p:cNvSpPr>
             <a:spLocks noGrp="1"/>
           </p:cNvSpPr>
@@ -17057,54 +16973,306 @@
             <p:ph type="title"/>
           </p:nvPr>
         </p:nvSpPr>
-        <p:spPr/>
-        <p:txBody>
-          <a:bodyPr>
-            <a:normAutofit fontScale="90000"/>
+        <p:spPr>
+          <a:xfrm>
+            <a:off x="406400" y="1536700"/>
+            <a:ext cx="12192000" cy="1169261"/>
+          </a:xfrm>
+          <a:prstGeom prst="rect">
+            <a:avLst/>
+          </a:prstGeom>
+        </p:spPr>
+        <p:txBody>
+          <a:bodyPr/>
+          <a:lstStyle>
+            <a:lvl1pPr defTabSz="403097">
+              <a:spcBef>
+                <a:spcPts val="1900"/>
+              </a:spcBef>
+              <a:defRPr sz="8200"/>
+            </a:lvl1pPr>
+          </a:lstStyle>
+          <a:p>
+            <a:r>
+              <a:t>Function vs method</a:t>
+            </a:r>
+          </a:p>
+        </p:txBody>
+      </p:sp>
+      <p:sp>
+        <p:nvSpPr>
+          <p:cNvPr id="535" name="Shape 535"/>
+          <p:cNvSpPr/>
+          <p:nvPr/>
+        </p:nvSpPr>
+        <p:spPr>
+          <a:xfrm>
+            <a:off x="556366" y="4260848"/>
+            <a:ext cx="11454712" cy="927101"/>
+          </a:xfrm>
+          <a:prstGeom prst="rect">
+            <a:avLst/>
+          </a:prstGeom>
+          <a:ln w="12700">
+            <a:miter lim="400000"/>
+          </a:ln>
+          <a:extLst>
+            <a:ext uri="{C572A759-6A51-4108-AA02-DFA0A04FC94B}">
+              <ma14:wrappingTextBoxFlag xmlns:ma14="http://schemas.microsoft.com/office/mac/drawingml/2011/main" xmlns="" val="1"/>
+            </a:ext>
+          </a:extLst>
+        </p:spPr>
+        <p:txBody>
+          <a:bodyPr lIns="50800" tIns="50800" rIns="50800" bIns="50800" anchor="ctr">
+            <a:spAutoFit/>
           </a:bodyPr>
           <a:lstStyle>
             <a:lvl1pPr>
-              <a:defRPr sz="7000"/>
+              <a:defRPr sz="5400">
+                <a:solidFill>
+                  <a:srgbClr val="838787"/>
+                </a:solidFill>
+                <a:latin typeface="Anonymous Pro for Powerline"/>
+                <a:ea typeface="Anonymous Pro for Powerline"/>
+                <a:cs typeface="Anonymous Pro for Powerline"/>
+                <a:sym typeface="Anonymous Pro for Powerline"/>
+              </a:defRPr>
             </a:lvl1pPr>
           </a:lstStyle>
           <a:p>
             <a:r>
-              <a:rPr lang="en-US"/>
-              <a:t>Casting between Data types</a:t>
-            </a:r>
-          </a:p>
-        </p:txBody>
-      </p:sp>
-      <p:sp>
-        <p:nvSpPr>
-          <p:cNvPr id="543" name="Shape 543"/>
-          <p:cNvSpPr>
-            <a:spLocks noGrp="1"/>
-          </p:cNvSpPr>
-          <p:nvPr>
-            <p:ph type="body" idx="10"/>
-          </p:nvPr>
-        </p:nvSpPr>
-        <p:spPr/>
-        <p:txBody>
-          <a:bodyPr/>
+              <a:t>int(“123”)</a:t>
+            </a:r>
+          </a:p>
+        </p:txBody>
+      </p:sp>
+      <p:sp>
+        <p:nvSpPr>
+          <p:cNvPr id="536" name="Shape 536"/>
+          <p:cNvSpPr/>
+          <p:nvPr/>
+        </p:nvSpPr>
+        <p:spPr>
+          <a:xfrm>
+            <a:off x="351327" y="6877049"/>
+            <a:ext cx="11454712" cy="927101"/>
+          </a:xfrm>
+          <a:prstGeom prst="rect">
+            <a:avLst/>
+          </a:prstGeom>
+          <a:ln w="12700">
+            <a:miter lim="400000"/>
+          </a:ln>
+          <a:extLst>
+            <a:ext uri="{C572A759-6A51-4108-AA02-DFA0A04FC94B}">
+              <ma14:wrappingTextBoxFlag xmlns:ma14="http://schemas.microsoft.com/office/mac/drawingml/2011/main" xmlns="" val="1"/>
+            </a:ext>
+          </a:extLst>
+        </p:spPr>
+        <p:txBody>
+          <a:bodyPr lIns="50800" tIns="50800" rIns="50800" bIns="50800" anchor="ctr">
+            <a:spAutoFit/>
+          </a:bodyPr>
+          <a:lstStyle>
+            <a:lvl1pPr>
+              <a:defRPr sz="5400">
+                <a:solidFill>
+                  <a:srgbClr val="838787"/>
+                </a:solidFill>
+                <a:latin typeface="Anonymous Pro for Powerline"/>
+                <a:ea typeface="Anonymous Pro for Powerline"/>
+                <a:cs typeface="Anonymous Pro for Powerline"/>
+                <a:sym typeface="Anonymous Pro for Powerline"/>
+              </a:defRPr>
+            </a:lvl1pPr>
+          </a:lstStyle>
+          <a:p>
+            <a:r>
+              <a:t>“Rob”.replace(“R”,“B”)</a:t>
+            </a:r>
+          </a:p>
+        </p:txBody>
+      </p:sp>
+      <p:sp>
+        <p:nvSpPr>
+          <p:cNvPr id="537" name="Shape 537"/>
+          <p:cNvSpPr/>
+          <p:nvPr/>
+        </p:nvSpPr>
+        <p:spPr>
+          <a:xfrm rot="10800000">
+            <a:off x="5532582" y="4194604"/>
+            <a:ext cx="1270002" cy="1270002"/>
+          </a:xfrm>
+          <a:prstGeom prst="rightArrow">
+            <a:avLst>
+              <a:gd name="adj1" fmla="val 32000"/>
+              <a:gd name="adj2" fmla="val 64000"/>
+            </a:avLst>
+          </a:prstGeom>
+          <a:solidFill>
+            <a:schemeClr val="accent1"/>
+          </a:solidFill>
+          <a:ln w="12700">
+            <a:miter lim="400000"/>
+          </a:ln>
+        </p:spPr>
+        <p:txBody>
+          <a:bodyPr lIns="50800" tIns="50800" rIns="50800" bIns="50800" anchor="ctr"/>
           <a:lstStyle/>
           <a:p>
-            <a:r>
-              <a:rPr lang="en-US"/>
-              <a:t>int()</a:t>
-            </a:r>
-          </a:p>
-          <a:p>
-            <a:r>
-              <a:rPr lang="en-US"/>
-              <a:t>float()</a:t>
-            </a:r>
-          </a:p>
-          <a:p>
-            <a:r>
-              <a:rPr lang="en-US"/>
-              <a:t>str()</a:t>
+            <a:pPr algn="ctr">
+              <a:lnSpc>
+                <a:spcPct val="80000"/>
+              </a:lnSpc>
+              <a:spcBef>
+                <a:spcPts val="0"/>
+              </a:spcBef>
+              <a:defRPr sz="2800" cap="all">
+                <a:solidFill>
+                  <a:srgbClr val="FFFFFF"/>
+                </a:solidFill>
+              </a:defRPr>
+            </a:pPr>
+            <a:endParaRPr/>
+          </a:p>
+        </p:txBody>
+      </p:sp>
+      <p:sp>
+        <p:nvSpPr>
+          <p:cNvPr id="538" name="Shape 538"/>
+          <p:cNvSpPr/>
+          <p:nvPr/>
+        </p:nvSpPr>
+        <p:spPr>
+          <a:xfrm>
+            <a:off x="7179408" y="4080303"/>
+            <a:ext cx="4151262" cy="1498601"/>
+          </a:xfrm>
+          <a:prstGeom prst="rect">
+            <a:avLst/>
+          </a:prstGeom>
+          <a:ln w="12700">
+            <a:miter lim="400000"/>
+          </a:ln>
+          <a:extLst>
+            <a:ext uri="{C572A759-6A51-4108-AA02-DFA0A04FC94B}">
+              <ma14:wrappingTextBoxFlag xmlns:ma14="http://schemas.microsoft.com/office/mac/drawingml/2011/main" xmlns="" val="1"/>
+            </a:ext>
+          </a:extLst>
+        </p:spPr>
+        <p:txBody>
+          <a:bodyPr lIns="50800" tIns="50800" rIns="50800" bIns="50800" anchor="ctr">
+            <a:spAutoFit/>
+          </a:bodyPr>
+          <a:lstStyle>
+            <a:lvl1pPr>
+              <a:defRPr sz="4000">
+                <a:solidFill>
+                  <a:schemeClr val="accent1"/>
+                </a:solidFill>
+                <a:latin typeface="Avenir Next Medium"/>
+                <a:ea typeface="Avenir Next Medium"/>
+                <a:cs typeface="Avenir Next Medium"/>
+                <a:sym typeface="Avenir Next Medium"/>
+              </a:defRPr>
+            </a:lvl1pPr>
+          </a:lstStyle>
+          <a:p>
+            <a:r>
+              <a:t>Input between parentheses</a:t>
+            </a:r>
+          </a:p>
+        </p:txBody>
+      </p:sp>
+      <p:sp>
+        <p:nvSpPr>
+          <p:cNvPr id="539" name="Shape 539"/>
+          <p:cNvSpPr/>
+          <p:nvPr/>
+        </p:nvSpPr>
+        <p:spPr>
+          <a:xfrm rot="10800000">
+            <a:off x="8779027" y="6756400"/>
+            <a:ext cx="1270002" cy="1270000"/>
+          </a:xfrm>
+          <a:prstGeom prst="rightArrow">
+            <a:avLst>
+              <a:gd name="adj1" fmla="val 32000"/>
+              <a:gd name="adj2" fmla="val 64000"/>
+            </a:avLst>
+          </a:prstGeom>
+          <a:solidFill>
+            <a:schemeClr val="accent1"/>
+          </a:solidFill>
+          <a:ln w="12700">
+            <a:miter lim="400000"/>
+          </a:ln>
+        </p:spPr>
+        <p:txBody>
+          <a:bodyPr lIns="50800" tIns="50800" rIns="50800" bIns="50800" anchor="ctr"/>
+          <a:lstStyle/>
+          <a:p>
+            <a:pPr algn="ctr">
+              <a:lnSpc>
+                <a:spcPct val="80000"/>
+              </a:lnSpc>
+              <a:spcBef>
+                <a:spcPts val="0"/>
+              </a:spcBef>
+              <a:defRPr sz="2800" cap="all">
+                <a:solidFill>
+                  <a:srgbClr val="FFFFFF"/>
+                </a:solidFill>
+              </a:defRPr>
+            </a:pPr>
+            <a:endParaRPr/>
+          </a:p>
+        </p:txBody>
+      </p:sp>
+      <p:sp>
+        <p:nvSpPr>
+          <p:cNvPr id="540" name="Shape 540"/>
+          <p:cNvSpPr/>
+          <p:nvPr/>
+        </p:nvSpPr>
+        <p:spPr>
+          <a:xfrm>
+            <a:off x="10232389" y="6642100"/>
+            <a:ext cx="2642997" cy="1498601"/>
+          </a:xfrm>
+          <a:prstGeom prst="rect">
+            <a:avLst/>
+          </a:prstGeom>
+          <a:ln w="12700">
+            <a:miter lim="400000"/>
+          </a:ln>
+          <a:extLst>
+            <a:ext uri="{C572A759-6A51-4108-AA02-DFA0A04FC94B}">
+              <ma14:wrappingTextBoxFlag xmlns:ma14="http://schemas.microsoft.com/office/mac/drawingml/2011/main" xmlns="" val="1"/>
+            </a:ext>
+          </a:extLst>
+        </p:spPr>
+        <p:txBody>
+          <a:bodyPr lIns="50800" tIns="50800" rIns="50800" bIns="50800" anchor="ctr">
+            <a:spAutoFit/>
+          </a:bodyPr>
+          <a:lstStyle>
+            <a:lvl1pPr>
+              <a:defRPr sz="4000">
+                <a:solidFill>
+                  <a:schemeClr val="accent1"/>
+                </a:solidFill>
+                <a:latin typeface="Avenir Next Medium"/>
+                <a:ea typeface="Avenir Next Medium"/>
+                <a:cs typeface="Avenir Next Medium"/>
+                <a:sym typeface="Avenir Next Medium"/>
+              </a:defRPr>
+            </a:lvl1pPr>
+          </a:lstStyle>
+          <a:p>
+            <a:r>
+              <a:t>Main input before dot</a:t>
             </a:r>
           </a:p>
         </p:txBody>
@@ -17137,7 +17305,7 @@
       </p:grpSpPr>
       <p:sp>
         <p:nvSpPr>
-          <p:cNvPr id="545" name="Shape 545"/>
+          <p:cNvPr id="542" name="Shape 542"/>
           <p:cNvSpPr>
             <a:spLocks noGrp="1"/>
           </p:cNvSpPr>
@@ -17158,14 +17326,14 @@
           <a:p>
             <a:r>
               <a:rPr lang="en-US"/>
-              <a:t>Concepts covered so Far</a:t>
-            </a:r>
-          </a:p>
-        </p:txBody>
-      </p:sp>
-      <p:sp>
-        <p:nvSpPr>
-          <p:cNvPr id="546" name="Shape 546"/>
+              <a:t>Casting between Data types</a:t>
+            </a:r>
+          </a:p>
+        </p:txBody>
+      </p:sp>
+      <p:sp>
+        <p:nvSpPr>
+          <p:cNvPr id="543" name="Shape 543"/>
           <p:cNvSpPr>
             <a:spLocks noGrp="1"/>
           </p:cNvSpPr>
@@ -17180,19 +17348,19 @@
           <a:p>
             <a:r>
               <a:rPr lang="en-US"/>
-              <a:t>Function</a:t>
+              <a:t>int()</a:t>
             </a:r>
           </a:p>
           <a:p>
             <a:r>
               <a:rPr lang="en-US"/>
-              <a:t>Method</a:t>
+              <a:t>float()</a:t>
             </a:r>
           </a:p>
           <a:p>
             <a:r>
               <a:rPr lang="en-US"/>
-              <a:t>Casting</a:t>
+              <a:t>str()</a:t>
             </a:r>
           </a:p>
         </p:txBody>
@@ -17225,7 +17393,7 @@
       </p:grpSpPr>
       <p:sp>
         <p:nvSpPr>
-          <p:cNvPr id="548" name="Shape 548"/>
+          <p:cNvPr id="545" name="Shape 545"/>
           <p:cNvSpPr>
             <a:spLocks noGrp="1"/>
           </p:cNvSpPr>
@@ -17233,21 +17401,54 @@
             <p:ph type="title"/>
           </p:nvPr>
         </p:nvSpPr>
-        <p:spPr>
-          <a:xfrm>
-            <a:off x="2802101" y="4038600"/>
-            <a:ext cx="7400598" cy="4521200"/>
-          </a:xfrm>
-          <a:prstGeom prst="rect">
-            <a:avLst/>
-          </a:prstGeom>
-        </p:spPr>
+        <p:spPr/>
+        <p:txBody>
+          <a:bodyPr>
+            <a:normAutofit fontScale="90000"/>
+          </a:bodyPr>
+          <a:lstStyle>
+            <a:lvl1pPr>
+              <a:defRPr sz="7000"/>
+            </a:lvl1pPr>
+          </a:lstStyle>
+          <a:p>
+            <a:r>
+              <a:rPr lang="en-US"/>
+              <a:t>Concepts covered so Far</a:t>
+            </a:r>
+          </a:p>
+        </p:txBody>
+      </p:sp>
+      <p:sp>
+        <p:nvSpPr>
+          <p:cNvPr id="546" name="Shape 546"/>
+          <p:cNvSpPr>
+            <a:spLocks noGrp="1"/>
+          </p:cNvSpPr>
+          <p:nvPr>
+            <p:ph type="body" idx="10"/>
+          </p:nvPr>
+        </p:nvSpPr>
+        <p:spPr/>
         <p:txBody>
           <a:bodyPr/>
           <a:lstStyle/>
           <a:p>
             <a:r>
-              <a:t>Exercises</a:t>
+              <a:rPr lang="en-US"/>
+              <a:t>Function</a:t>
+            </a:r>
+          </a:p>
+          <a:p>
+            <a:r>
+              <a:rPr lang="en-US"/>
+              <a:t>Method</a:t>
+            </a:r>
+          </a:p>
+          <a:p>
+            <a:r>
+              <a:rPr lang="en-US"/>
+              <a:t>Casting</a:t>
             </a:r>
           </a:p>
         </p:txBody>
@@ -17428,6 +17629,61 @@
               </a:defRPr>
             </a:pPr>
             <a:endParaRPr/>
+          </a:p>
+        </p:txBody>
+      </p:sp>
+    </p:spTree>
+  </p:cSld>
+  <p:clrMapOvr>
+    <a:masterClrMapping/>
+  </p:clrMapOvr>
+  <p:transition spd="med"/>
+</p:sld>
+</file>
+
+<file path=ppt/slides/slide70.xml><?xml version="1.0" encoding="utf-8"?>
+<p:sld xmlns:a="http://schemas.openxmlformats.org/drawingml/2006/main" xmlns:r="http://schemas.openxmlformats.org/officeDocument/2006/relationships" xmlns:p="http://schemas.openxmlformats.org/presentationml/2006/main">
+  <p:cSld>
+    <p:spTree>
+      <p:nvGrpSpPr>
+        <p:cNvPr id="1" name=""/>
+        <p:cNvGrpSpPr/>
+        <p:nvPr/>
+      </p:nvGrpSpPr>
+      <p:grpSpPr>
+        <a:xfrm>
+          <a:off x="0" y="0"/>
+          <a:ext cx="0" cy="0"/>
+          <a:chOff x="0" y="0"/>
+          <a:chExt cx="0" cy="0"/>
+        </a:xfrm>
+      </p:grpSpPr>
+      <p:sp>
+        <p:nvSpPr>
+          <p:cNvPr id="548" name="Shape 548"/>
+          <p:cNvSpPr>
+            <a:spLocks noGrp="1"/>
+          </p:cNvSpPr>
+          <p:nvPr>
+            <p:ph type="title"/>
+          </p:nvPr>
+        </p:nvSpPr>
+        <p:spPr>
+          <a:xfrm>
+            <a:off x="2802101" y="4038600"/>
+            <a:ext cx="7400598" cy="4521200"/>
+          </a:xfrm>
+          <a:prstGeom prst="rect">
+            <a:avLst/>
+          </a:prstGeom>
+        </p:spPr>
+        <p:txBody>
+          <a:bodyPr/>
+          <a:lstStyle/>
+          <a:p>
+            <a:r>
+              <a:t>Exercises</a:t>
+            </a:r>
           </a:p>
         </p:txBody>
       </p:sp>
